--- a/Atlantic Fish Catch.pptx
+++ b/Atlantic Fish Catch.pptx
@@ -1,12 +1,20 @@
 
 <file path=ppt/presentation.xml><?xml version="1.0" encoding="utf-8"?>
-<p:presentation xmlns:a="http://schemas.openxmlformats.org/drawingml/2006/main" xmlns:p="http://schemas.openxmlformats.org/presentationml/2006/main" xmlns:r="http://schemas.openxmlformats.org/officeDocument/2006/relationships" saveSubsetFonts="1">
+<p:presentation xmlns:a="http://schemas.openxmlformats.org/drawingml/2006/main" xmlns:r="http://schemas.openxmlformats.org/officeDocument/2006/relationships" xmlns:p="http://schemas.openxmlformats.org/presentationml/2006/main" saveSubsetFonts="1">
   <p:sldMasterIdLst>
     <p:sldMasterId id="2147483648" r:id="rId1"/>
   </p:sldMasterIdLst>
   <p:sldIdLst>
-    <p:sldId id="256" r:id="rId6"/>
-    <p:sldId id="257" r:id="rId7"/>
+    <p:sldId id="256" r:id="rId2"/>
+    <p:sldId id="257" r:id="rId3"/>
+    <p:sldId id="260" r:id="rId4"/>
+    <p:sldId id="261" r:id="rId5"/>
+    <p:sldId id="262" r:id="rId6"/>
+    <p:sldId id="266" r:id="rId7"/>
+    <p:sldId id="264" r:id="rId8"/>
+    <p:sldId id="263" r:id="rId9"/>
+    <p:sldId id="265" r:id="rId10"/>
+    <p:sldId id="267" r:id="rId11"/>
   </p:sldIdLst>
   <p:sldSz cx="12192000" cy="6858000"/>
   <p:notesSz cx="6858000" cy="9144000"/>
@@ -14,8 +22,8 @@
     <a:defPPr>
       <a:defRPr lang="en-US"/>
     </a:defPPr>
-    <a:lvl1pPr algn="l" defTabSz="914400" eaLnBrk="1" hangingPunct="1" latinLnBrk="0" marL="0" rtl="0">
-      <a:defRPr kern="1200" sz="1800">
+    <a:lvl1pPr marL="0" algn="l" defTabSz="914400" rtl="0" eaLnBrk="1" latinLnBrk="0" hangingPunct="1">
+      <a:defRPr sz="1800" kern="1200">
         <a:solidFill>
           <a:schemeClr val="tx1"/>
         </a:solidFill>
@@ -24,8 +32,8 @@
         <a:cs typeface="+mn-cs"/>
       </a:defRPr>
     </a:lvl1pPr>
-    <a:lvl2pPr algn="l" defTabSz="914400" eaLnBrk="1" hangingPunct="1" latinLnBrk="0" marL="457200" rtl="0">
-      <a:defRPr kern="1200" sz="1800">
+    <a:lvl2pPr marL="457200" algn="l" defTabSz="914400" rtl="0" eaLnBrk="1" latinLnBrk="0" hangingPunct="1">
+      <a:defRPr sz="1800" kern="1200">
         <a:solidFill>
           <a:schemeClr val="tx1"/>
         </a:solidFill>
@@ -34,8 +42,8 @@
         <a:cs typeface="+mn-cs"/>
       </a:defRPr>
     </a:lvl2pPr>
-    <a:lvl3pPr algn="l" defTabSz="914400" eaLnBrk="1" hangingPunct="1" latinLnBrk="0" marL="914400" rtl="0">
-      <a:defRPr kern="1200" sz="1800">
+    <a:lvl3pPr marL="914400" algn="l" defTabSz="914400" rtl="0" eaLnBrk="1" latinLnBrk="0" hangingPunct="1">
+      <a:defRPr sz="1800" kern="1200">
         <a:solidFill>
           <a:schemeClr val="tx1"/>
         </a:solidFill>
@@ -44,8 +52,8 @@
         <a:cs typeface="+mn-cs"/>
       </a:defRPr>
     </a:lvl3pPr>
-    <a:lvl4pPr algn="l" defTabSz="914400" eaLnBrk="1" hangingPunct="1" latinLnBrk="0" marL="1371600" rtl="0">
-      <a:defRPr kern="1200" sz="1800">
+    <a:lvl4pPr marL="1371600" algn="l" defTabSz="914400" rtl="0" eaLnBrk="1" latinLnBrk="0" hangingPunct="1">
+      <a:defRPr sz="1800" kern="1200">
         <a:solidFill>
           <a:schemeClr val="tx1"/>
         </a:solidFill>
@@ -54,8 +62,8 @@
         <a:cs typeface="+mn-cs"/>
       </a:defRPr>
     </a:lvl4pPr>
-    <a:lvl5pPr algn="l" defTabSz="914400" eaLnBrk="1" hangingPunct="1" latinLnBrk="0" marL="1828800" rtl="0">
-      <a:defRPr kern="1200" sz="1800">
+    <a:lvl5pPr marL="1828800" algn="l" defTabSz="914400" rtl="0" eaLnBrk="1" latinLnBrk="0" hangingPunct="1">
+      <a:defRPr sz="1800" kern="1200">
         <a:solidFill>
           <a:schemeClr val="tx1"/>
         </a:solidFill>
@@ -64,8 +72,8 @@
         <a:cs typeface="+mn-cs"/>
       </a:defRPr>
     </a:lvl5pPr>
-    <a:lvl6pPr algn="l" defTabSz="914400" eaLnBrk="1" hangingPunct="1" latinLnBrk="0" marL="2286000" rtl="0">
-      <a:defRPr kern="1200" sz="1800">
+    <a:lvl6pPr marL="2286000" algn="l" defTabSz="914400" rtl="0" eaLnBrk="1" latinLnBrk="0" hangingPunct="1">
+      <a:defRPr sz="1800" kern="1200">
         <a:solidFill>
           <a:schemeClr val="tx1"/>
         </a:solidFill>
@@ -74,8 +82,8 @@
         <a:cs typeface="+mn-cs"/>
       </a:defRPr>
     </a:lvl6pPr>
-    <a:lvl7pPr algn="l" defTabSz="914400" eaLnBrk="1" hangingPunct="1" latinLnBrk="0" marL="2743200" rtl="0">
-      <a:defRPr kern="1200" sz="1800">
+    <a:lvl7pPr marL="2743200" algn="l" defTabSz="914400" rtl="0" eaLnBrk="1" latinLnBrk="0" hangingPunct="1">
+      <a:defRPr sz="1800" kern="1200">
         <a:solidFill>
           <a:schemeClr val="tx1"/>
         </a:solidFill>
@@ -84,8 +92,8 @@
         <a:cs typeface="+mn-cs"/>
       </a:defRPr>
     </a:lvl7pPr>
-    <a:lvl8pPr algn="l" defTabSz="914400" eaLnBrk="1" hangingPunct="1" latinLnBrk="0" marL="3200400" rtl="0">
-      <a:defRPr kern="1200" sz="1800">
+    <a:lvl8pPr marL="3200400" algn="l" defTabSz="914400" rtl="0" eaLnBrk="1" latinLnBrk="0" hangingPunct="1">
+      <a:defRPr sz="1800" kern="1200">
         <a:solidFill>
           <a:schemeClr val="tx1"/>
         </a:solidFill>
@@ -94,8 +102,8 @@
         <a:cs typeface="+mn-cs"/>
       </a:defRPr>
     </a:lvl8pPr>
-    <a:lvl9pPr algn="l" defTabSz="914400" eaLnBrk="1" hangingPunct="1" latinLnBrk="0" marL="3657600" rtl="0">
-      <a:defRPr kern="1200" sz="1800">
+    <a:lvl9pPr marL="3657600" algn="l" defTabSz="914400" rtl="0" eaLnBrk="1" latinLnBrk="0" hangingPunct="1">
+      <a:defRPr sz="1800" kern="1200">
         <a:solidFill>
           <a:schemeClr val="tx1"/>
         </a:solidFill>
@@ -105,7 +113,2174 @@
       </a:defRPr>
     </a:lvl9pPr>
   </p:defaultTextStyle>
+  <p:extLst>
+    <p:ext uri="{521415D9-36F7-43E2-AB2F-B90AF26B5E84}">
+      <p14:sectionLst xmlns:p14="http://schemas.microsoft.com/office/powerpoint/2010/main">
+        <p14:section name="Default Section" id="{0B2DAE93-B8FF-4587-8F72-52EB07FFD3A0}">
+          <p14:sldIdLst>
+            <p14:sldId id="256"/>
+            <p14:sldId id="257"/>
+            <p14:sldId id="260"/>
+            <p14:sldId id="261"/>
+            <p14:sldId id="262"/>
+            <p14:sldId id="266"/>
+            <p14:sldId id="264"/>
+            <p14:sldId id="263"/>
+            <p14:sldId id="265"/>
+            <p14:sldId id="267"/>
+          </p14:sldIdLst>
+        </p14:section>
+      </p14:sectionLst>
+    </p:ext>
+    <p:ext uri="{EFAFB233-063F-42B5-8137-9DF3F51BA10A}">
+      <p15:sldGuideLst xmlns:p15="http://schemas.microsoft.com/office/powerpoint/2012/main"/>
+    </p:ext>
+  </p:extLst>
 </p:presentation>
+</file>
+
+<file path=ppt/revisionInfo.xml><?xml version="1.0" encoding="utf-8"?>
+<p1510:revInfo xmlns:a="http://schemas.openxmlformats.org/drawingml/2006/main" xmlns:r="http://schemas.openxmlformats.org/officeDocument/2006/relationships" xmlns:p1510="http://schemas.microsoft.com/office/powerpoint/2015/10/main">
+  <p1510:revLst>
+    <p1510:client id="{453FA121-C2A9-4FBA-94F0-D727BF3A212D}" v="5" dt="2023-03-31T23:22:33.926"/>
+  </p1510:revLst>
+</p1510:revInfo>
+</file>
+
+<file path=ppt/changesInfos/changesInfo1.xml><?xml version="1.0" encoding="utf-8"?>
+<pc:chgInfo xmlns:a="http://schemas.openxmlformats.org/drawingml/2006/main" xmlns:r="http://schemas.openxmlformats.org/officeDocument/2006/relationships" xmlns:ac="http://schemas.microsoft.com/office/drawing/2013/main/command" xmlns:pc="http://schemas.microsoft.com/office/powerpoint/2013/main/command">
+  <pc:docChgLst>
+    <pc:chgData name="V. Brown" userId="b2c29ffe0574e331" providerId="LiveId" clId="{453FA121-C2A9-4FBA-94F0-D727BF3A212D}"/>
+    <pc:docChg chg="undo redo custSel addSld delSld modSld sldOrd addSection delSection modSection">
+      <pc:chgData name="V. Brown" userId="b2c29ffe0574e331" providerId="LiveId" clId="{453FA121-C2A9-4FBA-94F0-D727BF3A212D}" dt="2023-04-01T00:17:40" v="1548" actId="26606"/>
+      <pc:docMkLst>
+        <pc:docMk/>
+      </pc:docMkLst>
+      <pc:sldChg chg="addSp modSp mod setBg">
+        <pc:chgData name="V. Brown" userId="b2c29ffe0574e331" providerId="LiveId" clId="{453FA121-C2A9-4FBA-94F0-D727BF3A212D}" dt="2023-04-01T00:16:45.200" v="1544" actId="20577"/>
+        <pc:sldMkLst>
+          <pc:docMk/>
+          <pc:sldMk cId="95992585" sldId="256"/>
+        </pc:sldMkLst>
+        <pc:spChg chg="mod">
+          <ac:chgData name="V. Brown" userId="b2c29ffe0574e331" providerId="LiveId" clId="{453FA121-C2A9-4FBA-94F0-D727BF3A212D}" dt="2023-03-31T22:11:15.605" v="8" actId="26606"/>
+          <ac:spMkLst>
+            <pc:docMk/>
+            <pc:sldMk cId="95992585" sldId="256"/>
+            <ac:spMk id="2" creationId="{A1AEB225-AF1D-4EB5-8D5E-BE1EA78238F6}"/>
+          </ac:spMkLst>
+        </pc:spChg>
+        <pc:spChg chg="mod">
+          <ac:chgData name="V. Brown" userId="b2c29ffe0574e331" providerId="LiveId" clId="{453FA121-C2A9-4FBA-94F0-D727BF3A212D}" dt="2023-04-01T00:16:45.200" v="1544" actId="20577"/>
+          <ac:spMkLst>
+            <pc:docMk/>
+            <pc:sldMk cId="95992585" sldId="256"/>
+            <ac:spMk id="3" creationId="{AE815B5F-C711-4D9A-883B-511927627433}"/>
+          </ac:spMkLst>
+        </pc:spChg>
+        <pc:spChg chg="add">
+          <ac:chgData name="V. Brown" userId="b2c29ffe0574e331" providerId="LiveId" clId="{453FA121-C2A9-4FBA-94F0-D727BF3A212D}" dt="2023-03-31T22:11:15.605" v="8" actId="26606"/>
+          <ac:spMkLst>
+            <pc:docMk/>
+            <pc:sldMk cId="95992585" sldId="256"/>
+            <ac:spMk id="9" creationId="{0DBF1ABE-8590-450D-BB49-BDDCCF3EEA9E}"/>
+          </ac:spMkLst>
+        </pc:spChg>
+        <pc:spChg chg="add">
+          <ac:chgData name="V. Brown" userId="b2c29ffe0574e331" providerId="LiveId" clId="{453FA121-C2A9-4FBA-94F0-D727BF3A212D}" dt="2023-03-31T22:11:15.605" v="8" actId="26606"/>
+          <ac:spMkLst>
+            <pc:docMk/>
+            <pc:sldMk cId="95992585" sldId="256"/>
+            <ac:spMk id="11" creationId="{18D32C3D-8F76-4E99-BE56-0836CC38CC84}"/>
+          </ac:spMkLst>
+        </pc:spChg>
+        <pc:spChg chg="add">
+          <ac:chgData name="V. Brown" userId="b2c29ffe0574e331" providerId="LiveId" clId="{453FA121-C2A9-4FBA-94F0-D727BF3A212D}" dt="2023-03-31T22:11:15.605" v="8" actId="26606"/>
+          <ac:spMkLst>
+            <pc:docMk/>
+            <pc:sldMk cId="95992585" sldId="256"/>
+            <ac:spMk id="13" creationId="{70766076-46F5-42D5-A773-2B3BEF2B8B74}"/>
+          </ac:spMkLst>
+        </pc:spChg>
+        <pc:spChg chg="add">
+          <ac:chgData name="V. Brown" userId="b2c29ffe0574e331" providerId="LiveId" clId="{453FA121-C2A9-4FBA-94F0-D727BF3A212D}" dt="2023-03-31T22:11:15.605" v="8" actId="26606"/>
+          <ac:spMkLst>
+            <pc:docMk/>
+            <pc:sldMk cId="95992585" sldId="256"/>
+            <ac:spMk id="15" creationId="{CB7B90D9-1EC2-4A12-B24A-342C1BCA2FA1}"/>
+          </ac:spMkLst>
+        </pc:spChg>
+        <pc:picChg chg="add">
+          <ac:chgData name="V. Brown" userId="b2c29ffe0574e331" providerId="LiveId" clId="{453FA121-C2A9-4FBA-94F0-D727BF3A212D}" dt="2023-03-31T22:11:15.605" v="8" actId="26606"/>
+          <ac:picMkLst>
+            <pc:docMk/>
+            <pc:sldMk cId="95992585" sldId="256"/>
+            <ac:picMk id="5" creationId="{01C5FFBA-BC0D-84D5-0BFF-D42A88B73693}"/>
+          </ac:picMkLst>
+        </pc:picChg>
+      </pc:sldChg>
+      <pc:sldChg chg="addSp delSp modSp mod setBg modClrScheme delDesignElem chgLayout">
+        <pc:chgData name="V. Brown" userId="b2c29ffe0574e331" providerId="LiveId" clId="{453FA121-C2A9-4FBA-94F0-D727BF3A212D}" dt="2023-03-31T23:40:04.526" v="927" actId="26606"/>
+        <pc:sldMkLst>
+          <pc:docMk/>
+          <pc:sldMk cId="95992585" sldId="257"/>
+        </pc:sldMkLst>
+        <pc:spChg chg="add del mod ord">
+          <ac:chgData name="V. Brown" userId="b2c29ffe0574e331" providerId="LiveId" clId="{453FA121-C2A9-4FBA-94F0-D727BF3A212D}" dt="2023-03-31T22:12:12.575" v="17" actId="700"/>
+          <ac:spMkLst>
+            <pc:docMk/>
+            <pc:sldMk cId="95992585" sldId="257"/>
+            <ac:spMk id="3" creationId="{3F6913DC-8C31-2A19-3EA1-0CA662374DC2}"/>
+          </ac:spMkLst>
+        </pc:spChg>
+        <pc:spChg chg="add del mod ord">
+          <ac:chgData name="V. Brown" userId="b2c29ffe0574e331" providerId="LiveId" clId="{453FA121-C2A9-4FBA-94F0-D727BF3A212D}" dt="2023-03-31T22:12:12.575" v="17" actId="700"/>
+          <ac:spMkLst>
+            <pc:docMk/>
+            <pc:sldMk cId="95992585" sldId="257"/>
+            <ac:spMk id="4" creationId="{502449A5-DA80-1488-8A97-BE9ECE36DC83}"/>
+          </ac:spMkLst>
+        </pc:spChg>
+        <pc:spChg chg="add del mod ord">
+          <ac:chgData name="V. Brown" userId="b2c29ffe0574e331" providerId="LiveId" clId="{453FA121-C2A9-4FBA-94F0-D727BF3A212D}" dt="2023-03-31T22:15:23.223" v="19" actId="700"/>
+          <ac:spMkLst>
+            <pc:docMk/>
+            <pc:sldMk cId="95992585" sldId="257"/>
+            <ac:spMk id="5" creationId="{E8D6F60E-5289-D140-AAE9-E67B552001DC}"/>
+          </ac:spMkLst>
+        </pc:spChg>
+        <pc:spChg chg="add del mod ord">
+          <ac:chgData name="V. Brown" userId="b2c29ffe0574e331" providerId="LiveId" clId="{453FA121-C2A9-4FBA-94F0-D727BF3A212D}" dt="2023-03-31T22:15:23.223" v="19" actId="700"/>
+          <ac:spMkLst>
+            <pc:docMk/>
+            <pc:sldMk cId="95992585" sldId="257"/>
+            <ac:spMk id="6" creationId="{14F44D91-841B-7282-EE5D-17419DFC0CEF}"/>
+          </ac:spMkLst>
+        </pc:spChg>
+        <pc:spChg chg="add del">
+          <ac:chgData name="V. Brown" userId="b2c29ffe0574e331" providerId="LiveId" clId="{453FA121-C2A9-4FBA-94F0-D727BF3A212D}" dt="2023-03-31T22:11:37.523" v="10" actId="26606"/>
+          <ac:spMkLst>
+            <pc:docMk/>
+            <pc:sldMk cId="95992585" sldId="257"/>
+            <ac:spMk id="7" creationId="{8950AD4C-6AF3-49F8-94E1-DBCAFB39478B}"/>
+          </ac:spMkLst>
+        </pc:spChg>
+        <pc:spChg chg="add del mod ord">
+          <ac:chgData name="V. Brown" userId="b2c29ffe0574e331" providerId="LiveId" clId="{453FA121-C2A9-4FBA-94F0-D727BF3A212D}" dt="2023-03-31T22:15:23.223" v="19" actId="700"/>
+          <ac:spMkLst>
+            <pc:docMk/>
+            <pc:sldMk cId="95992585" sldId="257"/>
+            <ac:spMk id="8" creationId="{411BE166-331A-391C-E1A4-BE587FD78BFC}"/>
+          </ac:spMkLst>
+        </pc:spChg>
+        <pc:spChg chg="add del">
+          <ac:chgData name="V. Brown" userId="b2c29ffe0574e331" providerId="LiveId" clId="{453FA121-C2A9-4FBA-94F0-D727BF3A212D}" dt="2023-03-31T22:11:37.523" v="10" actId="26606"/>
+          <ac:spMkLst>
+            <pc:docMk/>
+            <pc:sldMk cId="95992585" sldId="257"/>
+            <ac:spMk id="9" creationId="{DEAEE08D-A745-4391-9073-9E99767E09D4}"/>
+          </ac:spMkLst>
+        </pc:spChg>
+        <pc:spChg chg="add mod ord">
+          <ac:chgData name="V. Brown" userId="b2c29ffe0574e331" providerId="LiveId" clId="{453FA121-C2A9-4FBA-94F0-D727BF3A212D}" dt="2023-03-31T23:40:04.526" v="927" actId="26606"/>
+          <ac:spMkLst>
+            <pc:docMk/>
+            <pc:sldMk cId="95992585" sldId="257"/>
+            <ac:spMk id="10" creationId="{0BB5D2C4-A928-E494-8001-B26809CCA0F5}"/>
+          </ac:spMkLst>
+        </pc:spChg>
+        <pc:spChg chg="add del">
+          <ac:chgData name="V. Brown" userId="b2c29ffe0574e331" providerId="LiveId" clId="{453FA121-C2A9-4FBA-94F0-D727BF3A212D}" dt="2023-03-31T22:11:37.523" v="10" actId="26606"/>
+          <ac:spMkLst>
+            <pc:docMk/>
+            <pc:sldMk cId="95992585" sldId="257"/>
+            <ac:spMk id="11" creationId="{7E862DF0-097D-4BBD-A1A1-35B522C5EB97}"/>
+          </ac:spMkLst>
+        </pc:spChg>
+        <pc:spChg chg="add del mod ord">
+          <ac:chgData name="V. Brown" userId="b2c29ffe0574e331" providerId="LiveId" clId="{453FA121-C2A9-4FBA-94F0-D727BF3A212D}" dt="2023-03-31T22:16:09.564" v="24" actId="26606"/>
+          <ac:spMkLst>
+            <pc:docMk/>
+            <pc:sldMk cId="95992585" sldId="257"/>
+            <ac:spMk id="12" creationId="{B97575D3-36EC-5025-5230-D5864631770E}"/>
+          </ac:spMkLst>
+        </pc:spChg>
+        <pc:spChg chg="add del">
+          <ac:chgData name="V. Brown" userId="b2c29ffe0574e331" providerId="LiveId" clId="{453FA121-C2A9-4FBA-94F0-D727BF3A212D}" dt="2023-03-31T22:11:46.570" v="12" actId="26606"/>
+          <ac:spMkLst>
+            <pc:docMk/>
+            <pc:sldMk cId="95992585" sldId="257"/>
+            <ac:spMk id="13" creationId="{3783CA14-24A1-485C-8B30-D6A5D87987AD}"/>
+          </ac:spMkLst>
+        </pc:spChg>
+        <pc:spChg chg="add del">
+          <ac:chgData name="V. Brown" userId="b2c29ffe0574e331" providerId="LiveId" clId="{453FA121-C2A9-4FBA-94F0-D727BF3A212D}" dt="2023-03-31T22:11:46.570" v="12" actId="26606"/>
+          <ac:spMkLst>
+            <pc:docMk/>
+            <pc:sldMk cId="95992585" sldId="257"/>
+            <ac:spMk id="14" creationId="{F3060C83-F051-4F0E-ABAD-AA0DFC48B218}"/>
+          </ac:spMkLst>
+        </pc:spChg>
+        <pc:spChg chg="add del">
+          <ac:chgData name="V. Brown" userId="b2c29ffe0574e331" providerId="LiveId" clId="{453FA121-C2A9-4FBA-94F0-D727BF3A212D}" dt="2023-03-31T22:11:46.570" v="12" actId="26606"/>
+          <ac:spMkLst>
+            <pc:docMk/>
+            <pc:sldMk cId="95992585" sldId="257"/>
+            <ac:spMk id="15" creationId="{9A97C86A-04D6-40F7-AE84-31AB43E6A846}"/>
+          </ac:spMkLst>
+        </pc:spChg>
+        <pc:spChg chg="add del">
+          <ac:chgData name="V. Brown" userId="b2c29ffe0574e331" providerId="LiveId" clId="{453FA121-C2A9-4FBA-94F0-D727BF3A212D}" dt="2023-03-31T22:11:46.570" v="12" actId="26606"/>
+          <ac:spMkLst>
+            <pc:docMk/>
+            <pc:sldMk cId="95992585" sldId="257"/>
+            <ac:spMk id="16" creationId="{83C98ABE-055B-441F-B07E-44F97F083C39}"/>
+          </ac:spMkLst>
+        </pc:spChg>
+        <pc:spChg chg="add del">
+          <ac:chgData name="V. Brown" userId="b2c29ffe0574e331" providerId="LiveId" clId="{453FA121-C2A9-4FBA-94F0-D727BF3A212D}" dt="2023-03-31T22:11:46.570" v="12" actId="26606"/>
+          <ac:spMkLst>
+            <pc:docMk/>
+            <pc:sldMk cId="95992585" sldId="257"/>
+            <ac:spMk id="17" creationId="{FF9F2414-84E8-453E-B1F3-389FDE8192D9}"/>
+          </ac:spMkLst>
+        </pc:spChg>
+        <pc:spChg chg="add del">
+          <ac:chgData name="V. Brown" userId="b2c29ffe0574e331" providerId="LiveId" clId="{453FA121-C2A9-4FBA-94F0-D727BF3A212D}" dt="2023-03-31T22:11:46.570" v="12" actId="26606"/>
+          <ac:spMkLst>
+            <pc:docMk/>
+            <pc:sldMk cId="95992585" sldId="257"/>
+            <ac:spMk id="18" creationId="{29FDB030-9B49-4CED-8CCD-4D99382388AC}"/>
+          </ac:spMkLst>
+        </pc:spChg>
+        <pc:spChg chg="add del">
+          <ac:chgData name="V. Brown" userId="b2c29ffe0574e331" providerId="LiveId" clId="{453FA121-C2A9-4FBA-94F0-D727BF3A212D}" dt="2023-03-31T22:11:46.570" v="12" actId="26606"/>
+          <ac:spMkLst>
+            <pc:docMk/>
+            <pc:sldMk cId="95992585" sldId="257"/>
+            <ac:spMk id="19" creationId="{3ECA69A1-7536-43AC-85EF-C7106179F5ED}"/>
+          </ac:spMkLst>
+        </pc:spChg>
+        <pc:spChg chg="add del mod ord">
+          <ac:chgData name="V. Brown" userId="b2c29ffe0574e331" providerId="LiveId" clId="{453FA121-C2A9-4FBA-94F0-D727BF3A212D}" dt="2023-03-31T22:16:09.564" v="24" actId="26606"/>
+          <ac:spMkLst>
+            <pc:docMk/>
+            <pc:sldMk cId="95992585" sldId="257"/>
+            <ac:spMk id="20" creationId="{19FB2C1B-D9DB-31FF-9322-000A9B5E26BB}"/>
+          </ac:spMkLst>
+        </pc:spChg>
+        <pc:spChg chg="add del">
+          <ac:chgData name="V. Brown" userId="b2c29ffe0574e331" providerId="LiveId" clId="{453FA121-C2A9-4FBA-94F0-D727BF3A212D}" dt="2023-03-31T22:11:47.711" v="14" actId="26606"/>
+          <ac:spMkLst>
+            <pc:docMk/>
+            <pc:sldMk cId="95992585" sldId="257"/>
+            <ac:spMk id="21" creationId="{32BC26D8-82FB-445E-AA49-62A77D7C1EE0}"/>
+          </ac:spMkLst>
+        </pc:spChg>
+        <pc:spChg chg="add del">
+          <ac:chgData name="V. Brown" userId="b2c29ffe0574e331" providerId="LiveId" clId="{453FA121-C2A9-4FBA-94F0-D727BF3A212D}" dt="2023-03-31T22:11:47.711" v="14" actId="26606"/>
+          <ac:spMkLst>
+            <pc:docMk/>
+            <pc:sldMk cId="95992585" sldId="257"/>
+            <ac:spMk id="22" creationId="{CB44330D-EA18-4254-AA95-EB49948539B8}"/>
+          </ac:spMkLst>
+        </pc:spChg>
+        <pc:spChg chg="add del">
+          <ac:chgData name="V. Brown" userId="b2c29ffe0574e331" providerId="LiveId" clId="{453FA121-C2A9-4FBA-94F0-D727BF3A212D}" dt="2023-03-31T22:16:09.559" v="23" actId="26606"/>
+          <ac:spMkLst>
+            <pc:docMk/>
+            <pc:sldMk cId="95992585" sldId="257"/>
+            <ac:spMk id="23" creationId="{6753252F-4873-4F63-801D-CC719279A7D5}"/>
+          </ac:spMkLst>
+        </pc:spChg>
+        <pc:spChg chg="add del">
+          <ac:chgData name="V. Brown" userId="b2c29ffe0574e331" providerId="LiveId" clId="{453FA121-C2A9-4FBA-94F0-D727BF3A212D}" dt="2023-03-31T22:15:32.118" v="20" actId="700"/>
+          <ac:spMkLst>
+            <pc:docMk/>
+            <pc:sldMk cId="95992585" sldId="257"/>
+            <ac:spMk id="24" creationId="{8950AD4C-6AF3-49F8-94E1-DBCAFB39478B}"/>
+          </ac:spMkLst>
+        </pc:spChg>
+        <pc:spChg chg="add del">
+          <ac:chgData name="V. Brown" userId="b2c29ffe0574e331" providerId="LiveId" clId="{453FA121-C2A9-4FBA-94F0-D727BF3A212D}" dt="2023-03-31T22:15:32.118" v="20" actId="700"/>
+          <ac:spMkLst>
+            <pc:docMk/>
+            <pc:sldMk cId="95992585" sldId="257"/>
+            <ac:spMk id="25" creationId="{8DBEAE55-3EA1-41D7-A212-5F7D8986C1F2}"/>
+          </ac:spMkLst>
+        </pc:spChg>
+        <pc:spChg chg="add del">
+          <ac:chgData name="V. Brown" userId="b2c29ffe0574e331" providerId="LiveId" clId="{453FA121-C2A9-4FBA-94F0-D727BF3A212D}" dt="2023-03-31T22:15:32.118" v="20" actId="700"/>
+          <ac:spMkLst>
+            <pc:docMk/>
+            <pc:sldMk cId="95992585" sldId="257"/>
+            <ac:spMk id="26" creationId="{CFC5F0E7-644F-4101-BE72-12825CF537E7}"/>
+          </ac:spMkLst>
+        </pc:spChg>
+        <pc:spChg chg="add del">
+          <ac:chgData name="V. Brown" userId="b2c29ffe0574e331" providerId="LiveId" clId="{453FA121-C2A9-4FBA-94F0-D727BF3A212D}" dt="2023-03-31T22:15:32.118" v="20" actId="700"/>
+          <ac:spMkLst>
+            <pc:docMk/>
+            <pc:sldMk cId="95992585" sldId="257"/>
+            <ac:spMk id="27" creationId="{B1F9B6B4-B0C4-45C6-A086-901C960D03E7}"/>
+          </ac:spMkLst>
+        </pc:spChg>
+        <pc:spChg chg="add del">
+          <ac:chgData name="V. Brown" userId="b2c29ffe0574e331" providerId="LiveId" clId="{453FA121-C2A9-4FBA-94F0-D727BF3A212D}" dt="2023-03-31T22:16:09.559" v="23" actId="26606"/>
+          <ac:spMkLst>
+            <pc:docMk/>
+            <pc:sldMk cId="95992585" sldId="257"/>
+            <ac:spMk id="28" creationId="{047C8CCB-F95D-4249-92DD-651249D3535A}"/>
+          </ac:spMkLst>
+        </pc:spChg>
+        <pc:spChg chg="add del">
+          <ac:chgData name="V. Brown" userId="b2c29ffe0574e331" providerId="LiveId" clId="{453FA121-C2A9-4FBA-94F0-D727BF3A212D}" dt="2023-03-31T23:40:04.520" v="926" actId="26606"/>
+          <ac:spMkLst>
+            <pc:docMk/>
+            <pc:sldMk cId="95992585" sldId="257"/>
+            <ac:spMk id="29" creationId="{A8384FB5-9ADC-4DDC-881B-597D56F5B15D}"/>
+          </ac:spMkLst>
+        </pc:spChg>
+        <pc:spChg chg="add del">
+          <ac:chgData name="V. Brown" userId="b2c29ffe0574e331" providerId="LiveId" clId="{453FA121-C2A9-4FBA-94F0-D727BF3A212D}" dt="2023-03-31T23:40:04.520" v="926" actId="26606"/>
+          <ac:spMkLst>
+            <pc:docMk/>
+            <pc:sldMk cId="95992585" sldId="257"/>
+            <ac:spMk id="30" creationId="{91E5A9A7-95C6-4F4F-B00E-C82E07FE62EF}"/>
+          </ac:spMkLst>
+        </pc:spChg>
+        <pc:spChg chg="add del">
+          <ac:chgData name="V. Brown" userId="b2c29ffe0574e331" providerId="LiveId" clId="{453FA121-C2A9-4FBA-94F0-D727BF3A212D}" dt="2023-03-31T22:22:42.788" v="66" actId="26606"/>
+          <ac:spMkLst>
+            <pc:docMk/>
+            <pc:sldMk cId="95992585" sldId="257"/>
+            <ac:spMk id="31" creationId="{C7D023E4-8DE1-436E-9847-ED6A4B4B04FD}"/>
+          </ac:spMkLst>
+        </pc:spChg>
+        <pc:spChg chg="add del">
+          <ac:chgData name="V. Brown" userId="b2c29ffe0574e331" providerId="LiveId" clId="{453FA121-C2A9-4FBA-94F0-D727BF3A212D}" dt="2023-03-31T23:40:04.520" v="926" actId="26606"/>
+          <ac:spMkLst>
+            <pc:docMk/>
+            <pc:sldMk cId="95992585" sldId="257"/>
+            <ac:spMk id="33" creationId="{D07DD2DE-F619-49DD-B5E7-03A290FF4ED1}"/>
+          </ac:spMkLst>
+        </pc:spChg>
+        <pc:spChg chg="add del">
+          <ac:chgData name="V. Brown" userId="b2c29ffe0574e331" providerId="LiveId" clId="{453FA121-C2A9-4FBA-94F0-D727BF3A212D}" dt="2023-03-31T23:40:04.520" v="926" actId="26606"/>
+          <ac:spMkLst>
+            <pc:docMk/>
+            <pc:sldMk cId="95992585" sldId="257"/>
+            <ac:spMk id="34" creationId="{85149191-5F60-4A28-AAFF-039F96B0F3EC}"/>
+          </ac:spMkLst>
+        </pc:spChg>
+        <pc:spChg chg="add del">
+          <ac:chgData name="V. Brown" userId="b2c29ffe0574e331" providerId="LiveId" clId="{453FA121-C2A9-4FBA-94F0-D727BF3A212D}" dt="2023-03-31T22:22:42.788" v="66" actId="26606"/>
+          <ac:spMkLst>
+            <pc:docMk/>
+            <pc:sldMk cId="95992585" sldId="257"/>
+            <ac:spMk id="35" creationId="{145B2F28-3A18-4BC2-8E92-9AF66F147CBA}"/>
+          </ac:spMkLst>
+        </pc:spChg>
+        <pc:spChg chg="add del">
+          <ac:chgData name="V. Brown" userId="b2c29ffe0574e331" providerId="LiveId" clId="{453FA121-C2A9-4FBA-94F0-D727BF3A212D}" dt="2023-03-31T23:40:04.520" v="926" actId="26606"/>
+          <ac:spMkLst>
+            <pc:docMk/>
+            <pc:sldMk cId="95992585" sldId="257"/>
+            <ac:spMk id="37" creationId="{F8260ED5-17F7-4158-B241-D51DD4CF1B7E}"/>
+          </ac:spMkLst>
+        </pc:spChg>
+        <pc:spChg chg="add">
+          <ac:chgData name="V. Brown" userId="b2c29ffe0574e331" providerId="LiveId" clId="{453FA121-C2A9-4FBA-94F0-D727BF3A212D}" dt="2023-03-31T23:40:04.526" v="927" actId="26606"/>
+          <ac:spMkLst>
+            <pc:docMk/>
+            <pc:sldMk cId="95992585" sldId="257"/>
+            <ac:spMk id="39" creationId="{9203DE33-2CD4-4CA8-9AF3-37C3B65133B0}"/>
+          </ac:spMkLst>
+        </pc:spChg>
+        <pc:spChg chg="add">
+          <ac:chgData name="V. Brown" userId="b2c29ffe0574e331" providerId="LiveId" clId="{453FA121-C2A9-4FBA-94F0-D727BF3A212D}" dt="2023-03-31T23:40:04.526" v="927" actId="26606"/>
+          <ac:spMkLst>
+            <pc:docMk/>
+            <pc:sldMk cId="95992585" sldId="257"/>
+            <ac:spMk id="40" creationId="{0AF57B88-1D4C-41FA-A761-EC1DD10C35CB}"/>
+          </ac:spMkLst>
+        </pc:spChg>
+        <pc:spChg chg="add">
+          <ac:chgData name="V. Brown" userId="b2c29ffe0574e331" providerId="LiveId" clId="{453FA121-C2A9-4FBA-94F0-D727BF3A212D}" dt="2023-03-31T23:40:04.526" v="927" actId="26606"/>
+          <ac:spMkLst>
+            <pc:docMk/>
+            <pc:sldMk cId="95992585" sldId="257"/>
+            <ac:spMk id="41" creationId="{D2548F45-5164-4ABB-8212-7F293FDED8D4}"/>
+          </ac:spMkLst>
+        </pc:spChg>
+        <pc:spChg chg="add">
+          <ac:chgData name="V. Brown" userId="b2c29ffe0574e331" providerId="LiveId" clId="{453FA121-C2A9-4FBA-94F0-D727BF3A212D}" dt="2023-03-31T23:40:04.526" v="927" actId="26606"/>
+          <ac:spMkLst>
+            <pc:docMk/>
+            <pc:sldMk cId="95992585" sldId="257"/>
+            <ac:spMk id="42" creationId="{5E81CCFB-7BEF-4186-86FB-D09450B4D02D}"/>
+          </ac:spMkLst>
+        </pc:spChg>
+        <pc:grpChg chg="add del">
+          <ac:chgData name="V. Brown" userId="b2c29ffe0574e331" providerId="LiveId" clId="{453FA121-C2A9-4FBA-94F0-D727BF3A212D}" dt="2023-03-31T22:22:42.788" v="66" actId="26606"/>
+          <ac:grpSpMkLst>
+            <pc:docMk/>
+            <pc:sldMk cId="95992585" sldId="257"/>
+            <ac:grpSpMk id="32" creationId="{81CC5389-CB4A-43B7-9A0E-5447CE0BC294}"/>
+          </ac:grpSpMkLst>
+        </pc:grpChg>
+        <pc:grpChg chg="add del">
+          <ac:chgData name="V. Brown" userId="b2c29ffe0574e331" providerId="LiveId" clId="{453FA121-C2A9-4FBA-94F0-D727BF3A212D}" dt="2023-03-31T22:22:42.788" v="66" actId="26606"/>
+          <ac:grpSpMkLst>
+            <pc:docMk/>
+            <pc:sldMk cId="95992585" sldId="257"/>
+            <ac:grpSpMk id="36" creationId="{FA65A26F-1F64-451C-BFA2-F92410951FA3}"/>
+          </ac:grpSpMkLst>
+        </pc:grpChg>
+        <pc:picChg chg="mod ord">
+          <ac:chgData name="V. Brown" userId="b2c29ffe0574e331" providerId="LiveId" clId="{453FA121-C2A9-4FBA-94F0-D727BF3A212D}" dt="2023-03-31T23:40:04.526" v="927" actId="26606"/>
+          <ac:picMkLst>
+            <pc:docMk/>
+            <pc:sldMk cId="95992585" sldId="257"/>
+            <ac:picMk id="2" creationId="{26EBE2D6-61AA-4296-BF55-269ECB71091B}"/>
+          </ac:picMkLst>
+        </pc:picChg>
+      </pc:sldChg>
+      <pc:sldChg chg="modSp del mod">
+        <pc:chgData name="V. Brown" userId="b2c29ffe0574e331" providerId="LiveId" clId="{453FA121-C2A9-4FBA-94F0-D727BF3A212D}" dt="2023-03-31T22:18:32.010" v="61" actId="2696"/>
+        <pc:sldMkLst>
+          <pc:docMk/>
+          <pc:sldMk cId="95992585" sldId="258"/>
+        </pc:sldMkLst>
+        <pc:picChg chg="mod">
+          <ac:chgData name="V. Brown" userId="b2c29ffe0574e331" providerId="LiveId" clId="{453FA121-C2A9-4FBA-94F0-D727BF3A212D}" dt="2023-03-31T22:16:15.931" v="25" actId="1076"/>
+          <ac:picMkLst>
+            <pc:docMk/>
+            <pc:sldMk cId="95992585" sldId="258"/>
+            <ac:picMk id="3" creationId="{CBADC89E-7227-4990-8F36-45364A59C286}"/>
+          </ac:picMkLst>
+        </pc:picChg>
+      </pc:sldChg>
+      <pc:sldChg chg="del ord">
+        <pc:chgData name="V. Brown" userId="b2c29ffe0574e331" providerId="LiveId" clId="{453FA121-C2A9-4FBA-94F0-D727BF3A212D}" dt="2023-04-01T00:08:19.695" v="1247" actId="2696"/>
+        <pc:sldMkLst>
+          <pc:docMk/>
+          <pc:sldMk cId="95992585" sldId="259"/>
+        </pc:sldMkLst>
+      </pc:sldChg>
+      <pc:sldChg chg="addSp delSp modSp mod ord setBg">
+        <pc:chgData name="V. Brown" userId="b2c29ffe0574e331" providerId="LiveId" clId="{453FA121-C2A9-4FBA-94F0-D727BF3A212D}" dt="2023-04-01T00:17:11.272" v="1545" actId="1076"/>
+        <pc:sldMkLst>
+          <pc:docMk/>
+          <pc:sldMk cId="95992585" sldId="260"/>
+        </pc:sldMkLst>
+        <pc:spChg chg="add del">
+          <ac:chgData name="V. Brown" userId="b2c29ffe0574e331" providerId="LiveId" clId="{453FA121-C2A9-4FBA-94F0-D727BF3A212D}" dt="2023-03-31T22:22:54.867" v="67" actId="26606"/>
+          <ac:spMkLst>
+            <pc:docMk/>
+            <pc:sldMk cId="95992585" sldId="260"/>
+            <ac:spMk id="10" creationId="{32BC26D8-82FB-445E-AA49-62A77D7C1EE0}"/>
+          </ac:spMkLst>
+        </pc:spChg>
+        <pc:spChg chg="add del">
+          <ac:chgData name="V. Brown" userId="b2c29ffe0574e331" providerId="LiveId" clId="{453FA121-C2A9-4FBA-94F0-D727BF3A212D}" dt="2023-03-31T22:22:54.867" v="67" actId="26606"/>
+          <ac:spMkLst>
+            <pc:docMk/>
+            <pc:sldMk cId="95992585" sldId="260"/>
+            <ac:spMk id="12" creationId="{CB44330D-EA18-4254-AA95-EB49948539B8}"/>
+          </ac:spMkLst>
+        </pc:spChg>
+        <pc:spChg chg="add">
+          <ac:chgData name="V. Brown" userId="b2c29ffe0574e331" providerId="LiveId" clId="{453FA121-C2A9-4FBA-94F0-D727BF3A212D}" dt="2023-03-31T22:22:54.867" v="67" actId="26606"/>
+          <ac:spMkLst>
+            <pc:docMk/>
+            <pc:sldMk cId="95992585" sldId="260"/>
+            <ac:spMk id="17" creationId="{AB8C311F-7253-4AED-9701-7FC0708C41C7}"/>
+          </ac:spMkLst>
+        </pc:spChg>
+        <pc:spChg chg="add">
+          <ac:chgData name="V. Brown" userId="b2c29ffe0574e331" providerId="LiveId" clId="{453FA121-C2A9-4FBA-94F0-D727BF3A212D}" dt="2023-03-31T22:22:54.867" v="67" actId="26606"/>
+          <ac:spMkLst>
+            <pc:docMk/>
+            <pc:sldMk cId="95992585" sldId="260"/>
+            <ac:spMk id="19" creationId="{E2384209-CB15-4CDF-9D31-C44FD9A3F20D}"/>
+          </ac:spMkLst>
+        </pc:spChg>
+        <pc:spChg chg="add">
+          <ac:chgData name="V. Brown" userId="b2c29ffe0574e331" providerId="LiveId" clId="{453FA121-C2A9-4FBA-94F0-D727BF3A212D}" dt="2023-03-31T22:22:54.867" v="67" actId="26606"/>
+          <ac:spMkLst>
+            <pc:docMk/>
+            <pc:sldMk cId="95992585" sldId="260"/>
+            <ac:spMk id="21" creationId="{2633B3B5-CC90-43F0-8714-D31D1F3F0209}"/>
+          </ac:spMkLst>
+        </pc:spChg>
+        <pc:spChg chg="add">
+          <ac:chgData name="V. Brown" userId="b2c29ffe0574e331" providerId="LiveId" clId="{453FA121-C2A9-4FBA-94F0-D727BF3A212D}" dt="2023-03-31T22:22:54.867" v="67" actId="26606"/>
+          <ac:spMkLst>
+            <pc:docMk/>
+            <pc:sldMk cId="95992585" sldId="260"/>
+            <ac:spMk id="23" creationId="{A8D57A06-A426-446D-B02C-A2DC6B62E45E}"/>
+          </ac:spMkLst>
+        </pc:spChg>
+        <pc:picChg chg="mod">
+          <ac:chgData name="V. Brown" userId="b2c29ffe0574e331" providerId="LiveId" clId="{453FA121-C2A9-4FBA-94F0-D727BF3A212D}" dt="2023-04-01T00:17:11.272" v="1545" actId="1076"/>
+          <ac:picMkLst>
+            <pc:docMk/>
+            <pc:sldMk cId="95992585" sldId="260"/>
+            <ac:picMk id="5" creationId="{990B65F5-B5A8-41AF-9038-324F4D4D7582}"/>
+          </ac:picMkLst>
+        </pc:picChg>
+      </pc:sldChg>
+      <pc:sldChg chg="addSp delSp modSp mod setBg">
+        <pc:chgData name="V. Brown" userId="b2c29ffe0574e331" providerId="LiveId" clId="{453FA121-C2A9-4FBA-94F0-D727BF3A212D}" dt="2023-04-01T00:17:40" v="1548" actId="26606"/>
+        <pc:sldMkLst>
+          <pc:docMk/>
+          <pc:sldMk cId="95992585" sldId="261"/>
+        </pc:sldMkLst>
+        <pc:spChg chg="add del">
+          <ac:chgData name="V. Brown" userId="b2c29ffe0574e331" providerId="LiveId" clId="{453FA121-C2A9-4FBA-94F0-D727BF3A212D}" dt="2023-04-01T00:17:39.994" v="1547" actId="26606"/>
+          <ac:spMkLst>
+            <pc:docMk/>
+            <pc:sldMk cId="95992585" sldId="261"/>
+            <ac:spMk id="8" creationId="{AB8C311F-7253-4AED-9701-7FC0708C41C7}"/>
+          </ac:spMkLst>
+        </pc:spChg>
+        <pc:spChg chg="add del">
+          <ac:chgData name="V. Brown" userId="b2c29ffe0574e331" providerId="LiveId" clId="{453FA121-C2A9-4FBA-94F0-D727BF3A212D}" dt="2023-04-01T00:17:39.994" v="1547" actId="26606"/>
+          <ac:spMkLst>
+            <pc:docMk/>
+            <pc:sldMk cId="95992585" sldId="261"/>
+            <ac:spMk id="9" creationId="{FD073016-B734-483B-8953-5BADEE145112}"/>
+          </ac:spMkLst>
+        </pc:spChg>
+        <pc:spChg chg="add del">
+          <ac:chgData name="V. Brown" userId="b2c29ffe0574e331" providerId="LiveId" clId="{453FA121-C2A9-4FBA-94F0-D727BF3A212D}" dt="2023-04-01T00:17:39.994" v="1547" actId="26606"/>
+          <ac:spMkLst>
+            <pc:docMk/>
+            <pc:sldMk cId="95992585" sldId="261"/>
+            <ac:spMk id="10" creationId="{90A7EAB6-59D3-4325-8DE6-E0CA4009CE53}"/>
+          </ac:spMkLst>
+        </pc:spChg>
+        <pc:spChg chg="add del">
+          <ac:chgData name="V. Brown" userId="b2c29ffe0574e331" providerId="LiveId" clId="{453FA121-C2A9-4FBA-94F0-D727BF3A212D}" dt="2023-03-31T23:13:11.467" v="612" actId="26606"/>
+          <ac:spMkLst>
+            <pc:docMk/>
+            <pc:sldMk cId="95992585" sldId="261"/>
+            <ac:spMk id="11" creationId="{A8384FB5-9ADC-4DDC-881B-597D56F5B15D}"/>
+          </ac:spMkLst>
+        </pc:spChg>
+        <pc:spChg chg="add del">
+          <ac:chgData name="V. Brown" userId="b2c29ffe0574e331" providerId="LiveId" clId="{453FA121-C2A9-4FBA-94F0-D727BF3A212D}" dt="2023-04-01T00:17:39.994" v="1547" actId="26606"/>
+          <ac:spMkLst>
+            <pc:docMk/>
+            <pc:sldMk cId="95992585" sldId="261"/>
+            <ac:spMk id="12" creationId="{A8D57A06-A426-446D-B02C-A2DC6B62E45E}"/>
+          </ac:spMkLst>
+        </pc:spChg>
+        <pc:spChg chg="add del">
+          <ac:chgData name="V. Brown" userId="b2c29ffe0574e331" providerId="LiveId" clId="{453FA121-C2A9-4FBA-94F0-D727BF3A212D}" dt="2023-03-31T23:13:11.467" v="612" actId="26606"/>
+          <ac:spMkLst>
+            <pc:docMk/>
+            <pc:sldMk cId="95992585" sldId="261"/>
+            <ac:spMk id="13" creationId="{91E5A9A7-95C6-4F4F-B00E-C82E07FE62EF}"/>
+          </ac:spMkLst>
+        </pc:spChg>
+        <pc:spChg chg="add">
+          <ac:chgData name="V. Brown" userId="b2c29ffe0574e331" providerId="LiveId" clId="{453FA121-C2A9-4FBA-94F0-D727BF3A212D}" dt="2023-04-01T00:17:40" v="1548" actId="26606"/>
+          <ac:spMkLst>
+            <pc:docMk/>
+            <pc:sldMk cId="95992585" sldId="261"/>
+            <ac:spMk id="14" creationId="{AB8C311F-7253-4AED-9701-7FC0708C41C7}"/>
+          </ac:spMkLst>
+        </pc:spChg>
+        <pc:spChg chg="add del">
+          <ac:chgData name="V. Brown" userId="b2c29ffe0574e331" providerId="LiveId" clId="{453FA121-C2A9-4FBA-94F0-D727BF3A212D}" dt="2023-03-31T23:13:11.467" v="612" actId="26606"/>
+          <ac:spMkLst>
+            <pc:docMk/>
+            <pc:sldMk cId="95992585" sldId="261"/>
+            <ac:spMk id="15" creationId="{D07DD2DE-F619-49DD-B5E7-03A290FF4ED1}"/>
+          </ac:spMkLst>
+        </pc:spChg>
+        <pc:spChg chg="add">
+          <ac:chgData name="V. Brown" userId="b2c29ffe0574e331" providerId="LiveId" clId="{453FA121-C2A9-4FBA-94F0-D727BF3A212D}" dt="2023-04-01T00:17:40" v="1548" actId="26606"/>
+          <ac:spMkLst>
+            <pc:docMk/>
+            <pc:sldMk cId="95992585" sldId="261"/>
+            <ac:spMk id="16" creationId="{E2384209-CB15-4CDF-9D31-C44FD9A3F20D}"/>
+          </ac:spMkLst>
+        </pc:spChg>
+        <pc:spChg chg="add del">
+          <ac:chgData name="V. Brown" userId="b2c29ffe0574e331" providerId="LiveId" clId="{453FA121-C2A9-4FBA-94F0-D727BF3A212D}" dt="2023-03-31T23:13:11.467" v="612" actId="26606"/>
+          <ac:spMkLst>
+            <pc:docMk/>
+            <pc:sldMk cId="95992585" sldId="261"/>
+            <ac:spMk id="17" creationId="{85149191-5F60-4A28-AAFF-039F96B0F3EC}"/>
+          </ac:spMkLst>
+        </pc:spChg>
+        <pc:spChg chg="add">
+          <ac:chgData name="V. Brown" userId="b2c29ffe0574e331" providerId="LiveId" clId="{453FA121-C2A9-4FBA-94F0-D727BF3A212D}" dt="2023-04-01T00:17:40" v="1548" actId="26606"/>
+          <ac:spMkLst>
+            <pc:docMk/>
+            <pc:sldMk cId="95992585" sldId="261"/>
+            <ac:spMk id="18" creationId="{2633B3B5-CC90-43F0-8714-D31D1F3F0209}"/>
+          </ac:spMkLst>
+        </pc:spChg>
+        <pc:spChg chg="add del">
+          <ac:chgData name="V. Brown" userId="b2c29ffe0574e331" providerId="LiveId" clId="{453FA121-C2A9-4FBA-94F0-D727BF3A212D}" dt="2023-03-31T23:13:11.467" v="612" actId="26606"/>
+          <ac:spMkLst>
+            <pc:docMk/>
+            <pc:sldMk cId="95992585" sldId="261"/>
+            <ac:spMk id="19" creationId="{F8260ED5-17F7-4158-B241-D51DD4CF1B7E}"/>
+          </ac:spMkLst>
+        </pc:spChg>
+        <pc:spChg chg="add">
+          <ac:chgData name="V. Brown" userId="b2c29ffe0574e331" providerId="LiveId" clId="{453FA121-C2A9-4FBA-94F0-D727BF3A212D}" dt="2023-04-01T00:17:40" v="1548" actId="26606"/>
+          <ac:spMkLst>
+            <pc:docMk/>
+            <pc:sldMk cId="95992585" sldId="261"/>
+            <ac:spMk id="20" creationId="{A8D57A06-A426-446D-B02C-A2DC6B62E45E}"/>
+          </ac:spMkLst>
+        </pc:spChg>
+        <pc:picChg chg="mod">
+          <ac:chgData name="V. Brown" userId="b2c29ffe0574e331" providerId="LiveId" clId="{453FA121-C2A9-4FBA-94F0-D727BF3A212D}" dt="2023-04-01T00:17:40" v="1548" actId="26606"/>
+          <ac:picMkLst>
+            <pc:docMk/>
+            <pc:sldMk cId="95992585" sldId="261"/>
+            <ac:picMk id="6" creationId="{DF45883B-80C8-481B-84F9-EF88F26F9834}"/>
+          </ac:picMkLst>
+        </pc:picChg>
+      </pc:sldChg>
+      <pc:sldChg chg="addSp delSp modSp mod setBg modClrScheme delDesignElem chgLayout">
+        <pc:chgData name="V. Brown" userId="b2c29ffe0574e331" providerId="LiveId" clId="{453FA121-C2A9-4FBA-94F0-D727BF3A212D}" dt="2023-03-31T23:11:36.133" v="608" actId="20577"/>
+        <pc:sldMkLst>
+          <pc:docMk/>
+          <pc:sldMk cId="95992585" sldId="262"/>
+        </pc:sldMkLst>
+        <pc:spChg chg="add del mod ord">
+          <ac:chgData name="V. Brown" userId="b2c29ffe0574e331" providerId="LiveId" clId="{453FA121-C2A9-4FBA-94F0-D727BF3A212D}" dt="2023-03-31T22:32:25.947" v="92" actId="26606"/>
+          <ac:spMkLst>
+            <pc:docMk/>
+            <pc:sldMk cId="95992585" sldId="262"/>
+            <ac:spMk id="2" creationId="{672E0729-D833-D6E5-E03A-944CC8C0B08E}"/>
+          </ac:spMkLst>
+        </pc:spChg>
+        <pc:spChg chg="add del mod ord">
+          <ac:chgData name="V. Brown" userId="b2c29ffe0574e331" providerId="LiveId" clId="{453FA121-C2A9-4FBA-94F0-D727BF3A212D}" dt="2023-03-31T22:32:25.947" v="92" actId="26606"/>
+          <ac:spMkLst>
+            <pc:docMk/>
+            <pc:sldMk cId="95992585" sldId="262"/>
+            <ac:spMk id="3" creationId="{FDAEDED2-CC6E-A5CC-75FB-1CBDEEB96495}"/>
+          </ac:spMkLst>
+        </pc:spChg>
+        <pc:spChg chg="add del mod ord">
+          <ac:chgData name="V. Brown" userId="b2c29ffe0574e331" providerId="LiveId" clId="{453FA121-C2A9-4FBA-94F0-D727BF3A212D}" dt="2023-03-31T22:32:25.947" v="92" actId="26606"/>
+          <ac:spMkLst>
+            <pc:docMk/>
+            <pc:sldMk cId="95992585" sldId="262"/>
+            <ac:spMk id="4" creationId="{4B99D8BF-0C98-CA1C-A433-D7F3D007E18C}"/>
+          </ac:spMkLst>
+        </pc:spChg>
+        <pc:spChg chg="add del mod ord">
+          <ac:chgData name="V. Brown" userId="b2c29ffe0574e331" providerId="LiveId" clId="{453FA121-C2A9-4FBA-94F0-D727BF3A212D}" dt="2023-03-31T22:37:32.248" v="151" actId="700"/>
+          <ac:spMkLst>
+            <pc:docMk/>
+            <pc:sldMk cId="95992585" sldId="262"/>
+            <ac:spMk id="5" creationId="{DEB122FF-81CE-34BE-1DFD-85D3FD11E332}"/>
+          </ac:spMkLst>
+        </pc:spChg>
+        <pc:spChg chg="add del mod ord">
+          <ac:chgData name="V. Brown" userId="b2c29ffe0574e331" providerId="LiveId" clId="{453FA121-C2A9-4FBA-94F0-D727BF3A212D}" dt="2023-03-31T22:37:32.248" v="151" actId="700"/>
+          <ac:spMkLst>
+            <pc:docMk/>
+            <pc:sldMk cId="95992585" sldId="262"/>
+            <ac:spMk id="6" creationId="{D878820E-55E2-07E1-34A2-EE5CBA433D45}"/>
+          </ac:spMkLst>
+        </pc:spChg>
+        <pc:spChg chg="add del mod ord">
+          <ac:chgData name="V. Brown" userId="b2c29ffe0574e331" providerId="LiveId" clId="{453FA121-C2A9-4FBA-94F0-D727BF3A212D}" dt="2023-03-31T22:38:25.850" v="159" actId="700"/>
+          <ac:spMkLst>
+            <pc:docMk/>
+            <pc:sldMk cId="95992585" sldId="262"/>
+            <ac:spMk id="8" creationId="{7DE03130-6CD5-B825-0FBD-C1C9CCDE9579}"/>
+          </ac:spMkLst>
+        </pc:spChg>
+        <pc:spChg chg="add del">
+          <ac:chgData name="V. Brown" userId="b2c29ffe0574e331" providerId="LiveId" clId="{453FA121-C2A9-4FBA-94F0-D727BF3A212D}" dt="2023-03-31T22:27:03.426" v="77" actId="26606"/>
+          <ac:spMkLst>
+            <pc:docMk/>
+            <pc:sldMk cId="95992585" sldId="262"/>
+            <ac:spMk id="9" creationId="{3AFE8227-C443-417B-BA91-520EB1EF4559}"/>
+          </ac:spMkLst>
+        </pc:spChg>
+        <pc:spChg chg="add del">
+          <ac:chgData name="V. Brown" userId="b2c29ffe0574e331" providerId="LiveId" clId="{453FA121-C2A9-4FBA-94F0-D727BF3A212D}" dt="2023-03-31T22:27:03.426" v="77" actId="26606"/>
+          <ac:spMkLst>
+            <pc:docMk/>
+            <pc:sldMk cId="95992585" sldId="262"/>
+            <ac:spMk id="10" creationId="{907741FC-B544-4A6E-B831-6789D042333D}"/>
+          </ac:spMkLst>
+        </pc:spChg>
+        <pc:spChg chg="add del">
+          <ac:chgData name="V. Brown" userId="b2c29ffe0574e331" providerId="LiveId" clId="{453FA121-C2A9-4FBA-94F0-D727BF3A212D}" dt="2023-03-31T22:27:03.426" v="77" actId="26606"/>
+          <ac:spMkLst>
+            <pc:docMk/>
+            <pc:sldMk cId="95992585" sldId="262"/>
+            <ac:spMk id="11" creationId="{3F0BE7ED-7814-4273-B18A-F26CC0380380}"/>
+          </ac:spMkLst>
+        </pc:spChg>
+        <pc:spChg chg="add del">
+          <ac:chgData name="V. Brown" userId="b2c29ffe0574e331" providerId="LiveId" clId="{453FA121-C2A9-4FBA-94F0-D727BF3A212D}" dt="2023-03-31T22:25:54.734" v="73" actId="26606"/>
+          <ac:spMkLst>
+            <pc:docMk/>
+            <pc:sldMk cId="95992585" sldId="262"/>
+            <ac:spMk id="12" creationId="{AB8C311F-7253-4AED-9701-7FC0708C41C7}"/>
+          </ac:spMkLst>
+        </pc:spChg>
+        <pc:spChg chg="add del">
+          <ac:chgData name="V. Brown" userId="b2c29ffe0574e331" providerId="LiveId" clId="{453FA121-C2A9-4FBA-94F0-D727BF3A212D}" dt="2023-03-31T22:27:05.278" v="79" actId="26606"/>
+          <ac:spMkLst>
+            <pc:docMk/>
+            <pc:sldMk cId="95992585" sldId="262"/>
+            <ac:spMk id="13" creationId="{C4285719-470E-454C-AF62-8323075F1F5B}"/>
+          </ac:spMkLst>
+        </pc:spChg>
+        <pc:spChg chg="add del">
+          <ac:chgData name="V. Brown" userId="b2c29ffe0574e331" providerId="LiveId" clId="{453FA121-C2A9-4FBA-94F0-D727BF3A212D}" dt="2023-03-31T22:25:54.734" v="73" actId="26606"/>
+          <ac:spMkLst>
+            <pc:docMk/>
+            <pc:sldMk cId="95992585" sldId="262"/>
+            <ac:spMk id="14" creationId="{E2384209-CB15-4CDF-9D31-C44FD9A3F20D}"/>
+          </ac:spMkLst>
+        </pc:spChg>
+        <pc:spChg chg="add del">
+          <ac:chgData name="V. Brown" userId="b2c29ffe0574e331" providerId="LiveId" clId="{453FA121-C2A9-4FBA-94F0-D727BF3A212D}" dt="2023-03-31T22:27:05.278" v="79" actId="26606"/>
+          <ac:spMkLst>
+            <pc:docMk/>
+            <pc:sldMk cId="95992585" sldId="262"/>
+            <ac:spMk id="15" creationId="{CD9FE4EF-C4D8-49A0-B2FF-81D8DB7D8A24}"/>
+          </ac:spMkLst>
+        </pc:spChg>
+        <pc:spChg chg="add del">
+          <ac:chgData name="V. Brown" userId="b2c29ffe0574e331" providerId="LiveId" clId="{453FA121-C2A9-4FBA-94F0-D727BF3A212D}" dt="2023-03-31T22:25:54.734" v="73" actId="26606"/>
+          <ac:spMkLst>
+            <pc:docMk/>
+            <pc:sldMk cId="95992585" sldId="262"/>
+            <ac:spMk id="16" creationId="{2633B3B5-CC90-43F0-8714-D31D1F3F0209}"/>
+          </ac:spMkLst>
+        </pc:spChg>
+        <pc:spChg chg="add del">
+          <ac:chgData name="V. Brown" userId="b2c29ffe0574e331" providerId="LiveId" clId="{453FA121-C2A9-4FBA-94F0-D727BF3A212D}" dt="2023-03-31T22:27:05.278" v="79" actId="26606"/>
+          <ac:spMkLst>
+            <pc:docMk/>
+            <pc:sldMk cId="95992585" sldId="262"/>
+            <ac:spMk id="17" creationId="{4300840D-0A0B-4512-BACA-B439D5B9C57C}"/>
+          </ac:spMkLst>
+        </pc:spChg>
+        <pc:spChg chg="add del">
+          <ac:chgData name="V. Brown" userId="b2c29ffe0574e331" providerId="LiveId" clId="{453FA121-C2A9-4FBA-94F0-D727BF3A212D}" dt="2023-03-31T22:25:54.734" v="73" actId="26606"/>
+          <ac:spMkLst>
+            <pc:docMk/>
+            <pc:sldMk cId="95992585" sldId="262"/>
+            <ac:spMk id="18" creationId="{A8D57A06-A426-446D-B02C-A2DC6B62E45E}"/>
+          </ac:spMkLst>
+        </pc:spChg>
+        <pc:spChg chg="add del">
+          <ac:chgData name="V. Brown" userId="b2c29ffe0574e331" providerId="LiveId" clId="{453FA121-C2A9-4FBA-94F0-D727BF3A212D}" dt="2023-03-31T22:27:05.278" v="79" actId="26606"/>
+          <ac:spMkLst>
+            <pc:docMk/>
+            <pc:sldMk cId="95992585" sldId="262"/>
+            <ac:spMk id="19" creationId="{D2B78728-A580-49A7-84F9-6EF6F583ADE0}"/>
+          </ac:spMkLst>
+        </pc:spChg>
+        <pc:spChg chg="add del">
+          <ac:chgData name="V. Brown" userId="b2c29ffe0574e331" providerId="LiveId" clId="{453FA121-C2A9-4FBA-94F0-D727BF3A212D}" dt="2023-03-31T22:26:48.130" v="75" actId="700"/>
+          <ac:spMkLst>
+            <pc:docMk/>
+            <pc:sldMk cId="95992585" sldId="262"/>
+            <ac:spMk id="20" creationId="{AB8C311F-7253-4AED-9701-7FC0708C41C7}"/>
+          </ac:spMkLst>
+        </pc:spChg>
+        <pc:spChg chg="add del">
+          <ac:chgData name="V. Brown" userId="b2c29ffe0574e331" providerId="LiveId" clId="{453FA121-C2A9-4FBA-94F0-D727BF3A212D}" dt="2023-03-31T22:26:48.130" v="75" actId="700"/>
+          <ac:spMkLst>
+            <pc:docMk/>
+            <pc:sldMk cId="95992585" sldId="262"/>
+            <ac:spMk id="21" creationId="{E2384209-CB15-4CDF-9D31-C44FD9A3F20D}"/>
+          </ac:spMkLst>
+        </pc:spChg>
+        <pc:spChg chg="add del">
+          <ac:chgData name="V. Brown" userId="b2c29ffe0574e331" providerId="LiveId" clId="{453FA121-C2A9-4FBA-94F0-D727BF3A212D}" dt="2023-03-31T22:26:48.130" v="75" actId="700"/>
+          <ac:spMkLst>
+            <pc:docMk/>
+            <pc:sldMk cId="95992585" sldId="262"/>
+            <ac:spMk id="22" creationId="{2633B3B5-CC90-43F0-8714-D31D1F3F0209}"/>
+          </ac:spMkLst>
+        </pc:spChg>
+        <pc:spChg chg="add del">
+          <ac:chgData name="V. Brown" userId="b2c29ffe0574e331" providerId="LiveId" clId="{453FA121-C2A9-4FBA-94F0-D727BF3A212D}" dt="2023-03-31T22:26:48.130" v="75" actId="700"/>
+          <ac:spMkLst>
+            <pc:docMk/>
+            <pc:sldMk cId="95992585" sldId="262"/>
+            <ac:spMk id="23" creationId="{A8D57A06-A426-446D-B02C-A2DC6B62E45E}"/>
+          </ac:spMkLst>
+        </pc:spChg>
+        <pc:spChg chg="add del">
+          <ac:chgData name="V. Brown" userId="b2c29ffe0574e331" providerId="LiveId" clId="{453FA121-C2A9-4FBA-94F0-D727BF3A212D}" dt="2023-03-31T22:27:05.278" v="79" actId="26606"/>
+          <ac:spMkLst>
+            <pc:docMk/>
+            <pc:sldMk cId="95992585" sldId="262"/>
+            <ac:spMk id="24" creationId="{38FAA1A1-D861-433F-88FA-1E9D6FD31D11}"/>
+          </ac:spMkLst>
+        </pc:spChg>
+        <pc:spChg chg="add del">
+          <ac:chgData name="V. Brown" userId="b2c29ffe0574e331" providerId="LiveId" clId="{453FA121-C2A9-4FBA-94F0-D727BF3A212D}" dt="2023-03-31T22:27:05.278" v="79" actId="26606"/>
+          <ac:spMkLst>
+            <pc:docMk/>
+            <pc:sldMk cId="95992585" sldId="262"/>
+            <ac:spMk id="25" creationId="{8D71EDA1-87BF-4D5D-AB79-F346FD19278A}"/>
+          </ac:spMkLst>
+        </pc:spChg>
+        <pc:spChg chg="add del">
+          <ac:chgData name="V. Brown" userId="b2c29ffe0574e331" providerId="LiveId" clId="{453FA121-C2A9-4FBA-94F0-D727BF3A212D}" dt="2023-03-31T22:32:06.693" v="87" actId="26606"/>
+          <ac:spMkLst>
+            <pc:docMk/>
+            <pc:sldMk cId="95992585" sldId="262"/>
+            <ac:spMk id="26" creationId="{16C5FA50-8D52-4617-AF91-5C7B1C8352F1}"/>
+          </ac:spMkLst>
+        </pc:spChg>
+        <pc:spChg chg="add del">
+          <ac:chgData name="V. Brown" userId="b2c29ffe0574e331" providerId="LiveId" clId="{453FA121-C2A9-4FBA-94F0-D727BF3A212D}" dt="2023-03-31T22:27:06.891" v="81" actId="26606"/>
+          <ac:spMkLst>
+            <pc:docMk/>
+            <pc:sldMk cId="95992585" sldId="262"/>
+            <ac:spMk id="27" creationId="{8181FC64-B306-4821-98E2-780662EFC486}"/>
+          </ac:spMkLst>
+        </pc:spChg>
+        <pc:spChg chg="add del">
+          <ac:chgData name="V. Brown" userId="b2c29ffe0574e331" providerId="LiveId" clId="{453FA121-C2A9-4FBA-94F0-D727BF3A212D}" dt="2023-03-31T22:27:06.891" v="81" actId="26606"/>
+          <ac:spMkLst>
+            <pc:docMk/>
+            <pc:sldMk cId="95992585" sldId="262"/>
+            <ac:spMk id="28" creationId="{5871FC61-DD4E-47D4-81FD-8A7E7D12B371}"/>
+          </ac:spMkLst>
+        </pc:spChg>
+        <pc:spChg chg="add del">
+          <ac:chgData name="V. Brown" userId="b2c29ffe0574e331" providerId="LiveId" clId="{453FA121-C2A9-4FBA-94F0-D727BF3A212D}" dt="2023-03-31T22:27:06.891" v="81" actId="26606"/>
+          <ac:spMkLst>
+            <pc:docMk/>
+            <pc:sldMk cId="95992585" sldId="262"/>
+            <ac:spMk id="29" creationId="{F9EC3F91-A75C-4F74-867E-E4C28C13546B}"/>
+          </ac:spMkLst>
+        </pc:spChg>
+        <pc:spChg chg="add del">
+          <ac:chgData name="V. Brown" userId="b2c29ffe0574e331" providerId="LiveId" clId="{453FA121-C2A9-4FBA-94F0-D727BF3A212D}" dt="2023-03-31T22:27:06.891" v="81" actId="26606"/>
+          <ac:spMkLst>
+            <pc:docMk/>
+            <pc:sldMk cId="95992585" sldId="262"/>
+            <ac:spMk id="30" creationId="{829A1E2C-5AC8-40FC-99E9-832069D39792}"/>
+          </ac:spMkLst>
+        </pc:spChg>
+        <pc:spChg chg="add del">
+          <ac:chgData name="V. Brown" userId="b2c29ffe0574e331" providerId="LiveId" clId="{453FA121-C2A9-4FBA-94F0-D727BF3A212D}" dt="2023-03-31T22:32:06.693" v="87" actId="26606"/>
+          <ac:spMkLst>
+            <pc:docMk/>
+            <pc:sldMk cId="95992585" sldId="262"/>
+            <ac:spMk id="31" creationId="{E223798C-12AD-4B0C-A50C-D676347D67CF}"/>
+          </ac:spMkLst>
+        </pc:spChg>
+        <pc:spChg chg="add del">
+          <ac:chgData name="V. Brown" userId="b2c29ffe0574e331" providerId="LiveId" clId="{453FA121-C2A9-4FBA-94F0-D727BF3A212D}" dt="2023-03-31T22:27:09.006" v="83" actId="26606"/>
+          <ac:spMkLst>
+            <pc:docMk/>
+            <pc:sldMk cId="95992585" sldId="262"/>
+            <ac:spMk id="32" creationId="{04812C46-200A-4DEB-A05E-3ED6C68C2387}"/>
+          </ac:spMkLst>
+        </pc:spChg>
+        <pc:spChg chg="add del">
+          <ac:chgData name="V. Brown" userId="b2c29ffe0574e331" providerId="LiveId" clId="{453FA121-C2A9-4FBA-94F0-D727BF3A212D}" dt="2023-03-31T22:27:09.006" v="83" actId="26606"/>
+          <ac:spMkLst>
+            <pc:docMk/>
+            <pc:sldMk cId="95992585" sldId="262"/>
+            <ac:spMk id="33" creationId="{D1EA859B-E555-4109-94F3-6700E046E008}"/>
+          </ac:spMkLst>
+        </pc:spChg>
+        <pc:spChg chg="add del">
+          <ac:chgData name="V. Brown" userId="b2c29ffe0574e331" providerId="LiveId" clId="{453FA121-C2A9-4FBA-94F0-D727BF3A212D}" dt="2023-03-31T22:32:21.214" v="89" actId="26606"/>
+          <ac:spMkLst>
+            <pc:docMk/>
+            <pc:sldMk cId="95992585" sldId="262"/>
+            <ac:spMk id="34" creationId="{1B15ED52-F352-441B-82BF-E0EA34836D08}"/>
+          </ac:spMkLst>
+        </pc:spChg>
+        <pc:spChg chg="add del">
+          <ac:chgData name="V. Brown" userId="b2c29ffe0574e331" providerId="LiveId" clId="{453FA121-C2A9-4FBA-94F0-D727BF3A212D}" dt="2023-03-31T22:31:39.496" v="85" actId="26606"/>
+          <ac:spMkLst>
+            <pc:docMk/>
+            <pc:sldMk cId="95992585" sldId="262"/>
+            <ac:spMk id="35" creationId="{3AFE8227-C443-417B-BA91-520EB1EF4559}"/>
+          </ac:spMkLst>
+        </pc:spChg>
+        <pc:spChg chg="add del">
+          <ac:chgData name="V. Brown" userId="b2c29ffe0574e331" providerId="LiveId" clId="{453FA121-C2A9-4FBA-94F0-D727BF3A212D}" dt="2023-03-31T22:31:39.496" v="85" actId="26606"/>
+          <ac:spMkLst>
+            <pc:docMk/>
+            <pc:sldMk cId="95992585" sldId="262"/>
+            <ac:spMk id="36" creationId="{907741FC-B544-4A6E-B831-6789D042333D}"/>
+          </ac:spMkLst>
+        </pc:spChg>
+        <pc:spChg chg="add del">
+          <ac:chgData name="V. Brown" userId="b2c29ffe0574e331" providerId="LiveId" clId="{453FA121-C2A9-4FBA-94F0-D727BF3A212D}" dt="2023-03-31T22:31:39.496" v="85" actId="26606"/>
+          <ac:spMkLst>
+            <pc:docMk/>
+            <pc:sldMk cId="95992585" sldId="262"/>
+            <ac:spMk id="37" creationId="{3F0BE7ED-7814-4273-B18A-F26CC0380380}"/>
+          </ac:spMkLst>
+        </pc:spChg>
+        <pc:spChg chg="add del">
+          <ac:chgData name="V. Brown" userId="b2c29ffe0574e331" providerId="LiveId" clId="{453FA121-C2A9-4FBA-94F0-D727BF3A212D}" dt="2023-03-31T22:32:21.214" v="89" actId="26606"/>
+          <ac:spMkLst>
+            <pc:docMk/>
+            <pc:sldMk cId="95992585" sldId="262"/>
+            <ac:spMk id="38" creationId="{3B2E3793-BFE6-45A2-9B7B-E18844431C99}"/>
+          </ac:spMkLst>
+        </pc:spChg>
+        <pc:spChg chg="add del">
+          <ac:chgData name="V. Brown" userId="b2c29ffe0574e331" providerId="LiveId" clId="{453FA121-C2A9-4FBA-94F0-D727BF3A212D}" dt="2023-03-31T22:32:21.214" v="89" actId="26606"/>
+          <ac:spMkLst>
+            <pc:docMk/>
+            <pc:sldMk cId="95992585" sldId="262"/>
+            <ac:spMk id="39" creationId="{BC4C4868-CB8F-4AF9-9CDB-8108F2C19B67}"/>
+          </ac:spMkLst>
+        </pc:spChg>
+        <pc:spChg chg="add del">
+          <ac:chgData name="V. Brown" userId="b2c29ffe0574e331" providerId="LiveId" clId="{453FA121-C2A9-4FBA-94F0-D727BF3A212D}" dt="2023-03-31T22:32:21.214" v="89" actId="26606"/>
+          <ac:spMkLst>
+            <pc:docMk/>
+            <pc:sldMk cId="95992585" sldId="262"/>
+            <ac:spMk id="40" creationId="{375E0459-6403-40CD-989D-56A4407CA12E}"/>
+          </ac:spMkLst>
+        </pc:spChg>
+        <pc:spChg chg="add del">
+          <ac:chgData name="V. Brown" userId="b2c29ffe0574e331" providerId="LiveId" clId="{453FA121-C2A9-4FBA-94F0-D727BF3A212D}" dt="2023-03-31T22:32:21.214" v="89" actId="26606"/>
+          <ac:spMkLst>
+            <pc:docMk/>
+            <pc:sldMk cId="95992585" sldId="262"/>
+            <ac:spMk id="41" creationId="{53E5B1A8-3AC9-4BD1-9BBC-78CA94F2D1BA}"/>
+          </ac:spMkLst>
+        </pc:spChg>
+        <pc:spChg chg="add del">
+          <ac:chgData name="V. Brown" userId="b2c29ffe0574e331" providerId="LiveId" clId="{453FA121-C2A9-4FBA-94F0-D727BF3A212D}" dt="2023-03-31T22:32:21.214" v="89" actId="26606"/>
+          <ac:spMkLst>
+            <pc:docMk/>
+            <pc:sldMk cId="95992585" sldId="262"/>
+            <ac:spMk id="42" creationId="{4B99D8BF-0C98-CA1C-A433-D7F3D007E18C}"/>
+          </ac:spMkLst>
+        </pc:spChg>
+        <pc:spChg chg="add del">
+          <ac:chgData name="V. Brown" userId="b2c29ffe0574e331" providerId="LiveId" clId="{453FA121-C2A9-4FBA-94F0-D727BF3A212D}" dt="2023-03-31T22:37:56.726" v="154" actId="26606"/>
+          <ac:spMkLst>
+            <pc:docMk/>
+            <pc:sldMk cId="95992585" sldId="262"/>
+            <ac:spMk id="43" creationId="{AB8C311F-7253-4AED-9701-7FC0708C41C7}"/>
+          </ac:spMkLst>
+        </pc:spChg>
+        <pc:spChg chg="add del">
+          <ac:chgData name="V. Brown" userId="b2c29ffe0574e331" providerId="LiveId" clId="{453FA121-C2A9-4FBA-94F0-D727BF3A212D}" dt="2023-03-31T22:32:25.947" v="91" actId="26606"/>
+          <ac:spMkLst>
+            <pc:docMk/>
+            <pc:sldMk cId="95992585" sldId="262"/>
+            <ac:spMk id="44" creationId="{42A4FC2C-047E-45A5-965D-8E1E3BF09BC6}"/>
+          </ac:spMkLst>
+        </pc:spChg>
+        <pc:spChg chg="add del">
+          <ac:chgData name="V. Brown" userId="b2c29ffe0574e331" providerId="LiveId" clId="{453FA121-C2A9-4FBA-94F0-D727BF3A212D}" dt="2023-03-31T22:37:56.726" v="154" actId="26606"/>
+          <ac:spMkLst>
+            <pc:docMk/>
+            <pc:sldMk cId="95992585" sldId="262"/>
+            <ac:spMk id="45" creationId="{E2384209-CB15-4CDF-9D31-C44FD9A3F20D}"/>
+          </ac:spMkLst>
+        </pc:spChg>
+        <pc:spChg chg="add del">
+          <ac:chgData name="V. Brown" userId="b2c29ffe0574e331" providerId="LiveId" clId="{453FA121-C2A9-4FBA-94F0-D727BF3A212D}" dt="2023-03-31T22:32:41.818" v="94" actId="26606"/>
+          <ac:spMkLst>
+            <pc:docMk/>
+            <pc:sldMk cId="95992585" sldId="262"/>
+            <ac:spMk id="46" creationId="{04812C46-200A-4DEB-A05E-3ED6C68C2387}"/>
+          </ac:spMkLst>
+        </pc:spChg>
+        <pc:spChg chg="add del">
+          <ac:chgData name="V. Brown" userId="b2c29ffe0574e331" providerId="LiveId" clId="{453FA121-C2A9-4FBA-94F0-D727BF3A212D}" dt="2023-03-31T22:32:41.818" v="94" actId="26606"/>
+          <ac:spMkLst>
+            <pc:docMk/>
+            <pc:sldMk cId="95992585" sldId="262"/>
+            <ac:spMk id="47" creationId="{D1EA859B-E555-4109-94F3-6700E046E008}"/>
+          </ac:spMkLst>
+        </pc:spChg>
+        <pc:spChg chg="add del">
+          <ac:chgData name="V. Brown" userId="b2c29ffe0574e331" providerId="LiveId" clId="{453FA121-C2A9-4FBA-94F0-D727BF3A212D}" dt="2023-03-31T22:32:41.818" v="94" actId="26606"/>
+          <ac:spMkLst>
+            <pc:docMk/>
+            <pc:sldMk cId="95992585" sldId="262"/>
+            <ac:spMk id="48" creationId="{672E0729-D833-D6E5-E03A-944CC8C0B08E}"/>
+          </ac:spMkLst>
+        </pc:spChg>
+        <pc:spChg chg="add del">
+          <ac:chgData name="V. Brown" userId="b2c29ffe0574e331" providerId="LiveId" clId="{453FA121-C2A9-4FBA-94F0-D727BF3A212D}" dt="2023-03-31T22:32:41.818" v="94" actId="26606"/>
+          <ac:spMkLst>
+            <pc:docMk/>
+            <pc:sldMk cId="95992585" sldId="262"/>
+            <ac:spMk id="49" creationId="{4B99D8BF-0C98-CA1C-A433-D7F3D007E18C}"/>
+          </ac:spMkLst>
+        </pc:spChg>
+        <pc:spChg chg="add del">
+          <ac:chgData name="V. Brown" userId="b2c29ffe0574e331" providerId="LiveId" clId="{453FA121-C2A9-4FBA-94F0-D727BF3A212D}" dt="2023-03-31T22:37:56.726" v="154" actId="26606"/>
+          <ac:spMkLst>
+            <pc:docMk/>
+            <pc:sldMk cId="95992585" sldId="262"/>
+            <ac:spMk id="50" creationId="{2633B3B5-CC90-43F0-8714-D31D1F3F0209}"/>
+          </ac:spMkLst>
+        </pc:spChg>
+        <pc:spChg chg="add del">
+          <ac:chgData name="V. Brown" userId="b2c29ffe0574e331" providerId="LiveId" clId="{453FA121-C2A9-4FBA-94F0-D727BF3A212D}" dt="2023-03-31T22:37:56.726" v="154" actId="26606"/>
+          <ac:spMkLst>
+            <pc:docMk/>
+            <pc:sldMk cId="95992585" sldId="262"/>
+            <ac:spMk id="51" creationId="{A8D57A06-A426-446D-B02C-A2DC6B62E45E}"/>
+          </ac:spMkLst>
+        </pc:spChg>
+        <pc:spChg chg="add del mod ord">
+          <ac:chgData name="V. Brown" userId="b2c29ffe0574e331" providerId="LiveId" clId="{453FA121-C2A9-4FBA-94F0-D727BF3A212D}" dt="2023-03-31T22:38:25.850" v="159" actId="700"/>
+          <ac:spMkLst>
+            <pc:docMk/>
+            <pc:sldMk cId="95992585" sldId="262"/>
+            <ac:spMk id="52" creationId="{4D159801-FA69-AA46-A2F7-A70474AB374C}"/>
+          </ac:spMkLst>
+        </pc:spChg>
+        <pc:spChg chg="add del">
+          <ac:chgData name="V. Brown" userId="b2c29ffe0574e331" providerId="LiveId" clId="{453FA121-C2A9-4FBA-94F0-D727BF3A212D}" dt="2023-03-31T22:38:00.633" v="156" actId="26606"/>
+          <ac:spMkLst>
+            <pc:docMk/>
+            <pc:sldMk cId="95992585" sldId="262"/>
+            <ac:spMk id="53" creationId="{AB8C311F-7253-4AED-9701-7FC0708C41C7}"/>
+          </ac:spMkLst>
+        </pc:spChg>
+        <pc:spChg chg="add del">
+          <ac:chgData name="V. Brown" userId="b2c29ffe0574e331" providerId="LiveId" clId="{453FA121-C2A9-4FBA-94F0-D727BF3A212D}" dt="2023-03-31T22:32:51.273" v="97" actId="26606"/>
+          <ac:spMkLst>
+            <pc:docMk/>
+            <pc:sldMk cId="95992585" sldId="262"/>
+            <ac:spMk id="54" creationId="{AB8C311F-7253-4AED-9701-7FC0708C41C7}"/>
+          </ac:spMkLst>
+        </pc:spChg>
+        <pc:spChg chg="add del">
+          <ac:chgData name="V. Brown" userId="b2c29ffe0574e331" providerId="LiveId" clId="{453FA121-C2A9-4FBA-94F0-D727BF3A212D}" dt="2023-03-31T22:38:00.633" v="156" actId="26606"/>
+          <ac:spMkLst>
+            <pc:docMk/>
+            <pc:sldMk cId="95992585" sldId="262"/>
+            <ac:spMk id="55" creationId="{E2384209-CB15-4CDF-9D31-C44FD9A3F20D}"/>
+          </ac:spMkLst>
+        </pc:spChg>
+        <pc:spChg chg="add del">
+          <ac:chgData name="V. Brown" userId="b2c29ffe0574e331" providerId="LiveId" clId="{453FA121-C2A9-4FBA-94F0-D727BF3A212D}" dt="2023-03-31T22:32:51.273" v="97" actId="26606"/>
+          <ac:spMkLst>
+            <pc:docMk/>
+            <pc:sldMk cId="95992585" sldId="262"/>
+            <ac:spMk id="56" creationId="{E2384209-CB15-4CDF-9D31-C44FD9A3F20D}"/>
+          </ac:spMkLst>
+        </pc:spChg>
+        <pc:spChg chg="add del">
+          <ac:chgData name="V. Brown" userId="b2c29ffe0574e331" providerId="LiveId" clId="{453FA121-C2A9-4FBA-94F0-D727BF3A212D}" dt="2023-03-31T22:38:00.633" v="156" actId="26606"/>
+          <ac:spMkLst>
+            <pc:docMk/>
+            <pc:sldMk cId="95992585" sldId="262"/>
+            <ac:spMk id="57" creationId="{2633B3B5-CC90-43F0-8714-D31D1F3F0209}"/>
+          </ac:spMkLst>
+        </pc:spChg>
+        <pc:spChg chg="add del">
+          <ac:chgData name="V. Brown" userId="b2c29ffe0574e331" providerId="LiveId" clId="{453FA121-C2A9-4FBA-94F0-D727BF3A212D}" dt="2023-03-31T22:32:51.273" v="97" actId="26606"/>
+          <ac:spMkLst>
+            <pc:docMk/>
+            <pc:sldMk cId="95992585" sldId="262"/>
+            <ac:spMk id="58" creationId="{2633B3B5-CC90-43F0-8714-D31D1F3F0209}"/>
+          </ac:spMkLst>
+        </pc:spChg>
+        <pc:spChg chg="add del">
+          <ac:chgData name="V. Brown" userId="b2c29ffe0574e331" providerId="LiveId" clId="{453FA121-C2A9-4FBA-94F0-D727BF3A212D}" dt="2023-03-31T22:38:00.633" v="156" actId="26606"/>
+          <ac:spMkLst>
+            <pc:docMk/>
+            <pc:sldMk cId="95992585" sldId="262"/>
+            <ac:spMk id="59" creationId="{A8D57A06-A426-446D-B02C-A2DC6B62E45E}"/>
+          </ac:spMkLst>
+        </pc:spChg>
+        <pc:spChg chg="add del">
+          <ac:chgData name="V. Brown" userId="b2c29ffe0574e331" providerId="LiveId" clId="{453FA121-C2A9-4FBA-94F0-D727BF3A212D}" dt="2023-03-31T22:32:51.273" v="97" actId="26606"/>
+          <ac:spMkLst>
+            <pc:docMk/>
+            <pc:sldMk cId="95992585" sldId="262"/>
+            <ac:spMk id="60" creationId="{A8D57A06-A426-446D-B02C-A2DC6B62E45E}"/>
+          </ac:spMkLst>
+        </pc:spChg>
+        <pc:spChg chg="add del">
+          <ac:chgData name="V. Brown" userId="b2c29ffe0574e331" providerId="LiveId" clId="{453FA121-C2A9-4FBA-94F0-D727BF3A212D}" dt="2023-03-31T22:39:03.207" v="162" actId="700"/>
+          <ac:spMkLst>
+            <pc:docMk/>
+            <pc:sldMk cId="95992585" sldId="262"/>
+            <ac:spMk id="61" creationId="{AB8C311F-7253-4AED-9701-7FC0708C41C7}"/>
+          </ac:spMkLst>
+        </pc:spChg>
+        <pc:spChg chg="add del">
+          <ac:chgData name="V. Brown" userId="b2c29ffe0574e331" providerId="LiveId" clId="{453FA121-C2A9-4FBA-94F0-D727BF3A212D}" dt="2023-03-31T22:39:03.207" v="162" actId="700"/>
+          <ac:spMkLst>
+            <pc:docMk/>
+            <pc:sldMk cId="95992585" sldId="262"/>
+            <ac:spMk id="62" creationId="{E2384209-CB15-4CDF-9D31-C44FD9A3F20D}"/>
+          </ac:spMkLst>
+        </pc:spChg>
+        <pc:spChg chg="add del">
+          <ac:chgData name="V. Brown" userId="b2c29ffe0574e331" providerId="LiveId" clId="{453FA121-C2A9-4FBA-94F0-D727BF3A212D}" dt="2023-03-31T22:39:03.207" v="162" actId="700"/>
+          <ac:spMkLst>
+            <pc:docMk/>
+            <pc:sldMk cId="95992585" sldId="262"/>
+            <ac:spMk id="63" creationId="{2633B3B5-CC90-43F0-8714-D31D1F3F0209}"/>
+          </ac:spMkLst>
+        </pc:spChg>
+        <pc:spChg chg="add del">
+          <ac:chgData name="V. Brown" userId="b2c29ffe0574e331" providerId="LiveId" clId="{453FA121-C2A9-4FBA-94F0-D727BF3A212D}" dt="2023-03-31T22:39:03.207" v="162" actId="700"/>
+          <ac:spMkLst>
+            <pc:docMk/>
+            <pc:sldMk cId="95992585" sldId="262"/>
+            <ac:spMk id="64" creationId="{A8D57A06-A426-446D-B02C-A2DC6B62E45E}"/>
+          </ac:spMkLst>
+        </pc:spChg>
+        <pc:spChg chg="add del">
+          <ac:chgData name="V. Brown" userId="b2c29ffe0574e331" providerId="LiveId" clId="{453FA121-C2A9-4FBA-94F0-D727BF3A212D}" dt="2023-03-31T22:37:50.876" v="152" actId="700"/>
+          <ac:spMkLst>
+            <pc:docMk/>
+            <pc:sldMk cId="95992585" sldId="262"/>
+            <ac:spMk id="65" creationId="{AB8C311F-7253-4AED-9701-7FC0708C41C7}"/>
+          </ac:spMkLst>
+        </pc:spChg>
+        <pc:spChg chg="add del mod ord">
+          <ac:chgData name="V. Brown" userId="b2c29ffe0574e331" providerId="LiveId" clId="{453FA121-C2A9-4FBA-94F0-D727BF3A212D}" dt="2023-03-31T22:38:25.850" v="159" actId="700"/>
+          <ac:spMkLst>
+            <pc:docMk/>
+            <pc:sldMk cId="95992585" sldId="262"/>
+            <ac:spMk id="66" creationId="{FA80AEAF-510D-8B3B-A6B1-0C9F6BE8A420}"/>
+          </ac:spMkLst>
+        </pc:spChg>
+        <pc:spChg chg="add del">
+          <ac:chgData name="V. Brown" userId="b2c29ffe0574e331" providerId="LiveId" clId="{453FA121-C2A9-4FBA-94F0-D727BF3A212D}" dt="2023-03-31T22:37:50.876" v="152" actId="700"/>
+          <ac:spMkLst>
+            <pc:docMk/>
+            <pc:sldMk cId="95992585" sldId="262"/>
+            <ac:spMk id="67" creationId="{E2384209-CB15-4CDF-9D31-C44FD9A3F20D}"/>
+          </ac:spMkLst>
+        </pc:spChg>
+        <pc:spChg chg="add mod ord">
+          <ac:chgData name="V. Brown" userId="b2c29ffe0574e331" providerId="LiveId" clId="{453FA121-C2A9-4FBA-94F0-D727BF3A212D}" dt="2023-03-31T23:11:36.133" v="608" actId="20577"/>
+          <ac:spMkLst>
+            <pc:docMk/>
+            <pc:sldMk cId="95992585" sldId="262"/>
+            <ac:spMk id="68" creationId="{12FA1A04-360D-14BE-363D-7880A34FF707}"/>
+          </ac:spMkLst>
+        </pc:spChg>
+        <pc:spChg chg="add del">
+          <ac:chgData name="V. Brown" userId="b2c29ffe0574e331" providerId="LiveId" clId="{453FA121-C2A9-4FBA-94F0-D727BF3A212D}" dt="2023-03-31T22:37:50.876" v="152" actId="700"/>
+          <ac:spMkLst>
+            <pc:docMk/>
+            <pc:sldMk cId="95992585" sldId="262"/>
+            <ac:spMk id="69" creationId="{2633B3B5-CC90-43F0-8714-D31D1F3F0209}"/>
+          </ac:spMkLst>
+        </pc:spChg>
+        <pc:spChg chg="add del">
+          <ac:chgData name="V. Brown" userId="b2c29ffe0574e331" providerId="LiveId" clId="{453FA121-C2A9-4FBA-94F0-D727BF3A212D}" dt="2023-03-31T22:37:50.876" v="152" actId="700"/>
+          <ac:spMkLst>
+            <pc:docMk/>
+            <pc:sldMk cId="95992585" sldId="262"/>
+            <ac:spMk id="71" creationId="{A8D57A06-A426-446D-B02C-A2DC6B62E45E}"/>
+          </ac:spMkLst>
+        </pc:spChg>
+        <pc:spChg chg="add del">
+          <ac:chgData name="V. Brown" userId="b2c29ffe0574e331" providerId="LiveId" clId="{453FA121-C2A9-4FBA-94F0-D727BF3A212D}" dt="2023-03-31T22:41:42.351" v="230" actId="26606"/>
+          <ac:spMkLst>
+            <pc:docMk/>
+            <pc:sldMk cId="95992585" sldId="262"/>
+            <ac:spMk id="73" creationId="{16C5FA50-8D52-4617-AF91-5C7B1C8352F1}"/>
+          </ac:spMkLst>
+        </pc:spChg>
+        <pc:spChg chg="add del">
+          <ac:chgData name="V. Brown" userId="b2c29ffe0574e331" providerId="LiveId" clId="{453FA121-C2A9-4FBA-94F0-D727BF3A212D}" dt="2023-03-31T22:41:42.351" v="230" actId="26606"/>
+          <ac:spMkLst>
+            <pc:docMk/>
+            <pc:sldMk cId="95992585" sldId="262"/>
+            <ac:spMk id="75" creationId="{E223798C-12AD-4B0C-A50C-D676347D67CF}"/>
+          </ac:spMkLst>
+        </pc:spChg>
+        <pc:spChg chg="add del">
+          <ac:chgData name="V. Brown" userId="b2c29ffe0574e331" providerId="LiveId" clId="{453FA121-C2A9-4FBA-94F0-D727BF3A212D}" dt="2023-03-31T22:41:57.765" v="232" actId="26606"/>
+          <ac:spMkLst>
+            <pc:docMk/>
+            <pc:sldMk cId="95992585" sldId="262"/>
+            <ac:spMk id="77" creationId="{84A8DE83-DE75-4B41-9DB4-A7EC0B0DEC0B}"/>
+          </ac:spMkLst>
+        </pc:spChg>
+        <pc:spChg chg="add del">
+          <ac:chgData name="V. Brown" userId="b2c29ffe0574e331" providerId="LiveId" clId="{453FA121-C2A9-4FBA-94F0-D727BF3A212D}" dt="2023-03-31T22:41:57.765" v="232" actId="26606"/>
+          <ac:spMkLst>
+            <pc:docMk/>
+            <pc:sldMk cId="95992585" sldId="262"/>
+            <ac:spMk id="78" creationId="{A8384FB5-9ADC-4DDC-881B-597D56F5B15D}"/>
+          </ac:spMkLst>
+        </pc:spChg>
+        <pc:spChg chg="add del">
+          <ac:chgData name="V. Brown" userId="b2c29ffe0574e331" providerId="LiveId" clId="{453FA121-C2A9-4FBA-94F0-D727BF3A212D}" dt="2023-03-31T22:41:57.765" v="232" actId="26606"/>
+          <ac:spMkLst>
+            <pc:docMk/>
+            <pc:sldMk cId="95992585" sldId="262"/>
+            <ac:spMk id="79" creationId="{A7009A0A-BEF5-4EAC-AF15-E4F9F002E239}"/>
+          </ac:spMkLst>
+        </pc:spChg>
+        <pc:spChg chg="add del">
+          <ac:chgData name="V. Brown" userId="b2c29ffe0574e331" providerId="LiveId" clId="{453FA121-C2A9-4FBA-94F0-D727BF3A212D}" dt="2023-03-31T22:41:57.765" v="232" actId="26606"/>
+          <ac:spMkLst>
+            <pc:docMk/>
+            <pc:sldMk cId="95992585" sldId="262"/>
+            <ac:spMk id="80" creationId="{1199E1B1-A8C0-4FE8-A5A8-1CB41D69F857}"/>
+          </ac:spMkLst>
+        </pc:spChg>
+        <pc:spChg chg="add del">
+          <ac:chgData name="V. Brown" userId="b2c29ffe0574e331" providerId="LiveId" clId="{453FA121-C2A9-4FBA-94F0-D727BF3A212D}" dt="2023-03-31T22:42:00.104" v="234" actId="26606"/>
+          <ac:spMkLst>
+            <pc:docMk/>
+            <pc:sldMk cId="95992585" sldId="262"/>
+            <ac:spMk id="82" creationId="{C3896A03-3945-419A-B66B-4EE266EDD152}"/>
+          </ac:spMkLst>
+        </pc:spChg>
+        <pc:spChg chg="add del">
+          <ac:chgData name="V. Brown" userId="b2c29ffe0574e331" providerId="LiveId" clId="{453FA121-C2A9-4FBA-94F0-D727BF3A212D}" dt="2023-03-31T22:42:00.104" v="234" actId="26606"/>
+          <ac:spMkLst>
+            <pc:docMk/>
+            <pc:sldMk cId="95992585" sldId="262"/>
+            <ac:spMk id="83" creationId="{B34F5AD2-EDBD-4BBD-A55C-EAFFD0C7097A}"/>
+          </ac:spMkLst>
+        </pc:spChg>
+        <pc:spChg chg="add del">
+          <ac:chgData name="V. Brown" userId="b2c29ffe0574e331" providerId="LiveId" clId="{453FA121-C2A9-4FBA-94F0-D727BF3A212D}" dt="2023-03-31T23:02:53.800" v="374" actId="26606"/>
+          <ac:spMkLst>
+            <pc:docMk/>
+            <pc:sldMk cId="95992585" sldId="262"/>
+            <ac:spMk id="85" creationId="{16C5FA50-8D52-4617-AF91-5C7B1C8352F1}"/>
+          </ac:spMkLst>
+        </pc:spChg>
+        <pc:spChg chg="add del">
+          <ac:chgData name="V. Brown" userId="b2c29ffe0574e331" providerId="LiveId" clId="{453FA121-C2A9-4FBA-94F0-D727BF3A212D}" dt="2023-03-31T23:02:53.800" v="374" actId="26606"/>
+          <ac:spMkLst>
+            <pc:docMk/>
+            <pc:sldMk cId="95992585" sldId="262"/>
+            <ac:spMk id="86" creationId="{E223798C-12AD-4B0C-A50C-D676347D67CF}"/>
+          </ac:spMkLst>
+        </pc:spChg>
+        <pc:spChg chg="add">
+          <ac:chgData name="V. Brown" userId="b2c29ffe0574e331" providerId="LiveId" clId="{453FA121-C2A9-4FBA-94F0-D727BF3A212D}" dt="2023-03-31T23:02:53.800" v="374" actId="26606"/>
+          <ac:spMkLst>
+            <pc:docMk/>
+            <pc:sldMk cId="95992585" sldId="262"/>
+            <ac:spMk id="91" creationId="{A8384FB5-9ADC-4DDC-881B-597D56F5B15D}"/>
+          </ac:spMkLst>
+        </pc:spChg>
+        <pc:spChg chg="add">
+          <ac:chgData name="V. Brown" userId="b2c29ffe0574e331" providerId="LiveId" clId="{453FA121-C2A9-4FBA-94F0-D727BF3A212D}" dt="2023-03-31T23:02:53.800" v="374" actId="26606"/>
+          <ac:spMkLst>
+            <pc:docMk/>
+            <pc:sldMk cId="95992585" sldId="262"/>
+            <ac:spMk id="93" creationId="{91E5A9A7-95C6-4F4F-B00E-C82E07FE62EF}"/>
+          </ac:spMkLst>
+        </pc:spChg>
+        <pc:spChg chg="add">
+          <ac:chgData name="V. Brown" userId="b2c29ffe0574e331" providerId="LiveId" clId="{453FA121-C2A9-4FBA-94F0-D727BF3A212D}" dt="2023-03-31T23:02:53.800" v="374" actId="26606"/>
+          <ac:spMkLst>
+            <pc:docMk/>
+            <pc:sldMk cId="95992585" sldId="262"/>
+            <ac:spMk id="95" creationId="{D07DD2DE-F619-49DD-B5E7-03A290FF4ED1}"/>
+          </ac:spMkLst>
+        </pc:spChg>
+        <pc:spChg chg="add">
+          <ac:chgData name="V. Brown" userId="b2c29ffe0574e331" providerId="LiveId" clId="{453FA121-C2A9-4FBA-94F0-D727BF3A212D}" dt="2023-03-31T23:02:53.800" v="374" actId="26606"/>
+          <ac:spMkLst>
+            <pc:docMk/>
+            <pc:sldMk cId="95992585" sldId="262"/>
+            <ac:spMk id="97" creationId="{85149191-5F60-4A28-AAFF-039F96B0F3EC}"/>
+          </ac:spMkLst>
+        </pc:spChg>
+        <pc:spChg chg="add">
+          <ac:chgData name="V. Brown" userId="b2c29ffe0574e331" providerId="LiveId" clId="{453FA121-C2A9-4FBA-94F0-D727BF3A212D}" dt="2023-03-31T23:02:53.800" v="374" actId="26606"/>
+          <ac:spMkLst>
+            <pc:docMk/>
+            <pc:sldMk cId="95992585" sldId="262"/>
+            <ac:spMk id="99" creationId="{F8260ED5-17F7-4158-B241-D51DD4CF1B7E}"/>
+          </ac:spMkLst>
+        </pc:spChg>
+        <pc:picChg chg="add del mod ord">
+          <ac:chgData name="V. Brown" userId="b2c29ffe0574e331" providerId="LiveId" clId="{453FA121-C2A9-4FBA-94F0-D727BF3A212D}" dt="2023-03-31T23:06:25.265" v="399" actId="478"/>
+          <ac:picMkLst>
+            <pc:docMk/>
+            <pc:sldMk cId="95992585" sldId="262"/>
+            <ac:picMk id="7" creationId="{5B7D0511-CAAC-4E71-BB25-3F66A2E81A5A}"/>
+          </ac:picMkLst>
+        </pc:picChg>
+        <pc:picChg chg="add del mod">
+          <ac:chgData name="V. Brown" userId="b2c29ffe0574e331" providerId="LiveId" clId="{453FA121-C2A9-4FBA-94F0-D727BF3A212D}" dt="2023-03-31T23:05:29.263" v="392" actId="478"/>
+          <ac:picMkLst>
+            <pc:docMk/>
+            <pc:sldMk cId="95992585" sldId="262"/>
+            <ac:picMk id="70" creationId="{A80BF5E7-58D9-E0FE-D945-DBFA5C5924B1}"/>
+          </ac:picMkLst>
+        </pc:picChg>
+        <pc:picChg chg="add mod">
+          <ac:chgData name="V. Brown" userId="b2c29ffe0574e331" providerId="LiveId" clId="{453FA121-C2A9-4FBA-94F0-D727BF3A212D}" dt="2023-03-31T23:06:29.329" v="400" actId="1076"/>
+          <ac:picMkLst>
+            <pc:docMk/>
+            <pc:sldMk cId="95992585" sldId="262"/>
+            <ac:picMk id="74" creationId="{8E8B83A9-EFEA-BF77-7D69-4AFB65223466}"/>
+          </ac:picMkLst>
+        </pc:picChg>
+      </pc:sldChg>
+      <pc:sldChg chg="addSp delSp modSp mod setBg modClrScheme delDesignElem chgLayout">
+        <pc:chgData name="V. Brown" userId="b2c29ffe0574e331" providerId="LiveId" clId="{453FA121-C2A9-4FBA-94F0-D727BF3A212D}" dt="2023-03-31T23:57:05.541" v="1167" actId="20577"/>
+        <pc:sldMkLst>
+          <pc:docMk/>
+          <pc:sldMk cId="95992585" sldId="263"/>
+        </pc:sldMkLst>
+        <pc:spChg chg="add mod">
+          <ac:chgData name="V. Brown" userId="b2c29ffe0574e331" providerId="LiveId" clId="{453FA121-C2A9-4FBA-94F0-D727BF3A212D}" dt="2023-03-31T23:46:02.132" v="1004" actId="122"/>
+          <ac:spMkLst>
+            <pc:docMk/>
+            <pc:sldMk cId="95992585" sldId="263"/>
+            <ac:spMk id="2" creationId="{FEF8E3FF-63BB-ACDD-CFE8-BF11C90C0EB4}"/>
+          </ac:spMkLst>
+        </pc:spChg>
+        <pc:spChg chg="add del">
+          <ac:chgData name="V. Brown" userId="b2c29ffe0574e331" providerId="LiveId" clId="{453FA121-C2A9-4FBA-94F0-D727BF3A212D}" dt="2023-03-31T23:45:03.619" v="939" actId="700"/>
+          <ac:spMkLst>
+            <pc:docMk/>
+            <pc:sldMk cId="95992585" sldId="263"/>
+            <ac:spMk id="3" creationId="{9715DAF0-AE1B-46C9-8A6B-DB2AA05AB91D}"/>
+          </ac:spMkLst>
+        </pc:spChg>
+        <pc:spChg chg="add mod">
+          <ac:chgData name="V. Brown" userId="b2c29ffe0574e331" providerId="LiveId" clId="{453FA121-C2A9-4FBA-94F0-D727BF3A212D}" dt="2023-03-31T23:57:05.541" v="1167" actId="20577"/>
+          <ac:spMkLst>
+            <pc:docMk/>
+            <pc:sldMk cId="95992585" sldId="263"/>
+            <ac:spMk id="4" creationId="{CD9081F7-AED2-8120-2348-5D3338D3B5A4}"/>
+          </ac:spMkLst>
+        </pc:spChg>
+        <pc:spChg chg="add del">
+          <ac:chgData name="V. Brown" userId="b2c29ffe0574e331" providerId="LiveId" clId="{453FA121-C2A9-4FBA-94F0-D727BF3A212D}" dt="2023-03-31T23:45:03.619" v="939" actId="700"/>
+          <ac:spMkLst>
+            <pc:docMk/>
+            <pc:sldMk cId="95992585" sldId="263"/>
+            <ac:spMk id="6" creationId="{6F5A5072-7B47-4D32-B52A-4EBBF590B8A5}"/>
+          </ac:spMkLst>
+        </pc:spChg>
+        <pc:spChg chg="add">
+          <ac:chgData name="V. Brown" userId="b2c29ffe0574e331" providerId="LiveId" clId="{453FA121-C2A9-4FBA-94F0-D727BF3A212D}" dt="2023-03-31T23:45:08.740" v="940" actId="26606"/>
+          <ac:spMkLst>
+            <pc:docMk/>
+            <pc:sldMk cId="95992585" sldId="263"/>
+            <ac:spMk id="9" creationId="{0E30439A-8A5B-46EC-8283-9B6B031D40D0}"/>
+          </ac:spMkLst>
+        </pc:spChg>
+        <pc:spChg chg="add del">
+          <ac:chgData name="V. Brown" userId="b2c29ffe0574e331" providerId="LiveId" clId="{453FA121-C2A9-4FBA-94F0-D727BF3A212D}" dt="2023-03-31T23:45:03.619" v="939" actId="700"/>
+          <ac:spMkLst>
+            <pc:docMk/>
+            <pc:sldMk cId="95992585" sldId="263"/>
+            <ac:spMk id="10" creationId="{6016219D-510E-4184-9090-6D5578A87BD1}"/>
+          </ac:spMkLst>
+        </pc:spChg>
+        <pc:spChg chg="add">
+          <ac:chgData name="V. Brown" userId="b2c29ffe0574e331" providerId="LiveId" clId="{453FA121-C2A9-4FBA-94F0-D727BF3A212D}" dt="2023-03-31T23:45:08.740" v="940" actId="26606"/>
+          <ac:spMkLst>
+            <pc:docMk/>
+            <pc:sldMk cId="95992585" sldId="263"/>
+            <ac:spMk id="11" creationId="{5CEAD642-85CF-4750-8432-7C80C901F001}"/>
+          </ac:spMkLst>
+        </pc:spChg>
+        <pc:spChg chg="add del">
+          <ac:chgData name="V. Brown" userId="b2c29ffe0574e331" providerId="LiveId" clId="{453FA121-C2A9-4FBA-94F0-D727BF3A212D}" dt="2023-03-31T23:45:03.619" v="939" actId="700"/>
+          <ac:spMkLst>
+            <pc:docMk/>
+            <pc:sldMk cId="95992585" sldId="263"/>
+            <ac:spMk id="12" creationId="{AFF4A713-7B75-4B21-90D7-5AB19547C728}"/>
+          </ac:spMkLst>
+        </pc:spChg>
+        <pc:spChg chg="add">
+          <ac:chgData name="V. Brown" userId="b2c29ffe0574e331" providerId="LiveId" clId="{453FA121-C2A9-4FBA-94F0-D727BF3A212D}" dt="2023-03-31T23:45:08.740" v="940" actId="26606"/>
+          <ac:spMkLst>
+            <pc:docMk/>
+            <pc:sldMk cId="95992585" sldId="263"/>
+            <ac:spMk id="13" creationId="{FA33EEAE-15D5-4119-8C1E-89D943F911EF}"/>
+          </ac:spMkLst>
+        </pc:spChg>
+        <pc:spChg chg="add del">
+          <ac:chgData name="V. Brown" userId="b2c29ffe0574e331" providerId="LiveId" clId="{453FA121-C2A9-4FBA-94F0-D727BF3A212D}" dt="2023-03-31T23:45:03.619" v="939" actId="700"/>
+          <ac:spMkLst>
+            <pc:docMk/>
+            <pc:sldMk cId="95992585" sldId="263"/>
+            <ac:spMk id="14" creationId="{DC631C0B-6DA6-4E57-8231-CE32B3434A7E}"/>
+          </ac:spMkLst>
+        </pc:spChg>
+        <pc:spChg chg="add">
+          <ac:chgData name="V. Brown" userId="b2c29ffe0574e331" providerId="LiveId" clId="{453FA121-C2A9-4FBA-94F0-D727BF3A212D}" dt="2023-03-31T23:45:08.740" v="940" actId="26606"/>
+          <ac:spMkLst>
+            <pc:docMk/>
+            <pc:sldMk cId="95992585" sldId="263"/>
+            <ac:spMk id="15" creationId="{730D8B3B-9B80-4025-B934-26DC7D7CD231}"/>
+          </ac:spMkLst>
+        </pc:spChg>
+        <pc:spChg chg="add del">
+          <ac:chgData name="V. Brown" userId="b2c29ffe0574e331" providerId="LiveId" clId="{453FA121-C2A9-4FBA-94F0-D727BF3A212D}" dt="2023-03-31T23:45:03.619" v="939" actId="700"/>
+          <ac:spMkLst>
+            <pc:docMk/>
+            <pc:sldMk cId="95992585" sldId="263"/>
+            <ac:spMk id="16" creationId="{C29501E6-A978-4A61-9689-9085AF97A53A}"/>
+          </ac:spMkLst>
+        </pc:spChg>
+        <pc:spChg chg="add">
+          <ac:chgData name="V. Brown" userId="b2c29ffe0574e331" providerId="LiveId" clId="{453FA121-C2A9-4FBA-94F0-D727BF3A212D}" dt="2023-03-31T23:45:08.740" v="940" actId="26606"/>
+          <ac:spMkLst>
+            <pc:docMk/>
+            <pc:sldMk cId="95992585" sldId="263"/>
+            <ac:spMk id="17" creationId="{B5A1B09C-1565-46F8-B70F-621C5EB48A09}"/>
+          </ac:spMkLst>
+        </pc:spChg>
+        <pc:spChg chg="add">
+          <ac:chgData name="V. Brown" userId="b2c29ffe0574e331" providerId="LiveId" clId="{453FA121-C2A9-4FBA-94F0-D727BF3A212D}" dt="2023-03-31T23:45:08.740" v="940" actId="26606"/>
+          <ac:spMkLst>
+            <pc:docMk/>
+            <pc:sldMk cId="95992585" sldId="263"/>
+            <ac:spMk id="19" creationId="{8C516CC8-80AC-446C-A56E-9F54B7210402}"/>
+          </ac:spMkLst>
+        </pc:spChg>
+        <pc:spChg chg="add">
+          <ac:chgData name="V. Brown" userId="b2c29ffe0574e331" providerId="LiveId" clId="{453FA121-C2A9-4FBA-94F0-D727BF3A212D}" dt="2023-03-31T23:45:08.740" v="940" actId="26606"/>
+          <ac:spMkLst>
+            <pc:docMk/>
+            <pc:sldMk cId="95992585" sldId="263"/>
+            <ac:spMk id="21" creationId="{53947E58-F088-49F1-A3D1-DEA690192E84}"/>
+          </ac:spMkLst>
+        </pc:spChg>
+        <pc:picChg chg="del">
+          <ac:chgData name="V. Brown" userId="b2c29ffe0574e331" providerId="LiveId" clId="{453FA121-C2A9-4FBA-94F0-D727BF3A212D}" dt="2023-03-31T23:44:51.170" v="937" actId="478"/>
+          <ac:picMkLst>
+            <pc:docMk/>
+            <pc:sldMk cId="95992585" sldId="263"/>
+            <ac:picMk id="8" creationId="{0FDFAEE8-CBDC-4278-8BB1-8060F9C9E572}"/>
+          </ac:picMkLst>
+        </pc:picChg>
+      </pc:sldChg>
+      <pc:sldChg chg="addSp delSp modSp mod ord setBg">
+        <pc:chgData name="V. Brown" userId="b2c29ffe0574e331" providerId="LiveId" clId="{453FA121-C2A9-4FBA-94F0-D727BF3A212D}" dt="2023-03-31T23:40:41.542" v="932"/>
+        <pc:sldMkLst>
+          <pc:docMk/>
+          <pc:sldMk cId="95992585" sldId="264"/>
+        </pc:sldMkLst>
+        <pc:spChg chg="add del">
+          <ac:chgData name="V. Brown" userId="b2c29ffe0574e331" providerId="LiveId" clId="{453FA121-C2A9-4FBA-94F0-D727BF3A212D}" dt="2023-03-31T23:40:32.818" v="929" actId="26606"/>
+          <ac:spMkLst>
+            <pc:docMk/>
+            <pc:sldMk cId="95992585" sldId="264"/>
+            <ac:spMk id="14" creationId="{AB8C311F-7253-4AED-9701-7FC0708C41C7}"/>
+          </ac:spMkLst>
+        </pc:spChg>
+        <pc:spChg chg="add del">
+          <ac:chgData name="V. Brown" userId="b2c29ffe0574e331" providerId="LiveId" clId="{453FA121-C2A9-4FBA-94F0-D727BF3A212D}" dt="2023-03-31T23:40:32.818" v="929" actId="26606"/>
+          <ac:spMkLst>
+            <pc:docMk/>
+            <pc:sldMk cId="95992585" sldId="264"/>
+            <ac:spMk id="16" creationId="{E2384209-CB15-4CDF-9D31-C44FD9A3F20D}"/>
+          </ac:spMkLst>
+        </pc:spChg>
+        <pc:spChg chg="add del">
+          <ac:chgData name="V. Brown" userId="b2c29ffe0574e331" providerId="LiveId" clId="{453FA121-C2A9-4FBA-94F0-D727BF3A212D}" dt="2023-03-31T23:40:32.818" v="929" actId="26606"/>
+          <ac:spMkLst>
+            <pc:docMk/>
+            <pc:sldMk cId="95992585" sldId="264"/>
+            <ac:spMk id="18" creationId="{2633B3B5-CC90-43F0-8714-D31D1F3F0209}"/>
+          </ac:spMkLst>
+        </pc:spChg>
+        <pc:spChg chg="add del">
+          <ac:chgData name="V. Brown" userId="b2c29ffe0574e331" providerId="LiveId" clId="{453FA121-C2A9-4FBA-94F0-D727BF3A212D}" dt="2023-03-31T23:40:32.818" v="929" actId="26606"/>
+          <ac:spMkLst>
+            <pc:docMk/>
+            <pc:sldMk cId="95992585" sldId="264"/>
+            <ac:spMk id="20" creationId="{A8D57A06-A426-446D-B02C-A2DC6B62E45E}"/>
+          </ac:spMkLst>
+        </pc:spChg>
+        <pc:spChg chg="add">
+          <ac:chgData name="V. Brown" userId="b2c29ffe0574e331" providerId="LiveId" clId="{453FA121-C2A9-4FBA-94F0-D727BF3A212D}" dt="2023-03-31T23:40:32.826" v="930" actId="26606"/>
+          <ac:spMkLst>
+            <pc:docMk/>
+            <pc:sldMk cId="95992585" sldId="264"/>
+            <ac:spMk id="22" creationId="{AB8C311F-7253-4AED-9701-7FC0708C41C7}"/>
+          </ac:spMkLst>
+        </pc:spChg>
+        <pc:spChg chg="add">
+          <ac:chgData name="V. Brown" userId="b2c29ffe0574e331" providerId="LiveId" clId="{453FA121-C2A9-4FBA-94F0-D727BF3A212D}" dt="2023-03-31T23:40:32.826" v="930" actId="26606"/>
+          <ac:spMkLst>
+            <pc:docMk/>
+            <pc:sldMk cId="95992585" sldId="264"/>
+            <ac:spMk id="23" creationId="{E2384209-CB15-4CDF-9D31-C44FD9A3F20D}"/>
+          </ac:spMkLst>
+        </pc:spChg>
+        <pc:spChg chg="add">
+          <ac:chgData name="V. Brown" userId="b2c29ffe0574e331" providerId="LiveId" clId="{453FA121-C2A9-4FBA-94F0-D727BF3A212D}" dt="2023-03-31T23:40:32.826" v="930" actId="26606"/>
+          <ac:spMkLst>
+            <pc:docMk/>
+            <pc:sldMk cId="95992585" sldId="264"/>
+            <ac:spMk id="24" creationId="{2633B3B5-CC90-43F0-8714-D31D1F3F0209}"/>
+          </ac:spMkLst>
+        </pc:spChg>
+        <pc:spChg chg="add">
+          <ac:chgData name="V. Brown" userId="b2c29ffe0574e331" providerId="LiveId" clId="{453FA121-C2A9-4FBA-94F0-D727BF3A212D}" dt="2023-03-31T23:40:32.826" v="930" actId="26606"/>
+          <ac:spMkLst>
+            <pc:docMk/>
+            <pc:sldMk cId="95992585" sldId="264"/>
+            <ac:spMk id="25" creationId="{A8D57A06-A426-446D-B02C-A2DC6B62E45E}"/>
+          </ac:spMkLst>
+        </pc:spChg>
+        <pc:picChg chg="mod">
+          <ac:chgData name="V. Brown" userId="b2c29ffe0574e331" providerId="LiveId" clId="{453FA121-C2A9-4FBA-94F0-D727BF3A212D}" dt="2023-03-31T23:40:32.826" v="930" actId="26606"/>
+          <ac:picMkLst>
+            <pc:docMk/>
+            <pc:sldMk cId="95992585" sldId="264"/>
+            <ac:picMk id="9" creationId="{45FFD9C0-9FE0-4CF3-B553-C5F6A1E32225}"/>
+          </ac:picMkLst>
+        </pc:picChg>
+      </pc:sldChg>
+      <pc:sldChg chg="addSp delSp modSp mod ord setBg modClrScheme delDesignElem chgLayout">
+        <pc:chgData name="V. Brown" userId="b2c29ffe0574e331" providerId="LiveId" clId="{453FA121-C2A9-4FBA-94F0-D727BF3A212D}" dt="2023-04-01T00:07:15.324" v="1246" actId="1076"/>
+        <pc:sldMkLst>
+          <pc:docMk/>
+          <pc:sldMk cId="95992585" sldId="265"/>
+        </pc:sldMkLst>
+        <pc:spChg chg="add del mod ord">
+          <ac:chgData name="V. Brown" userId="b2c29ffe0574e331" providerId="LiveId" clId="{453FA121-C2A9-4FBA-94F0-D727BF3A212D}" dt="2023-04-01T00:01:38.111" v="1185" actId="700"/>
+          <ac:spMkLst>
+            <pc:docMk/>
+            <pc:sldMk cId="95992585" sldId="265"/>
+            <ac:spMk id="2" creationId="{3D066F1A-18A9-574F-3FA0-DBB69E37713B}"/>
+          </ac:spMkLst>
+        </pc:spChg>
+        <pc:spChg chg="add del mod ord">
+          <ac:chgData name="V. Brown" userId="b2c29ffe0574e331" providerId="LiveId" clId="{453FA121-C2A9-4FBA-94F0-D727BF3A212D}" dt="2023-04-01T00:01:38.111" v="1185" actId="700"/>
+          <ac:spMkLst>
+            <pc:docMk/>
+            <pc:sldMk cId="95992585" sldId="265"/>
+            <ac:spMk id="3" creationId="{3589B6CC-E80C-1855-C7AF-7632C1427E75}"/>
+          </ac:spMkLst>
+        </pc:spChg>
+        <pc:spChg chg="add del mod ord">
+          <ac:chgData name="V. Brown" userId="b2c29ffe0574e331" providerId="LiveId" clId="{453FA121-C2A9-4FBA-94F0-D727BF3A212D}" dt="2023-04-01T00:01:38.111" v="1185" actId="700"/>
+          <ac:spMkLst>
+            <pc:docMk/>
+            <pc:sldMk cId="95992585" sldId="265"/>
+            <ac:spMk id="4" creationId="{B846BAE2-4091-7638-A28E-F32D1C85BCFB}"/>
+          </ac:spMkLst>
+        </pc:spChg>
+        <pc:spChg chg="add del mod ord">
+          <ac:chgData name="V. Brown" userId="b2c29ffe0574e331" providerId="LiveId" clId="{453FA121-C2A9-4FBA-94F0-D727BF3A212D}" dt="2023-04-01T00:02:09.543" v="1189" actId="26606"/>
+          <ac:spMkLst>
+            <pc:docMk/>
+            <pc:sldMk cId="95992585" sldId="265"/>
+            <ac:spMk id="5" creationId="{54DE41DF-8CF7-E706-E051-85EF98761B79}"/>
+          </ac:spMkLst>
+        </pc:spChg>
+        <pc:spChg chg="add del mod ord">
+          <ac:chgData name="V. Brown" userId="b2c29ffe0574e331" providerId="LiveId" clId="{453FA121-C2A9-4FBA-94F0-D727BF3A212D}" dt="2023-04-01T00:02:09.543" v="1189" actId="26606"/>
+          <ac:spMkLst>
+            <pc:docMk/>
+            <pc:sldMk cId="95992585" sldId="265"/>
+            <ac:spMk id="6" creationId="{BFC3ED74-3277-4FE0-53AC-04BFFFE73882}"/>
+          </ac:spMkLst>
+        </pc:spChg>
+        <pc:spChg chg="add del">
+          <ac:chgData name="V. Brown" userId="b2c29ffe0574e331" providerId="LiveId" clId="{453FA121-C2A9-4FBA-94F0-D727BF3A212D}" dt="2023-04-01T00:01:37.010" v="1184" actId="26606"/>
+          <ac:spMkLst>
+            <pc:docMk/>
+            <pc:sldMk cId="95992585" sldId="265"/>
+            <ac:spMk id="12" creationId="{A33739E3-2922-4229-841B-33CE71C67584}"/>
+          </ac:spMkLst>
+        </pc:spChg>
+        <pc:spChg chg="add del">
+          <ac:chgData name="V. Brown" userId="b2c29ffe0574e331" providerId="LiveId" clId="{453FA121-C2A9-4FBA-94F0-D727BF3A212D}" dt="2023-04-01T00:01:37.010" v="1184" actId="26606"/>
+          <ac:spMkLst>
+            <pc:docMk/>
+            <pc:sldMk cId="95992585" sldId="265"/>
+            <ac:spMk id="13" creationId="{C4C9F2B0-1044-46EB-8AEB-C3BFFDE6C2CC}"/>
+          </ac:spMkLst>
+        </pc:spChg>
+        <pc:spChg chg="add del">
+          <ac:chgData name="V. Brown" userId="b2c29ffe0574e331" providerId="LiveId" clId="{453FA121-C2A9-4FBA-94F0-D727BF3A212D}" dt="2023-04-01T00:01:37.010" v="1184" actId="26606"/>
+          <ac:spMkLst>
+            <pc:docMk/>
+            <pc:sldMk cId="95992585" sldId="265"/>
+            <ac:spMk id="14" creationId="{D28B54C3-B57B-472A-B96E-1FCB67093DC2}"/>
+          </ac:spMkLst>
+        </pc:spChg>
+        <pc:spChg chg="add del">
+          <ac:chgData name="V. Brown" userId="b2c29ffe0574e331" providerId="LiveId" clId="{453FA121-C2A9-4FBA-94F0-D727BF3A212D}" dt="2023-04-01T00:00:16.554" v="1171" actId="26606"/>
+          <ac:spMkLst>
+            <pc:docMk/>
+            <pc:sldMk cId="95992585" sldId="265"/>
+            <ac:spMk id="15" creationId="{AB8C311F-7253-4AED-9701-7FC0708C41C7}"/>
+          </ac:spMkLst>
+        </pc:spChg>
+        <pc:spChg chg="add del">
+          <ac:chgData name="V. Brown" userId="b2c29ffe0574e331" providerId="LiveId" clId="{453FA121-C2A9-4FBA-94F0-D727BF3A212D}" dt="2023-04-01T00:01:37.010" v="1184" actId="26606"/>
+          <ac:spMkLst>
+            <pc:docMk/>
+            <pc:sldMk cId="95992585" sldId="265"/>
+            <ac:spMk id="16" creationId="{7DB3C429-F8DA-49B9-AF84-21996FCF78B5}"/>
+          </ac:spMkLst>
+        </pc:spChg>
+        <pc:spChg chg="add del">
+          <ac:chgData name="V. Brown" userId="b2c29ffe0574e331" providerId="LiveId" clId="{453FA121-C2A9-4FBA-94F0-D727BF3A212D}" dt="2023-04-01T00:00:16.554" v="1171" actId="26606"/>
+          <ac:spMkLst>
+            <pc:docMk/>
+            <pc:sldMk cId="95992585" sldId="265"/>
+            <ac:spMk id="17" creationId="{E2384209-CB15-4CDF-9D31-C44FD9A3F20D}"/>
+          </ac:spMkLst>
+        </pc:spChg>
+        <pc:spChg chg="add del">
+          <ac:chgData name="V. Brown" userId="b2c29ffe0574e331" providerId="LiveId" clId="{453FA121-C2A9-4FBA-94F0-D727BF3A212D}" dt="2023-04-01T00:02:09.536" v="1188" actId="26606"/>
+          <ac:spMkLst>
+            <pc:docMk/>
+            <pc:sldMk cId="95992585" sldId="265"/>
+            <ac:spMk id="18" creationId="{AB8C311F-7253-4AED-9701-7FC0708C41C7}"/>
+          </ac:spMkLst>
+        </pc:spChg>
+        <pc:spChg chg="add del">
+          <ac:chgData name="V. Brown" userId="b2c29ffe0574e331" providerId="LiveId" clId="{453FA121-C2A9-4FBA-94F0-D727BF3A212D}" dt="2023-04-01T00:00:16.554" v="1171" actId="26606"/>
+          <ac:spMkLst>
+            <pc:docMk/>
+            <pc:sldMk cId="95992585" sldId="265"/>
+            <ac:spMk id="19" creationId="{2633B3B5-CC90-43F0-8714-D31D1F3F0209}"/>
+          </ac:spMkLst>
+        </pc:spChg>
+        <pc:spChg chg="add del">
+          <ac:chgData name="V. Brown" userId="b2c29ffe0574e331" providerId="LiveId" clId="{453FA121-C2A9-4FBA-94F0-D727BF3A212D}" dt="2023-04-01T00:02:09.536" v="1188" actId="26606"/>
+          <ac:spMkLst>
+            <pc:docMk/>
+            <pc:sldMk cId="95992585" sldId="265"/>
+            <ac:spMk id="20" creationId="{FD073016-B734-483B-8953-5BADEE145112}"/>
+          </ac:spMkLst>
+        </pc:spChg>
+        <pc:spChg chg="add del">
+          <ac:chgData name="V. Brown" userId="b2c29ffe0574e331" providerId="LiveId" clId="{453FA121-C2A9-4FBA-94F0-D727BF3A212D}" dt="2023-04-01T00:00:16.554" v="1171" actId="26606"/>
+          <ac:spMkLst>
+            <pc:docMk/>
+            <pc:sldMk cId="95992585" sldId="265"/>
+            <ac:spMk id="21" creationId="{A8D57A06-A426-446D-B02C-A2DC6B62E45E}"/>
+          </ac:spMkLst>
+        </pc:spChg>
+        <pc:spChg chg="add del">
+          <ac:chgData name="V. Brown" userId="b2c29ffe0574e331" providerId="LiveId" clId="{453FA121-C2A9-4FBA-94F0-D727BF3A212D}" dt="2023-04-01T00:02:09.536" v="1188" actId="26606"/>
+          <ac:spMkLst>
+            <pc:docMk/>
+            <pc:sldMk cId="95992585" sldId="265"/>
+            <ac:spMk id="22" creationId="{90A7EAB6-59D3-4325-8DE6-E0CA4009CE53}"/>
+          </ac:spMkLst>
+        </pc:spChg>
+        <pc:spChg chg="add del">
+          <ac:chgData name="V. Brown" userId="b2c29ffe0574e331" providerId="LiveId" clId="{453FA121-C2A9-4FBA-94F0-D727BF3A212D}" dt="2023-04-01T00:00:26.636" v="1173" actId="26606"/>
+          <ac:spMkLst>
+            <pc:docMk/>
+            <pc:sldMk cId="95992585" sldId="265"/>
+            <ac:spMk id="23" creationId="{AB8C311F-7253-4AED-9701-7FC0708C41C7}"/>
+          </ac:spMkLst>
+        </pc:spChg>
+        <pc:spChg chg="add del">
+          <ac:chgData name="V. Brown" userId="b2c29ffe0574e331" providerId="LiveId" clId="{453FA121-C2A9-4FBA-94F0-D727BF3A212D}" dt="2023-04-01T00:00:26.636" v="1173" actId="26606"/>
+          <ac:spMkLst>
+            <pc:docMk/>
+            <pc:sldMk cId="95992585" sldId="265"/>
+            <ac:spMk id="24" creationId="{FD073016-B734-483B-8953-5BADEE145112}"/>
+          </ac:spMkLst>
+        </pc:spChg>
+        <pc:spChg chg="add del">
+          <ac:chgData name="V. Brown" userId="b2c29ffe0574e331" providerId="LiveId" clId="{453FA121-C2A9-4FBA-94F0-D727BF3A212D}" dt="2023-04-01T00:00:26.636" v="1173" actId="26606"/>
+          <ac:spMkLst>
+            <pc:docMk/>
+            <pc:sldMk cId="95992585" sldId="265"/>
+            <ac:spMk id="25" creationId="{90A7EAB6-59D3-4325-8DE6-E0CA4009CE53}"/>
+          </ac:spMkLst>
+        </pc:spChg>
+        <pc:spChg chg="add del">
+          <ac:chgData name="V. Brown" userId="b2c29ffe0574e331" providerId="LiveId" clId="{453FA121-C2A9-4FBA-94F0-D727BF3A212D}" dt="2023-04-01T00:00:26.636" v="1173" actId="26606"/>
+          <ac:spMkLst>
+            <pc:docMk/>
+            <pc:sldMk cId="95992585" sldId="265"/>
+            <ac:spMk id="26" creationId="{A8D57A06-A426-446D-B02C-A2DC6B62E45E}"/>
+          </ac:spMkLst>
+        </pc:spChg>
+        <pc:spChg chg="add del">
+          <ac:chgData name="V. Brown" userId="b2c29ffe0574e331" providerId="LiveId" clId="{453FA121-C2A9-4FBA-94F0-D727BF3A212D}" dt="2023-04-01T00:02:09.536" v="1188" actId="26606"/>
+          <ac:spMkLst>
+            <pc:docMk/>
+            <pc:sldMk cId="95992585" sldId="265"/>
+            <ac:spMk id="27" creationId="{A8D57A06-A426-446D-B02C-A2DC6B62E45E}"/>
+          </ac:spMkLst>
+        </pc:spChg>
+        <pc:spChg chg="add del">
+          <ac:chgData name="V. Brown" userId="b2c29ffe0574e331" providerId="LiveId" clId="{453FA121-C2A9-4FBA-94F0-D727BF3A212D}" dt="2023-04-01T00:00:29.460" v="1175" actId="26606"/>
+          <ac:spMkLst>
+            <pc:docMk/>
+            <pc:sldMk cId="95992585" sldId="265"/>
+            <ac:spMk id="28" creationId="{AB8C311F-7253-4AED-9701-7FC0708C41C7}"/>
+          </ac:spMkLst>
+        </pc:spChg>
+        <pc:spChg chg="add del">
+          <ac:chgData name="V. Brown" userId="b2c29ffe0574e331" providerId="LiveId" clId="{453FA121-C2A9-4FBA-94F0-D727BF3A212D}" dt="2023-04-01T00:00:29.460" v="1175" actId="26606"/>
+          <ac:spMkLst>
+            <pc:docMk/>
+            <pc:sldMk cId="95992585" sldId="265"/>
+            <ac:spMk id="29" creationId="{E2384209-CB15-4CDF-9D31-C44FD9A3F20D}"/>
+          </ac:spMkLst>
+        </pc:spChg>
+        <pc:spChg chg="add del">
+          <ac:chgData name="V. Brown" userId="b2c29ffe0574e331" providerId="LiveId" clId="{453FA121-C2A9-4FBA-94F0-D727BF3A212D}" dt="2023-04-01T00:00:29.460" v="1175" actId="26606"/>
+          <ac:spMkLst>
+            <pc:docMk/>
+            <pc:sldMk cId="95992585" sldId="265"/>
+            <ac:spMk id="30" creationId="{2633B3B5-CC90-43F0-8714-D31D1F3F0209}"/>
+          </ac:spMkLst>
+        </pc:spChg>
+        <pc:spChg chg="add del">
+          <ac:chgData name="V. Brown" userId="b2c29ffe0574e331" providerId="LiveId" clId="{453FA121-C2A9-4FBA-94F0-D727BF3A212D}" dt="2023-04-01T00:00:29.460" v="1175" actId="26606"/>
+          <ac:spMkLst>
+            <pc:docMk/>
+            <pc:sldMk cId="95992585" sldId="265"/>
+            <ac:spMk id="31" creationId="{A8D57A06-A426-446D-B02C-A2DC6B62E45E}"/>
+          </ac:spMkLst>
+        </pc:spChg>
+        <pc:spChg chg="add">
+          <ac:chgData name="V. Brown" userId="b2c29ffe0574e331" providerId="LiveId" clId="{453FA121-C2A9-4FBA-94F0-D727BF3A212D}" dt="2023-04-01T00:02:09.543" v="1189" actId="26606"/>
+          <ac:spMkLst>
+            <pc:docMk/>
+            <pc:sldMk cId="95992585" sldId="265"/>
+            <ac:spMk id="32" creationId="{A8384FB5-9ADC-4DDC-881B-597D56F5B15D}"/>
+          </ac:spMkLst>
+        </pc:spChg>
+        <pc:spChg chg="add del">
+          <ac:chgData name="V. Brown" userId="b2c29ffe0574e331" providerId="LiveId" clId="{453FA121-C2A9-4FBA-94F0-D727BF3A212D}" dt="2023-04-01T00:00:58.088" v="1177" actId="26606"/>
+          <ac:spMkLst>
+            <pc:docMk/>
+            <pc:sldMk cId="95992585" sldId="265"/>
+            <ac:spMk id="33" creationId="{AB8C311F-7253-4AED-9701-7FC0708C41C7}"/>
+          </ac:spMkLst>
+        </pc:spChg>
+        <pc:spChg chg="add del">
+          <ac:chgData name="V. Brown" userId="b2c29ffe0574e331" providerId="LiveId" clId="{453FA121-C2A9-4FBA-94F0-D727BF3A212D}" dt="2023-04-01T00:00:58.088" v="1177" actId="26606"/>
+          <ac:spMkLst>
+            <pc:docMk/>
+            <pc:sldMk cId="95992585" sldId="265"/>
+            <ac:spMk id="34" creationId="{FD073016-B734-483B-8953-5BADEE145112}"/>
+          </ac:spMkLst>
+        </pc:spChg>
+        <pc:spChg chg="add del">
+          <ac:chgData name="V. Brown" userId="b2c29ffe0574e331" providerId="LiveId" clId="{453FA121-C2A9-4FBA-94F0-D727BF3A212D}" dt="2023-04-01T00:00:58.088" v="1177" actId="26606"/>
+          <ac:spMkLst>
+            <pc:docMk/>
+            <pc:sldMk cId="95992585" sldId="265"/>
+            <ac:spMk id="35" creationId="{90A7EAB6-59D3-4325-8DE6-E0CA4009CE53}"/>
+          </ac:spMkLst>
+        </pc:spChg>
+        <pc:spChg chg="add del">
+          <ac:chgData name="V. Brown" userId="b2c29ffe0574e331" providerId="LiveId" clId="{453FA121-C2A9-4FBA-94F0-D727BF3A212D}" dt="2023-04-01T00:00:58.088" v="1177" actId="26606"/>
+          <ac:spMkLst>
+            <pc:docMk/>
+            <pc:sldMk cId="95992585" sldId="265"/>
+            <ac:spMk id="36" creationId="{A8D57A06-A426-446D-B02C-A2DC6B62E45E}"/>
+          </ac:spMkLst>
+        </pc:spChg>
+        <pc:spChg chg="add">
+          <ac:chgData name="V. Brown" userId="b2c29ffe0574e331" providerId="LiveId" clId="{453FA121-C2A9-4FBA-94F0-D727BF3A212D}" dt="2023-04-01T00:02:09.543" v="1189" actId="26606"/>
+          <ac:spMkLst>
+            <pc:docMk/>
+            <pc:sldMk cId="95992585" sldId="265"/>
+            <ac:spMk id="37" creationId="{91E5A9A7-95C6-4F4F-B00E-C82E07FE62EF}"/>
+          </ac:spMkLst>
+        </pc:spChg>
+        <pc:spChg chg="add del">
+          <ac:chgData name="V. Brown" userId="b2c29ffe0574e331" providerId="LiveId" clId="{453FA121-C2A9-4FBA-94F0-D727BF3A212D}" dt="2023-04-01T00:01:51.891" v="1186" actId="700"/>
+          <ac:spMkLst>
+            <pc:docMk/>
+            <pc:sldMk cId="95992585" sldId="265"/>
+            <ac:spMk id="38" creationId="{AB8C311F-7253-4AED-9701-7FC0708C41C7}"/>
+          </ac:spMkLst>
+        </pc:spChg>
+        <pc:spChg chg="add del">
+          <ac:chgData name="V. Brown" userId="b2c29ffe0574e331" providerId="LiveId" clId="{453FA121-C2A9-4FBA-94F0-D727BF3A212D}" dt="2023-04-01T00:01:51.891" v="1186" actId="700"/>
+          <ac:spMkLst>
+            <pc:docMk/>
+            <pc:sldMk cId="95992585" sldId="265"/>
+            <ac:spMk id="39" creationId="{E2384209-CB15-4CDF-9D31-C44FD9A3F20D}"/>
+          </ac:spMkLst>
+        </pc:spChg>
+        <pc:spChg chg="add del">
+          <ac:chgData name="V. Brown" userId="b2c29ffe0574e331" providerId="LiveId" clId="{453FA121-C2A9-4FBA-94F0-D727BF3A212D}" dt="2023-04-01T00:01:51.891" v="1186" actId="700"/>
+          <ac:spMkLst>
+            <pc:docMk/>
+            <pc:sldMk cId="95992585" sldId="265"/>
+            <ac:spMk id="40" creationId="{2633B3B5-CC90-43F0-8714-D31D1F3F0209}"/>
+          </ac:spMkLst>
+        </pc:spChg>
+        <pc:spChg chg="add del">
+          <ac:chgData name="V. Brown" userId="b2c29ffe0574e331" providerId="LiveId" clId="{453FA121-C2A9-4FBA-94F0-D727BF3A212D}" dt="2023-04-01T00:01:51.891" v="1186" actId="700"/>
+          <ac:spMkLst>
+            <pc:docMk/>
+            <pc:sldMk cId="95992585" sldId="265"/>
+            <ac:spMk id="41" creationId="{A8D57A06-A426-446D-B02C-A2DC6B62E45E}"/>
+          </ac:spMkLst>
+        </pc:spChg>
+        <pc:spChg chg="add">
+          <ac:chgData name="V. Brown" userId="b2c29ffe0574e331" providerId="LiveId" clId="{453FA121-C2A9-4FBA-94F0-D727BF3A212D}" dt="2023-04-01T00:02:09.543" v="1189" actId="26606"/>
+          <ac:spMkLst>
+            <pc:docMk/>
+            <pc:sldMk cId="95992585" sldId="265"/>
+            <ac:spMk id="42" creationId="{D07DD2DE-F619-49DD-B5E7-03A290FF4ED1}"/>
+          </ac:spMkLst>
+        </pc:spChg>
+        <pc:spChg chg="add">
+          <ac:chgData name="V. Brown" userId="b2c29ffe0574e331" providerId="LiveId" clId="{453FA121-C2A9-4FBA-94F0-D727BF3A212D}" dt="2023-04-01T00:02:09.543" v="1189" actId="26606"/>
+          <ac:spMkLst>
+            <pc:docMk/>
+            <pc:sldMk cId="95992585" sldId="265"/>
+            <ac:spMk id="43" creationId="{85149191-5F60-4A28-AAFF-039F96B0F3EC}"/>
+          </ac:spMkLst>
+        </pc:spChg>
+        <pc:spChg chg="add">
+          <ac:chgData name="V. Brown" userId="b2c29ffe0574e331" providerId="LiveId" clId="{453FA121-C2A9-4FBA-94F0-D727BF3A212D}" dt="2023-04-01T00:02:09.543" v="1189" actId="26606"/>
+          <ac:spMkLst>
+            <pc:docMk/>
+            <pc:sldMk cId="95992585" sldId="265"/>
+            <ac:spMk id="44" creationId="{F8260ED5-17F7-4158-B241-D51DD4CF1B7E}"/>
+          </ac:spMkLst>
+        </pc:spChg>
+        <pc:spChg chg="add mod">
+          <ac:chgData name="V. Brown" userId="b2c29ffe0574e331" providerId="LiveId" clId="{453FA121-C2A9-4FBA-94F0-D727BF3A212D}" dt="2023-04-01T00:07:15.324" v="1246" actId="1076"/>
+          <ac:spMkLst>
+            <pc:docMk/>
+            <pc:sldMk cId="95992585" sldId="265"/>
+            <ac:spMk id="45" creationId="{54DE41DF-8CF7-E706-E051-85EF98761B79}"/>
+          </ac:spMkLst>
+        </pc:spChg>
+        <pc:picChg chg="mod ord">
+          <ac:chgData name="V. Brown" userId="b2c29ffe0574e331" providerId="LiveId" clId="{453FA121-C2A9-4FBA-94F0-D727BF3A212D}" dt="2023-04-01T00:02:09.543" v="1189" actId="26606"/>
+          <ac:picMkLst>
+            <pc:docMk/>
+            <pc:sldMk cId="95992585" sldId="265"/>
+            <ac:picMk id="10" creationId="{02463AC2-1AFB-402C-A75A-486B4BB1D300}"/>
+          </ac:picMkLst>
+        </pc:picChg>
+      </pc:sldChg>
+      <pc:sldChg chg="addSp delSp modSp new mod ord setBg">
+        <pc:chgData name="V. Brown" userId="b2c29ffe0574e331" providerId="LiveId" clId="{453FA121-C2A9-4FBA-94F0-D727BF3A212D}" dt="2023-03-31T23:37:50.354" v="924" actId="6549"/>
+        <pc:sldMkLst>
+          <pc:docMk/>
+          <pc:sldMk cId="567196692" sldId="266"/>
+        </pc:sldMkLst>
+        <pc:spChg chg="add del mod">
+          <ac:chgData name="V. Brown" userId="b2c29ffe0574e331" providerId="LiveId" clId="{453FA121-C2A9-4FBA-94F0-D727BF3A212D}" dt="2023-03-31T23:24:40.736" v="647" actId="26606"/>
+          <ac:spMkLst>
+            <pc:docMk/>
+            <pc:sldMk cId="567196692" sldId="266"/>
+            <ac:spMk id="2" creationId="{1A8A21DF-96FB-69AF-8D7B-72D76F10E41E}"/>
+          </ac:spMkLst>
+        </pc:spChg>
+        <pc:spChg chg="del">
+          <ac:chgData name="V. Brown" userId="b2c29ffe0574e331" providerId="LiveId" clId="{453FA121-C2A9-4FBA-94F0-D727BF3A212D}" dt="2023-03-31T22:57:49.358" v="365" actId="22"/>
+          <ac:spMkLst>
+            <pc:docMk/>
+            <pc:sldMk cId="567196692" sldId="266"/>
+            <ac:spMk id="3" creationId="{425F480B-5690-FC9F-1A9A-1D63AB51790E}"/>
+          </ac:spMkLst>
+        </pc:spChg>
+        <pc:spChg chg="add del mod">
+          <ac:chgData name="V. Brown" userId="b2c29ffe0574e331" providerId="LiveId" clId="{453FA121-C2A9-4FBA-94F0-D727BF3A212D}" dt="2023-03-31T22:59:11.884" v="368" actId="22"/>
+          <ac:spMkLst>
+            <pc:docMk/>
+            <pc:sldMk cId="567196692" sldId="266"/>
+            <ac:spMk id="7" creationId="{9BA3AE39-A248-8877-8D08-AD453C571200}"/>
+          </ac:spMkLst>
+        </pc:spChg>
+        <pc:spChg chg="add del">
+          <ac:chgData name="V. Brown" userId="b2c29ffe0574e331" providerId="LiveId" clId="{453FA121-C2A9-4FBA-94F0-D727BF3A212D}" dt="2023-03-31T23:24:00.975" v="644" actId="26606"/>
+          <ac:spMkLst>
+            <pc:docMk/>
+            <pc:sldMk cId="567196692" sldId="266"/>
+            <ac:spMk id="11" creationId="{CB44330D-EA18-4254-AA95-EB49948539B8}"/>
+          </ac:spMkLst>
+        </pc:spChg>
+        <pc:spChg chg="add del mod">
+          <ac:chgData name="V. Brown" userId="b2c29ffe0574e331" providerId="LiveId" clId="{453FA121-C2A9-4FBA-94F0-D727BF3A212D}" dt="2023-03-31T23:22:23.409" v="630" actId="478"/>
+          <ac:spMkLst>
+            <pc:docMk/>
+            <pc:sldMk cId="567196692" sldId="266"/>
+            <ac:spMk id="12" creationId="{BB8B1B58-5936-BE21-1B75-BE47661FA5DD}"/>
+          </ac:spMkLst>
+        </pc:spChg>
+        <pc:spChg chg="add del">
+          <ac:chgData name="V. Brown" userId="b2c29ffe0574e331" providerId="LiveId" clId="{453FA121-C2A9-4FBA-94F0-D727BF3A212D}" dt="2023-03-31T23:22:38.775" v="640" actId="26606"/>
+          <ac:spMkLst>
+            <pc:docMk/>
+            <pc:sldMk cId="567196692" sldId="266"/>
+            <ac:spMk id="13" creationId="{A1EE7A67-6D93-32FE-B59E-F9F229ED55B9}"/>
+          </ac:spMkLst>
+        </pc:spChg>
+        <pc:spChg chg="add del">
+          <ac:chgData name="V. Brown" userId="b2c29ffe0574e331" providerId="LiveId" clId="{453FA121-C2A9-4FBA-94F0-D727BF3A212D}" dt="2023-03-31T23:24:00.975" v="644" actId="26606"/>
+          <ac:spMkLst>
+            <pc:docMk/>
+            <pc:sldMk cId="567196692" sldId="266"/>
+            <ac:spMk id="14" creationId="{32BC26D8-82FB-445E-AA49-62A77D7C1EE0}"/>
+          </ac:spMkLst>
+        </pc:spChg>
+        <pc:spChg chg="add">
+          <ac:chgData name="V. Brown" userId="b2c29ffe0574e331" providerId="LiveId" clId="{453FA121-C2A9-4FBA-94F0-D727BF3A212D}" dt="2023-03-31T23:24:40.736" v="647" actId="26606"/>
+          <ac:spMkLst>
+            <pc:docMk/>
+            <pc:sldMk cId="567196692" sldId="266"/>
+            <ac:spMk id="15" creationId="{C4285719-470E-454C-AF62-8323075F1F5B}"/>
+          </ac:spMkLst>
+        </pc:spChg>
+        <pc:spChg chg="add del">
+          <ac:chgData name="V. Brown" userId="b2c29ffe0574e331" providerId="LiveId" clId="{453FA121-C2A9-4FBA-94F0-D727BF3A212D}" dt="2023-03-31T23:22:38.775" v="640" actId="26606"/>
+          <ac:spMkLst>
+            <pc:docMk/>
+            <pc:sldMk cId="567196692" sldId="266"/>
+            <ac:spMk id="16" creationId="{C4285719-470E-454C-AF62-8323075F1F5B}"/>
+          </ac:spMkLst>
+        </pc:spChg>
+        <pc:spChg chg="add">
+          <ac:chgData name="V. Brown" userId="b2c29ffe0574e331" providerId="LiveId" clId="{453FA121-C2A9-4FBA-94F0-D727BF3A212D}" dt="2023-03-31T23:24:40.736" v="647" actId="26606"/>
+          <ac:spMkLst>
+            <pc:docMk/>
+            <pc:sldMk cId="567196692" sldId="266"/>
+            <ac:spMk id="17" creationId="{CD9FE4EF-C4D8-49A0-B2FF-81D8DB7D8A24}"/>
+          </ac:spMkLst>
+        </pc:spChg>
+        <pc:spChg chg="add del">
+          <ac:chgData name="V. Brown" userId="b2c29ffe0574e331" providerId="LiveId" clId="{453FA121-C2A9-4FBA-94F0-D727BF3A212D}" dt="2023-03-31T23:22:38.775" v="640" actId="26606"/>
+          <ac:spMkLst>
+            <pc:docMk/>
+            <pc:sldMk cId="567196692" sldId="266"/>
+            <ac:spMk id="18" creationId="{CD9FE4EF-C4D8-49A0-B2FF-81D8DB7D8A24}"/>
+          </ac:spMkLst>
+        </pc:spChg>
+        <pc:spChg chg="add">
+          <ac:chgData name="V. Brown" userId="b2c29ffe0574e331" providerId="LiveId" clId="{453FA121-C2A9-4FBA-94F0-D727BF3A212D}" dt="2023-03-31T23:24:40.736" v="647" actId="26606"/>
+          <ac:spMkLst>
+            <pc:docMk/>
+            <pc:sldMk cId="567196692" sldId="266"/>
+            <ac:spMk id="19" creationId="{4300840D-0A0B-4512-BACA-B439D5B9C57C}"/>
+          </ac:spMkLst>
+        </pc:spChg>
+        <pc:spChg chg="add del">
+          <ac:chgData name="V. Brown" userId="b2c29ffe0574e331" providerId="LiveId" clId="{453FA121-C2A9-4FBA-94F0-D727BF3A212D}" dt="2023-03-31T23:22:38.775" v="640" actId="26606"/>
+          <ac:spMkLst>
+            <pc:docMk/>
+            <pc:sldMk cId="567196692" sldId="266"/>
+            <ac:spMk id="20" creationId="{4300840D-0A0B-4512-BACA-B439D5B9C57C}"/>
+          </ac:spMkLst>
+        </pc:spChg>
+        <pc:spChg chg="add">
+          <ac:chgData name="V. Brown" userId="b2c29ffe0574e331" providerId="LiveId" clId="{453FA121-C2A9-4FBA-94F0-D727BF3A212D}" dt="2023-03-31T23:24:40.736" v="647" actId="26606"/>
+          <ac:spMkLst>
+            <pc:docMk/>
+            <pc:sldMk cId="567196692" sldId="266"/>
+            <ac:spMk id="21" creationId="{D2B78728-A580-49A7-84F9-6EF6F583ADE0}"/>
+          </ac:spMkLst>
+        </pc:spChg>
+        <pc:spChg chg="add del">
+          <ac:chgData name="V. Brown" userId="b2c29ffe0574e331" providerId="LiveId" clId="{453FA121-C2A9-4FBA-94F0-D727BF3A212D}" dt="2023-03-31T23:22:38.775" v="640" actId="26606"/>
+          <ac:spMkLst>
+            <pc:docMk/>
+            <pc:sldMk cId="567196692" sldId="266"/>
+            <ac:spMk id="22" creationId="{D2B78728-A580-49A7-84F9-6EF6F583ADE0}"/>
+          </ac:spMkLst>
+        </pc:spChg>
+        <pc:spChg chg="add">
+          <ac:chgData name="V. Brown" userId="b2c29ffe0574e331" providerId="LiveId" clId="{453FA121-C2A9-4FBA-94F0-D727BF3A212D}" dt="2023-03-31T23:24:40.736" v="647" actId="26606"/>
+          <ac:spMkLst>
+            <pc:docMk/>
+            <pc:sldMk cId="567196692" sldId="266"/>
+            <ac:spMk id="23" creationId="{38FAA1A1-D861-433F-88FA-1E9D6FD31D11}"/>
+          </ac:spMkLst>
+        </pc:spChg>
+        <pc:spChg chg="add del">
+          <ac:chgData name="V. Brown" userId="b2c29ffe0574e331" providerId="LiveId" clId="{453FA121-C2A9-4FBA-94F0-D727BF3A212D}" dt="2023-03-31T23:22:38.775" v="640" actId="26606"/>
+          <ac:spMkLst>
+            <pc:docMk/>
+            <pc:sldMk cId="567196692" sldId="266"/>
+            <ac:spMk id="24" creationId="{38FAA1A1-D861-433F-88FA-1E9D6FD31D11}"/>
+          </ac:spMkLst>
+        </pc:spChg>
+        <pc:spChg chg="add">
+          <ac:chgData name="V. Brown" userId="b2c29ffe0574e331" providerId="LiveId" clId="{453FA121-C2A9-4FBA-94F0-D727BF3A212D}" dt="2023-03-31T23:24:40.736" v="647" actId="26606"/>
+          <ac:spMkLst>
+            <pc:docMk/>
+            <pc:sldMk cId="567196692" sldId="266"/>
+            <ac:spMk id="25" creationId="{8D71EDA1-87BF-4D5D-AB79-F346FD19278A}"/>
+          </ac:spMkLst>
+        </pc:spChg>
+        <pc:spChg chg="add del">
+          <ac:chgData name="V. Brown" userId="b2c29ffe0574e331" providerId="LiveId" clId="{453FA121-C2A9-4FBA-94F0-D727BF3A212D}" dt="2023-03-31T23:22:38.775" v="640" actId="26606"/>
+          <ac:spMkLst>
+            <pc:docMk/>
+            <pc:sldMk cId="567196692" sldId="266"/>
+            <ac:spMk id="26" creationId="{8D71EDA1-87BF-4D5D-AB79-F346FD19278A}"/>
+          </ac:spMkLst>
+        </pc:spChg>
+        <pc:spChg chg="add mod">
+          <ac:chgData name="V. Brown" userId="b2c29ffe0574e331" providerId="LiveId" clId="{453FA121-C2A9-4FBA-94F0-D727BF3A212D}" dt="2023-03-31T23:37:50.354" v="924" actId="6549"/>
+          <ac:spMkLst>
+            <pc:docMk/>
+            <pc:sldMk cId="567196692" sldId="266"/>
+            <ac:spMk id="27" creationId="{1A8A21DF-96FB-69AF-8D7B-72D76F10E41E}"/>
+          </ac:spMkLst>
+        </pc:spChg>
+        <pc:spChg chg="add del">
+          <ac:chgData name="V. Brown" userId="b2c29ffe0574e331" providerId="LiveId" clId="{453FA121-C2A9-4FBA-94F0-D727BF3A212D}" dt="2023-03-31T23:26:33.165" v="756" actId="22"/>
+          <ac:spMkLst>
+            <pc:docMk/>
+            <pc:sldMk cId="567196692" sldId="266"/>
+            <ac:spMk id="28" creationId="{870A3AC5-B6A4-B314-1D88-D5C112F2C231}"/>
+          </ac:spMkLst>
+        </pc:spChg>
+        <pc:spChg chg="add del">
+          <ac:chgData name="V. Brown" userId="b2c29ffe0574e331" providerId="LiveId" clId="{453FA121-C2A9-4FBA-94F0-D727BF3A212D}" dt="2023-03-31T23:22:22.104" v="629" actId="26606"/>
+          <ac:spMkLst>
+            <pc:docMk/>
+            <pc:sldMk cId="567196692" sldId="266"/>
+            <ac:spMk id="31" creationId="{979E27D9-03C7-44E2-9FF8-15D0C8506AF7}"/>
+          </ac:spMkLst>
+        </pc:spChg>
+        <pc:spChg chg="add del">
+          <ac:chgData name="V. Brown" userId="b2c29ffe0574e331" providerId="LiveId" clId="{453FA121-C2A9-4FBA-94F0-D727BF3A212D}" dt="2023-03-31T23:22:22.104" v="629" actId="26606"/>
+          <ac:spMkLst>
+            <pc:docMk/>
+            <pc:sldMk cId="567196692" sldId="266"/>
+            <ac:spMk id="33" creationId="{EEBF1590-3B36-48EE-A89D-3B6F3CB256AB}"/>
+          </ac:spMkLst>
+        </pc:spChg>
+        <pc:spChg chg="add del">
+          <ac:chgData name="V. Brown" userId="b2c29ffe0574e331" providerId="LiveId" clId="{453FA121-C2A9-4FBA-94F0-D727BF3A212D}" dt="2023-03-31T23:22:22.104" v="629" actId="26606"/>
+          <ac:spMkLst>
+            <pc:docMk/>
+            <pc:sldMk cId="567196692" sldId="266"/>
+            <ac:spMk id="35" creationId="{AC8F6C8C-AB5A-4548-942D-E3FD40ACBC49}"/>
+          </ac:spMkLst>
+        </pc:spChg>
+        <pc:spChg chg="add del mod">
+          <ac:chgData name="V. Brown" userId="b2c29ffe0574e331" providerId="LiveId" clId="{453FA121-C2A9-4FBA-94F0-D727BF3A212D}" dt="2023-03-31T23:34:04.838" v="775" actId="22"/>
+          <ac:spMkLst>
+            <pc:docMk/>
+            <pc:sldMk cId="567196692" sldId="266"/>
+            <ac:spMk id="37" creationId="{650801F7-104F-8412-4C17-1DE551D09EB1}"/>
+          </ac:spMkLst>
+        </pc:spChg>
+        <pc:picChg chg="add del mod ord">
+          <ac:chgData name="V. Brown" userId="b2c29ffe0574e331" providerId="LiveId" clId="{453FA121-C2A9-4FBA-94F0-D727BF3A212D}" dt="2023-03-31T22:58:50.756" v="367" actId="478"/>
+          <ac:picMkLst>
+            <pc:docMk/>
+            <pc:sldMk cId="567196692" sldId="266"/>
+            <ac:picMk id="5" creationId="{2F2AB536-30D4-7A9D-C89D-242E2CA6C2B3}"/>
+          </ac:picMkLst>
+        </pc:picChg>
+        <pc:picChg chg="add del mod ord">
+          <ac:chgData name="V. Brown" userId="b2c29ffe0574e331" providerId="LiveId" clId="{453FA121-C2A9-4FBA-94F0-D727BF3A212D}" dt="2023-03-31T23:26:35.765" v="757" actId="478"/>
+          <ac:picMkLst>
+            <pc:docMk/>
+            <pc:sldMk cId="567196692" sldId="266"/>
+            <ac:picMk id="9" creationId="{C337AC93-8254-A6DF-99A2-17C86F0EEA7E}"/>
+          </ac:picMkLst>
+        </pc:picChg>
+        <pc:picChg chg="add del mod">
+          <ac:chgData name="V. Brown" userId="b2c29ffe0574e331" providerId="LiveId" clId="{453FA121-C2A9-4FBA-94F0-D727BF3A212D}" dt="2023-03-31T23:22:33.926" v="635"/>
+          <ac:picMkLst>
+            <pc:docMk/>
+            <pc:sldMk cId="567196692" sldId="266"/>
+            <ac:picMk id="10" creationId="{83634C27-0A42-D0E5-5D2E-919D2B12080E}"/>
+          </ac:picMkLst>
+        </pc:picChg>
+        <pc:picChg chg="add del mod ord">
+          <ac:chgData name="V. Brown" userId="b2c29ffe0574e331" providerId="LiveId" clId="{453FA121-C2A9-4FBA-94F0-D727BF3A212D}" dt="2023-03-31T23:34:02.903" v="774" actId="478"/>
+          <ac:picMkLst>
+            <pc:docMk/>
+            <pc:sldMk cId="567196692" sldId="266"/>
+            <ac:picMk id="30" creationId="{171F860D-96FD-C095-CD8E-B2A9B60D6333}"/>
+          </ac:picMkLst>
+        </pc:picChg>
+        <pc:picChg chg="add mod">
+          <ac:chgData name="V. Brown" userId="b2c29ffe0574e331" providerId="LiveId" clId="{453FA121-C2A9-4FBA-94F0-D727BF3A212D}" dt="2023-03-31T23:32:21.640" v="772" actId="14100"/>
+          <ac:picMkLst>
+            <pc:docMk/>
+            <pc:sldMk cId="567196692" sldId="266"/>
+            <ac:picMk id="34" creationId="{D5EF5E35-52BA-F848-EB00-B6D282AE4582}"/>
+          </ac:picMkLst>
+        </pc:picChg>
+        <pc:picChg chg="add mod ord">
+          <ac:chgData name="V. Brown" userId="b2c29ffe0574e331" providerId="LiveId" clId="{453FA121-C2A9-4FBA-94F0-D727BF3A212D}" dt="2023-03-31T23:34:47.960" v="782" actId="14100"/>
+          <ac:picMkLst>
+            <pc:docMk/>
+            <pc:sldMk cId="567196692" sldId="266"/>
+            <ac:picMk id="39" creationId="{6863713A-B7C3-3D7C-875B-B81A2E1D56F6}"/>
+          </ac:picMkLst>
+        </pc:picChg>
+      </pc:sldChg>
+      <pc:sldChg chg="modSp add mod ord">
+        <pc:chgData name="V. Brown" userId="b2c29ffe0574e331" providerId="LiveId" clId="{453FA121-C2A9-4FBA-94F0-D727BF3A212D}" dt="2023-04-01T00:16:20.003" v="1539" actId="27636"/>
+        <pc:sldMkLst>
+          <pc:docMk/>
+          <pc:sldMk cId="343657440" sldId="267"/>
+        </pc:sldMkLst>
+        <pc:spChg chg="mod">
+          <ac:chgData name="V. Brown" userId="b2c29ffe0574e331" providerId="LiveId" clId="{453FA121-C2A9-4FBA-94F0-D727BF3A212D}" dt="2023-04-01T00:14:28.284" v="1521" actId="313"/>
+          <ac:spMkLst>
+            <pc:docMk/>
+            <pc:sldMk cId="343657440" sldId="267"/>
+            <ac:spMk id="2" creationId="{FEF8E3FF-63BB-ACDD-CFE8-BF11C90C0EB4}"/>
+          </ac:spMkLst>
+        </pc:spChg>
+        <pc:spChg chg="mod">
+          <ac:chgData name="V. Brown" userId="b2c29ffe0574e331" providerId="LiveId" clId="{453FA121-C2A9-4FBA-94F0-D727BF3A212D}" dt="2023-04-01T00:16:20.003" v="1539" actId="27636"/>
+          <ac:spMkLst>
+            <pc:docMk/>
+            <pc:sldMk cId="343657440" sldId="267"/>
+            <ac:spMk id="4" creationId="{CD9081F7-AED2-8120-2348-5D3338D3B5A4}"/>
+          </ac:spMkLst>
+        </pc:spChg>
+      </pc:sldChg>
+      <pc:sldChg chg="new del">
+        <pc:chgData name="V. Brown" userId="b2c29ffe0574e331" providerId="LiveId" clId="{453FA121-C2A9-4FBA-94F0-D727BF3A212D}" dt="2023-03-31T23:43:57.444" v="934" actId="2696"/>
+        <pc:sldMkLst>
+          <pc:docMk/>
+          <pc:sldMk cId="368780108" sldId="267"/>
+        </pc:sldMkLst>
+      </pc:sldChg>
+      <pc:sldChg chg="new del">
+        <pc:chgData name="V. Brown" userId="b2c29ffe0574e331" providerId="LiveId" clId="{453FA121-C2A9-4FBA-94F0-D727BF3A212D}" dt="2023-03-31T23:44:05.636" v="936" actId="2696"/>
+        <pc:sldMkLst>
+          <pc:docMk/>
+          <pc:sldMk cId="1444884499" sldId="267"/>
+        </pc:sldMkLst>
+      </pc:sldChg>
+    </pc:docChg>
+  </pc:docChgLst>
+</pc:chgInfo>
 </file>
 
 <file path=ppt/slideLayouts/slideLayout1.xml><?xml version="1.0" encoding="utf-8"?>
@@ -255,7 +2430,7 @@
           <a:p>
             <a:fld id="{EED1C14C-A143-42F5-B247-D0E800131009}" type="datetimeFigureOut">
               <a:rPr lang="en-US" smtClean="0"/>
-              <a:t>8/15/2018</a:t>
+              <a:t>3/31/2023</a:t>
             </a:fld>
             <a:endParaRPr lang="en-US"/>
           </a:p>
@@ -453,7 +2628,7 @@
           <a:p>
             <a:fld id="{EED1C14C-A143-42F5-B247-D0E800131009}" type="datetimeFigureOut">
               <a:rPr lang="en-US" smtClean="0"/>
-              <a:t>8/15/2018</a:t>
+              <a:t>3/31/2023</a:t>
             </a:fld>
             <a:endParaRPr lang="en-US"/>
           </a:p>
@@ -661,7 +2836,7 @@
           <a:p>
             <a:fld id="{EED1C14C-A143-42F5-B247-D0E800131009}" type="datetimeFigureOut">
               <a:rPr lang="en-US" smtClean="0"/>
-              <a:t>8/15/2018</a:t>
+              <a:t>3/31/2023</a:t>
             </a:fld>
             <a:endParaRPr lang="en-US"/>
           </a:p>
@@ -859,7 +3034,7 @@
           <a:p>
             <a:fld id="{EED1C14C-A143-42F5-B247-D0E800131009}" type="datetimeFigureOut">
               <a:rPr lang="en-US" smtClean="0"/>
-              <a:t>8/15/2018</a:t>
+              <a:t>3/31/2023</a:t>
             </a:fld>
             <a:endParaRPr lang="en-US"/>
           </a:p>
@@ -1134,7 +3309,7 @@
           <a:p>
             <a:fld id="{EED1C14C-A143-42F5-B247-D0E800131009}" type="datetimeFigureOut">
               <a:rPr lang="en-US" smtClean="0"/>
-              <a:t>8/15/2018</a:t>
+              <a:t>3/31/2023</a:t>
             </a:fld>
             <a:endParaRPr lang="en-US"/>
           </a:p>
@@ -1399,7 +3574,7 @@
           <a:p>
             <a:fld id="{EED1C14C-A143-42F5-B247-D0E800131009}" type="datetimeFigureOut">
               <a:rPr lang="en-US" smtClean="0"/>
-              <a:t>8/15/2018</a:t>
+              <a:t>3/31/2023</a:t>
             </a:fld>
             <a:endParaRPr lang="en-US"/>
           </a:p>
@@ -1811,7 +3986,7 @@
           <a:p>
             <a:fld id="{EED1C14C-A143-42F5-B247-D0E800131009}" type="datetimeFigureOut">
               <a:rPr lang="en-US" smtClean="0"/>
-              <a:t>8/15/2018</a:t>
+              <a:t>3/31/2023</a:t>
             </a:fld>
             <a:endParaRPr lang="en-US"/>
           </a:p>
@@ -1952,7 +4127,7 @@
           <a:p>
             <a:fld id="{EED1C14C-A143-42F5-B247-D0E800131009}" type="datetimeFigureOut">
               <a:rPr lang="en-US" smtClean="0"/>
-              <a:t>8/15/2018</a:t>
+              <a:t>3/31/2023</a:t>
             </a:fld>
             <a:endParaRPr lang="en-US"/>
           </a:p>
@@ -2065,7 +4240,7 @@
           <a:p>
             <a:fld id="{EED1C14C-A143-42F5-B247-D0E800131009}" type="datetimeFigureOut">
               <a:rPr lang="en-US" smtClean="0"/>
-              <a:t>8/15/2018</a:t>
+              <a:t>3/31/2023</a:t>
             </a:fld>
             <a:endParaRPr lang="en-US"/>
           </a:p>
@@ -2376,7 +4551,7 @@
           <a:p>
             <a:fld id="{EED1C14C-A143-42F5-B247-D0E800131009}" type="datetimeFigureOut">
               <a:rPr lang="en-US" smtClean="0"/>
-              <a:t>8/15/2018</a:t>
+              <a:t>3/31/2023</a:t>
             </a:fld>
             <a:endParaRPr lang="en-US"/>
           </a:p>
@@ -2664,7 +4839,7 @@
           <a:p>
             <a:fld id="{EED1C14C-A143-42F5-B247-D0E800131009}" type="datetimeFigureOut">
               <a:rPr lang="en-US" smtClean="0"/>
-              <a:t>8/15/2018</a:t>
+              <a:t>3/31/2023</a:t>
             </a:fld>
             <a:endParaRPr lang="en-US"/>
           </a:p>
@@ -2905,7 +5080,7 @@
           <a:p>
             <a:fld id="{EED1C14C-A143-42F5-B247-D0E800131009}" type="datetimeFigureOut">
               <a:rPr lang="en-US" smtClean="0"/>
-              <a:t>8/15/2018</a:t>
+              <a:t>3/31/2023</a:t>
             </a:fld>
             <a:endParaRPr lang="en-US"/>
           </a:p>
@@ -3306,8 +5481,16 @@
 </file>
 
 <file path=ppt/slides/slide1.xml><?xml version="1.0" encoding="utf-8"?>
-<p:sld xmlns:a="http://schemas.openxmlformats.org/drawingml/2006/main" xmlns:p="http://schemas.openxmlformats.org/presentationml/2006/main" xmlns:r="http://schemas.openxmlformats.org/officeDocument/2006/relationships">
+<p:sld xmlns:a="http://schemas.openxmlformats.org/drawingml/2006/main" xmlns:r="http://schemas.openxmlformats.org/officeDocument/2006/relationships" xmlns:p="http://schemas.openxmlformats.org/presentationml/2006/main">
   <p:cSld>
+    <p:bg>
+      <p:bgPr>
+        <a:solidFill>
+          <a:schemeClr val="bg1"/>
+        </a:solidFill>
+        <a:effectLst/>
+      </p:bgPr>
+    </p:bg>
     <p:spTree>
       <p:nvGrpSpPr>
         <p:cNvPr id="1" name=""/>
@@ -3324,40 +5507,105 @@
       </p:grpSpPr>
       <p:sp>
         <p:nvSpPr>
-          <p:cNvPr id="0" name="slide1">
-            <a:extLst>
-              <a:ext uri="{FF2B5EF4-FFF2-40B4-BE49-F238E27FC236}">
-                <a16:creationId xmlns:a16="http://schemas.microsoft.com/office/drawing/2014/main" id="{D7B6791B-97B3-49A2-A07C-4AD1DD55B1AC}"/>
+          <p:cNvPr id="9" name="Rectangle 8">
+            <a:extLst>
+              <a:ext uri="{FF2B5EF4-FFF2-40B4-BE49-F238E27FC236}">
+                <a16:creationId xmlns:a16="http://schemas.microsoft.com/office/drawing/2014/main" id="{0DBF1ABE-8590-450D-BB49-BDDCCF3EEA9E}"/>
+              </a:ext>
+              <a:ext uri="{C183D7F6-B498-43B3-948B-1728B52AA6E4}">
+                <adec:decorative xmlns:adec="http://schemas.microsoft.com/office/drawing/2017/decorative" val="1"/>
               </a:ext>
             </a:extLst>
           </p:cNvPr>
           <p:cNvSpPr>
-            <a:spLocks noGrp="1"/>
+            <a:spLocks noGrp="1" noRot="1" noChangeAspect="1" noMove="1" noResize="1" noEditPoints="1" noAdjustHandles="1" noChangeArrowheads="1" noChangeShapeType="1" noTextEdit="1"/>
           </p:cNvSpPr>
           <p:nvPr>
-            <p:ph idx="0" type="ctrTitle"/>
+            <p:extLst>
+              <p:ext uri="{386F3935-93C4-4BCD-93E2-E3B085C9AB24}">
+                <p16:designElem xmlns:p16="http://schemas.microsoft.com/office/powerpoint/2015/main" val="1"/>
+              </p:ext>
+            </p:extLst>
           </p:nvPr>
         </p:nvSpPr>
-        <p:spPr/>
+        <p:spPr>
+          <a:xfrm>
+            <a:off x="305" y="0"/>
+            <a:ext cx="12191695" cy="6858000"/>
+          </a:xfrm>
+          <a:prstGeom prst="rect">
+            <a:avLst/>
+          </a:prstGeom>
+          <a:solidFill>
+            <a:schemeClr val="bg2">
+              <a:tint val="95000"/>
+              <a:satMod val="170000"/>
+            </a:schemeClr>
+          </a:solidFill>
+          <a:ln>
+            <a:noFill/>
+          </a:ln>
+        </p:spPr>
+        <p:style>
+          <a:lnRef idx="2">
+            <a:schemeClr val="accent1">
+              <a:shade val="50000"/>
+            </a:schemeClr>
+          </a:lnRef>
+          <a:fillRef idx="1">
+            <a:schemeClr val="accent1"/>
+          </a:fillRef>
+          <a:effectRef idx="0">
+            <a:schemeClr val="accent1"/>
+          </a:effectRef>
+          <a:fontRef idx="minor">
+            <a:schemeClr val="lt1"/>
+          </a:fontRef>
+        </p:style>
         <p:txBody>
-          <a:bodyPr/>
+          <a:bodyPr rtlCol="0" anchor="ctr"/>
           <a:lstStyle/>
           <a:p>
-            <a:r>
-              <a:rPr dirty="0" lang="en-us">
-                <a:hlinkClick r:id="rId6"/>
-              </a:rPr>
-              <a:t>Atlantic Fish Catch</a:t>
-            </a:r>
+            <a:pPr marL="0" marR="0" lvl="0" indent="0" algn="ctr" defTabSz="457200" rtl="0" eaLnBrk="1" fontAlgn="auto" latinLnBrk="0" hangingPunct="1">
+              <a:lnSpc>
+                <a:spcPct val="100000"/>
+              </a:lnSpc>
+              <a:spcBef>
+                <a:spcPts val="0"/>
+              </a:spcBef>
+              <a:spcAft>
+                <a:spcPts val="0"/>
+              </a:spcAft>
+              <a:buClrTx/>
+              <a:buSzTx/>
+              <a:buFontTx/>
+              <a:buNone/>
+              <a:tabLst/>
+              <a:defRPr/>
+            </a:pPr>
+            <a:endParaRPr kumimoji="0" lang="en-US" sz="1800" b="0" i="0" u="none" strike="noStrike" kern="1200" cap="none" spc="0" normalizeH="0" baseline="0" noProof="0" dirty="0">
+              <a:ln>
+                <a:noFill/>
+              </a:ln>
+              <a:solidFill>
+                <a:prstClr val="white"/>
+              </a:solidFill>
+              <a:effectLst/>
+              <a:uLnTx/>
+              <a:uFillTx/>
+              <a:latin typeface="Meiryo"/>
+              <a:ea typeface="+mn-ea"/>
+              <a:cs typeface="+mn-cs"/>
+            </a:endParaRPr>
           </a:p>
         </p:txBody>
       </p:sp>
       <p:sp>
         <p:nvSpPr>
-          <p:cNvPr id="1" name="slide1">
-            <a:extLst>
-              <a:ext uri="{FF2B5EF4-FFF2-40B4-BE49-F238E27FC236}">
-                <a16:creationId xmlns:a16="http://schemas.microsoft.com/office/drawing/2014/main" id="{823BD63A-C5E7-4636-8FCB-49F14B78D63B}"/>
+          <p:cNvPr id="2" name="slide1">
+            <a:extLst>
+              <a:ext uri="{FF2B5EF4-FFF2-40B4-BE49-F238E27FC236}">
+                <a16:creationId xmlns:a16="http://schemas.microsoft.com/office/drawing/2014/main" id="{A1AEB225-AF1D-4EB5-8D5E-BE1EA78238F6}"/>
               </a:ext>
             </a:extLst>
           </p:cNvPr>
@@ -3365,18 +5613,771 @@
             <a:spLocks noGrp="1"/>
           </p:cNvSpPr>
           <p:nvPr>
-            <p:ph idx="1" type="subTitle"/>
+            <p:ph type="ctrTitle"/>
           </p:nvPr>
         </p:nvSpPr>
-        <p:spPr/>
+        <p:spPr>
+          <a:xfrm>
+            <a:off x="6090045" y="1346200"/>
+            <a:ext cx="5624118" cy="3284538"/>
+          </a:xfrm>
+        </p:spPr>
         <p:txBody>
-          <a:bodyPr/>
+          <a:bodyPr anchor="b">
+            <a:normAutofit/>
+          </a:bodyPr>
           <a:lstStyle/>
           <a:p>
+            <a:pPr algn="l"/>
             <a:r>
-              <a:rPr/>
-              <a:t>File created on: 3/31/2023 8:40:11 PM</a:t>
+              <a:rPr lang="en-us" dirty="0">
+                <a:hlinkClick r:id="rId2"/>
+              </a:rPr>
+              <a:t>Atlantic Fish Catch</a:t>
             </a:r>
+            <a:endParaRPr lang="en-us" dirty="0">
+              <a:hlinkClick r:id="rId2"/>
+            </a:endParaRPr>
+          </a:p>
+        </p:txBody>
+      </p:sp>
+      <p:sp>
+        <p:nvSpPr>
+          <p:cNvPr id="3" name="slide1">
+            <a:extLst>
+              <a:ext uri="{FF2B5EF4-FFF2-40B4-BE49-F238E27FC236}">
+                <a16:creationId xmlns:a16="http://schemas.microsoft.com/office/drawing/2014/main" id="{AE815B5F-C711-4D9A-883B-511927627433}"/>
+              </a:ext>
+            </a:extLst>
+          </p:cNvPr>
+          <p:cNvSpPr>
+            <a:spLocks noGrp="1"/>
+          </p:cNvSpPr>
+          <p:nvPr>
+            <p:ph type="subTitle" idx="1"/>
+          </p:nvPr>
+        </p:nvSpPr>
+        <p:spPr>
+          <a:xfrm>
+            <a:off x="6096369" y="4630738"/>
+            <a:ext cx="5617794" cy="1150937"/>
+          </a:xfrm>
+        </p:spPr>
+        <p:txBody>
+          <a:bodyPr anchor="t">
+            <a:normAutofit/>
+          </a:bodyPr>
+          <a:lstStyle/>
+          <a:p>
+            <a:pPr algn="l"/>
+            <a:r>
+              <a:rPr lang="en-US" dirty="0"/>
+              <a:t>By </a:t>
+            </a:r>
+          </a:p>
+        </p:txBody>
+      </p:sp>
+      <p:sp>
+        <p:nvSpPr>
+          <p:cNvPr id="11" name="Freeform: Shape 10">
+            <a:extLst>
+              <a:ext uri="{FF2B5EF4-FFF2-40B4-BE49-F238E27FC236}">
+                <a16:creationId xmlns:a16="http://schemas.microsoft.com/office/drawing/2014/main" id="{18D32C3D-8F76-4E99-BE56-0836CC38CC84}"/>
+              </a:ext>
+              <a:ext uri="{C183D7F6-B498-43B3-948B-1728B52AA6E4}">
+                <adec:decorative xmlns:adec="http://schemas.microsoft.com/office/drawing/2017/decorative" val="1"/>
+              </a:ext>
+            </a:extLst>
+          </p:cNvPr>
+          <p:cNvSpPr>
+            <a:spLocks noGrp="1" noRot="1" noChangeAspect="1" noMove="1" noResize="1" noEditPoints="1" noAdjustHandles="1" noChangeArrowheads="1" noChangeShapeType="1" noTextEdit="1"/>
+          </p:cNvSpPr>
+          <p:nvPr>
+            <p:extLst>
+              <p:ext uri="{386F3935-93C4-4BCD-93E2-E3B085C9AB24}">
+                <p16:designElem xmlns:p16="http://schemas.microsoft.com/office/powerpoint/2015/main" val="1"/>
+              </p:ext>
+            </p:extLst>
+          </p:nvPr>
+        </p:nvSpPr>
+        <p:spPr>
+          <a:xfrm>
+            <a:off x="3084938" y="0"/>
+            <a:ext cx="2529723" cy="6858000"/>
+          </a:xfrm>
+          <a:custGeom>
+            <a:avLst/>
+            <a:gdLst>
+              <a:gd name="connsiteX0" fmla="*/ 1258269 w 2529723"/>
+              <a:gd name="connsiteY0" fmla="*/ 0 h 6858000"/>
+              <a:gd name="connsiteX1" fmla="*/ 1275627 w 2529723"/>
+              <a:gd name="connsiteY1" fmla="*/ 0 h 6858000"/>
+              <a:gd name="connsiteX2" fmla="*/ 1302560 w 2529723"/>
+              <a:gd name="connsiteY2" fmla="*/ 24338 h 6858000"/>
+              <a:gd name="connsiteX3" fmla="*/ 2522825 w 2529723"/>
+              <a:gd name="connsiteY3" fmla="*/ 3678515 h 6858000"/>
+              <a:gd name="connsiteX4" fmla="*/ 557500 w 2529723"/>
+              <a:gd name="connsiteY4" fmla="*/ 6451411 h 6858000"/>
+              <a:gd name="connsiteX5" fmla="*/ 32482 w 2529723"/>
+              <a:gd name="connsiteY5" fmla="*/ 6849373 h 6858000"/>
+              <a:gd name="connsiteX6" fmla="*/ 19531 w 2529723"/>
+              <a:gd name="connsiteY6" fmla="*/ 6858000 h 6858000"/>
+              <a:gd name="connsiteX7" fmla="*/ 0 w 2529723"/>
+              <a:gd name="connsiteY7" fmla="*/ 6858000 h 6858000"/>
+              <a:gd name="connsiteX8" fmla="*/ 14202 w 2529723"/>
+              <a:gd name="connsiteY8" fmla="*/ 6848540 h 6858000"/>
+              <a:gd name="connsiteX9" fmla="*/ 539221 w 2529723"/>
+              <a:gd name="connsiteY9" fmla="*/ 6450578 h 6858000"/>
+              <a:gd name="connsiteX10" fmla="*/ 2504546 w 2529723"/>
+              <a:gd name="connsiteY10" fmla="*/ 3677682 h 6858000"/>
+              <a:gd name="connsiteX11" fmla="*/ 1284280 w 2529723"/>
+              <a:gd name="connsiteY11" fmla="*/ 23504 h 6858000"/>
+            </a:gdLst>
+            <a:ahLst/>
+            <a:cxnLst>
+              <a:cxn ang="0">
+                <a:pos x="connsiteX0" y="connsiteY0"/>
+              </a:cxn>
+              <a:cxn ang="0">
+                <a:pos x="connsiteX1" y="connsiteY1"/>
+              </a:cxn>
+              <a:cxn ang="0">
+                <a:pos x="connsiteX2" y="connsiteY2"/>
+              </a:cxn>
+              <a:cxn ang="0">
+                <a:pos x="connsiteX3" y="connsiteY3"/>
+              </a:cxn>
+              <a:cxn ang="0">
+                <a:pos x="connsiteX4" y="connsiteY4"/>
+              </a:cxn>
+              <a:cxn ang="0">
+                <a:pos x="connsiteX5" y="connsiteY5"/>
+              </a:cxn>
+              <a:cxn ang="0">
+                <a:pos x="connsiteX6" y="connsiteY6"/>
+              </a:cxn>
+              <a:cxn ang="0">
+                <a:pos x="connsiteX7" y="connsiteY7"/>
+              </a:cxn>
+              <a:cxn ang="0">
+                <a:pos x="connsiteX8" y="connsiteY8"/>
+              </a:cxn>
+              <a:cxn ang="0">
+                <a:pos x="connsiteX9" y="connsiteY9"/>
+              </a:cxn>
+              <a:cxn ang="0">
+                <a:pos x="connsiteX10" y="connsiteY10"/>
+              </a:cxn>
+              <a:cxn ang="0">
+                <a:pos x="connsiteX11" y="connsiteY11"/>
+              </a:cxn>
+            </a:cxnLst>
+            <a:rect l="l" t="t" r="r" b="b"/>
+            <a:pathLst>
+              <a:path w="2529723" h="6858000">
+                <a:moveTo>
+                  <a:pt x="1258269" y="0"/>
+                </a:moveTo>
+                <a:lnTo>
+                  <a:pt x="1275627" y="0"/>
+                </a:lnTo>
+                <a:lnTo>
+                  <a:pt x="1302560" y="24338"/>
+                </a:lnTo>
+                <a:cubicBezTo>
+                  <a:pt x="2156831" y="855667"/>
+                  <a:pt x="2590622" y="2191755"/>
+                  <a:pt x="2522825" y="3678515"/>
+                </a:cubicBezTo>
+                <a:cubicBezTo>
+                  <a:pt x="2459072" y="5076606"/>
+                  <a:pt x="1519830" y="5692656"/>
+                  <a:pt x="557500" y="6451411"/>
+                </a:cubicBezTo>
+                <a:cubicBezTo>
+                  <a:pt x="382255" y="6589587"/>
+                  <a:pt x="208689" y="6724853"/>
+                  <a:pt x="32482" y="6849373"/>
+                </a:cubicBezTo>
+                <a:lnTo>
+                  <a:pt x="19531" y="6858000"/>
+                </a:lnTo>
+                <a:lnTo>
+                  <a:pt x="0" y="6858000"/>
+                </a:lnTo>
+                <a:lnTo>
+                  <a:pt x="14202" y="6848540"/>
+                </a:lnTo>
+                <a:cubicBezTo>
+                  <a:pt x="190409" y="6724020"/>
+                  <a:pt x="363976" y="6588754"/>
+                  <a:pt x="539221" y="6450578"/>
+                </a:cubicBezTo>
+                <a:cubicBezTo>
+                  <a:pt x="1501550" y="5691822"/>
+                  <a:pt x="2440792" y="5075773"/>
+                  <a:pt x="2504546" y="3677682"/>
+                </a:cubicBezTo>
+                <a:cubicBezTo>
+                  <a:pt x="2572343" y="2190921"/>
+                  <a:pt x="2138551" y="854834"/>
+                  <a:pt x="1284280" y="23504"/>
+                </a:cubicBezTo>
+                <a:close/>
+              </a:path>
+            </a:pathLst>
+          </a:custGeom>
+          <a:solidFill>
+            <a:srgbClr val="FFFFFF">
+              <a:alpha val="50000"/>
+            </a:srgbClr>
+          </a:solidFill>
+          <a:ln>
+            <a:noFill/>
+          </a:ln>
+        </p:spPr>
+        <p:style>
+          <a:lnRef idx="2">
+            <a:schemeClr val="accent1">
+              <a:shade val="50000"/>
+            </a:schemeClr>
+          </a:lnRef>
+          <a:fillRef idx="1">
+            <a:schemeClr val="accent1"/>
+          </a:fillRef>
+          <a:effectRef idx="0">
+            <a:schemeClr val="accent1"/>
+          </a:effectRef>
+          <a:fontRef idx="minor">
+            <a:schemeClr val="lt1"/>
+          </a:fontRef>
+        </p:style>
+        <p:txBody>
+          <a:bodyPr wrap="square" rtlCol="0" anchor="ctr">
+            <a:noAutofit/>
+          </a:bodyPr>
+          <a:lstStyle/>
+          <a:p>
+            <a:pPr marL="0" marR="0" lvl="0" indent="0" algn="ctr" defTabSz="457200" rtl="0" eaLnBrk="1" fontAlgn="auto" latinLnBrk="0" hangingPunct="1">
+              <a:lnSpc>
+                <a:spcPct val="100000"/>
+              </a:lnSpc>
+              <a:spcBef>
+                <a:spcPts val="0"/>
+              </a:spcBef>
+              <a:spcAft>
+                <a:spcPts val="0"/>
+              </a:spcAft>
+              <a:buClrTx/>
+              <a:buSzTx/>
+              <a:buFontTx/>
+              <a:buNone/>
+              <a:tabLst/>
+              <a:defRPr/>
+            </a:pPr>
+            <a:endParaRPr kumimoji="0" lang="en-US" sz="1800" b="0" i="0" u="none" strike="noStrike" kern="1200" cap="none" spc="0" normalizeH="0" baseline="0" noProof="0" dirty="0">
+              <a:ln>
+                <a:noFill/>
+              </a:ln>
+              <a:solidFill>
+                <a:prstClr val="white"/>
+              </a:solidFill>
+              <a:effectLst/>
+              <a:uLnTx/>
+              <a:uFillTx/>
+              <a:latin typeface="Meiryo"/>
+              <a:ea typeface="+mn-ea"/>
+              <a:cs typeface="+mn-cs"/>
+            </a:endParaRPr>
+          </a:p>
+        </p:txBody>
+      </p:sp>
+      <p:sp>
+        <p:nvSpPr>
+          <p:cNvPr id="13" name="Freeform: Shape 12">
+            <a:extLst>
+              <a:ext uri="{FF2B5EF4-FFF2-40B4-BE49-F238E27FC236}">
+                <a16:creationId xmlns:a16="http://schemas.microsoft.com/office/drawing/2014/main" id="{70766076-46F5-42D5-A773-2B3BEF2B8B74}"/>
+              </a:ext>
+              <a:ext uri="{C183D7F6-B498-43B3-948B-1728B52AA6E4}">
+                <adec:decorative xmlns:adec="http://schemas.microsoft.com/office/drawing/2017/decorative" val="1"/>
+              </a:ext>
+            </a:extLst>
+          </p:cNvPr>
+          <p:cNvSpPr>
+            <a:spLocks noGrp="1" noRot="1" noChangeAspect="1" noMove="1" noResize="1" noEditPoints="1" noAdjustHandles="1" noChangeArrowheads="1" noChangeShapeType="1" noTextEdit="1"/>
+          </p:cNvSpPr>
+          <p:nvPr>
+            <p:extLst>
+              <p:ext uri="{386F3935-93C4-4BCD-93E2-E3B085C9AB24}">
+                <p16:designElem xmlns:p16="http://schemas.microsoft.com/office/powerpoint/2015/main" val="1"/>
+              </p:ext>
+            </p:extLst>
+          </p:nvPr>
+        </p:nvSpPr>
+        <p:spPr>
+          <a:xfrm>
+            <a:off x="2925575" y="0"/>
+            <a:ext cx="2486322" cy="6858000"/>
+          </a:xfrm>
+          <a:custGeom>
+            <a:avLst/>
+            <a:gdLst>
+              <a:gd name="connsiteX0" fmla="*/ 879731 w 2521425"/>
+              <a:gd name="connsiteY0" fmla="*/ 0 h 6858000"/>
+              <a:gd name="connsiteX1" fmla="*/ 898402 w 2521425"/>
+              <a:gd name="connsiteY1" fmla="*/ 0 h 6858000"/>
+              <a:gd name="connsiteX2" fmla="*/ 920526 w 2521425"/>
+              <a:gd name="connsiteY2" fmla="*/ 14997 h 6858000"/>
+              <a:gd name="connsiteX3" fmla="*/ 2521425 w 2521425"/>
+              <a:gd name="connsiteY3" fmla="*/ 3621656 h 6858000"/>
+              <a:gd name="connsiteX4" fmla="*/ 647075 w 2521425"/>
+              <a:gd name="connsiteY4" fmla="*/ 6374814 h 6858000"/>
+              <a:gd name="connsiteX5" fmla="*/ 130427 w 2521425"/>
+              <a:gd name="connsiteY5" fmla="*/ 6780599 h 6858000"/>
+              <a:gd name="connsiteX6" fmla="*/ 18671 w 2521425"/>
+              <a:gd name="connsiteY6" fmla="*/ 6858000 h 6858000"/>
+              <a:gd name="connsiteX7" fmla="*/ 0 w 2521425"/>
+              <a:gd name="connsiteY7" fmla="*/ 6858000 h 6858000"/>
+              <a:gd name="connsiteX8" fmla="*/ 111756 w 2521425"/>
+              <a:gd name="connsiteY8" fmla="*/ 6780599 h 6858000"/>
+              <a:gd name="connsiteX9" fmla="*/ 628404 w 2521425"/>
+              <a:gd name="connsiteY9" fmla="*/ 6374814 h 6858000"/>
+              <a:gd name="connsiteX10" fmla="*/ 2502754 w 2521425"/>
+              <a:gd name="connsiteY10" fmla="*/ 3621656 h 6858000"/>
+              <a:gd name="connsiteX11" fmla="*/ 901855 w 2521425"/>
+              <a:gd name="connsiteY11" fmla="*/ 14997 h 6858000"/>
+            </a:gdLst>
+            <a:ahLst/>
+            <a:cxnLst>
+              <a:cxn ang="0">
+                <a:pos x="connsiteX0" y="connsiteY0"/>
+              </a:cxn>
+              <a:cxn ang="0">
+                <a:pos x="connsiteX1" y="connsiteY1"/>
+              </a:cxn>
+              <a:cxn ang="0">
+                <a:pos x="connsiteX2" y="connsiteY2"/>
+              </a:cxn>
+              <a:cxn ang="0">
+                <a:pos x="connsiteX3" y="connsiteY3"/>
+              </a:cxn>
+              <a:cxn ang="0">
+                <a:pos x="connsiteX4" y="connsiteY4"/>
+              </a:cxn>
+              <a:cxn ang="0">
+                <a:pos x="connsiteX5" y="connsiteY5"/>
+              </a:cxn>
+              <a:cxn ang="0">
+                <a:pos x="connsiteX6" y="connsiteY6"/>
+              </a:cxn>
+              <a:cxn ang="0">
+                <a:pos x="connsiteX7" y="connsiteY7"/>
+              </a:cxn>
+              <a:cxn ang="0">
+                <a:pos x="connsiteX8" y="connsiteY8"/>
+              </a:cxn>
+              <a:cxn ang="0">
+                <a:pos x="connsiteX9" y="connsiteY9"/>
+              </a:cxn>
+              <a:cxn ang="0">
+                <a:pos x="connsiteX10" y="connsiteY10"/>
+              </a:cxn>
+              <a:cxn ang="0">
+                <a:pos x="connsiteX11" y="connsiteY11"/>
+              </a:cxn>
+            </a:cxnLst>
+            <a:rect l="l" t="t" r="r" b="b"/>
+            <a:pathLst>
+              <a:path w="2521425" h="6858000">
+                <a:moveTo>
+                  <a:pt x="879731" y="0"/>
+                </a:moveTo>
+                <a:lnTo>
+                  <a:pt x="898402" y="0"/>
+                </a:lnTo>
+                <a:lnTo>
+                  <a:pt x="920526" y="14997"/>
+                </a:lnTo>
+                <a:cubicBezTo>
+                  <a:pt x="1947689" y="754641"/>
+                  <a:pt x="2521425" y="2093192"/>
+                  <a:pt x="2521425" y="3621656"/>
+                </a:cubicBezTo>
+                <a:cubicBezTo>
+                  <a:pt x="2521425" y="4969131"/>
+                  <a:pt x="1592700" y="5602839"/>
+                  <a:pt x="647075" y="6374814"/>
+                </a:cubicBezTo>
+                <a:cubicBezTo>
+                  <a:pt x="474872" y="6515397"/>
+                  <a:pt x="304245" y="6653108"/>
+                  <a:pt x="130427" y="6780599"/>
+                </a:cubicBezTo>
+                <a:lnTo>
+                  <a:pt x="18671" y="6858000"/>
+                </a:lnTo>
+                <a:lnTo>
+                  <a:pt x="0" y="6858000"/>
+                </a:lnTo>
+                <a:lnTo>
+                  <a:pt x="111756" y="6780599"/>
+                </a:lnTo>
+                <a:cubicBezTo>
+                  <a:pt x="285574" y="6653108"/>
+                  <a:pt x="456201" y="6515397"/>
+                  <a:pt x="628404" y="6374814"/>
+                </a:cubicBezTo>
+                <a:cubicBezTo>
+                  <a:pt x="1574029" y="5602839"/>
+                  <a:pt x="2502754" y="4969131"/>
+                  <a:pt x="2502754" y="3621656"/>
+                </a:cubicBezTo>
+                <a:cubicBezTo>
+                  <a:pt x="2502754" y="2093192"/>
+                  <a:pt x="1929018" y="754641"/>
+                  <a:pt x="901855" y="14997"/>
+                </a:cubicBezTo>
+                <a:close/>
+              </a:path>
+            </a:pathLst>
+          </a:custGeom>
+          <a:solidFill>
+            <a:srgbClr val="FFFFFF">
+              <a:alpha val="50000"/>
+            </a:srgbClr>
+          </a:solidFill>
+          <a:ln>
+            <a:noFill/>
+          </a:ln>
+        </p:spPr>
+        <p:style>
+          <a:lnRef idx="2">
+            <a:schemeClr val="accent1">
+              <a:shade val="50000"/>
+            </a:schemeClr>
+          </a:lnRef>
+          <a:fillRef idx="1">
+            <a:schemeClr val="accent1"/>
+          </a:fillRef>
+          <a:effectRef idx="0">
+            <a:schemeClr val="accent1"/>
+          </a:effectRef>
+          <a:fontRef idx="minor">
+            <a:schemeClr val="lt1"/>
+          </a:fontRef>
+        </p:style>
+        <p:txBody>
+          <a:bodyPr wrap="square" rtlCol="0" anchor="ctr">
+            <a:noAutofit/>
+          </a:bodyPr>
+          <a:lstStyle/>
+          <a:p>
+            <a:pPr marL="0" marR="0" lvl="0" indent="0" algn="ctr" defTabSz="914400" rtl="0" eaLnBrk="1" fontAlgn="auto" latinLnBrk="0" hangingPunct="1">
+              <a:lnSpc>
+                <a:spcPct val="100000"/>
+              </a:lnSpc>
+              <a:spcBef>
+                <a:spcPts val="0"/>
+              </a:spcBef>
+              <a:spcAft>
+                <a:spcPts val="0"/>
+              </a:spcAft>
+              <a:buClrTx/>
+              <a:buSzTx/>
+              <a:buFontTx/>
+              <a:buNone/>
+              <a:tabLst/>
+              <a:defRPr/>
+            </a:pPr>
+            <a:endParaRPr kumimoji="0" lang="en-US" sz="1800" b="0" i="0" u="none" strike="noStrike" kern="1200" cap="none" spc="0" normalizeH="0" baseline="0" noProof="0" dirty="0">
+              <a:ln>
+                <a:noFill/>
+              </a:ln>
+              <a:solidFill>
+                <a:prstClr val="white"/>
+              </a:solidFill>
+              <a:effectLst/>
+              <a:uLnTx/>
+              <a:uFillTx/>
+              <a:latin typeface="Meiryo"/>
+              <a:ea typeface="+mn-ea"/>
+              <a:cs typeface="+mn-cs"/>
+            </a:endParaRPr>
+          </a:p>
+        </p:txBody>
+      </p:sp>
+      <p:pic>
+        <p:nvPicPr>
+          <p:cNvPr id="5" name="Picture 4" descr="Four mackerel fish on a barbecue grill">
+            <a:extLst>
+              <a:ext uri="{FF2B5EF4-FFF2-40B4-BE49-F238E27FC236}">
+                <a16:creationId xmlns:a16="http://schemas.microsoft.com/office/drawing/2014/main" id="{01C5FFBA-BC0D-84D5-0BFF-D42A88B73693}"/>
+              </a:ext>
+            </a:extLst>
+          </p:cNvPr>
+          <p:cNvPicPr>
+            <a:picLocks noChangeAspect="1"/>
+          </p:cNvPicPr>
+          <p:nvPr/>
+        </p:nvPicPr>
+        <p:blipFill rotWithShape="1">
+          <a:blip r:embed="rId3"/>
+          <a:srcRect l="15280" r="8810"/>
+          <a:stretch/>
+        </p:blipFill>
+        <p:spPr>
+          <a:xfrm>
+            <a:off x="-1507" y="10"/>
+            <a:ext cx="5205951" cy="6857990"/>
+          </a:xfrm>
+          <a:custGeom>
+            <a:avLst/>
+            <a:gdLst/>
+            <a:ahLst/>
+            <a:cxnLst/>
+            <a:rect l="l" t="t" r="r" b="b"/>
+            <a:pathLst>
+              <a:path w="5205951" h="6858000">
+                <a:moveTo>
+                  <a:pt x="0" y="0"/>
+                </a:moveTo>
+                <a:lnTo>
+                  <a:pt x="1709529" y="0"/>
+                </a:lnTo>
+                <a:lnTo>
+                  <a:pt x="2489695" y="0"/>
+                </a:lnTo>
+                <a:lnTo>
+                  <a:pt x="3582928" y="0"/>
+                </a:lnTo>
+                <a:lnTo>
+                  <a:pt x="3605052" y="14997"/>
+                </a:lnTo>
+                <a:cubicBezTo>
+                  <a:pt x="4632215" y="754641"/>
+                  <a:pt x="5205951" y="2093192"/>
+                  <a:pt x="5205951" y="3621656"/>
+                </a:cubicBezTo>
+                <a:cubicBezTo>
+                  <a:pt x="5205951" y="4969131"/>
+                  <a:pt x="4277226" y="5602839"/>
+                  <a:pt x="3331601" y="6374814"/>
+                </a:cubicBezTo>
+                <a:cubicBezTo>
+                  <a:pt x="3159398" y="6515397"/>
+                  <a:pt x="2988771" y="6653108"/>
+                  <a:pt x="2814953" y="6780599"/>
+                </a:cubicBezTo>
+                <a:lnTo>
+                  <a:pt x="2703197" y="6858000"/>
+                </a:lnTo>
+                <a:lnTo>
+                  <a:pt x="2489695" y="6858000"/>
+                </a:lnTo>
+                <a:lnTo>
+                  <a:pt x="1709529" y="6858000"/>
+                </a:lnTo>
+                <a:lnTo>
+                  <a:pt x="0" y="6858000"/>
+                </a:lnTo>
+                <a:close/>
+              </a:path>
+            </a:pathLst>
+          </a:custGeom>
+        </p:spPr>
+      </p:pic>
+      <p:sp>
+        <p:nvSpPr>
+          <p:cNvPr id="15" name="Freeform: Shape 14">
+            <a:extLst>
+              <a:ext uri="{FF2B5EF4-FFF2-40B4-BE49-F238E27FC236}">
+                <a16:creationId xmlns:a16="http://schemas.microsoft.com/office/drawing/2014/main" id="{CB7B90D9-1EC2-4A12-B24A-342C1BCA2FA1}"/>
+              </a:ext>
+              <a:ext uri="{C183D7F6-B498-43B3-948B-1728B52AA6E4}">
+                <adec:decorative xmlns:adec="http://schemas.microsoft.com/office/drawing/2017/decorative" val="1"/>
+              </a:ext>
+            </a:extLst>
+          </p:cNvPr>
+          <p:cNvSpPr>
+            <a:spLocks noGrp="1" noRot="1" noChangeAspect="1" noMove="1" noResize="1" noEditPoints="1" noAdjustHandles="1" noChangeArrowheads="1" noChangeShapeType="1" noTextEdit="1"/>
+          </p:cNvSpPr>
+          <p:nvPr>
+            <p:extLst>
+              <p:ext uri="{386F3935-93C4-4BCD-93E2-E3B085C9AB24}">
+                <p16:designElem xmlns:p16="http://schemas.microsoft.com/office/powerpoint/2015/main" val="1"/>
+              </p:ext>
+            </p:extLst>
+          </p:nvPr>
+        </p:nvSpPr>
+        <p:spPr>
+          <a:xfrm>
+            <a:off x="2359072" y="0"/>
+            <a:ext cx="2845372" cy="6858000"/>
+          </a:xfrm>
+          <a:custGeom>
+            <a:avLst/>
+            <a:gdLst>
+              <a:gd name="connsiteX0" fmla="*/ 939908 w 2845372"/>
+              <a:gd name="connsiteY0" fmla="*/ 0 h 6858000"/>
+              <a:gd name="connsiteX1" fmla="*/ 1222349 w 2845372"/>
+              <a:gd name="connsiteY1" fmla="*/ 0 h 6858000"/>
+              <a:gd name="connsiteX2" fmla="*/ 1244473 w 2845372"/>
+              <a:gd name="connsiteY2" fmla="*/ 14997 h 6858000"/>
+              <a:gd name="connsiteX3" fmla="*/ 2845372 w 2845372"/>
+              <a:gd name="connsiteY3" fmla="*/ 3621656 h 6858000"/>
+              <a:gd name="connsiteX4" fmla="*/ 971022 w 2845372"/>
+              <a:gd name="connsiteY4" fmla="*/ 6374814 h 6858000"/>
+              <a:gd name="connsiteX5" fmla="*/ 454374 w 2845372"/>
+              <a:gd name="connsiteY5" fmla="*/ 6780599 h 6858000"/>
+              <a:gd name="connsiteX6" fmla="*/ 342618 w 2845372"/>
+              <a:gd name="connsiteY6" fmla="*/ 6858000 h 6858000"/>
+              <a:gd name="connsiteX7" fmla="*/ 129116 w 2845372"/>
+              <a:gd name="connsiteY7" fmla="*/ 6858000 h 6858000"/>
+              <a:gd name="connsiteX8" fmla="*/ 0 w 2845372"/>
+              <a:gd name="connsiteY8" fmla="*/ 6858000 h 6858000"/>
+              <a:gd name="connsiteX9" fmla="*/ 119401 w 2845372"/>
+              <a:gd name="connsiteY9" fmla="*/ 6780599 h 6858000"/>
+              <a:gd name="connsiteX10" fmla="*/ 671389 w 2845372"/>
+              <a:gd name="connsiteY10" fmla="*/ 6374814 h 6858000"/>
+              <a:gd name="connsiteX11" fmla="*/ 2673952 w 2845372"/>
+              <a:gd name="connsiteY11" fmla="*/ 3621656 h 6858000"/>
+              <a:gd name="connsiteX12" fmla="*/ 963545 w 2845372"/>
+              <a:gd name="connsiteY12" fmla="*/ 14997 h 6858000"/>
+            </a:gdLst>
+            <a:ahLst/>
+            <a:cxnLst>
+              <a:cxn ang="0">
+                <a:pos x="connsiteX0" y="connsiteY0"/>
+              </a:cxn>
+              <a:cxn ang="0">
+                <a:pos x="connsiteX1" y="connsiteY1"/>
+              </a:cxn>
+              <a:cxn ang="0">
+                <a:pos x="connsiteX2" y="connsiteY2"/>
+              </a:cxn>
+              <a:cxn ang="0">
+                <a:pos x="connsiteX3" y="connsiteY3"/>
+              </a:cxn>
+              <a:cxn ang="0">
+                <a:pos x="connsiteX4" y="connsiteY4"/>
+              </a:cxn>
+              <a:cxn ang="0">
+                <a:pos x="connsiteX5" y="connsiteY5"/>
+              </a:cxn>
+              <a:cxn ang="0">
+                <a:pos x="connsiteX6" y="connsiteY6"/>
+              </a:cxn>
+              <a:cxn ang="0">
+                <a:pos x="connsiteX7" y="connsiteY7"/>
+              </a:cxn>
+              <a:cxn ang="0">
+                <a:pos x="connsiteX8" y="connsiteY8"/>
+              </a:cxn>
+              <a:cxn ang="0">
+                <a:pos x="connsiteX9" y="connsiteY9"/>
+              </a:cxn>
+              <a:cxn ang="0">
+                <a:pos x="connsiteX10" y="connsiteY10"/>
+              </a:cxn>
+              <a:cxn ang="0">
+                <a:pos x="connsiteX11" y="connsiteY11"/>
+              </a:cxn>
+              <a:cxn ang="0">
+                <a:pos x="connsiteX12" y="connsiteY12"/>
+              </a:cxn>
+            </a:cxnLst>
+            <a:rect l="l" t="t" r="r" b="b"/>
+            <a:pathLst>
+              <a:path w="2845372" h="6858000">
+                <a:moveTo>
+                  <a:pt x="939908" y="0"/>
+                </a:moveTo>
+                <a:lnTo>
+                  <a:pt x="1222349" y="0"/>
+                </a:lnTo>
+                <a:lnTo>
+                  <a:pt x="1244473" y="14997"/>
+                </a:lnTo>
+                <a:cubicBezTo>
+                  <a:pt x="2271636" y="754641"/>
+                  <a:pt x="2845372" y="2093192"/>
+                  <a:pt x="2845372" y="3621656"/>
+                </a:cubicBezTo>
+                <a:cubicBezTo>
+                  <a:pt x="2845372" y="4969131"/>
+                  <a:pt x="1916647" y="5602839"/>
+                  <a:pt x="971022" y="6374814"/>
+                </a:cubicBezTo>
+                <a:cubicBezTo>
+                  <a:pt x="798819" y="6515397"/>
+                  <a:pt x="628192" y="6653108"/>
+                  <a:pt x="454374" y="6780599"/>
+                </a:cubicBezTo>
+                <a:lnTo>
+                  <a:pt x="342618" y="6858000"/>
+                </a:lnTo>
+                <a:lnTo>
+                  <a:pt x="129116" y="6858000"/>
+                </a:lnTo>
+                <a:lnTo>
+                  <a:pt x="0" y="6858000"/>
+                </a:lnTo>
+                <a:lnTo>
+                  <a:pt x="119401" y="6780599"/>
+                </a:lnTo>
+                <a:cubicBezTo>
+                  <a:pt x="305108" y="6653108"/>
+                  <a:pt x="487407" y="6515397"/>
+                  <a:pt x="671389" y="6374814"/>
+                </a:cubicBezTo>
+                <a:cubicBezTo>
+                  <a:pt x="1681699" y="5602839"/>
+                  <a:pt x="2673952" y="4969131"/>
+                  <a:pt x="2673952" y="3621656"/>
+                </a:cubicBezTo>
+                <a:cubicBezTo>
+                  <a:pt x="2673952" y="2093192"/>
+                  <a:pt x="2060970" y="754641"/>
+                  <a:pt x="963545" y="14997"/>
+                </a:cubicBezTo>
+                <a:close/>
+              </a:path>
+            </a:pathLst>
+          </a:custGeom>
+          <a:solidFill>
+            <a:srgbClr val="FFFFFF">
+              <a:alpha val="60000"/>
+            </a:srgbClr>
+          </a:solidFill>
+          <a:ln>
+            <a:noFill/>
+          </a:ln>
+        </p:spPr>
+        <p:style>
+          <a:lnRef idx="2">
+            <a:schemeClr val="accent1">
+              <a:shade val="50000"/>
+            </a:schemeClr>
+          </a:lnRef>
+          <a:fillRef idx="1">
+            <a:schemeClr val="accent1"/>
+          </a:fillRef>
+          <a:effectRef idx="0">
+            <a:schemeClr val="accent1"/>
+          </a:effectRef>
+          <a:fontRef idx="minor">
+            <a:schemeClr val="lt1"/>
+          </a:fontRef>
+        </p:style>
+        <p:txBody>
+          <a:bodyPr wrap="square" rtlCol="0" anchor="ctr">
+            <a:noAutofit/>
+          </a:bodyPr>
+          <a:lstStyle/>
+          <a:p>
+            <a:pPr algn="ctr"/>
+            <a:endParaRPr lang="en-US" dirty="0"/>
           </a:p>
         </p:txBody>
       </p:sp>
@@ -3393,9 +6394,17 @@
 </p:sld>
 </file>
 
-<file path=ppt/slides/slide2.xml><?xml version="1.0" encoding="utf-8"?>
-<p:sld xmlns:a="http://schemas.openxmlformats.org/drawingml/2006/main" xmlns:p="http://schemas.openxmlformats.org/presentationml/2006/main" xmlns:r="http://schemas.openxmlformats.org/officeDocument/2006/relationships">
+<file path=ppt/slides/slide10.xml><?xml version="1.0" encoding="utf-8"?>
+<p:sld xmlns:a="http://schemas.openxmlformats.org/drawingml/2006/main" xmlns:r="http://schemas.openxmlformats.org/officeDocument/2006/relationships" xmlns:p="http://schemas.openxmlformats.org/presentationml/2006/main">
   <p:cSld>
+    <p:bg>
+      <p:bgPr>
+        <a:solidFill>
+          <a:schemeClr val="bg1"/>
+        </a:solidFill>
+        <a:effectLst/>
+      </p:bgPr>
+    </p:bg>
     <p:spTree>
       <p:nvGrpSpPr>
         <p:cNvPr id="1" name=""/>
@@ -3410,12 +6419,1813 @@
           <a:chExt cx="0" cy="0"/>
         </a:xfrm>
       </p:grpSpPr>
+      <p:sp useBgFill="1">
+        <p:nvSpPr>
+          <p:cNvPr id="9" name="Rectangle 8">
+            <a:extLst>
+              <a:ext uri="{FF2B5EF4-FFF2-40B4-BE49-F238E27FC236}">
+                <a16:creationId xmlns:a16="http://schemas.microsoft.com/office/drawing/2014/main" id="{0E30439A-8A5B-46EC-8283-9B6B031D40D0}"/>
+              </a:ext>
+              <a:ext uri="{C183D7F6-B498-43B3-948B-1728B52AA6E4}">
+                <adec:decorative xmlns:adec="http://schemas.microsoft.com/office/drawing/2017/decorative" val="1"/>
+              </a:ext>
+            </a:extLst>
+          </p:cNvPr>
+          <p:cNvSpPr>
+            <a:spLocks noGrp="1" noRot="1" noChangeAspect="1" noMove="1" noResize="1" noEditPoints="1" noAdjustHandles="1" noChangeArrowheads="1" noChangeShapeType="1" noTextEdit="1"/>
+          </p:cNvSpPr>
+          <p:nvPr>
+            <p:extLst>
+              <p:ext uri="{386F3935-93C4-4BCD-93E2-E3B085C9AB24}">
+                <p16:designElem xmlns:p16="http://schemas.microsoft.com/office/powerpoint/2015/main" val="1"/>
+              </p:ext>
+            </p:extLst>
+          </p:nvPr>
+        </p:nvSpPr>
+        <p:spPr>
+          <a:xfrm>
+            <a:off x="0" y="0"/>
+            <a:ext cx="12192000" cy="6858000"/>
+          </a:xfrm>
+          <a:prstGeom prst="rect">
+            <a:avLst/>
+          </a:prstGeom>
+          <a:ln w="12700" cap="flat" cmpd="sng" algn="ctr">
+            <a:noFill/>
+            <a:prstDash val="solid"/>
+            <a:miter lim="800000"/>
+          </a:ln>
+          <a:effectLst/>
+          <a:extLst>
+            <a:ext uri="{91240B29-F687-4F45-9708-019B960494DF}">
+              <a14:hiddenLine xmlns:a14="http://schemas.microsoft.com/office/drawing/2010/main" w="12700" cap="flat" cmpd="sng" algn="ctr">
+                <a:solidFill>
+                  <a:schemeClr val="accent1">
+                    <a:shade val="50000"/>
+                  </a:schemeClr>
+                </a:solidFill>
+                <a:prstDash val="solid"/>
+                <a:miter lim="800000"/>
+              </a14:hiddenLine>
+            </a:ext>
+          </a:extLst>
+        </p:spPr>
+        <p:style>
+          <a:lnRef idx="2">
+            <a:schemeClr val="accent1">
+              <a:shade val="50000"/>
+            </a:schemeClr>
+          </a:lnRef>
+          <a:fillRef idx="1">
+            <a:schemeClr val="accent1"/>
+          </a:fillRef>
+          <a:effectRef idx="0">
+            <a:schemeClr val="accent1"/>
+          </a:effectRef>
+          <a:fontRef idx="minor">
+            <a:schemeClr val="lt1"/>
+          </a:fontRef>
+        </p:style>
+        <p:txBody>
+          <a:bodyPr rtlCol="0" anchor="ctr"/>
+          <a:lstStyle/>
+          <a:p>
+            <a:pPr algn="ctr"/>
+            <a:endParaRPr lang="en-US"/>
+          </a:p>
+        </p:txBody>
+      </p:sp>
+      <p:sp>
+        <p:nvSpPr>
+          <p:cNvPr id="11" name="Rectangle 10">
+            <a:extLst>
+              <a:ext uri="{FF2B5EF4-FFF2-40B4-BE49-F238E27FC236}">
+                <a16:creationId xmlns:a16="http://schemas.microsoft.com/office/drawing/2014/main" id="{5CEAD642-85CF-4750-8432-7C80C901F001}"/>
+              </a:ext>
+              <a:ext uri="{C183D7F6-B498-43B3-948B-1728B52AA6E4}">
+                <adec:decorative xmlns:adec="http://schemas.microsoft.com/office/drawing/2017/decorative" val="1"/>
+              </a:ext>
+            </a:extLst>
+          </p:cNvPr>
+          <p:cNvSpPr>
+            <a:spLocks noGrp="1" noRot="1" noChangeAspect="1" noMove="1" noResize="1" noEditPoints="1" noAdjustHandles="1" noChangeArrowheads="1" noChangeShapeType="1" noTextEdit="1"/>
+          </p:cNvSpPr>
+          <p:nvPr>
+            <p:extLst>
+              <p:ext uri="{386F3935-93C4-4BCD-93E2-E3B085C9AB24}">
+                <p16:designElem xmlns:p16="http://schemas.microsoft.com/office/powerpoint/2015/main" val="1"/>
+              </p:ext>
+            </p:extLst>
+          </p:nvPr>
+        </p:nvSpPr>
+        <p:spPr>
+          <a:xfrm>
+            <a:off x="0" y="-427"/>
+            <a:ext cx="12192001" cy="6858000"/>
+          </a:xfrm>
+          <a:prstGeom prst="rect">
+            <a:avLst/>
+          </a:prstGeom>
+          <a:gradFill>
+            <a:gsLst>
+              <a:gs pos="0">
+                <a:srgbClr val="000000"/>
+              </a:gs>
+              <a:gs pos="100000">
+                <a:schemeClr val="accent1">
+                  <a:lumMod val="75000"/>
+                </a:schemeClr>
+              </a:gs>
+            </a:gsLst>
+            <a:lin ang="15000000" scaled="0"/>
+          </a:gradFill>
+          <a:ln>
+            <a:noFill/>
+          </a:ln>
+        </p:spPr>
+        <p:style>
+          <a:lnRef idx="2">
+            <a:schemeClr val="accent1">
+              <a:shade val="50000"/>
+            </a:schemeClr>
+          </a:lnRef>
+          <a:fillRef idx="1">
+            <a:schemeClr val="accent1"/>
+          </a:fillRef>
+          <a:effectRef idx="0">
+            <a:schemeClr val="accent1"/>
+          </a:effectRef>
+          <a:fontRef idx="minor">
+            <a:schemeClr val="lt1"/>
+          </a:fontRef>
+        </p:style>
+        <p:txBody>
+          <a:bodyPr rtlCol="0" anchor="ctr"/>
+          <a:lstStyle/>
+          <a:p>
+            <a:pPr algn="ctr"/>
+            <a:endParaRPr lang="en-US"/>
+          </a:p>
+        </p:txBody>
+      </p:sp>
+      <p:sp>
+        <p:nvSpPr>
+          <p:cNvPr id="13" name="Rectangle 12">
+            <a:extLst>
+              <a:ext uri="{FF2B5EF4-FFF2-40B4-BE49-F238E27FC236}">
+                <a16:creationId xmlns:a16="http://schemas.microsoft.com/office/drawing/2014/main" id="{FA33EEAE-15D5-4119-8C1E-89D943F911EF}"/>
+              </a:ext>
+              <a:ext uri="{C183D7F6-B498-43B3-948B-1728B52AA6E4}">
+                <adec:decorative xmlns:adec="http://schemas.microsoft.com/office/drawing/2017/decorative" val="1"/>
+              </a:ext>
+            </a:extLst>
+          </p:cNvPr>
+          <p:cNvSpPr>
+            <a:spLocks noGrp="1" noRot="1" noChangeAspect="1" noMove="1" noResize="1" noEditPoints="1" noAdjustHandles="1" noChangeArrowheads="1" noChangeShapeType="1" noTextEdit="1"/>
+          </p:cNvSpPr>
+          <p:nvPr>
+            <p:extLst>
+              <p:ext uri="{386F3935-93C4-4BCD-93E2-E3B085C9AB24}">
+                <p16:designElem xmlns:p16="http://schemas.microsoft.com/office/powerpoint/2015/main" val="1"/>
+              </p:ext>
+            </p:extLst>
+          </p:nvPr>
+        </p:nvSpPr>
+        <p:spPr>
+          <a:xfrm rot="10800000" flipH="1">
+            <a:off x="455521" y="-1720"/>
+            <a:ext cx="11750040" cy="6840685"/>
+          </a:xfrm>
+          <a:prstGeom prst="rect">
+            <a:avLst/>
+          </a:prstGeom>
+          <a:gradFill>
+            <a:gsLst>
+              <a:gs pos="21000">
+                <a:schemeClr val="accent1">
+                  <a:lumMod val="50000"/>
+                  <a:alpha val="61000"/>
+                </a:schemeClr>
+              </a:gs>
+              <a:gs pos="100000">
+                <a:schemeClr val="accent1">
+                  <a:alpha val="0"/>
+                </a:schemeClr>
+              </a:gs>
+            </a:gsLst>
+            <a:lin ang="21594000" scaled="0"/>
+          </a:gradFill>
+          <a:ln>
+            <a:noFill/>
+          </a:ln>
+        </p:spPr>
+        <p:style>
+          <a:lnRef idx="2">
+            <a:schemeClr val="accent1">
+              <a:shade val="50000"/>
+            </a:schemeClr>
+          </a:lnRef>
+          <a:fillRef idx="1">
+            <a:schemeClr val="accent1"/>
+          </a:fillRef>
+          <a:effectRef idx="0">
+            <a:schemeClr val="accent1"/>
+          </a:effectRef>
+          <a:fontRef idx="minor">
+            <a:schemeClr val="lt1"/>
+          </a:fontRef>
+        </p:style>
+        <p:txBody>
+          <a:bodyPr rtlCol="0" anchor="ctr"/>
+          <a:lstStyle/>
+          <a:p>
+            <a:pPr algn="ctr"/>
+            <a:endParaRPr lang="en-US"/>
+          </a:p>
+        </p:txBody>
+      </p:sp>
+      <p:sp>
+        <p:nvSpPr>
+          <p:cNvPr id="15" name="Rectangle 14">
+            <a:extLst>
+              <a:ext uri="{FF2B5EF4-FFF2-40B4-BE49-F238E27FC236}">
+                <a16:creationId xmlns:a16="http://schemas.microsoft.com/office/drawing/2014/main" id="{730D8B3B-9B80-4025-B934-26DC7D7CD231}"/>
+              </a:ext>
+              <a:ext uri="{C183D7F6-B498-43B3-948B-1728B52AA6E4}">
+                <adec:decorative xmlns:adec="http://schemas.microsoft.com/office/drawing/2017/decorative" val="1"/>
+              </a:ext>
+            </a:extLst>
+          </p:cNvPr>
+          <p:cNvSpPr>
+            <a:spLocks noGrp="1" noRot="1" noChangeAspect="1" noMove="1" noResize="1" noEditPoints="1" noAdjustHandles="1" noChangeArrowheads="1" noChangeShapeType="1" noTextEdit="1"/>
+          </p:cNvSpPr>
+          <p:nvPr>
+            <p:extLst>
+              <p:ext uri="{386F3935-93C4-4BCD-93E2-E3B085C9AB24}">
+                <p16:designElem xmlns:p16="http://schemas.microsoft.com/office/powerpoint/2015/main" val="1"/>
+              </p:ext>
+            </p:extLst>
+          </p:nvPr>
+        </p:nvSpPr>
+        <p:spPr>
+          <a:xfrm>
+            <a:off x="8606054" y="-1291"/>
+            <a:ext cx="3608179" cy="6858864"/>
+          </a:xfrm>
+          <a:prstGeom prst="rect">
+            <a:avLst/>
+          </a:prstGeom>
+          <a:gradFill>
+            <a:gsLst>
+              <a:gs pos="0">
+                <a:schemeClr val="accent1">
+                  <a:lumMod val="75000"/>
+                  <a:alpha val="0"/>
+                </a:schemeClr>
+              </a:gs>
+              <a:gs pos="99000">
+                <a:srgbClr val="000000">
+                  <a:alpha val="41000"/>
+                </a:srgbClr>
+              </a:gs>
+            </a:gsLst>
+            <a:lin ang="16200000" scaled="0"/>
+          </a:gradFill>
+          <a:ln>
+            <a:noFill/>
+          </a:ln>
+        </p:spPr>
+        <p:style>
+          <a:lnRef idx="2">
+            <a:schemeClr val="accent1">
+              <a:shade val="50000"/>
+            </a:schemeClr>
+          </a:lnRef>
+          <a:fillRef idx="1">
+            <a:schemeClr val="accent1"/>
+          </a:fillRef>
+          <a:effectRef idx="0">
+            <a:schemeClr val="accent1"/>
+          </a:effectRef>
+          <a:fontRef idx="minor">
+            <a:schemeClr val="lt1"/>
+          </a:fontRef>
+        </p:style>
+        <p:txBody>
+          <a:bodyPr rtlCol="0" anchor="ctr"/>
+          <a:lstStyle/>
+          <a:p>
+            <a:pPr algn="ctr"/>
+            <a:endParaRPr lang="en-US"/>
+          </a:p>
+        </p:txBody>
+      </p:sp>
+      <p:sp>
+        <p:nvSpPr>
+          <p:cNvPr id="17" name="Oval 16">
+            <a:extLst>
+              <a:ext uri="{FF2B5EF4-FFF2-40B4-BE49-F238E27FC236}">
+                <a16:creationId xmlns:a16="http://schemas.microsoft.com/office/drawing/2014/main" id="{B5A1B09C-1565-46F8-B70F-621C5EB48A09}"/>
+              </a:ext>
+              <a:ext uri="{C183D7F6-B498-43B3-948B-1728B52AA6E4}">
+                <adec:decorative xmlns:adec="http://schemas.microsoft.com/office/drawing/2017/decorative" val="1"/>
+              </a:ext>
+            </a:extLst>
+          </p:cNvPr>
+          <p:cNvSpPr>
+            <a:spLocks noGrp="1" noRot="1" noChangeAspect="1" noMove="1" noResize="1" noEditPoints="1" noAdjustHandles="1" noChangeArrowheads="1" noChangeShapeType="1" noTextEdit="1"/>
+          </p:cNvSpPr>
+          <p:nvPr>
+            <p:extLst>
+              <p:ext uri="{386F3935-93C4-4BCD-93E2-E3B085C9AB24}">
+                <p16:designElem xmlns:p16="http://schemas.microsoft.com/office/powerpoint/2015/main" val="1"/>
+              </p:ext>
+            </p:extLst>
+          </p:nvPr>
+        </p:nvSpPr>
+        <p:spPr>
+          <a:xfrm rot="15274173">
+            <a:off x="6059728" y="779270"/>
+            <a:ext cx="4967533" cy="4988390"/>
+          </a:xfrm>
+          <a:prstGeom prst="ellipse">
+            <a:avLst/>
+          </a:prstGeom>
+          <a:gradFill>
+            <a:gsLst>
+              <a:gs pos="0">
+                <a:schemeClr val="accent1">
+                  <a:alpha val="24000"/>
+                </a:schemeClr>
+              </a:gs>
+              <a:gs pos="79000">
+                <a:schemeClr val="accent1">
+                  <a:lumMod val="60000"/>
+                  <a:lumOff val="40000"/>
+                  <a:alpha val="0"/>
+                </a:schemeClr>
+              </a:gs>
+            </a:gsLst>
+            <a:lin ang="14400000" scaled="0"/>
+          </a:gradFill>
+          <a:ln>
+            <a:noFill/>
+          </a:ln>
+        </p:spPr>
+        <p:style>
+          <a:lnRef idx="2">
+            <a:schemeClr val="accent1">
+              <a:shade val="50000"/>
+            </a:schemeClr>
+          </a:lnRef>
+          <a:fillRef idx="1">
+            <a:schemeClr val="accent1"/>
+          </a:fillRef>
+          <a:effectRef idx="0">
+            <a:schemeClr val="accent1"/>
+          </a:effectRef>
+          <a:fontRef idx="minor">
+            <a:schemeClr val="lt1"/>
+          </a:fontRef>
+        </p:style>
+        <p:txBody>
+          <a:bodyPr rtlCol="0" anchor="ctr"/>
+          <a:lstStyle/>
+          <a:p>
+            <a:pPr algn="ctr"/>
+            <a:endParaRPr lang="en-US" dirty="0"/>
+          </a:p>
+        </p:txBody>
+      </p:sp>
+      <p:sp>
+        <p:nvSpPr>
+          <p:cNvPr id="2" name="Title 1">
+            <a:extLst>
+              <a:ext uri="{FF2B5EF4-FFF2-40B4-BE49-F238E27FC236}">
+                <a16:creationId xmlns:a16="http://schemas.microsoft.com/office/drawing/2014/main" id="{FEF8E3FF-63BB-ACDD-CFE8-BF11C90C0EB4}"/>
+              </a:ext>
+            </a:extLst>
+          </p:cNvPr>
+          <p:cNvSpPr>
+            <a:spLocks noGrp="1"/>
+          </p:cNvSpPr>
+          <p:nvPr>
+            <p:ph type="title"/>
+          </p:nvPr>
+        </p:nvSpPr>
+        <p:spPr>
+          <a:xfrm>
+            <a:off x="685801" y="371476"/>
+            <a:ext cx="10496550" cy="1295400"/>
+          </a:xfrm>
+        </p:spPr>
+        <p:txBody>
+          <a:bodyPr vert="horz" lIns="91440" tIns="45720" rIns="91440" bIns="45720" rtlCol="0" anchor="b">
+            <a:normAutofit/>
+          </a:bodyPr>
+          <a:lstStyle/>
+          <a:p>
+            <a:pPr algn="ctr"/>
+            <a:r>
+              <a:rPr lang="en-US" sz="4800" kern="1200" dirty="0">
+                <a:solidFill>
+                  <a:srgbClr val="FFFFFF"/>
+                </a:solidFill>
+                <a:latin typeface="+mj-lt"/>
+                <a:ea typeface="+mj-ea"/>
+                <a:cs typeface="+mj-cs"/>
+              </a:rPr>
+              <a:t>How can we elevate overfishing?</a:t>
+            </a:r>
+          </a:p>
+        </p:txBody>
+      </p:sp>
+      <p:sp>
+        <p:nvSpPr>
+          <p:cNvPr id="19" name="Rectangle 18">
+            <a:extLst>
+              <a:ext uri="{FF2B5EF4-FFF2-40B4-BE49-F238E27FC236}">
+                <a16:creationId xmlns:a16="http://schemas.microsoft.com/office/drawing/2014/main" id="{8C516CC8-80AC-446C-A56E-9F54B7210402}"/>
+              </a:ext>
+              <a:ext uri="{C183D7F6-B498-43B3-948B-1728B52AA6E4}">
+                <adec:decorative xmlns:adec="http://schemas.microsoft.com/office/drawing/2017/decorative" val="1"/>
+              </a:ext>
+            </a:extLst>
+          </p:cNvPr>
+          <p:cNvSpPr>
+            <a:spLocks noGrp="1" noRot="1" noChangeAspect="1" noMove="1" noResize="1" noEditPoints="1" noAdjustHandles="1" noChangeArrowheads="1" noChangeShapeType="1" noTextEdit="1"/>
+          </p:cNvSpPr>
+          <p:nvPr>
+            <p:extLst>
+              <p:ext uri="{386F3935-93C4-4BCD-93E2-E3B085C9AB24}">
+                <p16:designElem xmlns:p16="http://schemas.microsoft.com/office/powerpoint/2015/main" val="1"/>
+              </p:ext>
+            </p:extLst>
+          </p:nvPr>
+        </p:nvSpPr>
+        <p:spPr>
+          <a:xfrm rot="10800000" flipH="1">
+            <a:off x="6314" y="4480038"/>
+            <a:ext cx="12179371" cy="2377962"/>
+          </a:xfrm>
+          <a:prstGeom prst="rect">
+            <a:avLst/>
+          </a:prstGeom>
+          <a:gradFill>
+            <a:gsLst>
+              <a:gs pos="0">
+                <a:schemeClr val="accent1">
+                  <a:lumMod val="75000"/>
+                  <a:alpha val="50000"/>
+                </a:schemeClr>
+              </a:gs>
+              <a:gs pos="99000">
+                <a:srgbClr val="000000">
+                  <a:alpha val="34000"/>
+                </a:srgbClr>
+              </a:gs>
+            </a:gsLst>
+            <a:lin ang="17400000" scaled="0"/>
+          </a:gradFill>
+          <a:ln>
+            <a:noFill/>
+          </a:ln>
+        </p:spPr>
+        <p:style>
+          <a:lnRef idx="2">
+            <a:schemeClr val="accent1">
+              <a:shade val="50000"/>
+            </a:schemeClr>
+          </a:lnRef>
+          <a:fillRef idx="1">
+            <a:schemeClr val="accent1"/>
+          </a:fillRef>
+          <a:effectRef idx="0">
+            <a:schemeClr val="accent1"/>
+          </a:effectRef>
+          <a:fontRef idx="minor">
+            <a:schemeClr val="lt1"/>
+          </a:fontRef>
+        </p:style>
+        <p:txBody>
+          <a:bodyPr rtlCol="0" anchor="ctr"/>
+          <a:lstStyle/>
+          <a:p>
+            <a:pPr algn="ctr"/>
+            <a:endParaRPr lang="en-US"/>
+          </a:p>
+        </p:txBody>
+      </p:sp>
+      <p:sp>
+        <p:nvSpPr>
+          <p:cNvPr id="4" name="Text Placeholder 3">
+            <a:extLst>
+              <a:ext uri="{FF2B5EF4-FFF2-40B4-BE49-F238E27FC236}">
+                <a16:creationId xmlns:a16="http://schemas.microsoft.com/office/drawing/2014/main" id="{CD9081F7-AED2-8120-2348-5D3338D3B5A4}"/>
+              </a:ext>
+            </a:extLst>
+          </p:cNvPr>
+          <p:cNvSpPr>
+            <a:spLocks noGrp="1"/>
+          </p:cNvSpPr>
+          <p:nvPr>
+            <p:ph type="body" idx="1"/>
+          </p:nvPr>
+        </p:nvSpPr>
+        <p:spPr>
+          <a:xfrm>
+            <a:off x="1457864" y="2176794"/>
+            <a:ext cx="9135374" cy="3050814"/>
+          </a:xfrm>
+        </p:spPr>
+        <p:txBody>
+          <a:bodyPr vert="horz" lIns="91440" tIns="45720" rIns="91440" bIns="45720" rtlCol="0">
+            <a:normAutofit fontScale="77500" lnSpcReduction="20000"/>
+          </a:bodyPr>
+          <a:lstStyle/>
+          <a:p>
+            <a:pPr>
+              <a:lnSpc>
+                <a:spcPct val="100000"/>
+              </a:lnSpc>
+            </a:pPr>
+            <a:r>
+              <a:rPr lang="en-US" sz="1900" dirty="0">
+                <a:solidFill>
+                  <a:schemeClr val="bg1"/>
+                </a:solidFill>
+                <a:effectLst/>
+                <a:latin typeface="Calibri Light" panose="020F0302020204030204" pitchFamily="34" charset="0"/>
+                <a:ea typeface="Calibri Light" panose="020F0302020204030204" pitchFamily="34" charset="0"/>
+                <a:cs typeface="Calibri Light" panose="020F0302020204030204" pitchFamily="34" charset="0"/>
+              </a:rPr>
+              <a:t>As we can see overfishing not only threatens the oceans, devastates eco systems and leaves the livelihood of fisherman and community's that rely on fish for food and economics devasted.</a:t>
+            </a:r>
+          </a:p>
+          <a:p>
+            <a:pPr>
+              <a:lnSpc>
+                <a:spcPct val="100000"/>
+              </a:lnSpc>
+            </a:pPr>
+            <a:endParaRPr lang="en-US" sz="1900" b="0" i="0" dirty="0">
+              <a:solidFill>
+                <a:schemeClr val="bg1">
+                  <a:lumMod val="95000"/>
+                </a:schemeClr>
+              </a:solidFill>
+              <a:effectLst/>
+              <a:latin typeface="Calibri Light" panose="020F0302020204030204" pitchFamily="34" charset="0"/>
+              <a:ea typeface="Calibri Light" panose="020F0302020204030204" pitchFamily="34" charset="0"/>
+              <a:cs typeface="Calibri Light" panose="020F0302020204030204" pitchFamily="34" charset="0"/>
+            </a:endParaRPr>
+          </a:p>
+          <a:p>
+            <a:pPr marL="342900" marR="0" lvl="0" indent="-342900">
+              <a:lnSpc>
+                <a:spcPct val="115000"/>
+              </a:lnSpc>
+              <a:spcBef>
+                <a:spcPts val="0"/>
+              </a:spcBef>
+              <a:spcAft>
+                <a:spcPts val="0"/>
+              </a:spcAft>
+              <a:buFont typeface="Arial" panose="020B0604020202020204" pitchFamily="34" charset="0"/>
+              <a:buChar char="●"/>
+            </a:pPr>
+            <a:r>
+              <a:rPr lang="en-US" sz="1800" u="none" strike="noStrike" dirty="0">
+                <a:solidFill>
+                  <a:schemeClr val="bg1"/>
+                </a:solidFill>
+                <a:effectLst/>
+                <a:latin typeface="Calibri Light" panose="020F0302020204030204" pitchFamily="34" charset="0"/>
+                <a:ea typeface="Calibri Light" panose="020F0302020204030204" pitchFamily="34" charset="0"/>
+                <a:cs typeface="Calibri Light" panose="020F0302020204030204" pitchFamily="34" charset="0"/>
+              </a:rPr>
+              <a:t>Annual catch limit</a:t>
+            </a:r>
+          </a:p>
+          <a:p>
+            <a:pPr marL="342900" marR="0" lvl="0" indent="-342900">
+              <a:lnSpc>
+                <a:spcPct val="115000"/>
+              </a:lnSpc>
+              <a:spcBef>
+                <a:spcPts val="0"/>
+              </a:spcBef>
+              <a:spcAft>
+                <a:spcPts val="0"/>
+              </a:spcAft>
+              <a:buFont typeface="Arial" panose="020B0604020202020204" pitchFamily="34" charset="0"/>
+              <a:buChar char="●"/>
+            </a:pPr>
+            <a:r>
+              <a:rPr lang="en-US" sz="1800" u="none" strike="noStrike" dirty="0">
+                <a:solidFill>
+                  <a:schemeClr val="bg1"/>
+                </a:solidFill>
+                <a:effectLst/>
+                <a:latin typeface="Calibri Light" panose="020F0302020204030204" pitchFamily="34" charset="0"/>
+                <a:ea typeface="Calibri Light" panose="020F0302020204030204" pitchFamily="34" charset="0"/>
+                <a:cs typeface="Calibri Light" panose="020F0302020204030204" pitchFamily="34" charset="0"/>
+              </a:rPr>
+              <a:t>Sustainable practices such as aquaculture:</a:t>
+            </a:r>
+          </a:p>
+          <a:p>
+            <a:pPr marL="457200" marR="0">
+              <a:lnSpc>
+                <a:spcPct val="115000"/>
+              </a:lnSpc>
+              <a:spcBef>
+                <a:spcPts val="0"/>
+              </a:spcBef>
+              <a:spcAft>
+                <a:spcPts val="0"/>
+              </a:spcAft>
+            </a:pPr>
+            <a:r>
+              <a:rPr lang="en-US" sz="1800" i="1" dirty="0">
+                <a:solidFill>
+                  <a:schemeClr val="bg1"/>
+                </a:solidFill>
+                <a:effectLst/>
+                <a:latin typeface="Calibri Light" panose="020F0302020204030204" pitchFamily="34" charset="0"/>
+                <a:ea typeface="Calibri Light" panose="020F0302020204030204" pitchFamily="34" charset="0"/>
+                <a:cs typeface="Calibri Light" panose="020F0302020204030204" pitchFamily="34" charset="0"/>
+              </a:rPr>
+              <a:t>U.S. aquaculture is an environmentally responsible source of food and commercial products, helps to create healthier habitats, and is used to rebuild stocks of threatened or endangered species.</a:t>
+            </a:r>
+            <a:endParaRPr lang="en-US" sz="1800" dirty="0">
+              <a:solidFill>
+                <a:schemeClr val="bg1"/>
+              </a:solidFill>
+              <a:effectLst/>
+              <a:latin typeface="Calibri Light" panose="020F0302020204030204" pitchFamily="34" charset="0"/>
+              <a:ea typeface="Calibri Light" panose="020F0302020204030204" pitchFamily="34" charset="0"/>
+              <a:cs typeface="Calibri Light" panose="020F0302020204030204" pitchFamily="34" charset="0"/>
+            </a:endParaRPr>
+          </a:p>
+          <a:p>
+            <a:pPr marL="342900" marR="0" lvl="0" indent="-342900">
+              <a:lnSpc>
+                <a:spcPct val="115000"/>
+              </a:lnSpc>
+              <a:spcBef>
+                <a:spcPts val="0"/>
+              </a:spcBef>
+              <a:spcAft>
+                <a:spcPts val="0"/>
+              </a:spcAft>
+              <a:buFont typeface="Arial" panose="020B0604020202020204" pitchFamily="34" charset="0"/>
+              <a:buChar char="●"/>
+            </a:pPr>
+            <a:r>
+              <a:rPr lang="en-US" sz="1800" u="none" strike="noStrike" dirty="0">
+                <a:solidFill>
+                  <a:schemeClr val="bg1"/>
+                </a:solidFill>
+                <a:effectLst/>
+                <a:latin typeface="Calibri Light" panose="020F0302020204030204" pitchFamily="34" charset="0"/>
+                <a:ea typeface="Calibri Light" panose="020F0302020204030204" pitchFamily="34" charset="0"/>
+                <a:cs typeface="Calibri Light" panose="020F0302020204030204" pitchFamily="34" charset="0"/>
+              </a:rPr>
+              <a:t>Traceability standards</a:t>
+            </a:r>
+          </a:p>
+          <a:p>
+            <a:pPr marL="342900" marR="0" lvl="0" indent="-342900">
+              <a:lnSpc>
+                <a:spcPct val="115000"/>
+              </a:lnSpc>
+              <a:spcBef>
+                <a:spcPts val="0"/>
+              </a:spcBef>
+              <a:spcAft>
+                <a:spcPts val="0"/>
+              </a:spcAft>
+              <a:buFont typeface="Arial" panose="020B0604020202020204" pitchFamily="34" charset="0"/>
+              <a:buChar char="●"/>
+            </a:pPr>
+            <a:r>
+              <a:rPr lang="en-US" sz="1800" u="none" strike="noStrike" dirty="0">
+                <a:solidFill>
+                  <a:schemeClr val="bg1"/>
+                </a:solidFill>
+                <a:effectLst/>
+                <a:latin typeface="Calibri Light" panose="020F0302020204030204" pitchFamily="34" charset="0"/>
+                <a:ea typeface="Calibri Light" panose="020F0302020204030204" pitchFamily="34" charset="0"/>
+                <a:cs typeface="Calibri Light" panose="020F0302020204030204" pitchFamily="34" charset="0"/>
+              </a:rPr>
+              <a:t>Protecting essential predator species</a:t>
+            </a:r>
+          </a:p>
+          <a:p>
+            <a:pPr marL="342900" marR="0" lvl="0" indent="-342900">
+              <a:lnSpc>
+                <a:spcPct val="115000"/>
+              </a:lnSpc>
+              <a:spcBef>
+                <a:spcPts val="0"/>
+              </a:spcBef>
+              <a:spcAft>
+                <a:spcPts val="0"/>
+              </a:spcAft>
+              <a:buFont typeface="Arial" panose="020B0604020202020204" pitchFamily="34" charset="0"/>
+              <a:buChar char="●"/>
+            </a:pPr>
+            <a:r>
+              <a:rPr lang="en-US" sz="1800" u="none" strike="noStrike" dirty="0">
+                <a:solidFill>
+                  <a:schemeClr val="bg1"/>
+                </a:solidFill>
+                <a:effectLst/>
+                <a:latin typeface="Calibri Light" panose="020F0302020204030204" pitchFamily="34" charset="0"/>
+                <a:ea typeface="Calibri Light" panose="020F0302020204030204" pitchFamily="34" charset="0"/>
+                <a:cs typeface="Calibri Light" panose="020F0302020204030204" pitchFamily="34" charset="0"/>
+              </a:rPr>
+              <a:t>Fishing subsidy and agricultural investment reform </a:t>
+            </a:r>
+          </a:p>
+          <a:p>
+            <a:pPr marL="342900" marR="0" lvl="0" indent="-342900">
+              <a:lnSpc>
+                <a:spcPct val="115000"/>
+              </a:lnSpc>
+              <a:spcBef>
+                <a:spcPts val="0"/>
+              </a:spcBef>
+              <a:spcAft>
+                <a:spcPts val="0"/>
+              </a:spcAft>
+              <a:buFont typeface="Arial" panose="020B0604020202020204" pitchFamily="34" charset="0"/>
+              <a:buChar char="●"/>
+            </a:pPr>
+            <a:r>
+              <a:rPr lang="en-US" sz="1800" u="none" strike="noStrike" dirty="0">
+                <a:solidFill>
+                  <a:schemeClr val="bg1"/>
+                </a:solidFill>
+                <a:effectLst/>
+                <a:latin typeface="Calibri Light" panose="020F0302020204030204" pitchFamily="34" charset="0"/>
+                <a:ea typeface="Calibri Light" panose="020F0302020204030204" pitchFamily="34" charset="0"/>
+                <a:cs typeface="Calibri Light" panose="020F0302020204030204" pitchFamily="34" charset="0"/>
+              </a:rPr>
+              <a:t>Continued enforcement of the Magnuson-Stevens Act, The Endangered Species act, </a:t>
+            </a:r>
+          </a:p>
+          <a:p>
+            <a:pPr marL="342900" marR="0" lvl="0" indent="-342900">
+              <a:lnSpc>
+                <a:spcPct val="115000"/>
+              </a:lnSpc>
+              <a:spcBef>
+                <a:spcPts val="0"/>
+              </a:spcBef>
+              <a:spcAft>
+                <a:spcPts val="0"/>
+              </a:spcAft>
+              <a:buFont typeface="Arial" panose="020B0604020202020204" pitchFamily="34" charset="0"/>
+              <a:buChar char="●"/>
+            </a:pPr>
+            <a:r>
+              <a:rPr lang="en-US" sz="1800" u="none" strike="noStrike" dirty="0">
+                <a:solidFill>
+                  <a:schemeClr val="bg1"/>
+                </a:solidFill>
+                <a:effectLst/>
+                <a:latin typeface="Calibri Light" panose="020F0302020204030204" pitchFamily="34" charset="0"/>
+                <a:ea typeface="Calibri Light" panose="020F0302020204030204" pitchFamily="34" charset="0"/>
+                <a:cs typeface="Calibri Light" panose="020F0302020204030204" pitchFamily="34" charset="0"/>
+              </a:rPr>
+              <a:t>Marine Mammal Protection Act.</a:t>
+            </a:r>
+          </a:p>
+          <a:p>
+            <a:pPr algn="r">
+              <a:lnSpc>
+                <a:spcPct val="100000"/>
+              </a:lnSpc>
+            </a:pPr>
+            <a:r>
+              <a:rPr lang="en-US" dirty="0">
+                <a:solidFill>
+                  <a:srgbClr val="0E0E0E"/>
+                </a:solidFill>
+                <a:latin typeface="Raleway" pitchFamily="2" charset="0"/>
+                <a:ea typeface="Calibri Light" panose="020F0302020204030204" pitchFamily="34" charset="0"/>
+                <a:cs typeface="Calibri Light" panose="020F0302020204030204" pitchFamily="34" charset="0"/>
+              </a:rPr>
+              <a:t>.</a:t>
+            </a:r>
+          </a:p>
+          <a:p>
+            <a:pPr algn="r">
+              <a:lnSpc>
+                <a:spcPct val="100000"/>
+              </a:lnSpc>
+            </a:pPr>
+            <a:endParaRPr lang="en-US" dirty="0">
+              <a:solidFill>
+                <a:srgbClr val="0E0E0E"/>
+              </a:solidFill>
+              <a:latin typeface="Raleway" pitchFamily="2" charset="0"/>
+              <a:ea typeface="Calibri Light" panose="020F0302020204030204" pitchFamily="34" charset="0"/>
+              <a:cs typeface="Calibri Light" panose="020F0302020204030204" pitchFamily="34" charset="0"/>
+            </a:endParaRPr>
+          </a:p>
+          <a:p>
+            <a:pPr algn="r"/>
+            <a:endParaRPr lang="en-US" sz="2400" kern="1200" dirty="0">
+              <a:solidFill>
+                <a:schemeClr val="bg1"/>
+              </a:solidFill>
+              <a:latin typeface="Raleway" pitchFamily="2" charset="0"/>
+              <a:ea typeface="Calibri Light" panose="020F0302020204030204" pitchFamily="34" charset="0"/>
+              <a:cs typeface="Calibri Light" panose="020F0302020204030204" pitchFamily="34" charset="0"/>
+            </a:endParaRPr>
+          </a:p>
+          <a:p>
+            <a:pPr algn="r"/>
+            <a:endParaRPr lang="en-US" sz="2400" kern="1200" dirty="0">
+              <a:solidFill>
+                <a:srgbClr val="FFFFFF"/>
+              </a:solidFill>
+              <a:latin typeface="+mn-lt"/>
+              <a:ea typeface="+mn-ea"/>
+              <a:cs typeface="+mn-cs"/>
+            </a:endParaRPr>
+          </a:p>
+        </p:txBody>
+      </p:sp>
+      <p:sp>
+        <p:nvSpPr>
+          <p:cNvPr id="21" name="Rectangle 20">
+            <a:extLst>
+              <a:ext uri="{FF2B5EF4-FFF2-40B4-BE49-F238E27FC236}">
+                <a16:creationId xmlns:a16="http://schemas.microsoft.com/office/drawing/2014/main" id="{53947E58-F088-49F1-A3D1-DEA690192E84}"/>
+              </a:ext>
+              <a:ext uri="{C183D7F6-B498-43B3-948B-1728B52AA6E4}">
+                <adec:decorative xmlns:adec="http://schemas.microsoft.com/office/drawing/2017/decorative" val="1"/>
+              </a:ext>
+            </a:extLst>
+          </p:cNvPr>
+          <p:cNvSpPr>
+            <a:spLocks noGrp="1" noRot="1" noChangeAspect="1" noMove="1" noResize="1" noEditPoints="1" noAdjustHandles="1" noChangeArrowheads="1" noChangeShapeType="1" noTextEdit="1"/>
+          </p:cNvSpPr>
+          <p:nvPr>
+            <p:extLst>
+              <p:ext uri="{386F3935-93C4-4BCD-93E2-E3B085C9AB24}">
+                <p16:designElem xmlns:p16="http://schemas.microsoft.com/office/powerpoint/2015/main" val="1"/>
+              </p:ext>
+            </p:extLst>
+          </p:nvPr>
+        </p:nvSpPr>
+        <p:spPr>
+          <a:xfrm rot="16200000" flipH="1">
+            <a:off x="6967085" y="1632660"/>
+            <a:ext cx="6857572" cy="3592258"/>
+          </a:xfrm>
+          <a:prstGeom prst="rect">
+            <a:avLst/>
+          </a:prstGeom>
+          <a:gradFill>
+            <a:gsLst>
+              <a:gs pos="0">
+                <a:schemeClr val="accent1">
+                  <a:lumMod val="75000"/>
+                  <a:alpha val="50000"/>
+                </a:schemeClr>
+              </a:gs>
+              <a:gs pos="99000">
+                <a:srgbClr val="000000">
+                  <a:alpha val="0"/>
+                </a:srgbClr>
+              </a:gs>
+            </a:gsLst>
+            <a:lin ang="15600000" scaled="0"/>
+          </a:gradFill>
+          <a:ln>
+            <a:noFill/>
+          </a:ln>
+        </p:spPr>
+        <p:style>
+          <a:lnRef idx="2">
+            <a:schemeClr val="accent1">
+              <a:shade val="50000"/>
+            </a:schemeClr>
+          </a:lnRef>
+          <a:fillRef idx="1">
+            <a:schemeClr val="accent1"/>
+          </a:fillRef>
+          <a:effectRef idx="0">
+            <a:schemeClr val="accent1"/>
+          </a:effectRef>
+          <a:fontRef idx="minor">
+            <a:schemeClr val="lt1"/>
+          </a:fontRef>
+        </p:style>
+        <p:txBody>
+          <a:bodyPr rtlCol="0" anchor="ctr"/>
+          <a:lstStyle/>
+          <a:p>
+            <a:pPr algn="ctr"/>
+            <a:endParaRPr lang="en-US"/>
+          </a:p>
+        </p:txBody>
+      </p:sp>
+    </p:spTree>
+    <p:extLst>
+      <p:ext uri="{BB962C8B-B14F-4D97-AF65-F5344CB8AC3E}">
+        <p14:creationId xmlns:p14="http://schemas.microsoft.com/office/powerpoint/2010/main" val="343657440"/>
+      </p:ext>
+    </p:extLst>
+  </p:cSld>
+  <p:clrMapOvr>
+    <a:masterClrMapping/>
+  </p:clrMapOvr>
+</p:sld>
+</file>
+
+<file path=ppt/slides/slide2.xml><?xml version="1.0" encoding="utf-8"?>
+<p:sld xmlns:a="http://schemas.openxmlformats.org/drawingml/2006/main" xmlns:r="http://schemas.openxmlformats.org/officeDocument/2006/relationships" xmlns:p="http://schemas.openxmlformats.org/presentationml/2006/main">
+  <p:cSld>
+    <p:bg>
+      <p:bgPr>
+        <a:solidFill>
+          <a:schemeClr val="bg1"/>
+        </a:solidFill>
+        <a:effectLst/>
+      </p:bgPr>
+    </p:bg>
+    <p:spTree>
+      <p:nvGrpSpPr>
+        <p:cNvPr id="1" name=""/>
+        <p:cNvGrpSpPr/>
+        <p:nvPr/>
+      </p:nvGrpSpPr>
+      <p:grpSpPr>
+        <a:xfrm>
+          <a:off x="0" y="0"/>
+          <a:ext cx="0" cy="0"/>
+          <a:chOff x="0" y="0"/>
+          <a:chExt cx="0" cy="0"/>
+        </a:xfrm>
+      </p:grpSpPr>
+      <p:sp useBgFill="1">
+        <p:nvSpPr>
+          <p:cNvPr id="39" name="Rectangle 14">
+            <a:extLst>
+              <a:ext uri="{FF2B5EF4-FFF2-40B4-BE49-F238E27FC236}">
+                <a16:creationId xmlns:a16="http://schemas.microsoft.com/office/drawing/2014/main" id="{9203DE33-2CD4-4CA8-9AF3-37C3B65133B0}"/>
+              </a:ext>
+              <a:ext uri="{C183D7F6-B498-43B3-948B-1728B52AA6E4}">
+                <adec:decorative xmlns:adec="http://schemas.microsoft.com/office/drawing/2017/decorative" val="1"/>
+              </a:ext>
+            </a:extLst>
+          </p:cNvPr>
+          <p:cNvSpPr>
+            <a:spLocks noGrp="1" noRot="1" noChangeAspect="1" noMove="1" noResize="1" noEditPoints="1" noAdjustHandles="1" noChangeArrowheads="1" noChangeShapeType="1" noTextEdit="1"/>
+          </p:cNvSpPr>
+          <p:nvPr>
+            <p:extLst>
+              <p:ext uri="{386F3935-93C4-4BCD-93E2-E3B085C9AB24}">
+                <p16:designElem xmlns:p16="http://schemas.microsoft.com/office/powerpoint/2015/main" val="1"/>
+              </p:ext>
+            </p:extLst>
+          </p:nvPr>
+        </p:nvSpPr>
+        <p:spPr>
+          <a:xfrm>
+            <a:off x="0" y="2"/>
+            <a:ext cx="12192000" cy="6857997"/>
+          </a:xfrm>
+          <a:prstGeom prst="rect">
+            <a:avLst/>
+          </a:prstGeom>
+          <a:ln>
+            <a:noFill/>
+          </a:ln>
+        </p:spPr>
+        <p:style>
+          <a:lnRef idx="2">
+            <a:schemeClr val="accent1">
+              <a:shade val="50000"/>
+            </a:schemeClr>
+          </a:lnRef>
+          <a:fillRef idx="1">
+            <a:schemeClr val="accent1"/>
+          </a:fillRef>
+          <a:effectRef idx="0">
+            <a:schemeClr val="accent1"/>
+          </a:effectRef>
+          <a:fontRef idx="minor">
+            <a:schemeClr val="lt1"/>
+          </a:fontRef>
+        </p:style>
+        <p:txBody>
+          <a:bodyPr rtlCol="0" anchor="ctr"/>
+          <a:lstStyle/>
+          <a:p>
+            <a:pPr algn="ctr"/>
+            <a:endParaRPr lang="en-US"/>
+          </a:p>
+        </p:txBody>
+      </p:sp>
+      <p:sp>
+        <p:nvSpPr>
+          <p:cNvPr id="40" name="Rectangle 16">
+            <a:extLst>
+              <a:ext uri="{FF2B5EF4-FFF2-40B4-BE49-F238E27FC236}">
+                <a16:creationId xmlns:a16="http://schemas.microsoft.com/office/drawing/2014/main" id="{0AF57B88-1D4C-41FA-A761-EC1DD10C35CB}"/>
+              </a:ext>
+              <a:ext uri="{C183D7F6-B498-43B3-948B-1728B52AA6E4}">
+                <adec:decorative xmlns:adec="http://schemas.microsoft.com/office/drawing/2017/decorative" val="1"/>
+              </a:ext>
+            </a:extLst>
+          </p:cNvPr>
+          <p:cNvSpPr>
+            <a:spLocks noGrp="1" noRot="1" noChangeAspect="1" noMove="1" noResize="1" noEditPoints="1" noAdjustHandles="1" noChangeArrowheads="1" noChangeShapeType="1" noTextEdit="1"/>
+          </p:cNvSpPr>
+          <p:nvPr>
+            <p:extLst>
+              <p:ext uri="{386F3935-93C4-4BCD-93E2-E3B085C9AB24}">
+                <p16:designElem xmlns:p16="http://schemas.microsoft.com/office/powerpoint/2015/main" val="1"/>
+              </p:ext>
+            </p:extLst>
+          </p:nvPr>
+        </p:nvSpPr>
+        <p:spPr>
+          <a:xfrm rot="5400000" flipH="1">
+            <a:off x="-1417539" y="1417538"/>
+            <a:ext cx="6875818" cy="4040744"/>
+          </a:xfrm>
+          <a:prstGeom prst="rect">
+            <a:avLst/>
+          </a:prstGeom>
+          <a:gradFill>
+            <a:gsLst>
+              <a:gs pos="11000">
+                <a:srgbClr val="000000"/>
+              </a:gs>
+              <a:gs pos="100000">
+                <a:schemeClr val="accent1">
+                  <a:lumMod val="75000"/>
+                </a:schemeClr>
+              </a:gs>
+            </a:gsLst>
+            <a:lin ang="18600000" scaled="0"/>
+          </a:gradFill>
+          <a:ln>
+            <a:noFill/>
+          </a:ln>
+        </p:spPr>
+        <p:style>
+          <a:lnRef idx="2">
+            <a:schemeClr val="accent1">
+              <a:shade val="50000"/>
+            </a:schemeClr>
+          </a:lnRef>
+          <a:fillRef idx="1">
+            <a:schemeClr val="accent1"/>
+          </a:fillRef>
+          <a:effectRef idx="0">
+            <a:schemeClr val="accent1"/>
+          </a:effectRef>
+          <a:fontRef idx="minor">
+            <a:schemeClr val="lt1"/>
+          </a:fontRef>
+        </p:style>
+        <p:txBody>
+          <a:bodyPr rtlCol="0" anchor="ctr"/>
+          <a:lstStyle/>
+          <a:p>
+            <a:pPr algn="ctr"/>
+            <a:endParaRPr lang="en-US" dirty="0"/>
+          </a:p>
+        </p:txBody>
+      </p:sp>
+      <p:sp>
+        <p:nvSpPr>
+          <p:cNvPr id="41" name="Rectangle 18">
+            <a:extLst>
+              <a:ext uri="{FF2B5EF4-FFF2-40B4-BE49-F238E27FC236}">
+                <a16:creationId xmlns:a16="http://schemas.microsoft.com/office/drawing/2014/main" id="{D2548F45-5164-4ABB-8212-7F293FDED8D4}"/>
+              </a:ext>
+              <a:ext uri="{C183D7F6-B498-43B3-948B-1728B52AA6E4}">
+                <adec:decorative xmlns:adec="http://schemas.microsoft.com/office/drawing/2017/decorative" val="1"/>
+              </a:ext>
+            </a:extLst>
+          </p:cNvPr>
+          <p:cNvSpPr>
+            <a:spLocks noGrp="1" noRot="1" noChangeAspect="1" noMove="1" noResize="1" noEditPoints="1" noAdjustHandles="1" noChangeArrowheads="1" noChangeShapeType="1" noTextEdit="1"/>
+          </p:cNvSpPr>
+          <p:nvPr>
+            <p:extLst>
+              <p:ext uri="{386F3935-93C4-4BCD-93E2-E3B085C9AB24}">
+                <p16:designElem xmlns:p16="http://schemas.microsoft.com/office/powerpoint/2015/main" val="1"/>
+              </p:ext>
+            </p:extLst>
+          </p:nvPr>
+        </p:nvSpPr>
+        <p:spPr>
+          <a:xfrm rot="16200000">
+            <a:off x="-159565" y="2659404"/>
+            <a:ext cx="4355594" cy="4040742"/>
+          </a:xfrm>
+          <a:prstGeom prst="rect">
+            <a:avLst/>
+          </a:prstGeom>
+          <a:gradFill>
+            <a:gsLst>
+              <a:gs pos="0">
+                <a:schemeClr val="accent1">
+                  <a:alpha val="50000"/>
+                </a:schemeClr>
+              </a:gs>
+              <a:gs pos="100000">
+                <a:schemeClr val="accent1">
+                  <a:lumMod val="50000"/>
+                  <a:alpha val="0"/>
+                </a:schemeClr>
+              </a:gs>
+            </a:gsLst>
+            <a:lin ang="11400000" scaled="0"/>
+          </a:gradFill>
+          <a:ln>
+            <a:noFill/>
+          </a:ln>
+        </p:spPr>
+        <p:style>
+          <a:lnRef idx="2">
+            <a:schemeClr val="accent1">
+              <a:shade val="50000"/>
+            </a:schemeClr>
+          </a:lnRef>
+          <a:fillRef idx="1">
+            <a:schemeClr val="accent1"/>
+          </a:fillRef>
+          <a:effectRef idx="0">
+            <a:schemeClr val="accent1"/>
+          </a:effectRef>
+          <a:fontRef idx="minor">
+            <a:schemeClr val="lt1"/>
+          </a:fontRef>
+        </p:style>
+        <p:txBody>
+          <a:bodyPr rtlCol="0" anchor="ctr"/>
+          <a:lstStyle/>
+          <a:p>
+            <a:pPr algn="ctr"/>
+            <a:endParaRPr lang="en-US"/>
+          </a:p>
+        </p:txBody>
+      </p:sp>
       <p:pic>
         <p:nvPicPr>
-          <p:cNvPr descr="Map" id="2" name="slide2">
-            <a:extLst>
-              <a:ext uri="{FF2B5EF4-FFF2-40B4-BE49-F238E27FC236}">
-                <a16:creationId xmlns:a16="http://schemas.microsoft.com/office/drawing/2014/main" id="{BDBBCA55-1EC2-4A2D-A2ED-59AC56AA1280}"/>
+          <p:cNvPr id="2" name="slide2" descr="Map">
+            <a:extLst>
+              <a:ext uri="{FF2B5EF4-FFF2-40B4-BE49-F238E27FC236}">
+                <a16:creationId xmlns:a16="http://schemas.microsoft.com/office/drawing/2014/main" id="{26EBE2D6-61AA-4296-BF55-269ECB71091B}"/>
+              </a:ext>
+            </a:extLst>
+          </p:cNvPr>
+          <p:cNvPicPr>
+            <a:picLocks noGrp="1" noChangeAspect="1"/>
+          </p:cNvPicPr>
+          <p:nvPr>
+            <p:ph type="pic" idx="1"/>
+          </p:nvPr>
+        </p:nvPicPr>
+        <p:blipFill rotWithShape="1">
+          <a:blip r:embed="rId2">
+            <a:extLst>
+              <a:ext uri="{28A0092B-C50C-407E-A947-70E740481C1C}">
+                <a14:useLocalDpi xmlns:a14="http://schemas.microsoft.com/office/drawing/2010/main" val="0"/>
+              </a:ext>
+            </a:extLst>
+          </a:blip>
+          <a:srcRect l="4220" r="28728"/>
+          <a:stretch/>
+        </p:blipFill>
+        <p:spPr>
+          <a:xfrm>
+            <a:off x="4038599" y="10"/>
+            <a:ext cx="8160026" cy="6875809"/>
+          </a:xfrm>
+          <a:prstGeom prst="rect">
+            <a:avLst/>
+          </a:prstGeom>
+          <a:solidFill>
+            <a:srgbClr val="FFFFFF">
+              <a:shade val="85000"/>
+            </a:srgbClr>
+          </a:solidFill>
+          <a:scene3d>
+            <a:camera prst="orthographicFront"/>
+            <a:lightRig rig="twoPt" dir="t">
+              <a:rot lat="0" lon="0" rev="7200000"/>
+            </a:lightRig>
+          </a:scene3d>
+          <a:sp3d>
+            <a:bevelT w="25400" h="19050"/>
+            <a:contourClr>
+              <a:srgbClr val="FFFFFF"/>
+            </a:contourClr>
+          </a:sp3d>
+        </p:spPr>
+      </p:pic>
+      <p:sp>
+        <p:nvSpPr>
+          <p:cNvPr id="42" name="Freeform: Shape 20">
+            <a:extLst>
+              <a:ext uri="{FF2B5EF4-FFF2-40B4-BE49-F238E27FC236}">
+                <a16:creationId xmlns:a16="http://schemas.microsoft.com/office/drawing/2014/main" id="{5E81CCFB-7BEF-4186-86FB-D09450B4D02D}"/>
+              </a:ext>
+              <a:ext uri="{C183D7F6-B498-43B3-948B-1728B52AA6E4}">
+                <adec:decorative xmlns:adec="http://schemas.microsoft.com/office/drawing/2017/decorative" val="1"/>
+              </a:ext>
+            </a:extLst>
+          </p:cNvPr>
+          <p:cNvSpPr>
+            <a:spLocks noGrp="1" noRot="1" noChangeAspect="1" noMove="1" noResize="1" noEditPoints="1" noAdjustHandles="1" noChangeArrowheads="1" noChangeShapeType="1" noTextEdit="1"/>
+          </p:cNvSpPr>
+          <p:nvPr>
+            <p:extLst>
+              <p:ext uri="{386F3935-93C4-4BCD-93E2-E3B085C9AB24}">
+                <p16:designElem xmlns:p16="http://schemas.microsoft.com/office/powerpoint/2015/main" val="1"/>
+              </p:ext>
+            </p:extLst>
+          </p:nvPr>
+        </p:nvSpPr>
+        <p:spPr>
+          <a:xfrm rot="6097846">
+            <a:off x="-747355" y="1201312"/>
+            <a:ext cx="4808302" cy="4088666"/>
+          </a:xfrm>
+          <a:custGeom>
+            <a:avLst/>
+            <a:gdLst>
+              <a:gd name="connsiteX0" fmla="*/ 48844 w 4808302"/>
+              <a:gd name="connsiteY0" fmla="*/ 2888671 h 4088666"/>
+              <a:gd name="connsiteX1" fmla="*/ 0 w 4808302"/>
+              <a:gd name="connsiteY1" fmla="*/ 2404151 h 4088666"/>
+              <a:gd name="connsiteX2" fmla="*/ 2404151 w 4808302"/>
+              <a:gd name="connsiteY2" fmla="*/ 0 h 4088666"/>
+              <a:gd name="connsiteX3" fmla="*/ 4808302 w 4808302"/>
+              <a:gd name="connsiteY3" fmla="*/ 2404151 h 4088666"/>
+              <a:gd name="connsiteX4" fmla="*/ 4700216 w 4808302"/>
+              <a:gd name="connsiteY4" fmla="*/ 3119072 h 4088666"/>
+              <a:gd name="connsiteX5" fmla="*/ 4643143 w 4808302"/>
+              <a:gd name="connsiteY5" fmla="*/ 3275009 h 4088666"/>
+              <a:gd name="connsiteX6" fmla="*/ 690093 w 4808302"/>
+              <a:gd name="connsiteY6" fmla="*/ 4088666 h 4088666"/>
+              <a:gd name="connsiteX7" fmla="*/ 548991 w 4808302"/>
+              <a:gd name="connsiteY7" fmla="*/ 3933414 h 4088666"/>
+              <a:gd name="connsiteX8" fmla="*/ 48844 w 4808302"/>
+              <a:gd name="connsiteY8" fmla="*/ 2888671 h 4088666"/>
+            </a:gdLst>
+            <a:ahLst/>
+            <a:cxnLst>
+              <a:cxn ang="0">
+                <a:pos x="connsiteX0" y="connsiteY0"/>
+              </a:cxn>
+              <a:cxn ang="0">
+                <a:pos x="connsiteX1" y="connsiteY1"/>
+              </a:cxn>
+              <a:cxn ang="0">
+                <a:pos x="connsiteX2" y="connsiteY2"/>
+              </a:cxn>
+              <a:cxn ang="0">
+                <a:pos x="connsiteX3" y="connsiteY3"/>
+              </a:cxn>
+              <a:cxn ang="0">
+                <a:pos x="connsiteX4" y="connsiteY4"/>
+              </a:cxn>
+              <a:cxn ang="0">
+                <a:pos x="connsiteX5" y="connsiteY5"/>
+              </a:cxn>
+              <a:cxn ang="0">
+                <a:pos x="connsiteX6" y="connsiteY6"/>
+              </a:cxn>
+              <a:cxn ang="0">
+                <a:pos x="connsiteX7" y="connsiteY7"/>
+              </a:cxn>
+              <a:cxn ang="0">
+                <a:pos x="connsiteX8" y="connsiteY8"/>
+              </a:cxn>
+            </a:cxnLst>
+            <a:rect l="l" t="t" r="r" b="b"/>
+            <a:pathLst>
+              <a:path w="4808302" h="4088666">
+                <a:moveTo>
+                  <a:pt x="48844" y="2888671"/>
+                </a:moveTo>
+                <a:cubicBezTo>
+                  <a:pt x="16818" y="2732167"/>
+                  <a:pt x="0" y="2570123"/>
+                  <a:pt x="0" y="2404151"/>
+                </a:cubicBezTo>
+                <a:cubicBezTo>
+                  <a:pt x="0" y="1076375"/>
+                  <a:pt x="1076375" y="0"/>
+                  <a:pt x="2404151" y="0"/>
+                </a:cubicBezTo>
+                <a:cubicBezTo>
+                  <a:pt x="3731927" y="0"/>
+                  <a:pt x="4808302" y="1076375"/>
+                  <a:pt x="4808302" y="2404151"/>
+                </a:cubicBezTo>
+                <a:cubicBezTo>
+                  <a:pt x="4808302" y="2653109"/>
+                  <a:pt x="4770461" y="2893229"/>
+                  <a:pt x="4700216" y="3119072"/>
+                </a:cubicBezTo>
+                <a:lnTo>
+                  <a:pt x="4643143" y="3275009"/>
+                </a:lnTo>
+                <a:lnTo>
+                  <a:pt x="690093" y="4088666"/>
+                </a:lnTo>
+                <a:lnTo>
+                  <a:pt x="548991" y="3933414"/>
+                </a:lnTo>
+                <a:cubicBezTo>
+                  <a:pt x="304015" y="3636572"/>
+                  <a:pt x="128908" y="3279932"/>
+                  <a:pt x="48844" y="2888671"/>
+                </a:cubicBezTo>
+                <a:close/>
+              </a:path>
+            </a:pathLst>
+          </a:custGeom>
+          <a:gradFill>
+            <a:gsLst>
+              <a:gs pos="39000">
+                <a:schemeClr val="accent1">
+                  <a:lumMod val="60000"/>
+                  <a:lumOff val="40000"/>
+                  <a:alpha val="0"/>
+                </a:schemeClr>
+              </a:gs>
+              <a:gs pos="100000">
+                <a:schemeClr val="accent1">
+                  <a:lumMod val="75000"/>
+                  <a:alpha val="26000"/>
+                </a:schemeClr>
+              </a:gs>
+            </a:gsLst>
+            <a:lin ang="16800000" scaled="0"/>
+          </a:gradFill>
+          <a:ln>
+            <a:noFill/>
+          </a:ln>
+        </p:spPr>
+        <p:style>
+          <a:lnRef idx="2">
+            <a:schemeClr val="accent1">
+              <a:shade val="50000"/>
+            </a:schemeClr>
+          </a:lnRef>
+          <a:fillRef idx="1">
+            <a:schemeClr val="accent1"/>
+          </a:fillRef>
+          <a:effectRef idx="0">
+            <a:schemeClr val="accent1"/>
+          </a:effectRef>
+          <a:fontRef idx="minor">
+            <a:schemeClr val="lt1"/>
+          </a:fontRef>
+        </p:style>
+        <p:txBody>
+          <a:bodyPr wrap="square" rtlCol="0" anchor="ctr">
+            <a:noAutofit/>
+          </a:bodyPr>
+          <a:lstStyle/>
+          <a:p>
+            <a:pPr algn="ctr"/>
+            <a:endParaRPr lang="en-US" dirty="0"/>
+          </a:p>
+        </p:txBody>
+      </p:sp>
+      <p:sp>
+        <p:nvSpPr>
+          <p:cNvPr id="10" name="Title 9">
+            <a:extLst>
+              <a:ext uri="{FF2B5EF4-FFF2-40B4-BE49-F238E27FC236}">
+                <a16:creationId xmlns:a16="http://schemas.microsoft.com/office/drawing/2014/main" id="{0BB5D2C4-A928-E494-8001-B26809CCA0F5}"/>
+              </a:ext>
+            </a:extLst>
+          </p:cNvPr>
+          <p:cNvSpPr>
+            <a:spLocks noGrp="1"/>
+          </p:cNvSpPr>
+          <p:nvPr>
+            <p:ph type="title"/>
+          </p:nvPr>
+        </p:nvSpPr>
+        <p:spPr>
+          <a:xfrm>
+            <a:off x="534473" y="2950387"/>
+            <a:ext cx="3052293" cy="3531403"/>
+          </a:xfrm>
+          <a:prstGeom prst="ellipse">
+            <a:avLst/>
+          </a:prstGeom>
+        </p:spPr>
+        <p:txBody>
+          <a:bodyPr vert="horz" lIns="91440" tIns="45720" rIns="91440" bIns="45720" rtlCol="0" anchor="t">
+            <a:normAutofit/>
+          </a:bodyPr>
+          <a:lstStyle/>
+          <a:p>
+            <a:pPr algn="r"/>
+            <a:r>
+              <a:rPr lang="en-US" sz="3400">
+                <a:solidFill>
+                  <a:srgbClr val="FFFFFF"/>
+                </a:solidFill>
+              </a:rPr>
+              <a:t>Total Catch</a:t>
+            </a:r>
+            <a:br>
+              <a:rPr lang="en-US" sz="3400">
+                <a:solidFill>
+                  <a:srgbClr val="FFFFFF"/>
+                </a:solidFill>
+              </a:rPr>
+            </a:br>
+            <a:r>
+              <a:rPr lang="en-US" sz="3400">
+                <a:solidFill>
+                  <a:srgbClr val="FFFFFF"/>
+                </a:solidFill>
+              </a:rPr>
+              <a:t>1950-2019</a:t>
+            </a:r>
+            <a:br>
+              <a:rPr lang="en-US" sz="3400">
+                <a:solidFill>
+                  <a:srgbClr val="FFFFFF"/>
+                </a:solidFill>
+              </a:rPr>
+            </a:br>
+            <a:r>
+              <a:rPr lang="en-US" sz="3400">
+                <a:solidFill>
+                  <a:srgbClr val="FFFFFF"/>
+                </a:solidFill>
+              </a:rPr>
+              <a:t>77,053,086</a:t>
+            </a:r>
+          </a:p>
+        </p:txBody>
+      </p:sp>
+    </p:spTree>
+    <p:extLst>
+      <p:ext uri="{BB962C8B-B14F-4D97-AF65-F5344CB8AC3E}">
+        <p14:creationId xmlns:p14="http://schemas.microsoft.com/office/powerpoint/2010/main" val="95992585"/>
+      </p:ext>
+    </p:extLst>
+  </p:cSld>
+  <p:clrMapOvr>
+    <a:masterClrMapping/>
+  </p:clrMapOvr>
+</p:sld>
+</file>
+
+<file path=ppt/slides/slide3.xml><?xml version="1.0" encoding="utf-8"?>
+<p:sld xmlns:a="http://schemas.openxmlformats.org/drawingml/2006/main" xmlns:r="http://schemas.openxmlformats.org/officeDocument/2006/relationships" xmlns:p="http://schemas.openxmlformats.org/presentationml/2006/main">
+  <p:cSld>
+    <p:bg>
+      <p:bgPr>
+        <a:solidFill>
+          <a:schemeClr val="bg1"/>
+        </a:solidFill>
+        <a:effectLst/>
+      </p:bgPr>
+    </p:bg>
+    <p:spTree>
+      <p:nvGrpSpPr>
+        <p:cNvPr id="1" name=""/>
+        <p:cNvGrpSpPr/>
+        <p:nvPr/>
+      </p:nvGrpSpPr>
+      <p:grpSpPr>
+        <a:xfrm>
+          <a:off x="0" y="0"/>
+          <a:ext cx="0" cy="0"/>
+          <a:chOff x="0" y="0"/>
+          <a:chExt cx="0" cy="0"/>
+        </a:xfrm>
+      </p:grpSpPr>
+      <p:sp useBgFill="1">
+        <p:nvSpPr>
+          <p:cNvPr id="17" name="Rectangle 16">
+            <a:extLst>
+              <a:ext uri="{FF2B5EF4-FFF2-40B4-BE49-F238E27FC236}">
+                <a16:creationId xmlns:a16="http://schemas.microsoft.com/office/drawing/2014/main" id="{AB8C311F-7253-4AED-9701-7FC0708C41C7}"/>
+              </a:ext>
+              <a:ext uri="{C183D7F6-B498-43B3-948B-1728B52AA6E4}">
+                <adec:decorative xmlns:adec="http://schemas.microsoft.com/office/drawing/2017/decorative" val="1"/>
+              </a:ext>
+            </a:extLst>
+          </p:cNvPr>
+          <p:cNvSpPr>
+            <a:spLocks noGrp="1" noRot="1" noChangeAspect="1" noMove="1" noResize="1" noEditPoints="1" noAdjustHandles="1" noChangeArrowheads="1" noChangeShapeType="1" noTextEdit="1"/>
+          </p:cNvSpPr>
+          <p:nvPr>
+            <p:extLst>
+              <p:ext uri="{386F3935-93C4-4BCD-93E2-E3B085C9AB24}">
+                <p16:designElem xmlns:p16="http://schemas.microsoft.com/office/powerpoint/2015/main" val="1"/>
+              </p:ext>
+            </p:extLst>
+          </p:nvPr>
+        </p:nvSpPr>
+        <p:spPr>
+          <a:xfrm>
+            <a:off x="0" y="0"/>
+            <a:ext cx="12192000" cy="6858000"/>
+          </a:xfrm>
+          <a:prstGeom prst="rect">
+            <a:avLst/>
+          </a:prstGeom>
+          <a:ln w="12700" cap="flat" cmpd="sng" algn="ctr">
+            <a:noFill/>
+            <a:prstDash val="solid"/>
+            <a:miter lim="800000"/>
+          </a:ln>
+          <a:effectLst/>
+          <a:extLst>
+            <a:ext uri="{91240B29-F687-4F45-9708-019B960494DF}">
+              <a14:hiddenLine xmlns:a14="http://schemas.microsoft.com/office/drawing/2010/main" w="12700" cap="flat" cmpd="sng" algn="ctr">
+                <a:solidFill>
+                  <a:schemeClr val="accent1">
+                    <a:shade val="50000"/>
+                  </a:schemeClr>
+                </a:solidFill>
+                <a:prstDash val="solid"/>
+                <a:miter lim="800000"/>
+              </a14:hiddenLine>
+            </a:ext>
+          </a:extLst>
+        </p:spPr>
+        <p:style>
+          <a:lnRef idx="2">
+            <a:schemeClr val="accent1">
+              <a:shade val="50000"/>
+            </a:schemeClr>
+          </a:lnRef>
+          <a:fillRef idx="1">
+            <a:schemeClr val="accent1"/>
+          </a:fillRef>
+          <a:effectRef idx="0">
+            <a:schemeClr val="accent1"/>
+          </a:effectRef>
+          <a:fontRef idx="minor">
+            <a:schemeClr val="lt1"/>
+          </a:fontRef>
+        </p:style>
+        <p:txBody>
+          <a:bodyPr rtlCol="0" anchor="ctr"/>
+          <a:lstStyle/>
+          <a:p>
+            <a:pPr algn="ctr"/>
+            <a:endParaRPr lang="en-US"/>
+          </a:p>
+        </p:txBody>
+      </p:sp>
+      <p:sp>
+        <p:nvSpPr>
+          <p:cNvPr id="19" name="Rectangle 18">
+            <a:extLst>
+              <a:ext uri="{FF2B5EF4-FFF2-40B4-BE49-F238E27FC236}">
+                <a16:creationId xmlns:a16="http://schemas.microsoft.com/office/drawing/2014/main" id="{E2384209-CB15-4CDF-9D31-C44FD9A3F20D}"/>
+              </a:ext>
+              <a:ext uri="{C183D7F6-B498-43B3-948B-1728B52AA6E4}">
+                <adec:decorative xmlns:adec="http://schemas.microsoft.com/office/drawing/2017/decorative" val="1"/>
+              </a:ext>
+            </a:extLst>
+          </p:cNvPr>
+          <p:cNvSpPr>
+            <a:spLocks noGrp="1" noRot="1" noChangeAspect="1" noMove="1" noResize="1" noEditPoints="1" noAdjustHandles="1" noChangeArrowheads="1" noChangeShapeType="1" noTextEdit="1"/>
+          </p:cNvSpPr>
+          <p:nvPr>
+            <p:extLst>
+              <p:ext uri="{386F3935-93C4-4BCD-93E2-E3B085C9AB24}">
+                <p16:designElem xmlns:p16="http://schemas.microsoft.com/office/powerpoint/2015/main" val="1"/>
+              </p:ext>
+            </p:extLst>
+          </p:nvPr>
+        </p:nvSpPr>
+        <p:spPr>
+          <a:xfrm rot="16200000" flipH="1">
+            <a:off x="2666617" y="-2666188"/>
+            <a:ext cx="6858000" cy="12191233"/>
+          </a:xfrm>
+          <a:prstGeom prst="rect">
+            <a:avLst/>
+          </a:prstGeom>
+          <a:gradFill>
+            <a:gsLst>
+              <a:gs pos="8000">
+                <a:schemeClr val="accent1"/>
+              </a:gs>
+              <a:gs pos="100000">
+                <a:schemeClr val="accent1">
+                  <a:lumMod val="50000"/>
+                </a:schemeClr>
+              </a:gs>
+            </a:gsLst>
+            <a:lin ang="12000000" scaled="0"/>
+          </a:gradFill>
+          <a:ln>
+            <a:noFill/>
+          </a:ln>
+        </p:spPr>
+        <p:style>
+          <a:lnRef idx="2">
+            <a:schemeClr val="accent1">
+              <a:shade val="50000"/>
+            </a:schemeClr>
+          </a:lnRef>
+          <a:fillRef idx="1">
+            <a:schemeClr val="accent1"/>
+          </a:fillRef>
+          <a:effectRef idx="0">
+            <a:schemeClr val="accent1"/>
+          </a:effectRef>
+          <a:fontRef idx="minor">
+            <a:schemeClr val="lt1"/>
+          </a:fontRef>
+        </p:style>
+        <p:txBody>
+          <a:bodyPr rtlCol="0" anchor="ctr"/>
+          <a:lstStyle/>
+          <a:p>
+            <a:pPr algn="ctr"/>
+            <a:endParaRPr lang="en-US"/>
+          </a:p>
+        </p:txBody>
+      </p:sp>
+      <p:sp>
+        <p:nvSpPr>
+          <p:cNvPr id="21" name="Rectangle 20">
+            <a:extLst>
+              <a:ext uri="{FF2B5EF4-FFF2-40B4-BE49-F238E27FC236}">
+                <a16:creationId xmlns:a16="http://schemas.microsoft.com/office/drawing/2014/main" id="{2633B3B5-CC90-43F0-8714-D31D1F3F0209}"/>
+              </a:ext>
+              <a:ext uri="{C183D7F6-B498-43B3-948B-1728B52AA6E4}">
+                <adec:decorative xmlns:adec="http://schemas.microsoft.com/office/drawing/2017/decorative" val="1"/>
+              </a:ext>
+            </a:extLst>
+          </p:cNvPr>
+          <p:cNvSpPr>
+            <a:spLocks noGrp="1" noRot="1" noChangeAspect="1" noMove="1" noResize="1" noEditPoints="1" noAdjustHandles="1" noChangeArrowheads="1" noChangeShapeType="1" noTextEdit="1"/>
+          </p:cNvSpPr>
+          <p:nvPr>
+            <p:extLst>
+              <p:ext uri="{386F3935-93C4-4BCD-93E2-E3B085C9AB24}">
+                <p16:designElem xmlns:p16="http://schemas.microsoft.com/office/powerpoint/2015/main" val="1"/>
+              </p:ext>
+            </p:extLst>
+          </p:nvPr>
+        </p:nvSpPr>
+        <p:spPr>
+          <a:xfrm rot="10800000" flipH="1">
+            <a:off x="-2311" y="0"/>
+            <a:ext cx="9070846" cy="6857572"/>
+          </a:xfrm>
+          <a:prstGeom prst="rect">
+            <a:avLst/>
+          </a:prstGeom>
+          <a:gradFill>
+            <a:gsLst>
+              <a:gs pos="8000">
+                <a:srgbClr val="000000">
+                  <a:alpha val="52000"/>
+                </a:srgbClr>
+              </a:gs>
+              <a:gs pos="100000">
+                <a:schemeClr val="accent1"/>
+              </a:gs>
+            </a:gsLst>
+            <a:lin ang="4800000" scaled="0"/>
+          </a:gradFill>
+          <a:ln>
+            <a:noFill/>
+          </a:ln>
+        </p:spPr>
+        <p:style>
+          <a:lnRef idx="2">
+            <a:schemeClr val="accent1">
+              <a:shade val="50000"/>
+            </a:schemeClr>
+          </a:lnRef>
+          <a:fillRef idx="1">
+            <a:schemeClr val="accent1"/>
+          </a:fillRef>
+          <a:effectRef idx="0">
+            <a:schemeClr val="accent1"/>
+          </a:effectRef>
+          <a:fontRef idx="minor">
+            <a:schemeClr val="lt1"/>
+          </a:fontRef>
+        </p:style>
+        <p:txBody>
+          <a:bodyPr rtlCol="0" anchor="ctr"/>
+          <a:lstStyle/>
+          <a:p>
+            <a:pPr algn="ctr"/>
+            <a:endParaRPr lang="en-US"/>
+          </a:p>
+        </p:txBody>
+      </p:sp>
+      <p:sp>
+        <p:nvSpPr>
+          <p:cNvPr id="23" name="Rectangle 22">
+            <a:extLst>
+              <a:ext uri="{FF2B5EF4-FFF2-40B4-BE49-F238E27FC236}">
+                <a16:creationId xmlns:a16="http://schemas.microsoft.com/office/drawing/2014/main" id="{A8D57A06-A426-446D-B02C-A2DC6B62E45E}"/>
+              </a:ext>
+              <a:ext uri="{C183D7F6-B498-43B3-948B-1728B52AA6E4}">
+                <adec:decorative xmlns:adec="http://schemas.microsoft.com/office/drawing/2017/decorative" val="1"/>
+              </a:ext>
+            </a:extLst>
+          </p:cNvPr>
+          <p:cNvSpPr>
+            <a:spLocks noGrp="1" noRot="1" noChangeAspect="1" noMove="1" noResize="1" noEditPoints="1" noAdjustHandles="1" noChangeArrowheads="1" noChangeShapeType="1" noTextEdit="1"/>
+          </p:cNvSpPr>
+          <p:nvPr>
+            <p:extLst>
+              <p:ext uri="{386F3935-93C4-4BCD-93E2-E3B085C9AB24}">
+                <p16:designElem xmlns:p16="http://schemas.microsoft.com/office/powerpoint/2015/main" val="1"/>
+              </p:ext>
+            </p:extLst>
+          </p:nvPr>
+        </p:nvSpPr>
+        <p:spPr>
+          <a:xfrm rot="16200000" flipH="1">
+            <a:off x="3649491" y="-1685840"/>
+            <a:ext cx="4894564" cy="12193546"/>
+          </a:xfrm>
+          <a:prstGeom prst="rect">
+            <a:avLst/>
+          </a:prstGeom>
+          <a:gradFill>
+            <a:gsLst>
+              <a:gs pos="0">
+                <a:schemeClr val="accent5">
+                  <a:lumMod val="60000"/>
+                  <a:lumOff val="40000"/>
+                  <a:alpha val="0"/>
+                </a:schemeClr>
+              </a:gs>
+              <a:gs pos="100000">
+                <a:srgbClr val="000000">
+                  <a:alpha val="46000"/>
+                </a:srgbClr>
+              </a:gs>
+            </a:gsLst>
+            <a:lin ang="1200000" scaled="0"/>
+          </a:gradFill>
+          <a:ln>
+            <a:noFill/>
+          </a:ln>
+        </p:spPr>
+        <p:style>
+          <a:lnRef idx="2">
+            <a:schemeClr val="accent1">
+              <a:shade val="50000"/>
+            </a:schemeClr>
+          </a:lnRef>
+          <a:fillRef idx="1">
+            <a:schemeClr val="accent1"/>
+          </a:fillRef>
+          <a:effectRef idx="0">
+            <a:schemeClr val="accent1"/>
+          </a:effectRef>
+          <a:fontRef idx="minor">
+            <a:schemeClr val="lt1"/>
+          </a:fontRef>
+        </p:style>
+        <p:txBody>
+          <a:bodyPr rtlCol="0" anchor="ctr"/>
+          <a:lstStyle/>
+          <a:p>
+            <a:pPr algn="ctr"/>
+            <a:endParaRPr lang="en-US"/>
+          </a:p>
+        </p:txBody>
+      </p:sp>
+      <p:pic>
+        <p:nvPicPr>
+          <p:cNvPr id="5" name="slide5" descr="Region % (2)">
+            <a:extLst>
+              <a:ext uri="{FF2B5EF4-FFF2-40B4-BE49-F238E27FC236}">
+                <a16:creationId xmlns:a16="http://schemas.microsoft.com/office/drawing/2014/main" id="{990B65F5-B5A8-41AF-9038-324F4D4D7582}"/>
               </a:ext>
             </a:extLst>
           </p:cNvPr>
@@ -3425,7 +8235,7 @@
           <p:nvPr/>
         </p:nvPicPr>
         <p:blipFill>
-          <a:blip r:embed="rId7">
+          <a:blip r:embed="rId2">
             <a:extLst>
               <a:ext uri="{28A0092B-C50C-407E-A947-70E740481C1C}">
                 <a14:useLocalDpi xmlns:a14="http://schemas.microsoft.com/office/drawing/2010/main" val="0"/>
@@ -3438,8 +8248,8 @@
         </p:blipFill>
         <p:spPr>
           <a:xfrm>
-            <a:off x="0" y="985184"/>
-            <a:ext cx="12192000" cy="4887631"/>
+            <a:off x="1452179" y="456986"/>
+            <a:ext cx="9286876" cy="5943600"/>
           </a:xfrm>
           <a:prstGeom prst="rect">
             <a:avLst/>
@@ -3459,9 +8269,17 @@
 </p:sld>
 </file>
 
-<file path=ppt/slides/slideTemplate.xml><?xml version="1.0" encoding="utf-8"?>
+<file path=ppt/slides/slide4.xml><?xml version="1.0" encoding="utf-8"?>
 <p:sld xmlns:a="http://schemas.openxmlformats.org/drawingml/2006/main" xmlns:r="http://schemas.openxmlformats.org/officeDocument/2006/relationships" xmlns:p="http://schemas.openxmlformats.org/presentationml/2006/main">
   <p:cSld>
+    <p:bg>
+      <p:bgPr>
+        <a:solidFill>
+          <a:schemeClr val="bg1"/>
+        </a:solidFill>
+        <a:effectLst/>
+      </p:bgPr>
+    </p:bg>
     <p:spTree>
       <p:nvGrpSpPr>
         <p:cNvPr id="1" name=""/>
@@ -3476,6 +8294,3699 @@
           <a:chExt cx="0" cy="0"/>
         </a:xfrm>
       </p:grpSpPr>
+      <p:sp useBgFill="1">
+        <p:nvSpPr>
+          <p:cNvPr id="14" name="Rectangle 10">
+            <a:extLst>
+              <a:ext uri="{FF2B5EF4-FFF2-40B4-BE49-F238E27FC236}">
+                <a16:creationId xmlns:a16="http://schemas.microsoft.com/office/drawing/2014/main" id="{AB8C311F-7253-4AED-9701-7FC0708C41C7}"/>
+              </a:ext>
+              <a:ext uri="{C183D7F6-B498-43B3-948B-1728B52AA6E4}">
+                <adec:decorative xmlns:adec="http://schemas.microsoft.com/office/drawing/2017/decorative" val="1"/>
+              </a:ext>
+            </a:extLst>
+          </p:cNvPr>
+          <p:cNvSpPr>
+            <a:spLocks noGrp="1" noRot="1" noChangeAspect="1" noMove="1" noResize="1" noEditPoints="1" noAdjustHandles="1" noChangeArrowheads="1" noChangeShapeType="1" noTextEdit="1"/>
+          </p:cNvSpPr>
+          <p:nvPr>
+            <p:extLst>
+              <p:ext uri="{386F3935-93C4-4BCD-93E2-E3B085C9AB24}">
+                <p16:designElem xmlns:p16="http://schemas.microsoft.com/office/powerpoint/2015/main" val="1"/>
+              </p:ext>
+            </p:extLst>
+          </p:nvPr>
+        </p:nvSpPr>
+        <p:spPr>
+          <a:xfrm>
+            <a:off x="0" y="0"/>
+            <a:ext cx="12192000" cy="6858000"/>
+          </a:xfrm>
+          <a:prstGeom prst="rect">
+            <a:avLst/>
+          </a:prstGeom>
+          <a:ln w="12700" cap="flat" cmpd="sng" algn="ctr">
+            <a:noFill/>
+            <a:prstDash val="solid"/>
+            <a:miter lim="800000"/>
+          </a:ln>
+          <a:effectLst/>
+          <a:extLst>
+            <a:ext uri="{91240B29-F687-4F45-9708-019B960494DF}">
+              <a14:hiddenLine xmlns:a14="http://schemas.microsoft.com/office/drawing/2010/main" w="12700" cap="flat" cmpd="sng" algn="ctr">
+                <a:solidFill>
+                  <a:schemeClr val="accent1">
+                    <a:shade val="50000"/>
+                  </a:schemeClr>
+                </a:solidFill>
+                <a:prstDash val="solid"/>
+                <a:miter lim="800000"/>
+              </a14:hiddenLine>
+            </a:ext>
+          </a:extLst>
+        </p:spPr>
+        <p:style>
+          <a:lnRef idx="2">
+            <a:schemeClr val="accent1">
+              <a:shade val="50000"/>
+            </a:schemeClr>
+          </a:lnRef>
+          <a:fillRef idx="1">
+            <a:schemeClr val="accent1"/>
+          </a:fillRef>
+          <a:effectRef idx="0">
+            <a:schemeClr val="accent1"/>
+          </a:effectRef>
+          <a:fontRef idx="minor">
+            <a:schemeClr val="lt1"/>
+          </a:fontRef>
+        </p:style>
+        <p:txBody>
+          <a:bodyPr rtlCol="0" anchor="ctr"/>
+          <a:lstStyle/>
+          <a:p>
+            <a:pPr algn="ctr"/>
+            <a:endParaRPr lang="en-US"/>
+          </a:p>
+        </p:txBody>
+      </p:sp>
+      <p:sp>
+        <p:nvSpPr>
+          <p:cNvPr id="16" name="Rectangle 12">
+            <a:extLst>
+              <a:ext uri="{FF2B5EF4-FFF2-40B4-BE49-F238E27FC236}">
+                <a16:creationId xmlns:a16="http://schemas.microsoft.com/office/drawing/2014/main" id="{E2384209-CB15-4CDF-9D31-C44FD9A3F20D}"/>
+              </a:ext>
+              <a:ext uri="{C183D7F6-B498-43B3-948B-1728B52AA6E4}">
+                <adec:decorative xmlns:adec="http://schemas.microsoft.com/office/drawing/2017/decorative" val="1"/>
+              </a:ext>
+            </a:extLst>
+          </p:cNvPr>
+          <p:cNvSpPr>
+            <a:spLocks noGrp="1" noRot="1" noChangeAspect="1" noMove="1" noResize="1" noEditPoints="1" noAdjustHandles="1" noChangeArrowheads="1" noChangeShapeType="1" noTextEdit="1"/>
+          </p:cNvSpPr>
+          <p:nvPr>
+            <p:extLst>
+              <p:ext uri="{386F3935-93C4-4BCD-93E2-E3B085C9AB24}">
+                <p16:designElem xmlns:p16="http://schemas.microsoft.com/office/powerpoint/2015/main" val="1"/>
+              </p:ext>
+            </p:extLst>
+          </p:nvPr>
+        </p:nvSpPr>
+        <p:spPr>
+          <a:xfrm rot="16200000" flipH="1">
+            <a:off x="2666617" y="-2666188"/>
+            <a:ext cx="6858000" cy="12191233"/>
+          </a:xfrm>
+          <a:prstGeom prst="rect">
+            <a:avLst/>
+          </a:prstGeom>
+          <a:gradFill>
+            <a:gsLst>
+              <a:gs pos="8000">
+                <a:schemeClr val="accent1"/>
+              </a:gs>
+              <a:gs pos="100000">
+                <a:schemeClr val="accent1">
+                  <a:lumMod val="50000"/>
+                </a:schemeClr>
+              </a:gs>
+            </a:gsLst>
+            <a:lin ang="12000000" scaled="0"/>
+          </a:gradFill>
+          <a:ln>
+            <a:noFill/>
+          </a:ln>
+        </p:spPr>
+        <p:style>
+          <a:lnRef idx="2">
+            <a:schemeClr val="accent1">
+              <a:shade val="50000"/>
+            </a:schemeClr>
+          </a:lnRef>
+          <a:fillRef idx="1">
+            <a:schemeClr val="accent1"/>
+          </a:fillRef>
+          <a:effectRef idx="0">
+            <a:schemeClr val="accent1"/>
+          </a:effectRef>
+          <a:fontRef idx="minor">
+            <a:schemeClr val="lt1"/>
+          </a:fontRef>
+        </p:style>
+        <p:txBody>
+          <a:bodyPr rtlCol="0" anchor="ctr"/>
+          <a:lstStyle/>
+          <a:p>
+            <a:pPr algn="ctr"/>
+            <a:endParaRPr lang="en-US"/>
+          </a:p>
+        </p:txBody>
+      </p:sp>
+      <p:sp>
+        <p:nvSpPr>
+          <p:cNvPr id="18" name="Rectangle 14">
+            <a:extLst>
+              <a:ext uri="{FF2B5EF4-FFF2-40B4-BE49-F238E27FC236}">
+                <a16:creationId xmlns:a16="http://schemas.microsoft.com/office/drawing/2014/main" id="{2633B3B5-CC90-43F0-8714-D31D1F3F0209}"/>
+              </a:ext>
+              <a:ext uri="{C183D7F6-B498-43B3-948B-1728B52AA6E4}">
+                <adec:decorative xmlns:adec="http://schemas.microsoft.com/office/drawing/2017/decorative" val="1"/>
+              </a:ext>
+            </a:extLst>
+          </p:cNvPr>
+          <p:cNvSpPr>
+            <a:spLocks noGrp="1" noRot="1" noChangeAspect="1" noMove="1" noResize="1" noEditPoints="1" noAdjustHandles="1" noChangeArrowheads="1" noChangeShapeType="1" noTextEdit="1"/>
+          </p:cNvSpPr>
+          <p:nvPr>
+            <p:extLst>
+              <p:ext uri="{386F3935-93C4-4BCD-93E2-E3B085C9AB24}">
+                <p16:designElem xmlns:p16="http://schemas.microsoft.com/office/powerpoint/2015/main" val="1"/>
+              </p:ext>
+            </p:extLst>
+          </p:nvPr>
+        </p:nvSpPr>
+        <p:spPr>
+          <a:xfrm rot="10800000" flipH="1">
+            <a:off x="-2311" y="0"/>
+            <a:ext cx="9070846" cy="6857572"/>
+          </a:xfrm>
+          <a:prstGeom prst="rect">
+            <a:avLst/>
+          </a:prstGeom>
+          <a:gradFill>
+            <a:gsLst>
+              <a:gs pos="8000">
+                <a:srgbClr val="000000">
+                  <a:alpha val="52000"/>
+                </a:srgbClr>
+              </a:gs>
+              <a:gs pos="100000">
+                <a:schemeClr val="accent1"/>
+              </a:gs>
+            </a:gsLst>
+            <a:lin ang="4800000" scaled="0"/>
+          </a:gradFill>
+          <a:ln>
+            <a:noFill/>
+          </a:ln>
+        </p:spPr>
+        <p:style>
+          <a:lnRef idx="2">
+            <a:schemeClr val="accent1">
+              <a:shade val="50000"/>
+            </a:schemeClr>
+          </a:lnRef>
+          <a:fillRef idx="1">
+            <a:schemeClr val="accent1"/>
+          </a:fillRef>
+          <a:effectRef idx="0">
+            <a:schemeClr val="accent1"/>
+          </a:effectRef>
+          <a:fontRef idx="minor">
+            <a:schemeClr val="lt1"/>
+          </a:fontRef>
+        </p:style>
+        <p:txBody>
+          <a:bodyPr rtlCol="0" anchor="ctr"/>
+          <a:lstStyle/>
+          <a:p>
+            <a:pPr algn="ctr"/>
+            <a:endParaRPr lang="en-US"/>
+          </a:p>
+        </p:txBody>
+      </p:sp>
+      <p:sp>
+        <p:nvSpPr>
+          <p:cNvPr id="20" name="Rectangle 16">
+            <a:extLst>
+              <a:ext uri="{FF2B5EF4-FFF2-40B4-BE49-F238E27FC236}">
+                <a16:creationId xmlns:a16="http://schemas.microsoft.com/office/drawing/2014/main" id="{A8D57A06-A426-446D-B02C-A2DC6B62E45E}"/>
+              </a:ext>
+              <a:ext uri="{C183D7F6-B498-43B3-948B-1728B52AA6E4}">
+                <adec:decorative xmlns:adec="http://schemas.microsoft.com/office/drawing/2017/decorative" val="1"/>
+              </a:ext>
+            </a:extLst>
+          </p:cNvPr>
+          <p:cNvSpPr>
+            <a:spLocks noGrp="1" noRot="1" noChangeAspect="1" noMove="1" noResize="1" noEditPoints="1" noAdjustHandles="1" noChangeArrowheads="1" noChangeShapeType="1" noTextEdit="1"/>
+          </p:cNvSpPr>
+          <p:nvPr>
+            <p:extLst>
+              <p:ext uri="{386F3935-93C4-4BCD-93E2-E3B085C9AB24}">
+                <p16:designElem xmlns:p16="http://schemas.microsoft.com/office/powerpoint/2015/main" val="1"/>
+              </p:ext>
+            </p:extLst>
+          </p:nvPr>
+        </p:nvSpPr>
+        <p:spPr>
+          <a:xfrm rot="16200000" flipH="1">
+            <a:off x="3649491" y="-1685840"/>
+            <a:ext cx="4894564" cy="12193546"/>
+          </a:xfrm>
+          <a:prstGeom prst="rect">
+            <a:avLst/>
+          </a:prstGeom>
+          <a:gradFill>
+            <a:gsLst>
+              <a:gs pos="0">
+                <a:schemeClr val="accent5">
+                  <a:lumMod val="60000"/>
+                  <a:lumOff val="40000"/>
+                  <a:alpha val="0"/>
+                </a:schemeClr>
+              </a:gs>
+              <a:gs pos="100000">
+                <a:srgbClr val="000000">
+                  <a:alpha val="46000"/>
+                </a:srgbClr>
+              </a:gs>
+            </a:gsLst>
+            <a:lin ang="1200000" scaled="0"/>
+          </a:gradFill>
+          <a:ln>
+            <a:noFill/>
+          </a:ln>
+        </p:spPr>
+        <p:style>
+          <a:lnRef idx="2">
+            <a:schemeClr val="accent1">
+              <a:shade val="50000"/>
+            </a:schemeClr>
+          </a:lnRef>
+          <a:fillRef idx="1">
+            <a:schemeClr val="accent1"/>
+          </a:fillRef>
+          <a:effectRef idx="0">
+            <a:schemeClr val="accent1"/>
+          </a:effectRef>
+          <a:fontRef idx="minor">
+            <a:schemeClr val="lt1"/>
+          </a:fontRef>
+        </p:style>
+        <p:txBody>
+          <a:bodyPr rtlCol="0" anchor="ctr"/>
+          <a:lstStyle/>
+          <a:p>
+            <a:pPr algn="ctr"/>
+            <a:endParaRPr lang="en-US"/>
+          </a:p>
+        </p:txBody>
+      </p:sp>
+      <p:pic>
+        <p:nvPicPr>
+          <p:cNvPr id="6" name="slide6" descr="Country">
+            <a:extLst>
+              <a:ext uri="{FF2B5EF4-FFF2-40B4-BE49-F238E27FC236}">
+                <a16:creationId xmlns:a16="http://schemas.microsoft.com/office/drawing/2014/main" id="{DF45883B-80C8-481B-84F9-EF88F26F9834}"/>
+              </a:ext>
+            </a:extLst>
+          </p:cNvPr>
+          <p:cNvPicPr>
+            <a:picLocks noChangeAspect="1"/>
+          </p:cNvPicPr>
+          <p:nvPr/>
+        </p:nvPicPr>
+        <p:blipFill>
+          <a:blip r:embed="rId2">
+            <a:extLst>
+              <a:ext uri="{28A0092B-C50C-407E-A947-70E740481C1C}">
+                <a14:useLocalDpi xmlns:a14="http://schemas.microsoft.com/office/drawing/2010/main" val="0"/>
+              </a:ext>
+            </a:extLst>
+          </a:blip>
+          <a:stretch>
+            <a:fillRect/>
+          </a:stretch>
+        </p:blipFill>
+        <p:spPr>
+          <a:xfrm>
+            <a:off x="3191066" y="457200"/>
+            <a:ext cx="5809868" cy="5943600"/>
+          </a:xfrm>
+          <a:prstGeom prst="rect">
+            <a:avLst/>
+          </a:prstGeom>
+        </p:spPr>
+      </p:pic>
+    </p:spTree>
+    <p:extLst>
+      <p:ext uri="{BB962C8B-B14F-4D97-AF65-F5344CB8AC3E}">
+        <p14:creationId xmlns:p14="http://schemas.microsoft.com/office/powerpoint/2010/main" val="95992585"/>
+      </p:ext>
+    </p:extLst>
+  </p:cSld>
+  <p:clrMapOvr>
+    <a:masterClrMapping/>
+  </p:clrMapOvr>
+</p:sld>
+</file>
+
+<file path=ppt/slides/slide5.xml><?xml version="1.0" encoding="utf-8"?>
+<p:sld xmlns:a="http://schemas.openxmlformats.org/drawingml/2006/main" xmlns:r="http://schemas.openxmlformats.org/officeDocument/2006/relationships" xmlns:p="http://schemas.openxmlformats.org/presentationml/2006/main">
+  <p:cSld>
+    <p:bg>
+      <p:bgPr>
+        <a:solidFill>
+          <a:schemeClr val="bg1"/>
+        </a:solidFill>
+        <a:effectLst/>
+      </p:bgPr>
+    </p:bg>
+    <p:spTree>
+      <p:nvGrpSpPr>
+        <p:cNvPr id="1" name=""/>
+        <p:cNvGrpSpPr/>
+        <p:nvPr/>
+      </p:nvGrpSpPr>
+      <p:grpSpPr>
+        <a:xfrm>
+          <a:off x="0" y="0"/>
+          <a:ext cx="0" cy="0"/>
+          <a:chOff x="0" y="0"/>
+          <a:chExt cx="0" cy="0"/>
+        </a:xfrm>
+      </p:grpSpPr>
+      <p:sp useBgFill="1">
+        <p:nvSpPr>
+          <p:cNvPr id="91" name="Rectangle 90">
+            <a:extLst>
+              <a:ext uri="{FF2B5EF4-FFF2-40B4-BE49-F238E27FC236}">
+                <a16:creationId xmlns:a16="http://schemas.microsoft.com/office/drawing/2014/main" id="{A8384FB5-9ADC-4DDC-881B-597D56F5B15D}"/>
+              </a:ext>
+              <a:ext uri="{C183D7F6-B498-43B3-948B-1728B52AA6E4}">
+                <adec:decorative xmlns:adec="http://schemas.microsoft.com/office/drawing/2017/decorative" val="1"/>
+              </a:ext>
+            </a:extLst>
+          </p:cNvPr>
+          <p:cNvSpPr>
+            <a:spLocks noGrp="1" noRot="1" noChangeAspect="1" noMove="1" noResize="1" noEditPoints="1" noAdjustHandles="1" noChangeArrowheads="1" noChangeShapeType="1" noTextEdit="1"/>
+          </p:cNvSpPr>
+          <p:nvPr>
+            <p:extLst>
+              <p:ext uri="{386F3935-93C4-4BCD-93E2-E3B085C9AB24}">
+                <p16:designElem xmlns:p16="http://schemas.microsoft.com/office/powerpoint/2015/main" val="1"/>
+              </p:ext>
+            </p:extLst>
+          </p:nvPr>
+        </p:nvSpPr>
+        <p:spPr>
+          <a:xfrm>
+            <a:off x="0" y="0"/>
+            <a:ext cx="12192000" cy="6858000"/>
+          </a:xfrm>
+          <a:prstGeom prst="rect">
+            <a:avLst/>
+          </a:prstGeom>
+          <a:ln w="12700" cap="flat" cmpd="sng" algn="ctr">
+            <a:noFill/>
+            <a:prstDash val="solid"/>
+            <a:miter lim="800000"/>
+          </a:ln>
+          <a:effectLst/>
+          <a:extLst>
+            <a:ext uri="{91240B29-F687-4F45-9708-019B960494DF}">
+              <a14:hiddenLine xmlns:a14="http://schemas.microsoft.com/office/drawing/2010/main" w="12700" cap="flat" cmpd="sng" algn="ctr">
+                <a:solidFill>
+                  <a:schemeClr val="accent1">
+                    <a:shade val="50000"/>
+                  </a:schemeClr>
+                </a:solidFill>
+                <a:prstDash val="solid"/>
+                <a:miter lim="800000"/>
+              </a14:hiddenLine>
+            </a:ext>
+          </a:extLst>
+        </p:spPr>
+        <p:style>
+          <a:lnRef idx="2">
+            <a:schemeClr val="accent1">
+              <a:shade val="50000"/>
+            </a:schemeClr>
+          </a:lnRef>
+          <a:fillRef idx="1">
+            <a:schemeClr val="accent1"/>
+          </a:fillRef>
+          <a:effectRef idx="0">
+            <a:schemeClr val="accent1"/>
+          </a:effectRef>
+          <a:fontRef idx="minor">
+            <a:schemeClr val="lt1"/>
+          </a:fontRef>
+        </p:style>
+        <p:txBody>
+          <a:bodyPr rtlCol="0" anchor="ctr"/>
+          <a:lstStyle/>
+          <a:p>
+            <a:pPr algn="ctr"/>
+            <a:endParaRPr lang="en-US"/>
+          </a:p>
+        </p:txBody>
+      </p:sp>
+      <p:sp>
+        <p:nvSpPr>
+          <p:cNvPr id="93" name="Rectangle 92">
+            <a:extLst>
+              <a:ext uri="{FF2B5EF4-FFF2-40B4-BE49-F238E27FC236}">
+                <a16:creationId xmlns:a16="http://schemas.microsoft.com/office/drawing/2014/main" id="{91E5A9A7-95C6-4F4F-B00E-C82E07FE62EF}"/>
+              </a:ext>
+              <a:ext uri="{C183D7F6-B498-43B3-948B-1728B52AA6E4}">
+                <adec:decorative xmlns:adec="http://schemas.microsoft.com/office/drawing/2017/decorative" val="1"/>
+              </a:ext>
+            </a:extLst>
+          </p:cNvPr>
+          <p:cNvSpPr>
+            <a:spLocks noGrp="1" noRot="1" noChangeAspect="1" noMove="1" noResize="1" noEditPoints="1" noAdjustHandles="1" noChangeArrowheads="1" noChangeShapeType="1" noTextEdit="1"/>
+          </p:cNvSpPr>
+          <p:nvPr>
+            <p:extLst>
+              <p:ext uri="{386F3935-93C4-4BCD-93E2-E3B085C9AB24}">
+                <p16:designElem xmlns:p16="http://schemas.microsoft.com/office/powerpoint/2015/main" val="1"/>
+              </p:ext>
+            </p:extLst>
+          </p:nvPr>
+        </p:nvSpPr>
+        <p:spPr>
+          <a:xfrm rot="5400000" flipH="1">
+            <a:off x="-1417539" y="1417538"/>
+            <a:ext cx="6875818" cy="4040744"/>
+          </a:xfrm>
+          <a:prstGeom prst="rect">
+            <a:avLst/>
+          </a:prstGeom>
+          <a:gradFill>
+            <a:gsLst>
+              <a:gs pos="0">
+                <a:srgbClr val="000000"/>
+              </a:gs>
+              <a:gs pos="100000">
+                <a:schemeClr val="accent1">
+                  <a:lumMod val="75000"/>
+                </a:schemeClr>
+              </a:gs>
+            </a:gsLst>
+            <a:lin ang="18600000" scaled="0"/>
+          </a:gradFill>
+          <a:ln>
+            <a:noFill/>
+          </a:ln>
+        </p:spPr>
+        <p:style>
+          <a:lnRef idx="2">
+            <a:schemeClr val="accent1">
+              <a:shade val="50000"/>
+            </a:schemeClr>
+          </a:lnRef>
+          <a:fillRef idx="1">
+            <a:schemeClr val="accent1"/>
+          </a:fillRef>
+          <a:effectRef idx="0">
+            <a:schemeClr val="accent1"/>
+          </a:effectRef>
+          <a:fontRef idx="minor">
+            <a:schemeClr val="lt1"/>
+          </a:fontRef>
+        </p:style>
+        <p:txBody>
+          <a:bodyPr rtlCol="0" anchor="ctr"/>
+          <a:lstStyle/>
+          <a:p>
+            <a:pPr algn="ctr"/>
+            <a:endParaRPr lang="en-US" dirty="0"/>
+          </a:p>
+        </p:txBody>
+      </p:sp>
+      <p:sp>
+        <p:nvSpPr>
+          <p:cNvPr id="95" name="Rectangle 94">
+            <a:extLst>
+              <a:ext uri="{FF2B5EF4-FFF2-40B4-BE49-F238E27FC236}">
+                <a16:creationId xmlns:a16="http://schemas.microsoft.com/office/drawing/2014/main" id="{D07DD2DE-F619-49DD-B5E7-03A290FF4ED1}"/>
+              </a:ext>
+              <a:ext uri="{C183D7F6-B498-43B3-948B-1728B52AA6E4}">
+                <adec:decorative xmlns:adec="http://schemas.microsoft.com/office/drawing/2017/decorative" val="1"/>
+              </a:ext>
+            </a:extLst>
+          </p:cNvPr>
+          <p:cNvSpPr>
+            <a:spLocks noGrp="1" noRot="1" noChangeAspect="1" noMove="1" noResize="1" noEditPoints="1" noAdjustHandles="1" noChangeArrowheads="1" noChangeShapeType="1" noTextEdit="1"/>
+          </p:cNvSpPr>
+          <p:nvPr>
+            <p:extLst>
+              <p:ext uri="{386F3935-93C4-4BCD-93E2-E3B085C9AB24}">
+                <p16:designElem xmlns:p16="http://schemas.microsoft.com/office/powerpoint/2015/main" val="1"/>
+              </p:ext>
+            </p:extLst>
+          </p:nvPr>
+        </p:nvSpPr>
+        <p:spPr>
+          <a:xfrm rot="16200000">
+            <a:off x="-158495" y="2660473"/>
+            <a:ext cx="4355594" cy="4038603"/>
+          </a:xfrm>
+          <a:prstGeom prst="rect">
+            <a:avLst/>
+          </a:prstGeom>
+          <a:gradFill>
+            <a:gsLst>
+              <a:gs pos="0">
+                <a:schemeClr val="accent1">
+                  <a:alpha val="50000"/>
+                </a:schemeClr>
+              </a:gs>
+              <a:gs pos="100000">
+                <a:schemeClr val="accent1">
+                  <a:lumMod val="50000"/>
+                  <a:alpha val="0"/>
+                </a:schemeClr>
+              </a:gs>
+            </a:gsLst>
+            <a:lin ang="11400000" scaled="0"/>
+          </a:gradFill>
+          <a:ln>
+            <a:noFill/>
+          </a:ln>
+        </p:spPr>
+        <p:style>
+          <a:lnRef idx="2">
+            <a:schemeClr val="accent1">
+              <a:shade val="50000"/>
+            </a:schemeClr>
+          </a:lnRef>
+          <a:fillRef idx="1">
+            <a:schemeClr val="accent1"/>
+          </a:fillRef>
+          <a:effectRef idx="0">
+            <a:schemeClr val="accent1"/>
+          </a:effectRef>
+          <a:fontRef idx="minor">
+            <a:schemeClr val="lt1"/>
+          </a:fontRef>
+        </p:style>
+        <p:txBody>
+          <a:bodyPr rtlCol="0" anchor="ctr"/>
+          <a:lstStyle/>
+          <a:p>
+            <a:pPr algn="ctr"/>
+            <a:endParaRPr lang="en-US"/>
+          </a:p>
+        </p:txBody>
+      </p:sp>
+      <p:sp>
+        <p:nvSpPr>
+          <p:cNvPr id="97" name="Rectangle 96">
+            <a:extLst>
+              <a:ext uri="{FF2B5EF4-FFF2-40B4-BE49-F238E27FC236}">
+                <a16:creationId xmlns:a16="http://schemas.microsoft.com/office/drawing/2014/main" id="{85149191-5F60-4A28-AAFF-039F96B0F3EC}"/>
+              </a:ext>
+              <a:ext uri="{C183D7F6-B498-43B3-948B-1728B52AA6E4}">
+                <adec:decorative xmlns:adec="http://schemas.microsoft.com/office/drawing/2017/decorative" val="1"/>
+              </a:ext>
+            </a:extLst>
+          </p:cNvPr>
+          <p:cNvSpPr>
+            <a:spLocks noGrp="1" noRot="1" noChangeAspect="1" noMove="1" noResize="1" noEditPoints="1" noAdjustHandles="1" noChangeArrowheads="1" noChangeShapeType="1" noTextEdit="1"/>
+          </p:cNvSpPr>
+          <p:nvPr>
+            <p:extLst>
+              <p:ext uri="{386F3935-93C4-4BCD-93E2-E3B085C9AB24}">
+                <p16:designElem xmlns:p16="http://schemas.microsoft.com/office/powerpoint/2015/main" val="1"/>
+              </p:ext>
+            </p:extLst>
+          </p:nvPr>
+        </p:nvSpPr>
+        <p:spPr>
+          <a:xfrm rot="16200000" flipH="1">
+            <a:off x="-1180882" y="1638085"/>
+            <a:ext cx="6857572" cy="3581401"/>
+          </a:xfrm>
+          <a:prstGeom prst="rect">
+            <a:avLst/>
+          </a:prstGeom>
+          <a:gradFill>
+            <a:gsLst>
+              <a:gs pos="0">
+                <a:srgbClr val="000000">
+                  <a:alpha val="59000"/>
+                </a:srgbClr>
+              </a:gs>
+              <a:gs pos="69000">
+                <a:schemeClr val="accent1">
+                  <a:alpha val="0"/>
+                </a:schemeClr>
+              </a:gs>
+            </a:gsLst>
+            <a:lin ang="13200000" scaled="0"/>
+          </a:gradFill>
+          <a:ln>
+            <a:noFill/>
+          </a:ln>
+        </p:spPr>
+        <p:style>
+          <a:lnRef idx="2">
+            <a:schemeClr val="accent1">
+              <a:shade val="50000"/>
+            </a:schemeClr>
+          </a:lnRef>
+          <a:fillRef idx="1">
+            <a:schemeClr val="accent1"/>
+          </a:fillRef>
+          <a:effectRef idx="0">
+            <a:schemeClr val="accent1"/>
+          </a:effectRef>
+          <a:fontRef idx="minor">
+            <a:schemeClr val="lt1"/>
+          </a:fontRef>
+        </p:style>
+        <p:txBody>
+          <a:bodyPr rtlCol="0" anchor="ctr"/>
+          <a:lstStyle/>
+          <a:p>
+            <a:pPr algn="ctr"/>
+            <a:endParaRPr lang="en-US" dirty="0"/>
+          </a:p>
+        </p:txBody>
+      </p:sp>
+      <p:sp>
+        <p:nvSpPr>
+          <p:cNvPr id="99" name="Freeform: Shape 98">
+            <a:extLst>
+              <a:ext uri="{FF2B5EF4-FFF2-40B4-BE49-F238E27FC236}">
+                <a16:creationId xmlns:a16="http://schemas.microsoft.com/office/drawing/2014/main" id="{F8260ED5-17F7-4158-B241-D51DD4CF1B7E}"/>
+              </a:ext>
+              <a:ext uri="{C183D7F6-B498-43B3-948B-1728B52AA6E4}">
+                <adec:decorative xmlns:adec="http://schemas.microsoft.com/office/drawing/2017/decorative" val="1"/>
+              </a:ext>
+            </a:extLst>
+          </p:cNvPr>
+          <p:cNvSpPr>
+            <a:spLocks noGrp="1" noRot="1" noChangeAspect="1" noMove="1" noResize="1" noEditPoints="1" noAdjustHandles="1" noChangeArrowheads="1" noChangeShapeType="1" noTextEdit="1"/>
+          </p:cNvSpPr>
+          <p:nvPr>
+            <p:extLst>
+              <p:ext uri="{386F3935-93C4-4BCD-93E2-E3B085C9AB24}">
+                <p16:designElem xmlns:p16="http://schemas.microsoft.com/office/powerpoint/2015/main" val="1"/>
+              </p:ext>
+            </p:extLst>
+          </p:nvPr>
+        </p:nvSpPr>
+        <p:spPr>
+          <a:xfrm rot="6097846">
+            <a:off x="-747355" y="1201312"/>
+            <a:ext cx="4808302" cy="4088666"/>
+          </a:xfrm>
+          <a:custGeom>
+            <a:avLst/>
+            <a:gdLst>
+              <a:gd name="connsiteX0" fmla="*/ 48844 w 4808302"/>
+              <a:gd name="connsiteY0" fmla="*/ 2888671 h 4088666"/>
+              <a:gd name="connsiteX1" fmla="*/ 0 w 4808302"/>
+              <a:gd name="connsiteY1" fmla="*/ 2404151 h 4088666"/>
+              <a:gd name="connsiteX2" fmla="*/ 2404151 w 4808302"/>
+              <a:gd name="connsiteY2" fmla="*/ 0 h 4088666"/>
+              <a:gd name="connsiteX3" fmla="*/ 4808302 w 4808302"/>
+              <a:gd name="connsiteY3" fmla="*/ 2404151 h 4088666"/>
+              <a:gd name="connsiteX4" fmla="*/ 4700216 w 4808302"/>
+              <a:gd name="connsiteY4" fmla="*/ 3119072 h 4088666"/>
+              <a:gd name="connsiteX5" fmla="*/ 4643143 w 4808302"/>
+              <a:gd name="connsiteY5" fmla="*/ 3275009 h 4088666"/>
+              <a:gd name="connsiteX6" fmla="*/ 690093 w 4808302"/>
+              <a:gd name="connsiteY6" fmla="*/ 4088666 h 4088666"/>
+              <a:gd name="connsiteX7" fmla="*/ 548991 w 4808302"/>
+              <a:gd name="connsiteY7" fmla="*/ 3933414 h 4088666"/>
+              <a:gd name="connsiteX8" fmla="*/ 48844 w 4808302"/>
+              <a:gd name="connsiteY8" fmla="*/ 2888671 h 4088666"/>
+            </a:gdLst>
+            <a:ahLst/>
+            <a:cxnLst>
+              <a:cxn ang="0">
+                <a:pos x="connsiteX0" y="connsiteY0"/>
+              </a:cxn>
+              <a:cxn ang="0">
+                <a:pos x="connsiteX1" y="connsiteY1"/>
+              </a:cxn>
+              <a:cxn ang="0">
+                <a:pos x="connsiteX2" y="connsiteY2"/>
+              </a:cxn>
+              <a:cxn ang="0">
+                <a:pos x="connsiteX3" y="connsiteY3"/>
+              </a:cxn>
+              <a:cxn ang="0">
+                <a:pos x="connsiteX4" y="connsiteY4"/>
+              </a:cxn>
+              <a:cxn ang="0">
+                <a:pos x="connsiteX5" y="connsiteY5"/>
+              </a:cxn>
+              <a:cxn ang="0">
+                <a:pos x="connsiteX6" y="connsiteY6"/>
+              </a:cxn>
+              <a:cxn ang="0">
+                <a:pos x="connsiteX7" y="connsiteY7"/>
+              </a:cxn>
+              <a:cxn ang="0">
+                <a:pos x="connsiteX8" y="connsiteY8"/>
+              </a:cxn>
+            </a:cxnLst>
+            <a:rect l="l" t="t" r="r" b="b"/>
+            <a:pathLst>
+              <a:path w="4808302" h="4088666">
+                <a:moveTo>
+                  <a:pt x="48844" y="2888671"/>
+                </a:moveTo>
+                <a:cubicBezTo>
+                  <a:pt x="16818" y="2732167"/>
+                  <a:pt x="0" y="2570123"/>
+                  <a:pt x="0" y="2404151"/>
+                </a:cubicBezTo>
+                <a:cubicBezTo>
+                  <a:pt x="0" y="1076375"/>
+                  <a:pt x="1076375" y="0"/>
+                  <a:pt x="2404151" y="0"/>
+                </a:cubicBezTo>
+                <a:cubicBezTo>
+                  <a:pt x="3731927" y="0"/>
+                  <a:pt x="4808302" y="1076375"/>
+                  <a:pt x="4808302" y="2404151"/>
+                </a:cubicBezTo>
+                <a:cubicBezTo>
+                  <a:pt x="4808302" y="2653109"/>
+                  <a:pt x="4770461" y="2893229"/>
+                  <a:pt x="4700216" y="3119072"/>
+                </a:cubicBezTo>
+                <a:lnTo>
+                  <a:pt x="4643143" y="3275009"/>
+                </a:lnTo>
+                <a:lnTo>
+                  <a:pt x="690093" y="4088666"/>
+                </a:lnTo>
+                <a:lnTo>
+                  <a:pt x="548991" y="3933414"/>
+                </a:lnTo>
+                <a:cubicBezTo>
+                  <a:pt x="304015" y="3636572"/>
+                  <a:pt x="128908" y="3279932"/>
+                  <a:pt x="48844" y="2888671"/>
+                </a:cubicBezTo>
+                <a:close/>
+              </a:path>
+            </a:pathLst>
+          </a:custGeom>
+          <a:gradFill>
+            <a:gsLst>
+              <a:gs pos="39000">
+                <a:schemeClr val="accent1">
+                  <a:lumMod val="60000"/>
+                  <a:lumOff val="40000"/>
+                  <a:alpha val="0"/>
+                </a:schemeClr>
+              </a:gs>
+              <a:gs pos="100000">
+                <a:schemeClr val="accent1">
+                  <a:lumMod val="75000"/>
+                  <a:alpha val="26000"/>
+                </a:schemeClr>
+              </a:gs>
+            </a:gsLst>
+            <a:lin ang="18600000" scaled="0"/>
+          </a:gradFill>
+          <a:ln>
+            <a:noFill/>
+          </a:ln>
+        </p:spPr>
+        <p:style>
+          <a:lnRef idx="2">
+            <a:schemeClr val="accent1">
+              <a:shade val="50000"/>
+            </a:schemeClr>
+          </a:lnRef>
+          <a:fillRef idx="1">
+            <a:schemeClr val="accent1"/>
+          </a:fillRef>
+          <a:effectRef idx="0">
+            <a:schemeClr val="accent1"/>
+          </a:effectRef>
+          <a:fontRef idx="minor">
+            <a:schemeClr val="lt1"/>
+          </a:fontRef>
+        </p:style>
+        <p:txBody>
+          <a:bodyPr wrap="square" rtlCol="0" anchor="ctr">
+            <a:noAutofit/>
+          </a:bodyPr>
+          <a:lstStyle/>
+          <a:p>
+            <a:pPr algn="ctr"/>
+            <a:endParaRPr lang="en-US" dirty="0"/>
+          </a:p>
+        </p:txBody>
+      </p:sp>
+      <p:sp>
+        <p:nvSpPr>
+          <p:cNvPr id="68" name="Title 67">
+            <a:extLst>
+              <a:ext uri="{FF2B5EF4-FFF2-40B4-BE49-F238E27FC236}">
+                <a16:creationId xmlns:a16="http://schemas.microsoft.com/office/drawing/2014/main" id="{12FA1A04-360D-14BE-363D-7880A34FF707}"/>
+              </a:ext>
+            </a:extLst>
+          </p:cNvPr>
+          <p:cNvSpPr>
+            <a:spLocks noGrp="1"/>
+          </p:cNvSpPr>
+          <p:nvPr>
+            <p:ph type="title"/>
+          </p:nvPr>
+        </p:nvSpPr>
+        <p:spPr>
+          <a:xfrm>
+            <a:off x="660041" y="2767106"/>
+            <a:ext cx="2492734" cy="3071906"/>
+          </a:xfrm>
+        </p:spPr>
+        <p:txBody>
+          <a:bodyPr vert="horz" lIns="91440" tIns="45720" rIns="91440" bIns="45720" rtlCol="0" anchor="t">
+            <a:normAutofit fontScale="90000"/>
+          </a:bodyPr>
+          <a:lstStyle/>
+          <a:p>
+            <a:r>
+              <a:rPr lang="en-US" sz="2500" b="1" kern="1200" dirty="0">
+                <a:solidFill>
+                  <a:srgbClr val="FFFFFF"/>
+                </a:solidFill>
+                <a:latin typeface="+mj-lt"/>
+                <a:ea typeface="+mj-ea"/>
+                <a:cs typeface="+mj-cs"/>
+              </a:rPr>
+              <a:t>Behavior in Time</a:t>
+            </a:r>
+            <a:br>
+              <a:rPr lang="en-US" sz="2500" b="1" kern="1200" dirty="0">
+                <a:solidFill>
+                  <a:srgbClr val="FFFFFF"/>
+                </a:solidFill>
+                <a:latin typeface="+mj-lt"/>
+                <a:ea typeface="+mj-ea"/>
+                <a:cs typeface="+mj-cs"/>
+              </a:rPr>
+            </a:br>
+            <a:br>
+              <a:rPr lang="en-US" sz="2500" b="1" kern="1200" dirty="0">
+                <a:solidFill>
+                  <a:srgbClr val="FFFFFF"/>
+                </a:solidFill>
+                <a:latin typeface="+mj-lt"/>
+                <a:ea typeface="+mj-ea"/>
+                <a:cs typeface="+mj-cs"/>
+              </a:rPr>
+            </a:br>
+            <a:r>
+              <a:rPr lang="en-US" sz="1800" kern="1200" dirty="0">
+                <a:solidFill>
+                  <a:srgbClr val="FFFFFF"/>
+                </a:solidFill>
+                <a:latin typeface="+mj-lt"/>
+                <a:ea typeface="+mj-ea"/>
+                <a:cs typeface="+mj-cs"/>
+              </a:rPr>
+              <a:t>At the max peaks in 1956 and 1968 (post-war)  Norway and Iceland caught cod near their borders and exported to friendly nations.</a:t>
+            </a:r>
+            <a:br>
+              <a:rPr lang="en-US" sz="1800" kern="1200" dirty="0">
+                <a:solidFill>
+                  <a:srgbClr val="FFFFFF"/>
+                </a:solidFill>
+                <a:latin typeface="+mj-lt"/>
+                <a:ea typeface="+mj-ea"/>
+                <a:cs typeface="+mj-cs"/>
+              </a:rPr>
+            </a:br>
+            <a:br>
+              <a:rPr lang="en-US" sz="1800" kern="1200" dirty="0">
+                <a:solidFill>
+                  <a:srgbClr val="FFFFFF"/>
+                </a:solidFill>
+                <a:latin typeface="+mj-lt"/>
+                <a:ea typeface="+mj-ea"/>
+                <a:cs typeface="+mj-cs"/>
+              </a:rPr>
+            </a:br>
+            <a:r>
+              <a:rPr lang="en-US" sz="1800" kern="1200" dirty="0">
+                <a:solidFill>
+                  <a:srgbClr val="FFFFFF"/>
+                </a:solidFill>
+                <a:latin typeface="+mj-lt"/>
+                <a:ea typeface="+mj-ea"/>
+                <a:cs typeface="+mj-cs"/>
+              </a:rPr>
+              <a:t>Though decreasing through out the years </a:t>
+            </a:r>
+            <a:r>
+              <a:rPr lang="en-US" sz="1800" dirty="0">
+                <a:solidFill>
+                  <a:srgbClr val="FFFFFF"/>
+                </a:solidFill>
+              </a:rPr>
+              <a:t>we do still see spikes in catch.</a:t>
+            </a:r>
+            <a:endParaRPr lang="en-US" sz="1800" kern="1200" dirty="0">
+              <a:solidFill>
+                <a:srgbClr val="FFFFFF"/>
+              </a:solidFill>
+              <a:latin typeface="+mj-lt"/>
+              <a:ea typeface="+mj-ea"/>
+              <a:cs typeface="+mj-cs"/>
+            </a:endParaRPr>
+          </a:p>
+        </p:txBody>
+      </p:sp>
+      <p:pic>
+        <p:nvPicPr>
+          <p:cNvPr id="74" name="Picture 73">
+            <a:extLst>
+              <a:ext uri="{FF2B5EF4-FFF2-40B4-BE49-F238E27FC236}">
+                <a16:creationId xmlns:a16="http://schemas.microsoft.com/office/drawing/2014/main" id="{8E8B83A9-EFEA-BF77-7D69-4AFB65223466}"/>
+              </a:ext>
+            </a:extLst>
+          </p:cNvPr>
+          <p:cNvPicPr>
+            <a:picLocks noChangeAspect="1"/>
+          </p:cNvPicPr>
+          <p:nvPr/>
+        </p:nvPicPr>
+        <p:blipFill>
+          <a:blip r:embed="rId2"/>
+          <a:stretch>
+            <a:fillRect/>
+          </a:stretch>
+        </p:blipFill>
+        <p:spPr>
+          <a:xfrm>
+            <a:off x="4143840" y="831855"/>
+            <a:ext cx="7895760" cy="5533866"/>
+          </a:xfrm>
+          <a:prstGeom prst="rect">
+            <a:avLst/>
+          </a:prstGeom>
+        </p:spPr>
+      </p:pic>
+    </p:spTree>
+    <p:extLst>
+      <p:ext uri="{BB962C8B-B14F-4D97-AF65-F5344CB8AC3E}">
+        <p14:creationId xmlns:p14="http://schemas.microsoft.com/office/powerpoint/2010/main" val="95992585"/>
+      </p:ext>
+    </p:extLst>
+  </p:cSld>
+  <p:clrMapOvr>
+    <a:masterClrMapping/>
+  </p:clrMapOvr>
+</p:sld>
+</file>
+
+<file path=ppt/slides/slide6.xml><?xml version="1.0" encoding="utf-8"?>
+<p:sld xmlns:a="http://schemas.openxmlformats.org/drawingml/2006/main" xmlns:r="http://schemas.openxmlformats.org/officeDocument/2006/relationships" xmlns:p="http://schemas.openxmlformats.org/presentationml/2006/main">
+  <p:cSld>
+    <p:bg>
+      <p:bgPr>
+        <a:solidFill>
+          <a:schemeClr val="bg1"/>
+        </a:solidFill>
+        <a:effectLst/>
+      </p:bgPr>
+    </p:bg>
+    <p:spTree>
+      <p:nvGrpSpPr>
+        <p:cNvPr id="1" name=""/>
+        <p:cNvGrpSpPr/>
+        <p:nvPr/>
+      </p:nvGrpSpPr>
+      <p:grpSpPr>
+        <a:xfrm>
+          <a:off x="0" y="0"/>
+          <a:ext cx="0" cy="0"/>
+          <a:chOff x="0" y="0"/>
+          <a:chExt cx="0" cy="0"/>
+        </a:xfrm>
+      </p:grpSpPr>
+      <p:sp useBgFill="1">
+        <p:nvSpPr>
+          <p:cNvPr id="15" name="Rectangle 15">
+            <a:extLst>
+              <a:ext uri="{FF2B5EF4-FFF2-40B4-BE49-F238E27FC236}">
+                <a16:creationId xmlns:a16="http://schemas.microsoft.com/office/drawing/2014/main" id="{C4285719-470E-454C-AF62-8323075F1F5B}"/>
+              </a:ext>
+              <a:ext uri="{C183D7F6-B498-43B3-948B-1728B52AA6E4}">
+                <adec:decorative xmlns:adec="http://schemas.microsoft.com/office/drawing/2017/decorative" val="1"/>
+              </a:ext>
+            </a:extLst>
+          </p:cNvPr>
+          <p:cNvSpPr>
+            <a:spLocks noGrp="1" noRot="1" noChangeAspect="1" noMove="1" noResize="1" noEditPoints="1" noAdjustHandles="1" noChangeArrowheads="1" noChangeShapeType="1" noTextEdit="1"/>
+          </p:cNvSpPr>
+          <p:nvPr>
+            <p:extLst>
+              <p:ext uri="{386F3935-93C4-4BCD-93E2-E3B085C9AB24}">
+                <p16:designElem xmlns:p16="http://schemas.microsoft.com/office/powerpoint/2015/main" val="1"/>
+              </p:ext>
+            </p:extLst>
+          </p:nvPr>
+        </p:nvSpPr>
+        <p:spPr>
+          <a:xfrm>
+            <a:off x="0" y="0"/>
+            <a:ext cx="12188952" cy="6858000"/>
+          </a:xfrm>
+          <a:prstGeom prst="rect">
+            <a:avLst/>
+          </a:prstGeom>
+          <a:ln w="12700" cap="flat" cmpd="sng" algn="ctr">
+            <a:noFill/>
+            <a:prstDash val="solid"/>
+            <a:miter lim="800000"/>
+          </a:ln>
+          <a:effectLst/>
+          <a:extLst>
+            <a:ext uri="{91240B29-F687-4F45-9708-019B960494DF}">
+              <a14:hiddenLine xmlns:a14="http://schemas.microsoft.com/office/drawing/2010/main" w="12700" cap="flat" cmpd="sng" algn="ctr">
+                <a:solidFill>
+                  <a:schemeClr val="accent1">
+                    <a:shade val="50000"/>
+                  </a:schemeClr>
+                </a:solidFill>
+                <a:prstDash val="solid"/>
+                <a:miter lim="800000"/>
+              </a14:hiddenLine>
+            </a:ext>
+          </a:extLst>
+        </p:spPr>
+        <p:style>
+          <a:lnRef idx="2">
+            <a:schemeClr val="accent1">
+              <a:shade val="50000"/>
+            </a:schemeClr>
+          </a:lnRef>
+          <a:fillRef idx="1">
+            <a:schemeClr val="accent1"/>
+          </a:fillRef>
+          <a:effectRef idx="0">
+            <a:schemeClr val="accent1"/>
+          </a:effectRef>
+          <a:fontRef idx="minor">
+            <a:schemeClr val="lt1"/>
+          </a:fontRef>
+        </p:style>
+        <p:txBody>
+          <a:bodyPr rtlCol="0" anchor="ctr"/>
+          <a:lstStyle/>
+          <a:p>
+            <a:pPr algn="ctr"/>
+            <a:endParaRPr lang="en-US"/>
+          </a:p>
+        </p:txBody>
+      </p:sp>
+      <p:sp>
+        <p:nvSpPr>
+          <p:cNvPr id="17" name="Rectangle 17">
+            <a:extLst>
+              <a:ext uri="{FF2B5EF4-FFF2-40B4-BE49-F238E27FC236}">
+                <a16:creationId xmlns:a16="http://schemas.microsoft.com/office/drawing/2014/main" id="{CD9FE4EF-C4D8-49A0-B2FF-81D8DB7D8A24}"/>
+              </a:ext>
+              <a:ext uri="{C183D7F6-B498-43B3-948B-1728B52AA6E4}">
+                <adec:decorative xmlns:adec="http://schemas.microsoft.com/office/drawing/2017/decorative" val="1"/>
+              </a:ext>
+            </a:extLst>
+          </p:cNvPr>
+          <p:cNvSpPr>
+            <a:spLocks noGrp="1" noRot="1" noChangeAspect="1" noMove="1" noResize="1" noEditPoints="1" noAdjustHandles="1" noChangeArrowheads="1" noChangeShapeType="1" noTextEdit="1"/>
+          </p:cNvSpPr>
+          <p:nvPr>
+            <p:extLst>
+              <p:ext uri="{386F3935-93C4-4BCD-93E2-E3B085C9AB24}">
+                <p16:designElem xmlns:p16="http://schemas.microsoft.com/office/powerpoint/2015/main" val="1"/>
+              </p:ext>
+            </p:extLst>
+          </p:nvPr>
+        </p:nvSpPr>
+        <p:spPr>
+          <a:xfrm rot="5400000" flipH="1">
+            <a:off x="-1410084" y="1410082"/>
+            <a:ext cx="6858000" cy="4037836"/>
+          </a:xfrm>
+          <a:prstGeom prst="rect">
+            <a:avLst/>
+          </a:prstGeom>
+          <a:gradFill>
+            <a:gsLst>
+              <a:gs pos="8000">
+                <a:srgbClr val="000000"/>
+              </a:gs>
+              <a:gs pos="100000">
+                <a:schemeClr val="accent1">
+                  <a:lumMod val="75000"/>
+                </a:schemeClr>
+              </a:gs>
+            </a:gsLst>
+            <a:lin ang="3000000" scaled="0"/>
+          </a:gradFill>
+          <a:ln>
+            <a:noFill/>
+          </a:ln>
+        </p:spPr>
+        <p:style>
+          <a:lnRef idx="2">
+            <a:schemeClr val="accent1">
+              <a:shade val="50000"/>
+            </a:schemeClr>
+          </a:lnRef>
+          <a:fillRef idx="1">
+            <a:schemeClr val="accent1"/>
+          </a:fillRef>
+          <a:effectRef idx="0">
+            <a:schemeClr val="accent1"/>
+          </a:effectRef>
+          <a:fontRef idx="minor">
+            <a:schemeClr val="lt1"/>
+          </a:fontRef>
+        </p:style>
+        <p:txBody>
+          <a:bodyPr rtlCol="0" anchor="ctr"/>
+          <a:lstStyle/>
+          <a:p>
+            <a:pPr algn="ctr"/>
+            <a:endParaRPr lang="en-US"/>
+          </a:p>
+        </p:txBody>
+      </p:sp>
+      <p:sp>
+        <p:nvSpPr>
+          <p:cNvPr id="19" name="Rectangle 19">
+            <a:extLst>
+              <a:ext uri="{FF2B5EF4-FFF2-40B4-BE49-F238E27FC236}">
+                <a16:creationId xmlns:a16="http://schemas.microsoft.com/office/drawing/2014/main" id="{4300840D-0A0B-4512-BACA-B439D5B9C57C}"/>
+              </a:ext>
+              <a:ext uri="{C183D7F6-B498-43B3-948B-1728B52AA6E4}">
+                <adec:decorative xmlns:adec="http://schemas.microsoft.com/office/drawing/2017/decorative" val="1"/>
+              </a:ext>
+            </a:extLst>
+          </p:cNvPr>
+          <p:cNvSpPr>
+            <a:spLocks noGrp="1" noRot="1" noChangeAspect="1" noMove="1" noResize="1" noEditPoints="1" noAdjustHandles="1" noChangeArrowheads="1" noChangeShapeType="1" noTextEdit="1"/>
+          </p:cNvSpPr>
+          <p:nvPr>
+            <p:extLst>
+              <p:ext uri="{386F3935-93C4-4BCD-93E2-E3B085C9AB24}">
+                <p16:designElem xmlns:p16="http://schemas.microsoft.com/office/powerpoint/2015/main" val="1"/>
+              </p:ext>
+            </p:extLst>
+          </p:nvPr>
+        </p:nvSpPr>
+        <p:spPr>
+          <a:xfrm rot="5400000" flipH="1">
+            <a:off x="-1410085" y="1420219"/>
+            <a:ext cx="6857999" cy="4037839"/>
+          </a:xfrm>
+          <a:prstGeom prst="rect">
+            <a:avLst/>
+          </a:prstGeom>
+          <a:gradFill>
+            <a:gsLst>
+              <a:gs pos="0">
+                <a:srgbClr val="000000">
+                  <a:alpha val="0"/>
+                </a:srgbClr>
+              </a:gs>
+              <a:gs pos="99000">
+                <a:schemeClr val="accent1">
+                  <a:alpha val="46000"/>
+                </a:schemeClr>
+              </a:gs>
+            </a:gsLst>
+            <a:lin ang="1800000" scaled="0"/>
+          </a:gradFill>
+          <a:ln>
+            <a:noFill/>
+          </a:ln>
+        </p:spPr>
+        <p:style>
+          <a:lnRef idx="2">
+            <a:schemeClr val="accent1">
+              <a:shade val="50000"/>
+            </a:schemeClr>
+          </a:lnRef>
+          <a:fillRef idx="1">
+            <a:schemeClr val="accent1"/>
+          </a:fillRef>
+          <a:effectRef idx="0">
+            <a:schemeClr val="accent1"/>
+          </a:effectRef>
+          <a:fontRef idx="minor">
+            <a:schemeClr val="lt1"/>
+          </a:fontRef>
+        </p:style>
+        <p:txBody>
+          <a:bodyPr rtlCol="0" anchor="ctr"/>
+          <a:lstStyle/>
+          <a:p>
+            <a:pPr algn="ctr"/>
+            <a:endParaRPr lang="en-US"/>
+          </a:p>
+        </p:txBody>
+      </p:sp>
+      <p:sp>
+        <p:nvSpPr>
+          <p:cNvPr id="21" name="Rectangle 21">
+            <a:extLst>
+              <a:ext uri="{FF2B5EF4-FFF2-40B4-BE49-F238E27FC236}">
+                <a16:creationId xmlns:a16="http://schemas.microsoft.com/office/drawing/2014/main" id="{D2B78728-A580-49A7-84F9-6EF6F583ADE0}"/>
+              </a:ext>
+              <a:ext uri="{C183D7F6-B498-43B3-948B-1728B52AA6E4}">
+                <adec:decorative xmlns:adec="http://schemas.microsoft.com/office/drawing/2017/decorative" val="1"/>
+              </a:ext>
+            </a:extLst>
+          </p:cNvPr>
+          <p:cNvSpPr>
+            <a:spLocks noGrp="1" noRot="1" noChangeAspect="1" noMove="1" noResize="1" noEditPoints="1" noAdjustHandles="1" noChangeArrowheads="1" noChangeShapeType="1" noTextEdit="1"/>
+          </p:cNvSpPr>
+          <p:nvPr>
+            <p:extLst>
+              <p:ext uri="{386F3935-93C4-4BCD-93E2-E3B085C9AB24}">
+                <p16:designElem xmlns:p16="http://schemas.microsoft.com/office/powerpoint/2015/main" val="1"/>
+              </p:ext>
+            </p:extLst>
+          </p:nvPr>
+        </p:nvSpPr>
+        <p:spPr>
+          <a:xfrm rot="5400000" flipH="1">
+            <a:off x="767923" y="3588085"/>
+            <a:ext cx="2501979" cy="4037841"/>
+          </a:xfrm>
+          <a:prstGeom prst="rect">
+            <a:avLst/>
+          </a:prstGeom>
+          <a:gradFill>
+            <a:gsLst>
+              <a:gs pos="2000">
+                <a:schemeClr val="accent1">
+                  <a:alpha val="29000"/>
+                </a:schemeClr>
+              </a:gs>
+              <a:gs pos="100000">
+                <a:srgbClr val="000000">
+                  <a:alpha val="30000"/>
+                </a:srgbClr>
+              </a:gs>
+            </a:gsLst>
+            <a:lin ang="7800000" scaled="0"/>
+          </a:gradFill>
+          <a:ln>
+            <a:noFill/>
+          </a:ln>
+        </p:spPr>
+        <p:style>
+          <a:lnRef idx="2">
+            <a:schemeClr val="accent1">
+              <a:shade val="50000"/>
+            </a:schemeClr>
+          </a:lnRef>
+          <a:fillRef idx="1">
+            <a:schemeClr val="accent1"/>
+          </a:fillRef>
+          <a:effectRef idx="0">
+            <a:schemeClr val="accent1"/>
+          </a:effectRef>
+          <a:fontRef idx="minor">
+            <a:schemeClr val="lt1"/>
+          </a:fontRef>
+        </p:style>
+        <p:txBody>
+          <a:bodyPr rtlCol="0" anchor="ctr"/>
+          <a:lstStyle/>
+          <a:p>
+            <a:pPr algn="ctr"/>
+            <a:endParaRPr lang="en-US" dirty="0"/>
+          </a:p>
+        </p:txBody>
+      </p:sp>
+      <p:sp>
+        <p:nvSpPr>
+          <p:cNvPr id="23" name="Freeform: Shape 23">
+            <a:extLst>
+              <a:ext uri="{FF2B5EF4-FFF2-40B4-BE49-F238E27FC236}">
+                <a16:creationId xmlns:a16="http://schemas.microsoft.com/office/drawing/2014/main" id="{38FAA1A1-D861-433F-88FA-1E9D6FD31D11}"/>
+              </a:ext>
+              <a:ext uri="{C183D7F6-B498-43B3-948B-1728B52AA6E4}">
+                <adec:decorative xmlns:adec="http://schemas.microsoft.com/office/drawing/2017/decorative" val="1"/>
+              </a:ext>
+            </a:extLst>
+          </p:cNvPr>
+          <p:cNvSpPr>
+            <a:spLocks noGrp="1" noRot="1" noChangeAspect="1" noMove="1" noResize="1" noEditPoints="1" noAdjustHandles="1" noChangeArrowheads="1" noChangeShapeType="1" noTextEdit="1"/>
+          </p:cNvSpPr>
+          <p:nvPr>
+            <p:extLst>
+              <p:ext uri="{386F3935-93C4-4BCD-93E2-E3B085C9AB24}">
+                <p16:designElem xmlns:p16="http://schemas.microsoft.com/office/powerpoint/2015/main" val="1"/>
+              </p:ext>
+            </p:extLst>
+          </p:nvPr>
+        </p:nvSpPr>
+        <p:spPr>
+          <a:xfrm rot="20635413">
+            <a:off x="-501737" y="969718"/>
+            <a:ext cx="3900357" cy="4178958"/>
+          </a:xfrm>
+          <a:custGeom>
+            <a:avLst/>
+            <a:gdLst>
+              <a:gd name="connsiteX0" fmla="*/ 2432225 w 3900357"/>
+              <a:gd name="connsiteY0" fmla="*/ 93939 h 4178958"/>
+              <a:gd name="connsiteX1" fmla="*/ 3900357 w 3900357"/>
+              <a:gd name="connsiteY1" fmla="*/ 2089479 h 4178958"/>
+              <a:gd name="connsiteX2" fmla="*/ 1810878 w 3900357"/>
+              <a:gd name="connsiteY2" fmla="*/ 4178958 h 4178958"/>
+              <a:gd name="connsiteX3" fmla="*/ 78249 w 3900357"/>
+              <a:gd name="connsiteY3" fmla="*/ 3257727 h 4178958"/>
+              <a:gd name="connsiteX4" fmla="*/ 0 w 3900357"/>
+              <a:gd name="connsiteY4" fmla="*/ 3128923 h 4178958"/>
+              <a:gd name="connsiteX5" fmla="*/ 831324 w 3900357"/>
+              <a:gd name="connsiteY5" fmla="*/ 244281 h 4178958"/>
+              <a:gd name="connsiteX6" fmla="*/ 997559 w 3900357"/>
+              <a:gd name="connsiteY6" fmla="*/ 164202 h 4178958"/>
+              <a:gd name="connsiteX7" fmla="*/ 1810878 w 3900357"/>
+              <a:gd name="connsiteY7" fmla="*/ 0 h 4178958"/>
+              <a:gd name="connsiteX8" fmla="*/ 2432225 w 3900357"/>
+              <a:gd name="connsiteY8" fmla="*/ 93939 h 4178958"/>
+            </a:gdLst>
+            <a:ahLst/>
+            <a:cxnLst>
+              <a:cxn ang="0">
+                <a:pos x="connsiteX0" y="connsiteY0"/>
+              </a:cxn>
+              <a:cxn ang="0">
+                <a:pos x="connsiteX1" y="connsiteY1"/>
+              </a:cxn>
+              <a:cxn ang="0">
+                <a:pos x="connsiteX2" y="connsiteY2"/>
+              </a:cxn>
+              <a:cxn ang="0">
+                <a:pos x="connsiteX3" y="connsiteY3"/>
+              </a:cxn>
+              <a:cxn ang="0">
+                <a:pos x="connsiteX4" y="connsiteY4"/>
+              </a:cxn>
+              <a:cxn ang="0">
+                <a:pos x="connsiteX5" y="connsiteY5"/>
+              </a:cxn>
+              <a:cxn ang="0">
+                <a:pos x="connsiteX6" y="connsiteY6"/>
+              </a:cxn>
+              <a:cxn ang="0">
+                <a:pos x="connsiteX7" y="connsiteY7"/>
+              </a:cxn>
+              <a:cxn ang="0">
+                <a:pos x="connsiteX8" y="connsiteY8"/>
+              </a:cxn>
+            </a:cxnLst>
+            <a:rect l="l" t="t" r="r" b="b"/>
+            <a:pathLst>
+              <a:path w="3900357" h="4178958">
+                <a:moveTo>
+                  <a:pt x="2432225" y="93939"/>
+                </a:moveTo>
+                <a:cubicBezTo>
+                  <a:pt x="3282786" y="358491"/>
+                  <a:pt x="3900357" y="1151865"/>
+                  <a:pt x="3900357" y="2089479"/>
+                </a:cubicBezTo>
+                <a:cubicBezTo>
+                  <a:pt x="3900357" y="3243466"/>
+                  <a:pt x="2964865" y="4178958"/>
+                  <a:pt x="1810878" y="4178958"/>
+                </a:cubicBezTo>
+                <a:cubicBezTo>
+                  <a:pt x="1089636" y="4178958"/>
+                  <a:pt x="453744" y="3813531"/>
+                  <a:pt x="78249" y="3257727"/>
+                </a:cubicBezTo>
+                <a:lnTo>
+                  <a:pt x="0" y="3128923"/>
+                </a:lnTo>
+                <a:lnTo>
+                  <a:pt x="831324" y="244281"/>
+                </a:lnTo>
+                <a:lnTo>
+                  <a:pt x="997559" y="164202"/>
+                </a:lnTo>
+                <a:cubicBezTo>
+                  <a:pt x="1247540" y="58468"/>
+                  <a:pt x="1522381" y="0"/>
+                  <a:pt x="1810878" y="0"/>
+                </a:cubicBezTo>
+                <a:cubicBezTo>
+                  <a:pt x="2027251" y="0"/>
+                  <a:pt x="2235942" y="32888"/>
+                  <a:pt x="2432225" y="93939"/>
+                </a:cubicBezTo>
+                <a:close/>
+              </a:path>
+            </a:pathLst>
+          </a:custGeom>
+          <a:gradFill>
+            <a:gsLst>
+              <a:gs pos="29000">
+                <a:srgbClr val="000000">
+                  <a:alpha val="0"/>
+                </a:srgbClr>
+              </a:gs>
+              <a:gs pos="100000">
+                <a:schemeClr val="accent1">
+                  <a:alpha val="43000"/>
+                </a:schemeClr>
+              </a:gs>
+            </a:gsLst>
+            <a:lin ang="1800000" scaled="0"/>
+          </a:gradFill>
+          <a:ln>
+            <a:noFill/>
+          </a:ln>
+        </p:spPr>
+        <p:style>
+          <a:lnRef idx="2">
+            <a:schemeClr val="accent1">
+              <a:shade val="50000"/>
+            </a:schemeClr>
+          </a:lnRef>
+          <a:fillRef idx="1">
+            <a:schemeClr val="accent1"/>
+          </a:fillRef>
+          <a:effectRef idx="0">
+            <a:schemeClr val="accent1"/>
+          </a:effectRef>
+          <a:fontRef idx="minor">
+            <a:schemeClr val="lt1"/>
+          </a:fontRef>
+        </p:style>
+        <p:txBody>
+          <a:bodyPr wrap="square" rtlCol="0" anchor="ctr">
+            <a:noAutofit/>
+          </a:bodyPr>
+          <a:lstStyle/>
+          <a:p>
+            <a:pPr algn="ctr"/>
+            <a:endParaRPr lang="en-US" dirty="0"/>
+          </a:p>
+        </p:txBody>
+      </p:sp>
+      <p:sp>
+        <p:nvSpPr>
+          <p:cNvPr id="25" name="Rectangle 25">
+            <a:extLst>
+              <a:ext uri="{FF2B5EF4-FFF2-40B4-BE49-F238E27FC236}">
+                <a16:creationId xmlns:a16="http://schemas.microsoft.com/office/drawing/2014/main" id="{8D71EDA1-87BF-4D5D-AB79-F346FD19278A}"/>
+              </a:ext>
+              <a:ext uri="{C183D7F6-B498-43B3-948B-1728B52AA6E4}">
+                <adec:decorative xmlns:adec="http://schemas.microsoft.com/office/drawing/2017/decorative" val="1"/>
+              </a:ext>
+            </a:extLst>
+          </p:cNvPr>
+          <p:cNvSpPr>
+            <a:spLocks noGrp="1" noRot="1" noChangeAspect="1" noMove="1" noResize="1" noEditPoints="1" noAdjustHandles="1" noChangeArrowheads="1" noChangeShapeType="1" noTextEdit="1"/>
+          </p:cNvSpPr>
+          <p:nvPr>
+            <p:extLst>
+              <p:ext uri="{386F3935-93C4-4BCD-93E2-E3B085C9AB24}">
+                <p16:designElem xmlns:p16="http://schemas.microsoft.com/office/powerpoint/2015/main" val="1"/>
+              </p:ext>
+            </p:extLst>
+          </p:nvPr>
+        </p:nvSpPr>
+        <p:spPr>
+          <a:xfrm rot="5400000" flipH="1">
+            <a:off x="-1410093" y="1399943"/>
+            <a:ext cx="6858003" cy="4037835"/>
+          </a:xfrm>
+          <a:prstGeom prst="rect">
+            <a:avLst/>
+          </a:prstGeom>
+          <a:gradFill>
+            <a:gsLst>
+              <a:gs pos="0">
+                <a:srgbClr val="000000">
+                  <a:alpha val="0"/>
+                </a:srgbClr>
+              </a:gs>
+              <a:gs pos="99000">
+                <a:schemeClr val="accent1">
+                  <a:lumMod val="60000"/>
+                  <a:lumOff val="40000"/>
+                  <a:alpha val="11000"/>
+                </a:schemeClr>
+              </a:gs>
+            </a:gsLst>
+            <a:lin ang="7200000" scaled="0"/>
+          </a:gradFill>
+          <a:ln>
+            <a:noFill/>
+          </a:ln>
+        </p:spPr>
+        <p:style>
+          <a:lnRef idx="2">
+            <a:schemeClr val="accent1">
+              <a:shade val="50000"/>
+            </a:schemeClr>
+          </a:lnRef>
+          <a:fillRef idx="1">
+            <a:schemeClr val="accent1"/>
+          </a:fillRef>
+          <a:effectRef idx="0">
+            <a:schemeClr val="accent1"/>
+          </a:effectRef>
+          <a:fontRef idx="minor">
+            <a:schemeClr val="lt1"/>
+          </a:fontRef>
+        </p:style>
+        <p:txBody>
+          <a:bodyPr rtlCol="0" anchor="ctr"/>
+          <a:lstStyle/>
+          <a:p>
+            <a:pPr algn="ctr"/>
+            <a:endParaRPr lang="en-US"/>
+          </a:p>
+        </p:txBody>
+      </p:sp>
+      <p:sp>
+        <p:nvSpPr>
+          <p:cNvPr id="27" name="Title 1">
+            <a:extLst>
+              <a:ext uri="{FF2B5EF4-FFF2-40B4-BE49-F238E27FC236}">
+                <a16:creationId xmlns:a16="http://schemas.microsoft.com/office/drawing/2014/main" id="{1A8A21DF-96FB-69AF-8D7B-72D76F10E41E}"/>
+              </a:ext>
+            </a:extLst>
+          </p:cNvPr>
+          <p:cNvSpPr>
+            <a:spLocks noGrp="1"/>
+          </p:cNvSpPr>
+          <p:nvPr>
+            <p:ph type="title"/>
+          </p:nvPr>
+        </p:nvSpPr>
+        <p:spPr>
+          <a:xfrm>
+            <a:off x="466722" y="586855"/>
+            <a:ext cx="3201366" cy="3387497"/>
+          </a:xfrm>
+        </p:spPr>
+        <p:txBody>
+          <a:bodyPr anchor="b">
+            <a:normAutofit/>
+          </a:bodyPr>
+          <a:lstStyle/>
+          <a:p>
+            <a:pPr algn="r"/>
+            <a:br>
+              <a:rPr lang="en-US" sz="4000" dirty="0">
+                <a:solidFill>
+                  <a:srgbClr val="FFFFFF"/>
+                </a:solidFill>
+              </a:rPr>
+            </a:br>
+            <a:r>
+              <a:rPr lang="en-US" sz="2800" dirty="0">
+                <a:solidFill>
+                  <a:srgbClr val="FFFFFF"/>
+                </a:solidFill>
+              </a:rPr>
+              <a:t>Atlantic cod caught by U.S. vs other countries</a:t>
+            </a:r>
+            <a:br>
+              <a:rPr lang="en-US" sz="2800" dirty="0">
+                <a:solidFill>
+                  <a:srgbClr val="FFFFFF"/>
+                </a:solidFill>
+              </a:rPr>
+            </a:br>
+            <a:r>
+              <a:rPr lang="en-US" sz="1800" dirty="0">
+                <a:solidFill>
+                  <a:srgbClr val="FFFFFF"/>
+                </a:solidFill>
+              </a:rPr>
+              <a:t>The U.S. is not the main contributor to catching cod as the data indicates</a:t>
+            </a:r>
+            <a:endParaRPr lang="en-US" sz="2800" dirty="0">
+              <a:solidFill>
+                <a:srgbClr val="FFFFFF"/>
+              </a:solidFill>
+            </a:endParaRPr>
+          </a:p>
+        </p:txBody>
+      </p:sp>
+      <p:pic>
+        <p:nvPicPr>
+          <p:cNvPr id="34" name="Picture 33">
+            <a:extLst>
+              <a:ext uri="{FF2B5EF4-FFF2-40B4-BE49-F238E27FC236}">
+                <a16:creationId xmlns:a16="http://schemas.microsoft.com/office/drawing/2014/main" id="{D5EF5E35-52BA-F848-EB00-B6D282AE4582}"/>
+              </a:ext>
+            </a:extLst>
+          </p:cNvPr>
+          <p:cNvPicPr>
+            <a:picLocks noChangeAspect="1"/>
+          </p:cNvPicPr>
+          <p:nvPr/>
+        </p:nvPicPr>
+        <p:blipFill>
+          <a:blip r:embed="rId2"/>
+          <a:stretch>
+            <a:fillRect/>
+          </a:stretch>
+        </p:blipFill>
+        <p:spPr>
+          <a:xfrm>
+            <a:off x="8058151" y="10137"/>
+            <a:ext cx="3914988" cy="6858000"/>
+          </a:xfrm>
+          <a:prstGeom prst="rect">
+            <a:avLst/>
+          </a:prstGeom>
+        </p:spPr>
+      </p:pic>
+      <p:pic>
+        <p:nvPicPr>
+          <p:cNvPr id="39" name="Content Placeholder 38">
+            <a:extLst>
+              <a:ext uri="{FF2B5EF4-FFF2-40B4-BE49-F238E27FC236}">
+                <a16:creationId xmlns:a16="http://schemas.microsoft.com/office/drawing/2014/main" id="{6863713A-B7C3-3D7C-875B-B81A2E1D56F6}"/>
+              </a:ext>
+            </a:extLst>
+          </p:cNvPr>
+          <p:cNvPicPr>
+            <a:picLocks noGrp="1" noChangeAspect="1"/>
+          </p:cNvPicPr>
+          <p:nvPr>
+            <p:ph idx="1"/>
+          </p:nvPr>
+        </p:nvPicPr>
+        <p:blipFill>
+          <a:blip r:embed="rId3"/>
+          <a:stretch>
+            <a:fillRect/>
+          </a:stretch>
+        </p:blipFill>
+        <p:spPr>
+          <a:xfrm>
+            <a:off x="4133850" y="10137"/>
+            <a:ext cx="3914988" cy="6837724"/>
+          </a:xfrm>
+        </p:spPr>
+      </p:pic>
+    </p:spTree>
+    <p:extLst>
+      <p:ext uri="{BB962C8B-B14F-4D97-AF65-F5344CB8AC3E}">
+        <p14:creationId xmlns:p14="http://schemas.microsoft.com/office/powerpoint/2010/main" val="567196692"/>
+      </p:ext>
+    </p:extLst>
+  </p:cSld>
+  <p:clrMapOvr>
+    <a:masterClrMapping/>
+  </p:clrMapOvr>
+</p:sld>
+</file>
+
+<file path=ppt/slides/slide7.xml><?xml version="1.0" encoding="utf-8"?>
+<p:sld xmlns:a="http://schemas.openxmlformats.org/drawingml/2006/main" xmlns:r="http://schemas.openxmlformats.org/officeDocument/2006/relationships" xmlns:p="http://schemas.openxmlformats.org/presentationml/2006/main">
+  <p:cSld>
+    <p:bg>
+      <p:bgPr>
+        <a:solidFill>
+          <a:schemeClr val="bg1"/>
+        </a:solidFill>
+        <a:effectLst/>
+      </p:bgPr>
+    </p:bg>
+    <p:spTree>
+      <p:nvGrpSpPr>
+        <p:cNvPr id="1" name=""/>
+        <p:cNvGrpSpPr/>
+        <p:nvPr/>
+      </p:nvGrpSpPr>
+      <p:grpSpPr>
+        <a:xfrm>
+          <a:off x="0" y="0"/>
+          <a:ext cx="0" cy="0"/>
+          <a:chOff x="0" y="0"/>
+          <a:chExt cx="0" cy="0"/>
+        </a:xfrm>
+      </p:grpSpPr>
+      <p:sp useBgFill="1">
+        <p:nvSpPr>
+          <p:cNvPr id="22" name="Rectangle 13">
+            <a:extLst>
+              <a:ext uri="{FF2B5EF4-FFF2-40B4-BE49-F238E27FC236}">
+                <a16:creationId xmlns:a16="http://schemas.microsoft.com/office/drawing/2014/main" id="{AB8C311F-7253-4AED-9701-7FC0708C41C7}"/>
+              </a:ext>
+              <a:ext uri="{C183D7F6-B498-43B3-948B-1728B52AA6E4}">
+                <adec:decorative xmlns:adec="http://schemas.microsoft.com/office/drawing/2017/decorative" val="1"/>
+              </a:ext>
+            </a:extLst>
+          </p:cNvPr>
+          <p:cNvSpPr>
+            <a:spLocks noGrp="1" noRot="1" noChangeAspect="1" noMove="1" noResize="1" noEditPoints="1" noAdjustHandles="1" noChangeArrowheads="1" noChangeShapeType="1" noTextEdit="1"/>
+          </p:cNvSpPr>
+          <p:nvPr>
+            <p:extLst>
+              <p:ext uri="{386F3935-93C4-4BCD-93E2-E3B085C9AB24}">
+                <p16:designElem xmlns:p16="http://schemas.microsoft.com/office/powerpoint/2015/main" val="1"/>
+              </p:ext>
+            </p:extLst>
+          </p:nvPr>
+        </p:nvSpPr>
+        <p:spPr>
+          <a:xfrm>
+            <a:off x="0" y="0"/>
+            <a:ext cx="12192000" cy="6858000"/>
+          </a:xfrm>
+          <a:prstGeom prst="rect">
+            <a:avLst/>
+          </a:prstGeom>
+          <a:ln w="12700" cap="flat" cmpd="sng" algn="ctr">
+            <a:noFill/>
+            <a:prstDash val="solid"/>
+            <a:miter lim="800000"/>
+          </a:ln>
+          <a:effectLst/>
+          <a:extLst>
+            <a:ext uri="{91240B29-F687-4F45-9708-019B960494DF}">
+              <a14:hiddenLine xmlns:a14="http://schemas.microsoft.com/office/drawing/2010/main" w="12700" cap="flat" cmpd="sng" algn="ctr">
+                <a:solidFill>
+                  <a:schemeClr val="accent1">
+                    <a:shade val="50000"/>
+                  </a:schemeClr>
+                </a:solidFill>
+                <a:prstDash val="solid"/>
+                <a:miter lim="800000"/>
+              </a14:hiddenLine>
+            </a:ext>
+          </a:extLst>
+        </p:spPr>
+        <p:style>
+          <a:lnRef idx="2">
+            <a:schemeClr val="accent1">
+              <a:shade val="50000"/>
+            </a:schemeClr>
+          </a:lnRef>
+          <a:fillRef idx="1">
+            <a:schemeClr val="accent1"/>
+          </a:fillRef>
+          <a:effectRef idx="0">
+            <a:schemeClr val="accent1"/>
+          </a:effectRef>
+          <a:fontRef idx="minor">
+            <a:schemeClr val="lt1"/>
+          </a:fontRef>
+        </p:style>
+        <p:txBody>
+          <a:bodyPr rtlCol="0" anchor="ctr"/>
+          <a:lstStyle/>
+          <a:p>
+            <a:pPr algn="ctr"/>
+            <a:endParaRPr lang="en-US"/>
+          </a:p>
+        </p:txBody>
+      </p:sp>
+      <p:sp>
+        <p:nvSpPr>
+          <p:cNvPr id="23" name="Rectangle 15">
+            <a:extLst>
+              <a:ext uri="{FF2B5EF4-FFF2-40B4-BE49-F238E27FC236}">
+                <a16:creationId xmlns:a16="http://schemas.microsoft.com/office/drawing/2014/main" id="{E2384209-CB15-4CDF-9D31-C44FD9A3F20D}"/>
+              </a:ext>
+              <a:ext uri="{C183D7F6-B498-43B3-948B-1728B52AA6E4}">
+                <adec:decorative xmlns:adec="http://schemas.microsoft.com/office/drawing/2017/decorative" val="1"/>
+              </a:ext>
+            </a:extLst>
+          </p:cNvPr>
+          <p:cNvSpPr>
+            <a:spLocks noGrp="1" noRot="1" noChangeAspect="1" noMove="1" noResize="1" noEditPoints="1" noAdjustHandles="1" noChangeArrowheads="1" noChangeShapeType="1" noTextEdit="1"/>
+          </p:cNvSpPr>
+          <p:nvPr>
+            <p:extLst>
+              <p:ext uri="{386F3935-93C4-4BCD-93E2-E3B085C9AB24}">
+                <p16:designElem xmlns:p16="http://schemas.microsoft.com/office/powerpoint/2015/main" val="1"/>
+              </p:ext>
+            </p:extLst>
+          </p:nvPr>
+        </p:nvSpPr>
+        <p:spPr>
+          <a:xfrm rot="16200000" flipH="1">
+            <a:off x="2666617" y="-2666188"/>
+            <a:ext cx="6858000" cy="12191233"/>
+          </a:xfrm>
+          <a:prstGeom prst="rect">
+            <a:avLst/>
+          </a:prstGeom>
+          <a:gradFill>
+            <a:gsLst>
+              <a:gs pos="8000">
+                <a:schemeClr val="accent1"/>
+              </a:gs>
+              <a:gs pos="100000">
+                <a:schemeClr val="accent1">
+                  <a:lumMod val="50000"/>
+                </a:schemeClr>
+              </a:gs>
+            </a:gsLst>
+            <a:lin ang="12000000" scaled="0"/>
+          </a:gradFill>
+          <a:ln>
+            <a:noFill/>
+          </a:ln>
+        </p:spPr>
+        <p:style>
+          <a:lnRef idx="2">
+            <a:schemeClr val="accent1">
+              <a:shade val="50000"/>
+            </a:schemeClr>
+          </a:lnRef>
+          <a:fillRef idx="1">
+            <a:schemeClr val="accent1"/>
+          </a:fillRef>
+          <a:effectRef idx="0">
+            <a:schemeClr val="accent1"/>
+          </a:effectRef>
+          <a:fontRef idx="minor">
+            <a:schemeClr val="lt1"/>
+          </a:fontRef>
+        </p:style>
+        <p:txBody>
+          <a:bodyPr rtlCol="0" anchor="ctr"/>
+          <a:lstStyle/>
+          <a:p>
+            <a:pPr algn="ctr"/>
+            <a:endParaRPr lang="en-US"/>
+          </a:p>
+        </p:txBody>
+      </p:sp>
+      <p:sp>
+        <p:nvSpPr>
+          <p:cNvPr id="24" name="Rectangle 17">
+            <a:extLst>
+              <a:ext uri="{FF2B5EF4-FFF2-40B4-BE49-F238E27FC236}">
+                <a16:creationId xmlns:a16="http://schemas.microsoft.com/office/drawing/2014/main" id="{2633B3B5-CC90-43F0-8714-D31D1F3F0209}"/>
+              </a:ext>
+              <a:ext uri="{C183D7F6-B498-43B3-948B-1728B52AA6E4}">
+                <adec:decorative xmlns:adec="http://schemas.microsoft.com/office/drawing/2017/decorative" val="1"/>
+              </a:ext>
+            </a:extLst>
+          </p:cNvPr>
+          <p:cNvSpPr>
+            <a:spLocks noGrp="1" noRot="1" noChangeAspect="1" noMove="1" noResize="1" noEditPoints="1" noAdjustHandles="1" noChangeArrowheads="1" noChangeShapeType="1" noTextEdit="1"/>
+          </p:cNvSpPr>
+          <p:nvPr>
+            <p:extLst>
+              <p:ext uri="{386F3935-93C4-4BCD-93E2-E3B085C9AB24}">
+                <p16:designElem xmlns:p16="http://schemas.microsoft.com/office/powerpoint/2015/main" val="1"/>
+              </p:ext>
+            </p:extLst>
+          </p:nvPr>
+        </p:nvSpPr>
+        <p:spPr>
+          <a:xfrm rot="10800000" flipH="1">
+            <a:off x="-2311" y="0"/>
+            <a:ext cx="9070846" cy="6857572"/>
+          </a:xfrm>
+          <a:prstGeom prst="rect">
+            <a:avLst/>
+          </a:prstGeom>
+          <a:gradFill>
+            <a:gsLst>
+              <a:gs pos="8000">
+                <a:srgbClr val="000000">
+                  <a:alpha val="52000"/>
+                </a:srgbClr>
+              </a:gs>
+              <a:gs pos="100000">
+                <a:schemeClr val="accent1"/>
+              </a:gs>
+            </a:gsLst>
+            <a:lin ang="4800000" scaled="0"/>
+          </a:gradFill>
+          <a:ln>
+            <a:noFill/>
+          </a:ln>
+        </p:spPr>
+        <p:style>
+          <a:lnRef idx="2">
+            <a:schemeClr val="accent1">
+              <a:shade val="50000"/>
+            </a:schemeClr>
+          </a:lnRef>
+          <a:fillRef idx="1">
+            <a:schemeClr val="accent1"/>
+          </a:fillRef>
+          <a:effectRef idx="0">
+            <a:schemeClr val="accent1"/>
+          </a:effectRef>
+          <a:fontRef idx="minor">
+            <a:schemeClr val="lt1"/>
+          </a:fontRef>
+        </p:style>
+        <p:txBody>
+          <a:bodyPr rtlCol="0" anchor="ctr"/>
+          <a:lstStyle/>
+          <a:p>
+            <a:pPr algn="ctr"/>
+            <a:endParaRPr lang="en-US"/>
+          </a:p>
+        </p:txBody>
+      </p:sp>
+      <p:sp>
+        <p:nvSpPr>
+          <p:cNvPr id="25" name="Rectangle 19">
+            <a:extLst>
+              <a:ext uri="{FF2B5EF4-FFF2-40B4-BE49-F238E27FC236}">
+                <a16:creationId xmlns:a16="http://schemas.microsoft.com/office/drawing/2014/main" id="{A8D57A06-A426-446D-B02C-A2DC6B62E45E}"/>
+              </a:ext>
+              <a:ext uri="{C183D7F6-B498-43B3-948B-1728B52AA6E4}">
+                <adec:decorative xmlns:adec="http://schemas.microsoft.com/office/drawing/2017/decorative" val="1"/>
+              </a:ext>
+            </a:extLst>
+          </p:cNvPr>
+          <p:cNvSpPr>
+            <a:spLocks noGrp="1" noRot="1" noChangeAspect="1" noMove="1" noResize="1" noEditPoints="1" noAdjustHandles="1" noChangeArrowheads="1" noChangeShapeType="1" noTextEdit="1"/>
+          </p:cNvSpPr>
+          <p:nvPr>
+            <p:extLst>
+              <p:ext uri="{386F3935-93C4-4BCD-93E2-E3B085C9AB24}">
+                <p16:designElem xmlns:p16="http://schemas.microsoft.com/office/powerpoint/2015/main" val="1"/>
+              </p:ext>
+            </p:extLst>
+          </p:nvPr>
+        </p:nvSpPr>
+        <p:spPr>
+          <a:xfrm rot="16200000" flipH="1">
+            <a:off x="3649491" y="-1685840"/>
+            <a:ext cx="4894564" cy="12193546"/>
+          </a:xfrm>
+          <a:prstGeom prst="rect">
+            <a:avLst/>
+          </a:prstGeom>
+          <a:gradFill>
+            <a:gsLst>
+              <a:gs pos="0">
+                <a:schemeClr val="accent5">
+                  <a:lumMod val="60000"/>
+                  <a:lumOff val="40000"/>
+                  <a:alpha val="0"/>
+                </a:schemeClr>
+              </a:gs>
+              <a:gs pos="100000">
+                <a:srgbClr val="000000">
+                  <a:alpha val="46000"/>
+                </a:srgbClr>
+              </a:gs>
+            </a:gsLst>
+            <a:lin ang="1200000" scaled="0"/>
+          </a:gradFill>
+          <a:ln>
+            <a:noFill/>
+          </a:ln>
+        </p:spPr>
+        <p:style>
+          <a:lnRef idx="2">
+            <a:schemeClr val="accent1">
+              <a:shade val="50000"/>
+            </a:schemeClr>
+          </a:lnRef>
+          <a:fillRef idx="1">
+            <a:schemeClr val="accent1"/>
+          </a:fillRef>
+          <a:effectRef idx="0">
+            <a:schemeClr val="accent1"/>
+          </a:effectRef>
+          <a:fontRef idx="minor">
+            <a:schemeClr val="lt1"/>
+          </a:fontRef>
+        </p:style>
+        <p:txBody>
+          <a:bodyPr rtlCol="0" anchor="ctr"/>
+          <a:lstStyle/>
+          <a:p>
+            <a:pPr algn="ctr"/>
+            <a:endParaRPr lang="en-US"/>
+          </a:p>
+        </p:txBody>
+      </p:sp>
+      <p:pic>
+        <p:nvPicPr>
+          <p:cNvPr id="9" name="slide9" descr="Cod">
+            <a:extLst>
+              <a:ext uri="{FF2B5EF4-FFF2-40B4-BE49-F238E27FC236}">
+                <a16:creationId xmlns:a16="http://schemas.microsoft.com/office/drawing/2014/main" id="{45FFD9C0-9FE0-4CF3-B553-C5F6A1E32225}"/>
+              </a:ext>
+            </a:extLst>
+          </p:cNvPr>
+          <p:cNvPicPr>
+            <a:picLocks noChangeAspect="1"/>
+          </p:cNvPicPr>
+          <p:nvPr/>
+        </p:nvPicPr>
+        <p:blipFill>
+          <a:blip r:embed="rId2">
+            <a:extLst>
+              <a:ext uri="{28A0092B-C50C-407E-A947-70E740481C1C}">
+                <a14:useLocalDpi xmlns:a14="http://schemas.microsoft.com/office/drawing/2010/main" val="0"/>
+              </a:ext>
+            </a:extLst>
+          </a:blip>
+          <a:stretch>
+            <a:fillRect/>
+          </a:stretch>
+        </p:blipFill>
+        <p:spPr>
+          <a:xfrm>
+            <a:off x="2133600" y="457200"/>
+            <a:ext cx="7924800" cy="5943600"/>
+          </a:xfrm>
+          <a:prstGeom prst="rect">
+            <a:avLst/>
+          </a:prstGeom>
+        </p:spPr>
+      </p:pic>
+    </p:spTree>
+    <p:extLst>
+      <p:ext uri="{BB962C8B-B14F-4D97-AF65-F5344CB8AC3E}">
+        <p14:creationId xmlns:p14="http://schemas.microsoft.com/office/powerpoint/2010/main" val="95992585"/>
+      </p:ext>
+    </p:extLst>
+  </p:cSld>
+  <p:clrMapOvr>
+    <a:masterClrMapping/>
+  </p:clrMapOvr>
+</p:sld>
+</file>
+
+<file path=ppt/slides/slide8.xml><?xml version="1.0" encoding="utf-8"?>
+<p:sld xmlns:a="http://schemas.openxmlformats.org/drawingml/2006/main" xmlns:r="http://schemas.openxmlformats.org/officeDocument/2006/relationships" xmlns:p="http://schemas.openxmlformats.org/presentationml/2006/main">
+  <p:cSld>
+    <p:bg>
+      <p:bgPr>
+        <a:solidFill>
+          <a:schemeClr val="bg1"/>
+        </a:solidFill>
+        <a:effectLst/>
+      </p:bgPr>
+    </p:bg>
+    <p:spTree>
+      <p:nvGrpSpPr>
+        <p:cNvPr id="1" name=""/>
+        <p:cNvGrpSpPr/>
+        <p:nvPr/>
+      </p:nvGrpSpPr>
+      <p:grpSpPr>
+        <a:xfrm>
+          <a:off x="0" y="0"/>
+          <a:ext cx="0" cy="0"/>
+          <a:chOff x="0" y="0"/>
+          <a:chExt cx="0" cy="0"/>
+        </a:xfrm>
+      </p:grpSpPr>
+      <p:sp useBgFill="1">
+        <p:nvSpPr>
+          <p:cNvPr id="9" name="Rectangle 8">
+            <a:extLst>
+              <a:ext uri="{FF2B5EF4-FFF2-40B4-BE49-F238E27FC236}">
+                <a16:creationId xmlns:a16="http://schemas.microsoft.com/office/drawing/2014/main" id="{0E30439A-8A5B-46EC-8283-9B6B031D40D0}"/>
+              </a:ext>
+              <a:ext uri="{C183D7F6-B498-43B3-948B-1728B52AA6E4}">
+                <adec:decorative xmlns:adec="http://schemas.microsoft.com/office/drawing/2017/decorative" val="1"/>
+              </a:ext>
+            </a:extLst>
+          </p:cNvPr>
+          <p:cNvSpPr>
+            <a:spLocks noGrp="1" noRot="1" noChangeAspect="1" noMove="1" noResize="1" noEditPoints="1" noAdjustHandles="1" noChangeArrowheads="1" noChangeShapeType="1" noTextEdit="1"/>
+          </p:cNvSpPr>
+          <p:nvPr>
+            <p:extLst>
+              <p:ext uri="{386F3935-93C4-4BCD-93E2-E3B085C9AB24}">
+                <p16:designElem xmlns:p16="http://schemas.microsoft.com/office/powerpoint/2015/main" val="1"/>
+              </p:ext>
+            </p:extLst>
+          </p:nvPr>
+        </p:nvSpPr>
+        <p:spPr>
+          <a:xfrm>
+            <a:off x="0" y="0"/>
+            <a:ext cx="12192000" cy="6858000"/>
+          </a:xfrm>
+          <a:prstGeom prst="rect">
+            <a:avLst/>
+          </a:prstGeom>
+          <a:ln w="12700" cap="flat" cmpd="sng" algn="ctr">
+            <a:noFill/>
+            <a:prstDash val="solid"/>
+            <a:miter lim="800000"/>
+          </a:ln>
+          <a:effectLst/>
+          <a:extLst>
+            <a:ext uri="{91240B29-F687-4F45-9708-019B960494DF}">
+              <a14:hiddenLine xmlns:a14="http://schemas.microsoft.com/office/drawing/2010/main" w="12700" cap="flat" cmpd="sng" algn="ctr">
+                <a:solidFill>
+                  <a:schemeClr val="accent1">
+                    <a:shade val="50000"/>
+                  </a:schemeClr>
+                </a:solidFill>
+                <a:prstDash val="solid"/>
+                <a:miter lim="800000"/>
+              </a14:hiddenLine>
+            </a:ext>
+          </a:extLst>
+        </p:spPr>
+        <p:style>
+          <a:lnRef idx="2">
+            <a:schemeClr val="accent1">
+              <a:shade val="50000"/>
+            </a:schemeClr>
+          </a:lnRef>
+          <a:fillRef idx="1">
+            <a:schemeClr val="accent1"/>
+          </a:fillRef>
+          <a:effectRef idx="0">
+            <a:schemeClr val="accent1"/>
+          </a:effectRef>
+          <a:fontRef idx="minor">
+            <a:schemeClr val="lt1"/>
+          </a:fontRef>
+        </p:style>
+        <p:txBody>
+          <a:bodyPr rtlCol="0" anchor="ctr"/>
+          <a:lstStyle/>
+          <a:p>
+            <a:pPr algn="ctr"/>
+            <a:endParaRPr lang="en-US"/>
+          </a:p>
+        </p:txBody>
+      </p:sp>
+      <p:sp>
+        <p:nvSpPr>
+          <p:cNvPr id="11" name="Rectangle 10">
+            <a:extLst>
+              <a:ext uri="{FF2B5EF4-FFF2-40B4-BE49-F238E27FC236}">
+                <a16:creationId xmlns:a16="http://schemas.microsoft.com/office/drawing/2014/main" id="{5CEAD642-85CF-4750-8432-7C80C901F001}"/>
+              </a:ext>
+              <a:ext uri="{C183D7F6-B498-43B3-948B-1728B52AA6E4}">
+                <adec:decorative xmlns:adec="http://schemas.microsoft.com/office/drawing/2017/decorative" val="1"/>
+              </a:ext>
+            </a:extLst>
+          </p:cNvPr>
+          <p:cNvSpPr>
+            <a:spLocks noGrp="1" noRot="1" noChangeAspect="1" noMove="1" noResize="1" noEditPoints="1" noAdjustHandles="1" noChangeArrowheads="1" noChangeShapeType="1" noTextEdit="1"/>
+          </p:cNvSpPr>
+          <p:nvPr>
+            <p:extLst>
+              <p:ext uri="{386F3935-93C4-4BCD-93E2-E3B085C9AB24}">
+                <p16:designElem xmlns:p16="http://schemas.microsoft.com/office/powerpoint/2015/main" val="1"/>
+              </p:ext>
+            </p:extLst>
+          </p:nvPr>
+        </p:nvSpPr>
+        <p:spPr>
+          <a:xfrm>
+            <a:off x="0" y="-427"/>
+            <a:ext cx="12192001" cy="6858000"/>
+          </a:xfrm>
+          <a:prstGeom prst="rect">
+            <a:avLst/>
+          </a:prstGeom>
+          <a:gradFill>
+            <a:gsLst>
+              <a:gs pos="0">
+                <a:srgbClr val="000000"/>
+              </a:gs>
+              <a:gs pos="100000">
+                <a:schemeClr val="accent1">
+                  <a:lumMod val="75000"/>
+                </a:schemeClr>
+              </a:gs>
+            </a:gsLst>
+            <a:lin ang="15000000" scaled="0"/>
+          </a:gradFill>
+          <a:ln>
+            <a:noFill/>
+          </a:ln>
+        </p:spPr>
+        <p:style>
+          <a:lnRef idx="2">
+            <a:schemeClr val="accent1">
+              <a:shade val="50000"/>
+            </a:schemeClr>
+          </a:lnRef>
+          <a:fillRef idx="1">
+            <a:schemeClr val="accent1"/>
+          </a:fillRef>
+          <a:effectRef idx="0">
+            <a:schemeClr val="accent1"/>
+          </a:effectRef>
+          <a:fontRef idx="minor">
+            <a:schemeClr val="lt1"/>
+          </a:fontRef>
+        </p:style>
+        <p:txBody>
+          <a:bodyPr rtlCol="0" anchor="ctr"/>
+          <a:lstStyle/>
+          <a:p>
+            <a:pPr algn="ctr"/>
+            <a:endParaRPr lang="en-US"/>
+          </a:p>
+        </p:txBody>
+      </p:sp>
+      <p:sp>
+        <p:nvSpPr>
+          <p:cNvPr id="13" name="Rectangle 12">
+            <a:extLst>
+              <a:ext uri="{FF2B5EF4-FFF2-40B4-BE49-F238E27FC236}">
+                <a16:creationId xmlns:a16="http://schemas.microsoft.com/office/drawing/2014/main" id="{FA33EEAE-15D5-4119-8C1E-89D943F911EF}"/>
+              </a:ext>
+              <a:ext uri="{C183D7F6-B498-43B3-948B-1728B52AA6E4}">
+                <adec:decorative xmlns:adec="http://schemas.microsoft.com/office/drawing/2017/decorative" val="1"/>
+              </a:ext>
+            </a:extLst>
+          </p:cNvPr>
+          <p:cNvSpPr>
+            <a:spLocks noGrp="1" noRot="1" noChangeAspect="1" noMove="1" noResize="1" noEditPoints="1" noAdjustHandles="1" noChangeArrowheads="1" noChangeShapeType="1" noTextEdit="1"/>
+          </p:cNvSpPr>
+          <p:nvPr>
+            <p:extLst>
+              <p:ext uri="{386F3935-93C4-4BCD-93E2-E3B085C9AB24}">
+                <p16:designElem xmlns:p16="http://schemas.microsoft.com/office/powerpoint/2015/main" val="1"/>
+              </p:ext>
+            </p:extLst>
+          </p:nvPr>
+        </p:nvSpPr>
+        <p:spPr>
+          <a:xfrm rot="10800000" flipH="1">
+            <a:off x="455521" y="-1720"/>
+            <a:ext cx="11750040" cy="6840685"/>
+          </a:xfrm>
+          <a:prstGeom prst="rect">
+            <a:avLst/>
+          </a:prstGeom>
+          <a:gradFill>
+            <a:gsLst>
+              <a:gs pos="21000">
+                <a:schemeClr val="accent1">
+                  <a:lumMod val="50000"/>
+                  <a:alpha val="61000"/>
+                </a:schemeClr>
+              </a:gs>
+              <a:gs pos="100000">
+                <a:schemeClr val="accent1">
+                  <a:alpha val="0"/>
+                </a:schemeClr>
+              </a:gs>
+            </a:gsLst>
+            <a:lin ang="21594000" scaled="0"/>
+          </a:gradFill>
+          <a:ln>
+            <a:noFill/>
+          </a:ln>
+        </p:spPr>
+        <p:style>
+          <a:lnRef idx="2">
+            <a:schemeClr val="accent1">
+              <a:shade val="50000"/>
+            </a:schemeClr>
+          </a:lnRef>
+          <a:fillRef idx="1">
+            <a:schemeClr val="accent1"/>
+          </a:fillRef>
+          <a:effectRef idx="0">
+            <a:schemeClr val="accent1"/>
+          </a:effectRef>
+          <a:fontRef idx="minor">
+            <a:schemeClr val="lt1"/>
+          </a:fontRef>
+        </p:style>
+        <p:txBody>
+          <a:bodyPr rtlCol="0" anchor="ctr"/>
+          <a:lstStyle/>
+          <a:p>
+            <a:pPr algn="ctr"/>
+            <a:endParaRPr lang="en-US"/>
+          </a:p>
+        </p:txBody>
+      </p:sp>
+      <p:sp>
+        <p:nvSpPr>
+          <p:cNvPr id="15" name="Rectangle 14">
+            <a:extLst>
+              <a:ext uri="{FF2B5EF4-FFF2-40B4-BE49-F238E27FC236}">
+                <a16:creationId xmlns:a16="http://schemas.microsoft.com/office/drawing/2014/main" id="{730D8B3B-9B80-4025-B934-26DC7D7CD231}"/>
+              </a:ext>
+              <a:ext uri="{C183D7F6-B498-43B3-948B-1728B52AA6E4}">
+                <adec:decorative xmlns:adec="http://schemas.microsoft.com/office/drawing/2017/decorative" val="1"/>
+              </a:ext>
+            </a:extLst>
+          </p:cNvPr>
+          <p:cNvSpPr>
+            <a:spLocks noGrp="1" noRot="1" noChangeAspect="1" noMove="1" noResize="1" noEditPoints="1" noAdjustHandles="1" noChangeArrowheads="1" noChangeShapeType="1" noTextEdit="1"/>
+          </p:cNvSpPr>
+          <p:nvPr>
+            <p:extLst>
+              <p:ext uri="{386F3935-93C4-4BCD-93E2-E3B085C9AB24}">
+                <p16:designElem xmlns:p16="http://schemas.microsoft.com/office/powerpoint/2015/main" val="1"/>
+              </p:ext>
+            </p:extLst>
+          </p:nvPr>
+        </p:nvSpPr>
+        <p:spPr>
+          <a:xfrm>
+            <a:off x="8606054" y="-1291"/>
+            <a:ext cx="3608179" cy="6858864"/>
+          </a:xfrm>
+          <a:prstGeom prst="rect">
+            <a:avLst/>
+          </a:prstGeom>
+          <a:gradFill>
+            <a:gsLst>
+              <a:gs pos="0">
+                <a:schemeClr val="accent1">
+                  <a:lumMod val="75000"/>
+                  <a:alpha val="0"/>
+                </a:schemeClr>
+              </a:gs>
+              <a:gs pos="99000">
+                <a:srgbClr val="000000">
+                  <a:alpha val="41000"/>
+                </a:srgbClr>
+              </a:gs>
+            </a:gsLst>
+            <a:lin ang="16200000" scaled="0"/>
+          </a:gradFill>
+          <a:ln>
+            <a:noFill/>
+          </a:ln>
+        </p:spPr>
+        <p:style>
+          <a:lnRef idx="2">
+            <a:schemeClr val="accent1">
+              <a:shade val="50000"/>
+            </a:schemeClr>
+          </a:lnRef>
+          <a:fillRef idx="1">
+            <a:schemeClr val="accent1"/>
+          </a:fillRef>
+          <a:effectRef idx="0">
+            <a:schemeClr val="accent1"/>
+          </a:effectRef>
+          <a:fontRef idx="minor">
+            <a:schemeClr val="lt1"/>
+          </a:fontRef>
+        </p:style>
+        <p:txBody>
+          <a:bodyPr rtlCol="0" anchor="ctr"/>
+          <a:lstStyle/>
+          <a:p>
+            <a:pPr algn="ctr"/>
+            <a:endParaRPr lang="en-US"/>
+          </a:p>
+        </p:txBody>
+      </p:sp>
+      <p:sp>
+        <p:nvSpPr>
+          <p:cNvPr id="17" name="Oval 16">
+            <a:extLst>
+              <a:ext uri="{FF2B5EF4-FFF2-40B4-BE49-F238E27FC236}">
+                <a16:creationId xmlns:a16="http://schemas.microsoft.com/office/drawing/2014/main" id="{B5A1B09C-1565-46F8-B70F-621C5EB48A09}"/>
+              </a:ext>
+              <a:ext uri="{C183D7F6-B498-43B3-948B-1728B52AA6E4}">
+                <adec:decorative xmlns:adec="http://schemas.microsoft.com/office/drawing/2017/decorative" val="1"/>
+              </a:ext>
+            </a:extLst>
+          </p:cNvPr>
+          <p:cNvSpPr>
+            <a:spLocks noGrp="1" noRot="1" noChangeAspect="1" noMove="1" noResize="1" noEditPoints="1" noAdjustHandles="1" noChangeArrowheads="1" noChangeShapeType="1" noTextEdit="1"/>
+          </p:cNvSpPr>
+          <p:nvPr>
+            <p:extLst>
+              <p:ext uri="{386F3935-93C4-4BCD-93E2-E3B085C9AB24}">
+                <p16:designElem xmlns:p16="http://schemas.microsoft.com/office/powerpoint/2015/main" val="1"/>
+              </p:ext>
+            </p:extLst>
+          </p:nvPr>
+        </p:nvSpPr>
+        <p:spPr>
+          <a:xfrm rot="15274173">
+            <a:off x="6059728" y="779270"/>
+            <a:ext cx="4967533" cy="4988390"/>
+          </a:xfrm>
+          <a:prstGeom prst="ellipse">
+            <a:avLst/>
+          </a:prstGeom>
+          <a:gradFill>
+            <a:gsLst>
+              <a:gs pos="0">
+                <a:schemeClr val="accent1">
+                  <a:alpha val="24000"/>
+                </a:schemeClr>
+              </a:gs>
+              <a:gs pos="79000">
+                <a:schemeClr val="accent1">
+                  <a:lumMod val="60000"/>
+                  <a:lumOff val="40000"/>
+                  <a:alpha val="0"/>
+                </a:schemeClr>
+              </a:gs>
+            </a:gsLst>
+            <a:lin ang="14400000" scaled="0"/>
+          </a:gradFill>
+          <a:ln>
+            <a:noFill/>
+          </a:ln>
+        </p:spPr>
+        <p:style>
+          <a:lnRef idx="2">
+            <a:schemeClr val="accent1">
+              <a:shade val="50000"/>
+            </a:schemeClr>
+          </a:lnRef>
+          <a:fillRef idx="1">
+            <a:schemeClr val="accent1"/>
+          </a:fillRef>
+          <a:effectRef idx="0">
+            <a:schemeClr val="accent1"/>
+          </a:effectRef>
+          <a:fontRef idx="minor">
+            <a:schemeClr val="lt1"/>
+          </a:fontRef>
+        </p:style>
+        <p:txBody>
+          <a:bodyPr rtlCol="0" anchor="ctr"/>
+          <a:lstStyle/>
+          <a:p>
+            <a:pPr algn="ctr"/>
+            <a:endParaRPr lang="en-US" dirty="0"/>
+          </a:p>
+        </p:txBody>
+      </p:sp>
+      <p:sp>
+        <p:nvSpPr>
+          <p:cNvPr id="2" name="Title 1">
+            <a:extLst>
+              <a:ext uri="{FF2B5EF4-FFF2-40B4-BE49-F238E27FC236}">
+                <a16:creationId xmlns:a16="http://schemas.microsoft.com/office/drawing/2014/main" id="{FEF8E3FF-63BB-ACDD-CFE8-BF11C90C0EB4}"/>
+              </a:ext>
+            </a:extLst>
+          </p:cNvPr>
+          <p:cNvSpPr>
+            <a:spLocks noGrp="1"/>
+          </p:cNvSpPr>
+          <p:nvPr>
+            <p:ph type="title"/>
+          </p:nvPr>
+        </p:nvSpPr>
+        <p:spPr>
+          <a:xfrm>
+            <a:off x="685801" y="371476"/>
+            <a:ext cx="10496550" cy="1295400"/>
+          </a:xfrm>
+        </p:spPr>
+        <p:txBody>
+          <a:bodyPr vert="horz" lIns="91440" tIns="45720" rIns="91440" bIns="45720" rtlCol="0" anchor="b">
+            <a:normAutofit fontScale="90000"/>
+          </a:bodyPr>
+          <a:lstStyle/>
+          <a:p>
+            <a:pPr algn="ctr"/>
+            <a:r>
+              <a:rPr lang="en-US" sz="4800" kern="1200" dirty="0">
+                <a:solidFill>
+                  <a:srgbClr val="FFFFFF"/>
+                </a:solidFill>
+                <a:latin typeface="+mj-lt"/>
+                <a:ea typeface="+mj-ea"/>
+                <a:cs typeface="+mj-cs"/>
+              </a:rPr>
+              <a:t>Contributing Factors to decline in catch </a:t>
+            </a:r>
+            <a:br>
+              <a:rPr lang="en-US" sz="4800" kern="1200" dirty="0">
+                <a:solidFill>
+                  <a:srgbClr val="FFFFFF"/>
+                </a:solidFill>
+                <a:latin typeface="+mj-lt"/>
+                <a:ea typeface="+mj-ea"/>
+                <a:cs typeface="+mj-cs"/>
+              </a:rPr>
+            </a:br>
+            <a:r>
+              <a:rPr lang="en-US" sz="4800" kern="1200" dirty="0">
+                <a:solidFill>
+                  <a:srgbClr val="FFFFFF"/>
+                </a:solidFill>
+                <a:latin typeface="+mj-lt"/>
+                <a:ea typeface="+mj-ea"/>
+                <a:cs typeface="+mj-cs"/>
+              </a:rPr>
+              <a:t>of Cod in U.S</a:t>
+            </a:r>
+          </a:p>
+        </p:txBody>
+      </p:sp>
+      <p:sp>
+        <p:nvSpPr>
+          <p:cNvPr id="19" name="Rectangle 18">
+            <a:extLst>
+              <a:ext uri="{FF2B5EF4-FFF2-40B4-BE49-F238E27FC236}">
+                <a16:creationId xmlns:a16="http://schemas.microsoft.com/office/drawing/2014/main" id="{8C516CC8-80AC-446C-A56E-9F54B7210402}"/>
+              </a:ext>
+              <a:ext uri="{C183D7F6-B498-43B3-948B-1728B52AA6E4}">
+                <adec:decorative xmlns:adec="http://schemas.microsoft.com/office/drawing/2017/decorative" val="1"/>
+              </a:ext>
+            </a:extLst>
+          </p:cNvPr>
+          <p:cNvSpPr>
+            <a:spLocks noGrp="1" noRot="1" noChangeAspect="1" noMove="1" noResize="1" noEditPoints="1" noAdjustHandles="1" noChangeArrowheads="1" noChangeShapeType="1" noTextEdit="1"/>
+          </p:cNvSpPr>
+          <p:nvPr>
+            <p:extLst>
+              <p:ext uri="{386F3935-93C4-4BCD-93E2-E3B085C9AB24}">
+                <p16:designElem xmlns:p16="http://schemas.microsoft.com/office/powerpoint/2015/main" val="1"/>
+              </p:ext>
+            </p:extLst>
+          </p:nvPr>
+        </p:nvSpPr>
+        <p:spPr>
+          <a:xfrm rot="10800000" flipH="1">
+            <a:off x="6314" y="4480038"/>
+            <a:ext cx="12179371" cy="2377962"/>
+          </a:xfrm>
+          <a:prstGeom prst="rect">
+            <a:avLst/>
+          </a:prstGeom>
+          <a:gradFill>
+            <a:gsLst>
+              <a:gs pos="0">
+                <a:schemeClr val="accent1">
+                  <a:lumMod val="75000"/>
+                  <a:alpha val="50000"/>
+                </a:schemeClr>
+              </a:gs>
+              <a:gs pos="99000">
+                <a:srgbClr val="000000">
+                  <a:alpha val="34000"/>
+                </a:srgbClr>
+              </a:gs>
+            </a:gsLst>
+            <a:lin ang="17400000" scaled="0"/>
+          </a:gradFill>
+          <a:ln>
+            <a:noFill/>
+          </a:ln>
+        </p:spPr>
+        <p:style>
+          <a:lnRef idx="2">
+            <a:schemeClr val="accent1">
+              <a:shade val="50000"/>
+            </a:schemeClr>
+          </a:lnRef>
+          <a:fillRef idx="1">
+            <a:schemeClr val="accent1"/>
+          </a:fillRef>
+          <a:effectRef idx="0">
+            <a:schemeClr val="accent1"/>
+          </a:effectRef>
+          <a:fontRef idx="minor">
+            <a:schemeClr val="lt1"/>
+          </a:fontRef>
+        </p:style>
+        <p:txBody>
+          <a:bodyPr rtlCol="0" anchor="ctr"/>
+          <a:lstStyle/>
+          <a:p>
+            <a:pPr algn="ctr"/>
+            <a:endParaRPr lang="en-US"/>
+          </a:p>
+        </p:txBody>
+      </p:sp>
+      <p:sp>
+        <p:nvSpPr>
+          <p:cNvPr id="4" name="Text Placeholder 3">
+            <a:extLst>
+              <a:ext uri="{FF2B5EF4-FFF2-40B4-BE49-F238E27FC236}">
+                <a16:creationId xmlns:a16="http://schemas.microsoft.com/office/drawing/2014/main" id="{CD9081F7-AED2-8120-2348-5D3338D3B5A4}"/>
+              </a:ext>
+            </a:extLst>
+          </p:cNvPr>
+          <p:cNvSpPr>
+            <a:spLocks noGrp="1"/>
+          </p:cNvSpPr>
+          <p:nvPr>
+            <p:ph type="body" idx="1"/>
+          </p:nvPr>
+        </p:nvSpPr>
+        <p:spPr>
+          <a:xfrm>
+            <a:off x="1457864" y="2176794"/>
+            <a:ext cx="9135374" cy="3050814"/>
+          </a:xfrm>
+        </p:spPr>
+        <p:txBody>
+          <a:bodyPr vert="horz" lIns="91440" tIns="45720" rIns="91440" bIns="45720" rtlCol="0">
+            <a:normAutofit fontScale="85000" lnSpcReduction="20000"/>
+          </a:bodyPr>
+          <a:lstStyle/>
+          <a:p>
+            <a:pPr marL="285750" indent="-285750">
+              <a:lnSpc>
+                <a:spcPct val="100000"/>
+              </a:lnSpc>
+              <a:buFont typeface="Arial" panose="020B0604020202020204" pitchFamily="34" charset="0"/>
+              <a:buChar char="•"/>
+            </a:pPr>
+            <a:r>
+              <a:rPr lang="en-US" sz="1900" dirty="0">
+                <a:solidFill>
+                  <a:schemeClr val="bg1"/>
+                </a:solidFill>
+                <a:effectLst/>
+                <a:latin typeface="Calibri Light" panose="020F0302020204030204" pitchFamily="34" charset="0"/>
+                <a:ea typeface="Calibri Light" panose="020F0302020204030204" pitchFamily="34" charset="0"/>
+                <a:cs typeface="Calibri Light" panose="020F0302020204030204" pitchFamily="34" charset="0"/>
+              </a:rPr>
+              <a:t>The Magnuson‐Stevens Fishery Conservation and Management  (</a:t>
+            </a:r>
+            <a:r>
+              <a:rPr lang="en-US" sz="1900" b="0" i="0" dirty="0">
+                <a:solidFill>
+                  <a:schemeClr val="bg1"/>
+                </a:solidFill>
+                <a:effectLst/>
+                <a:latin typeface="Calibri Light" panose="020F0302020204030204" pitchFamily="34" charset="0"/>
+                <a:ea typeface="Calibri Light" panose="020F0302020204030204" pitchFamily="34" charset="0"/>
+                <a:cs typeface="Calibri Light" panose="020F0302020204030204" pitchFamily="34" charset="0"/>
+              </a:rPr>
+              <a:t>MSA) </a:t>
+            </a:r>
+            <a:r>
+              <a:rPr lang="en-US" sz="1900" b="0" i="0" dirty="0">
+                <a:solidFill>
+                  <a:schemeClr val="bg1">
+                    <a:lumMod val="95000"/>
+                  </a:schemeClr>
+                </a:solidFill>
+                <a:effectLst/>
+                <a:latin typeface="Calibri Light" panose="020F0302020204030204" pitchFamily="34" charset="0"/>
+                <a:ea typeface="Calibri Light" panose="020F0302020204030204" pitchFamily="34" charset="0"/>
+                <a:cs typeface="Calibri Light" panose="020F0302020204030204" pitchFamily="34" charset="0"/>
+              </a:rPr>
+              <a:t>was adopted in 1976 under the Carter administration. It is named after the late Senators Warren Magnuson of Washington and Ted Stevens of Alaska. Its primary goals were to extend control of U.S. waters to 200 nautical miles in the ocean; to phase out foreign fishing activities; to prevent overfishing, especially by foreign fleets; to allow overfished stocks to recover; and to conserve and manage fishery resources</a:t>
+            </a:r>
+          </a:p>
+          <a:p>
+            <a:pPr marL="285750" indent="-285750">
+              <a:lnSpc>
+                <a:spcPct val="100000"/>
+              </a:lnSpc>
+              <a:buFont typeface="Arial" panose="020B0604020202020204" pitchFamily="34" charset="0"/>
+              <a:buChar char="•"/>
+            </a:pPr>
+            <a:r>
+              <a:rPr lang="en-US" sz="1900" dirty="0">
+                <a:solidFill>
+                  <a:schemeClr val="bg1"/>
+                </a:solidFill>
+                <a:effectLst/>
+                <a:latin typeface="Calibri Light" panose="020F0302020204030204" pitchFamily="34" charset="0"/>
+                <a:ea typeface="Calibri Light" panose="020F0302020204030204" pitchFamily="34" charset="0"/>
+                <a:cs typeface="Calibri Light" panose="020F0302020204030204" pitchFamily="34" charset="0"/>
+              </a:rPr>
+              <a:t>The Sustainable Fisheries Act of 1996 enacted numerous science, management, and conservation mandates. It recognized the importance of healthy habitat for commercial and recreational fisheries. Fish and other marine species depend on their habitat to survive and reproduce.</a:t>
+            </a:r>
+          </a:p>
+          <a:p>
+            <a:pPr marL="342900" indent="-342900">
+              <a:lnSpc>
+                <a:spcPct val="100000"/>
+              </a:lnSpc>
+              <a:buFont typeface="Arial" panose="020B0604020202020204" pitchFamily="34" charset="0"/>
+              <a:buChar char="•"/>
+            </a:pPr>
+            <a:r>
+              <a:rPr lang="en-US" sz="1900" dirty="0">
+                <a:solidFill>
+                  <a:schemeClr val="bg1"/>
+                </a:solidFill>
+                <a:effectLst/>
+                <a:latin typeface="Calibri Light" panose="020F0302020204030204" pitchFamily="34" charset="0"/>
+                <a:ea typeface="Calibri Light" panose="020F0302020204030204" pitchFamily="34" charset="0"/>
+                <a:cs typeface="Calibri Light" panose="020F0302020204030204" pitchFamily="34" charset="0"/>
+              </a:rPr>
+              <a:t>In 2000, the  World Wide Fund for Nature (WWF)placed cod on the endangered species list. The WWF issued a report stating that the global cod catch had dropped by 70% over the last 30 years and that if this trend continued, the world's cod stocks would disappear in 15 years.</a:t>
+            </a:r>
+          </a:p>
+          <a:p>
+            <a:pPr algn="r">
+              <a:lnSpc>
+                <a:spcPct val="100000"/>
+              </a:lnSpc>
+            </a:pPr>
+            <a:r>
+              <a:rPr lang="en-US" dirty="0">
+                <a:solidFill>
+                  <a:srgbClr val="0E0E0E"/>
+                </a:solidFill>
+                <a:latin typeface="Raleway" pitchFamily="2" charset="0"/>
+                <a:ea typeface="Calibri Light" panose="020F0302020204030204" pitchFamily="34" charset="0"/>
+                <a:cs typeface="Calibri Light" panose="020F0302020204030204" pitchFamily="34" charset="0"/>
+              </a:rPr>
+              <a:t>.</a:t>
+            </a:r>
+          </a:p>
+          <a:p>
+            <a:pPr algn="r">
+              <a:lnSpc>
+                <a:spcPct val="100000"/>
+              </a:lnSpc>
+            </a:pPr>
+            <a:endParaRPr lang="en-US" dirty="0">
+              <a:solidFill>
+                <a:srgbClr val="0E0E0E"/>
+              </a:solidFill>
+              <a:latin typeface="Raleway" pitchFamily="2" charset="0"/>
+              <a:ea typeface="Calibri Light" panose="020F0302020204030204" pitchFamily="34" charset="0"/>
+              <a:cs typeface="Calibri Light" panose="020F0302020204030204" pitchFamily="34" charset="0"/>
+            </a:endParaRPr>
+          </a:p>
+          <a:p>
+            <a:pPr algn="r"/>
+            <a:endParaRPr lang="en-US" sz="2400" kern="1200" dirty="0">
+              <a:solidFill>
+                <a:schemeClr val="bg1"/>
+              </a:solidFill>
+              <a:latin typeface="Raleway" pitchFamily="2" charset="0"/>
+              <a:ea typeface="Calibri Light" panose="020F0302020204030204" pitchFamily="34" charset="0"/>
+              <a:cs typeface="Calibri Light" panose="020F0302020204030204" pitchFamily="34" charset="0"/>
+            </a:endParaRPr>
+          </a:p>
+          <a:p>
+            <a:pPr algn="r"/>
+            <a:endParaRPr lang="en-US" sz="2400" kern="1200" dirty="0">
+              <a:solidFill>
+                <a:srgbClr val="FFFFFF"/>
+              </a:solidFill>
+              <a:latin typeface="+mn-lt"/>
+              <a:ea typeface="+mn-ea"/>
+              <a:cs typeface="+mn-cs"/>
+            </a:endParaRPr>
+          </a:p>
+        </p:txBody>
+      </p:sp>
+      <p:sp>
+        <p:nvSpPr>
+          <p:cNvPr id="21" name="Rectangle 20">
+            <a:extLst>
+              <a:ext uri="{FF2B5EF4-FFF2-40B4-BE49-F238E27FC236}">
+                <a16:creationId xmlns:a16="http://schemas.microsoft.com/office/drawing/2014/main" id="{53947E58-F088-49F1-A3D1-DEA690192E84}"/>
+              </a:ext>
+              <a:ext uri="{C183D7F6-B498-43B3-948B-1728B52AA6E4}">
+                <adec:decorative xmlns:adec="http://schemas.microsoft.com/office/drawing/2017/decorative" val="1"/>
+              </a:ext>
+            </a:extLst>
+          </p:cNvPr>
+          <p:cNvSpPr>
+            <a:spLocks noGrp="1" noRot="1" noChangeAspect="1" noMove="1" noResize="1" noEditPoints="1" noAdjustHandles="1" noChangeArrowheads="1" noChangeShapeType="1" noTextEdit="1"/>
+          </p:cNvSpPr>
+          <p:nvPr>
+            <p:extLst>
+              <p:ext uri="{386F3935-93C4-4BCD-93E2-E3B085C9AB24}">
+                <p16:designElem xmlns:p16="http://schemas.microsoft.com/office/powerpoint/2015/main" val="1"/>
+              </p:ext>
+            </p:extLst>
+          </p:nvPr>
+        </p:nvSpPr>
+        <p:spPr>
+          <a:xfrm rot="16200000" flipH="1">
+            <a:off x="6967085" y="1632660"/>
+            <a:ext cx="6857572" cy="3592258"/>
+          </a:xfrm>
+          <a:prstGeom prst="rect">
+            <a:avLst/>
+          </a:prstGeom>
+          <a:gradFill>
+            <a:gsLst>
+              <a:gs pos="0">
+                <a:schemeClr val="accent1">
+                  <a:lumMod val="75000"/>
+                  <a:alpha val="50000"/>
+                </a:schemeClr>
+              </a:gs>
+              <a:gs pos="99000">
+                <a:srgbClr val="000000">
+                  <a:alpha val="0"/>
+                </a:srgbClr>
+              </a:gs>
+            </a:gsLst>
+            <a:lin ang="15600000" scaled="0"/>
+          </a:gradFill>
+          <a:ln>
+            <a:noFill/>
+          </a:ln>
+        </p:spPr>
+        <p:style>
+          <a:lnRef idx="2">
+            <a:schemeClr val="accent1">
+              <a:shade val="50000"/>
+            </a:schemeClr>
+          </a:lnRef>
+          <a:fillRef idx="1">
+            <a:schemeClr val="accent1"/>
+          </a:fillRef>
+          <a:effectRef idx="0">
+            <a:schemeClr val="accent1"/>
+          </a:effectRef>
+          <a:fontRef idx="minor">
+            <a:schemeClr val="lt1"/>
+          </a:fontRef>
+        </p:style>
+        <p:txBody>
+          <a:bodyPr rtlCol="0" anchor="ctr"/>
+          <a:lstStyle/>
+          <a:p>
+            <a:pPr algn="ctr"/>
+            <a:endParaRPr lang="en-US"/>
+          </a:p>
+        </p:txBody>
+      </p:sp>
+    </p:spTree>
+    <p:extLst>
+      <p:ext uri="{BB962C8B-B14F-4D97-AF65-F5344CB8AC3E}">
+        <p14:creationId xmlns:p14="http://schemas.microsoft.com/office/powerpoint/2010/main" val="95992585"/>
+      </p:ext>
+    </p:extLst>
+  </p:cSld>
+  <p:clrMapOvr>
+    <a:masterClrMapping/>
+  </p:clrMapOvr>
+</p:sld>
+</file>
+
+<file path=ppt/slides/slide9.xml><?xml version="1.0" encoding="utf-8"?>
+<p:sld xmlns:a="http://schemas.openxmlformats.org/drawingml/2006/main" xmlns:r="http://schemas.openxmlformats.org/officeDocument/2006/relationships" xmlns:p="http://schemas.openxmlformats.org/presentationml/2006/main">
+  <p:cSld>
+    <p:bg>
+      <p:bgPr>
+        <a:solidFill>
+          <a:schemeClr val="bg1"/>
+        </a:solidFill>
+        <a:effectLst/>
+      </p:bgPr>
+    </p:bg>
+    <p:spTree>
+      <p:nvGrpSpPr>
+        <p:cNvPr id="1" name=""/>
+        <p:cNvGrpSpPr/>
+        <p:nvPr/>
+      </p:nvGrpSpPr>
+      <p:grpSpPr>
+        <a:xfrm>
+          <a:off x="0" y="0"/>
+          <a:ext cx="0" cy="0"/>
+          <a:chOff x="0" y="0"/>
+          <a:chExt cx="0" cy="0"/>
+        </a:xfrm>
+      </p:grpSpPr>
+      <p:sp useBgFill="1">
+        <p:nvSpPr>
+          <p:cNvPr id="32" name="Rectangle 14">
+            <a:extLst>
+              <a:ext uri="{FF2B5EF4-FFF2-40B4-BE49-F238E27FC236}">
+                <a16:creationId xmlns:a16="http://schemas.microsoft.com/office/drawing/2014/main" id="{A8384FB5-9ADC-4DDC-881B-597D56F5B15D}"/>
+              </a:ext>
+              <a:ext uri="{C183D7F6-B498-43B3-948B-1728B52AA6E4}">
+                <adec:decorative xmlns:adec="http://schemas.microsoft.com/office/drawing/2017/decorative" val="1"/>
+              </a:ext>
+            </a:extLst>
+          </p:cNvPr>
+          <p:cNvSpPr>
+            <a:spLocks noGrp="1" noRot="1" noChangeAspect="1" noMove="1" noResize="1" noEditPoints="1" noAdjustHandles="1" noChangeArrowheads="1" noChangeShapeType="1" noTextEdit="1"/>
+          </p:cNvSpPr>
+          <p:nvPr>
+            <p:extLst>
+              <p:ext uri="{386F3935-93C4-4BCD-93E2-E3B085C9AB24}">
+                <p16:designElem xmlns:p16="http://schemas.microsoft.com/office/powerpoint/2015/main" val="1"/>
+              </p:ext>
+            </p:extLst>
+          </p:nvPr>
+        </p:nvSpPr>
+        <p:spPr>
+          <a:xfrm>
+            <a:off x="0" y="0"/>
+            <a:ext cx="12192000" cy="6858000"/>
+          </a:xfrm>
+          <a:prstGeom prst="rect">
+            <a:avLst/>
+          </a:prstGeom>
+          <a:ln w="12700" cap="flat" cmpd="sng" algn="ctr">
+            <a:noFill/>
+            <a:prstDash val="solid"/>
+            <a:miter lim="800000"/>
+          </a:ln>
+          <a:effectLst/>
+          <a:extLst>
+            <a:ext uri="{91240B29-F687-4F45-9708-019B960494DF}">
+              <a14:hiddenLine xmlns:a14="http://schemas.microsoft.com/office/drawing/2010/main" w="12700" cap="flat" cmpd="sng" algn="ctr">
+                <a:solidFill>
+                  <a:schemeClr val="accent1">
+                    <a:shade val="50000"/>
+                  </a:schemeClr>
+                </a:solidFill>
+                <a:prstDash val="solid"/>
+                <a:miter lim="800000"/>
+              </a14:hiddenLine>
+            </a:ext>
+          </a:extLst>
+        </p:spPr>
+        <p:style>
+          <a:lnRef idx="2">
+            <a:schemeClr val="accent1">
+              <a:shade val="50000"/>
+            </a:schemeClr>
+          </a:lnRef>
+          <a:fillRef idx="1">
+            <a:schemeClr val="accent1"/>
+          </a:fillRef>
+          <a:effectRef idx="0">
+            <a:schemeClr val="accent1"/>
+          </a:effectRef>
+          <a:fontRef idx="minor">
+            <a:schemeClr val="lt1"/>
+          </a:fontRef>
+        </p:style>
+        <p:txBody>
+          <a:bodyPr rtlCol="0" anchor="ctr"/>
+          <a:lstStyle/>
+          <a:p>
+            <a:pPr algn="ctr"/>
+            <a:endParaRPr lang="en-US"/>
+          </a:p>
+        </p:txBody>
+      </p:sp>
+      <p:sp>
+        <p:nvSpPr>
+          <p:cNvPr id="37" name="Rectangle 16">
+            <a:extLst>
+              <a:ext uri="{FF2B5EF4-FFF2-40B4-BE49-F238E27FC236}">
+                <a16:creationId xmlns:a16="http://schemas.microsoft.com/office/drawing/2014/main" id="{91E5A9A7-95C6-4F4F-B00E-C82E07FE62EF}"/>
+              </a:ext>
+              <a:ext uri="{C183D7F6-B498-43B3-948B-1728B52AA6E4}">
+                <adec:decorative xmlns:adec="http://schemas.microsoft.com/office/drawing/2017/decorative" val="1"/>
+              </a:ext>
+            </a:extLst>
+          </p:cNvPr>
+          <p:cNvSpPr>
+            <a:spLocks noGrp="1" noRot="1" noChangeAspect="1" noMove="1" noResize="1" noEditPoints="1" noAdjustHandles="1" noChangeArrowheads="1" noChangeShapeType="1" noTextEdit="1"/>
+          </p:cNvSpPr>
+          <p:nvPr>
+            <p:extLst>
+              <p:ext uri="{386F3935-93C4-4BCD-93E2-E3B085C9AB24}">
+                <p16:designElem xmlns:p16="http://schemas.microsoft.com/office/powerpoint/2015/main" val="1"/>
+              </p:ext>
+            </p:extLst>
+          </p:nvPr>
+        </p:nvSpPr>
+        <p:spPr>
+          <a:xfrm rot="5400000" flipH="1">
+            <a:off x="-1417539" y="1417538"/>
+            <a:ext cx="6875818" cy="4040744"/>
+          </a:xfrm>
+          <a:prstGeom prst="rect">
+            <a:avLst/>
+          </a:prstGeom>
+          <a:gradFill>
+            <a:gsLst>
+              <a:gs pos="0">
+                <a:srgbClr val="000000"/>
+              </a:gs>
+              <a:gs pos="100000">
+                <a:schemeClr val="accent1">
+                  <a:lumMod val="75000"/>
+                </a:schemeClr>
+              </a:gs>
+            </a:gsLst>
+            <a:lin ang="18600000" scaled="0"/>
+          </a:gradFill>
+          <a:ln>
+            <a:noFill/>
+          </a:ln>
+        </p:spPr>
+        <p:style>
+          <a:lnRef idx="2">
+            <a:schemeClr val="accent1">
+              <a:shade val="50000"/>
+            </a:schemeClr>
+          </a:lnRef>
+          <a:fillRef idx="1">
+            <a:schemeClr val="accent1"/>
+          </a:fillRef>
+          <a:effectRef idx="0">
+            <a:schemeClr val="accent1"/>
+          </a:effectRef>
+          <a:fontRef idx="minor">
+            <a:schemeClr val="lt1"/>
+          </a:fontRef>
+        </p:style>
+        <p:txBody>
+          <a:bodyPr rtlCol="0" anchor="ctr"/>
+          <a:lstStyle/>
+          <a:p>
+            <a:pPr algn="ctr"/>
+            <a:endParaRPr lang="en-US" dirty="0"/>
+          </a:p>
+        </p:txBody>
+      </p:sp>
+      <p:sp>
+        <p:nvSpPr>
+          <p:cNvPr id="42" name="Rectangle 18">
+            <a:extLst>
+              <a:ext uri="{FF2B5EF4-FFF2-40B4-BE49-F238E27FC236}">
+                <a16:creationId xmlns:a16="http://schemas.microsoft.com/office/drawing/2014/main" id="{D07DD2DE-F619-49DD-B5E7-03A290FF4ED1}"/>
+              </a:ext>
+              <a:ext uri="{C183D7F6-B498-43B3-948B-1728B52AA6E4}">
+                <adec:decorative xmlns:adec="http://schemas.microsoft.com/office/drawing/2017/decorative" val="1"/>
+              </a:ext>
+            </a:extLst>
+          </p:cNvPr>
+          <p:cNvSpPr>
+            <a:spLocks noGrp="1" noRot="1" noChangeAspect="1" noMove="1" noResize="1" noEditPoints="1" noAdjustHandles="1" noChangeArrowheads="1" noChangeShapeType="1" noTextEdit="1"/>
+          </p:cNvSpPr>
+          <p:nvPr>
+            <p:extLst>
+              <p:ext uri="{386F3935-93C4-4BCD-93E2-E3B085C9AB24}">
+                <p16:designElem xmlns:p16="http://schemas.microsoft.com/office/powerpoint/2015/main" val="1"/>
+              </p:ext>
+            </p:extLst>
+          </p:nvPr>
+        </p:nvSpPr>
+        <p:spPr>
+          <a:xfrm rot="16200000">
+            <a:off x="-158495" y="2660473"/>
+            <a:ext cx="4355594" cy="4038603"/>
+          </a:xfrm>
+          <a:prstGeom prst="rect">
+            <a:avLst/>
+          </a:prstGeom>
+          <a:gradFill>
+            <a:gsLst>
+              <a:gs pos="0">
+                <a:schemeClr val="accent1">
+                  <a:alpha val="50000"/>
+                </a:schemeClr>
+              </a:gs>
+              <a:gs pos="100000">
+                <a:schemeClr val="accent1">
+                  <a:lumMod val="50000"/>
+                  <a:alpha val="0"/>
+                </a:schemeClr>
+              </a:gs>
+            </a:gsLst>
+            <a:lin ang="11400000" scaled="0"/>
+          </a:gradFill>
+          <a:ln>
+            <a:noFill/>
+          </a:ln>
+        </p:spPr>
+        <p:style>
+          <a:lnRef idx="2">
+            <a:schemeClr val="accent1">
+              <a:shade val="50000"/>
+            </a:schemeClr>
+          </a:lnRef>
+          <a:fillRef idx="1">
+            <a:schemeClr val="accent1"/>
+          </a:fillRef>
+          <a:effectRef idx="0">
+            <a:schemeClr val="accent1"/>
+          </a:effectRef>
+          <a:fontRef idx="minor">
+            <a:schemeClr val="lt1"/>
+          </a:fontRef>
+        </p:style>
+        <p:txBody>
+          <a:bodyPr rtlCol="0" anchor="ctr"/>
+          <a:lstStyle/>
+          <a:p>
+            <a:pPr algn="ctr"/>
+            <a:endParaRPr lang="en-US"/>
+          </a:p>
+        </p:txBody>
+      </p:sp>
+      <p:sp>
+        <p:nvSpPr>
+          <p:cNvPr id="43" name="Rectangle 20">
+            <a:extLst>
+              <a:ext uri="{FF2B5EF4-FFF2-40B4-BE49-F238E27FC236}">
+                <a16:creationId xmlns:a16="http://schemas.microsoft.com/office/drawing/2014/main" id="{85149191-5F60-4A28-AAFF-039F96B0F3EC}"/>
+              </a:ext>
+              <a:ext uri="{C183D7F6-B498-43B3-948B-1728B52AA6E4}">
+                <adec:decorative xmlns:adec="http://schemas.microsoft.com/office/drawing/2017/decorative" val="1"/>
+              </a:ext>
+            </a:extLst>
+          </p:cNvPr>
+          <p:cNvSpPr>
+            <a:spLocks noGrp="1" noRot="1" noChangeAspect="1" noMove="1" noResize="1" noEditPoints="1" noAdjustHandles="1" noChangeArrowheads="1" noChangeShapeType="1" noTextEdit="1"/>
+          </p:cNvSpPr>
+          <p:nvPr>
+            <p:extLst>
+              <p:ext uri="{386F3935-93C4-4BCD-93E2-E3B085C9AB24}">
+                <p16:designElem xmlns:p16="http://schemas.microsoft.com/office/powerpoint/2015/main" val="1"/>
+              </p:ext>
+            </p:extLst>
+          </p:nvPr>
+        </p:nvSpPr>
+        <p:spPr>
+          <a:xfrm rot="16200000" flipH="1">
+            <a:off x="-1180882" y="1638085"/>
+            <a:ext cx="6857572" cy="3581401"/>
+          </a:xfrm>
+          <a:prstGeom prst="rect">
+            <a:avLst/>
+          </a:prstGeom>
+          <a:gradFill>
+            <a:gsLst>
+              <a:gs pos="0">
+                <a:srgbClr val="000000">
+                  <a:alpha val="59000"/>
+                </a:srgbClr>
+              </a:gs>
+              <a:gs pos="69000">
+                <a:schemeClr val="accent1">
+                  <a:alpha val="0"/>
+                </a:schemeClr>
+              </a:gs>
+            </a:gsLst>
+            <a:lin ang="13200000" scaled="0"/>
+          </a:gradFill>
+          <a:ln>
+            <a:noFill/>
+          </a:ln>
+        </p:spPr>
+        <p:style>
+          <a:lnRef idx="2">
+            <a:schemeClr val="accent1">
+              <a:shade val="50000"/>
+            </a:schemeClr>
+          </a:lnRef>
+          <a:fillRef idx="1">
+            <a:schemeClr val="accent1"/>
+          </a:fillRef>
+          <a:effectRef idx="0">
+            <a:schemeClr val="accent1"/>
+          </a:effectRef>
+          <a:fontRef idx="minor">
+            <a:schemeClr val="lt1"/>
+          </a:fontRef>
+        </p:style>
+        <p:txBody>
+          <a:bodyPr rtlCol="0" anchor="ctr"/>
+          <a:lstStyle/>
+          <a:p>
+            <a:pPr algn="ctr"/>
+            <a:endParaRPr lang="en-US" dirty="0"/>
+          </a:p>
+        </p:txBody>
+      </p:sp>
+      <p:sp>
+        <p:nvSpPr>
+          <p:cNvPr id="44" name="Freeform: Shape 22">
+            <a:extLst>
+              <a:ext uri="{FF2B5EF4-FFF2-40B4-BE49-F238E27FC236}">
+                <a16:creationId xmlns:a16="http://schemas.microsoft.com/office/drawing/2014/main" id="{F8260ED5-17F7-4158-B241-D51DD4CF1B7E}"/>
+              </a:ext>
+              <a:ext uri="{C183D7F6-B498-43B3-948B-1728B52AA6E4}">
+                <adec:decorative xmlns:adec="http://schemas.microsoft.com/office/drawing/2017/decorative" val="1"/>
+              </a:ext>
+            </a:extLst>
+          </p:cNvPr>
+          <p:cNvSpPr>
+            <a:spLocks noGrp="1" noRot="1" noChangeAspect="1" noMove="1" noResize="1" noEditPoints="1" noAdjustHandles="1" noChangeArrowheads="1" noChangeShapeType="1" noTextEdit="1"/>
+          </p:cNvSpPr>
+          <p:nvPr>
+            <p:extLst>
+              <p:ext uri="{386F3935-93C4-4BCD-93E2-E3B085C9AB24}">
+                <p16:designElem xmlns:p16="http://schemas.microsoft.com/office/powerpoint/2015/main" val="1"/>
+              </p:ext>
+            </p:extLst>
+          </p:nvPr>
+        </p:nvSpPr>
+        <p:spPr>
+          <a:xfrm rot="6097846">
+            <a:off x="-747355" y="1201312"/>
+            <a:ext cx="4808302" cy="4088666"/>
+          </a:xfrm>
+          <a:custGeom>
+            <a:avLst/>
+            <a:gdLst>
+              <a:gd name="connsiteX0" fmla="*/ 48844 w 4808302"/>
+              <a:gd name="connsiteY0" fmla="*/ 2888671 h 4088666"/>
+              <a:gd name="connsiteX1" fmla="*/ 0 w 4808302"/>
+              <a:gd name="connsiteY1" fmla="*/ 2404151 h 4088666"/>
+              <a:gd name="connsiteX2" fmla="*/ 2404151 w 4808302"/>
+              <a:gd name="connsiteY2" fmla="*/ 0 h 4088666"/>
+              <a:gd name="connsiteX3" fmla="*/ 4808302 w 4808302"/>
+              <a:gd name="connsiteY3" fmla="*/ 2404151 h 4088666"/>
+              <a:gd name="connsiteX4" fmla="*/ 4700216 w 4808302"/>
+              <a:gd name="connsiteY4" fmla="*/ 3119072 h 4088666"/>
+              <a:gd name="connsiteX5" fmla="*/ 4643143 w 4808302"/>
+              <a:gd name="connsiteY5" fmla="*/ 3275009 h 4088666"/>
+              <a:gd name="connsiteX6" fmla="*/ 690093 w 4808302"/>
+              <a:gd name="connsiteY6" fmla="*/ 4088666 h 4088666"/>
+              <a:gd name="connsiteX7" fmla="*/ 548991 w 4808302"/>
+              <a:gd name="connsiteY7" fmla="*/ 3933414 h 4088666"/>
+              <a:gd name="connsiteX8" fmla="*/ 48844 w 4808302"/>
+              <a:gd name="connsiteY8" fmla="*/ 2888671 h 4088666"/>
+            </a:gdLst>
+            <a:ahLst/>
+            <a:cxnLst>
+              <a:cxn ang="0">
+                <a:pos x="connsiteX0" y="connsiteY0"/>
+              </a:cxn>
+              <a:cxn ang="0">
+                <a:pos x="connsiteX1" y="connsiteY1"/>
+              </a:cxn>
+              <a:cxn ang="0">
+                <a:pos x="connsiteX2" y="connsiteY2"/>
+              </a:cxn>
+              <a:cxn ang="0">
+                <a:pos x="connsiteX3" y="connsiteY3"/>
+              </a:cxn>
+              <a:cxn ang="0">
+                <a:pos x="connsiteX4" y="connsiteY4"/>
+              </a:cxn>
+              <a:cxn ang="0">
+                <a:pos x="connsiteX5" y="connsiteY5"/>
+              </a:cxn>
+              <a:cxn ang="0">
+                <a:pos x="connsiteX6" y="connsiteY6"/>
+              </a:cxn>
+              <a:cxn ang="0">
+                <a:pos x="connsiteX7" y="connsiteY7"/>
+              </a:cxn>
+              <a:cxn ang="0">
+                <a:pos x="connsiteX8" y="connsiteY8"/>
+              </a:cxn>
+            </a:cxnLst>
+            <a:rect l="l" t="t" r="r" b="b"/>
+            <a:pathLst>
+              <a:path w="4808302" h="4088666">
+                <a:moveTo>
+                  <a:pt x="48844" y="2888671"/>
+                </a:moveTo>
+                <a:cubicBezTo>
+                  <a:pt x="16818" y="2732167"/>
+                  <a:pt x="0" y="2570123"/>
+                  <a:pt x="0" y="2404151"/>
+                </a:cubicBezTo>
+                <a:cubicBezTo>
+                  <a:pt x="0" y="1076375"/>
+                  <a:pt x="1076375" y="0"/>
+                  <a:pt x="2404151" y="0"/>
+                </a:cubicBezTo>
+                <a:cubicBezTo>
+                  <a:pt x="3731927" y="0"/>
+                  <a:pt x="4808302" y="1076375"/>
+                  <a:pt x="4808302" y="2404151"/>
+                </a:cubicBezTo>
+                <a:cubicBezTo>
+                  <a:pt x="4808302" y="2653109"/>
+                  <a:pt x="4770461" y="2893229"/>
+                  <a:pt x="4700216" y="3119072"/>
+                </a:cubicBezTo>
+                <a:lnTo>
+                  <a:pt x="4643143" y="3275009"/>
+                </a:lnTo>
+                <a:lnTo>
+                  <a:pt x="690093" y="4088666"/>
+                </a:lnTo>
+                <a:lnTo>
+                  <a:pt x="548991" y="3933414"/>
+                </a:lnTo>
+                <a:cubicBezTo>
+                  <a:pt x="304015" y="3636572"/>
+                  <a:pt x="128908" y="3279932"/>
+                  <a:pt x="48844" y="2888671"/>
+                </a:cubicBezTo>
+                <a:close/>
+              </a:path>
+            </a:pathLst>
+          </a:custGeom>
+          <a:gradFill>
+            <a:gsLst>
+              <a:gs pos="39000">
+                <a:schemeClr val="accent1">
+                  <a:lumMod val="60000"/>
+                  <a:lumOff val="40000"/>
+                  <a:alpha val="0"/>
+                </a:schemeClr>
+              </a:gs>
+              <a:gs pos="100000">
+                <a:schemeClr val="accent1">
+                  <a:lumMod val="75000"/>
+                  <a:alpha val="26000"/>
+                </a:schemeClr>
+              </a:gs>
+            </a:gsLst>
+            <a:lin ang="18600000" scaled="0"/>
+          </a:gradFill>
+          <a:ln>
+            <a:noFill/>
+          </a:ln>
+        </p:spPr>
+        <p:style>
+          <a:lnRef idx="2">
+            <a:schemeClr val="accent1">
+              <a:shade val="50000"/>
+            </a:schemeClr>
+          </a:lnRef>
+          <a:fillRef idx="1">
+            <a:schemeClr val="accent1"/>
+          </a:fillRef>
+          <a:effectRef idx="0">
+            <a:schemeClr val="accent1"/>
+          </a:effectRef>
+          <a:fontRef idx="minor">
+            <a:schemeClr val="lt1"/>
+          </a:fontRef>
+        </p:style>
+        <p:txBody>
+          <a:bodyPr wrap="square" rtlCol="0" anchor="ctr">
+            <a:noAutofit/>
+          </a:bodyPr>
+          <a:lstStyle/>
+          <a:p>
+            <a:pPr algn="ctr"/>
+            <a:endParaRPr lang="en-US" dirty="0"/>
+          </a:p>
+        </p:txBody>
+      </p:sp>
+      <p:sp>
+        <p:nvSpPr>
+          <p:cNvPr id="45" name="Title 4">
+            <a:extLst>
+              <a:ext uri="{FF2B5EF4-FFF2-40B4-BE49-F238E27FC236}">
+                <a16:creationId xmlns:a16="http://schemas.microsoft.com/office/drawing/2014/main" id="{54DE41DF-8CF7-E706-E051-85EF98761B79}"/>
+              </a:ext>
+            </a:extLst>
+          </p:cNvPr>
+          <p:cNvSpPr>
+            <a:spLocks noGrp="1"/>
+          </p:cNvSpPr>
+          <p:nvPr>
+            <p:ph type="title"/>
+          </p:nvPr>
+        </p:nvSpPr>
+        <p:spPr>
+          <a:xfrm>
+            <a:off x="578888" y="550705"/>
+            <a:ext cx="2880828" cy="5086570"/>
+          </a:xfrm>
+        </p:spPr>
+        <p:txBody>
+          <a:bodyPr vert="horz" lIns="91440" tIns="45720" rIns="91440" bIns="45720" rtlCol="0" anchor="t">
+            <a:normAutofit fontScale="90000"/>
+          </a:bodyPr>
+          <a:lstStyle/>
+          <a:p>
+            <a:r>
+              <a:rPr lang="en-US" sz="4000" kern="1200" dirty="0">
+                <a:solidFill>
+                  <a:srgbClr val="FFFFFF"/>
+                </a:solidFill>
+                <a:latin typeface="+mj-lt"/>
+                <a:ea typeface="+mj-ea"/>
+                <a:cs typeface="+mj-cs"/>
+              </a:rPr>
+              <a:t>Is it just cod in depletion?</a:t>
+            </a:r>
+            <a:br>
+              <a:rPr lang="en-US" sz="4000" kern="1200" dirty="0">
+                <a:solidFill>
+                  <a:srgbClr val="FFFFFF"/>
+                </a:solidFill>
+                <a:latin typeface="+mj-lt"/>
+                <a:ea typeface="+mj-ea"/>
+                <a:cs typeface="+mj-cs"/>
+              </a:rPr>
+            </a:br>
+            <a:br>
+              <a:rPr lang="en-US" sz="1200" u="none" strike="noStrike" dirty="0">
+                <a:solidFill>
+                  <a:schemeClr val="bg1"/>
+                </a:solidFill>
+                <a:effectLst/>
+                <a:latin typeface="Calibri Light" panose="020F0302020204030204" pitchFamily="34" charset="0"/>
+                <a:ea typeface="Calibri Light" panose="020F0302020204030204" pitchFamily="34" charset="0"/>
+                <a:cs typeface="Calibri Light" panose="020F0302020204030204" pitchFamily="34" charset="0"/>
+              </a:rPr>
+            </a:br>
+            <a:r>
+              <a:rPr lang="en-US" sz="1800" dirty="0">
+                <a:solidFill>
+                  <a:schemeClr val="bg1"/>
+                </a:solidFill>
+                <a:effectLst/>
+                <a:latin typeface="Calibri Light" panose="020F0302020204030204" pitchFamily="34" charset="0"/>
+                <a:ea typeface="Calibri Light" panose="020F0302020204030204" pitchFamily="34" charset="0"/>
+                <a:cs typeface="Calibri Light" panose="020F0302020204030204" pitchFamily="34" charset="0"/>
+              </a:rPr>
+              <a:t>Atlantic cod, halibut and salmon are now on the U.S. government’s list of depleting fish stocks.</a:t>
+            </a:r>
+            <a:br>
+              <a:rPr lang="en-US" sz="1800" dirty="0">
+                <a:solidFill>
+                  <a:schemeClr val="bg1"/>
+                </a:solidFill>
+                <a:effectLst/>
+                <a:latin typeface="Calibri Light" panose="020F0302020204030204" pitchFamily="34" charset="0"/>
+                <a:ea typeface="Calibri Light" panose="020F0302020204030204" pitchFamily="34" charset="0"/>
+                <a:cs typeface="Calibri Light" panose="020F0302020204030204" pitchFamily="34" charset="0"/>
+              </a:rPr>
+            </a:br>
+            <a:br>
+              <a:rPr lang="en-US" sz="1800" dirty="0">
+                <a:solidFill>
+                  <a:schemeClr val="bg1"/>
+                </a:solidFill>
+                <a:effectLst/>
+                <a:latin typeface="Calibri Light" panose="020F0302020204030204" pitchFamily="34" charset="0"/>
+                <a:ea typeface="Calibri Light" panose="020F0302020204030204" pitchFamily="34" charset="0"/>
+                <a:cs typeface="Calibri Light" panose="020F0302020204030204" pitchFamily="34" charset="0"/>
+              </a:rPr>
+            </a:br>
+            <a:r>
+              <a:rPr lang="en-US" sz="1800" strike="noStrike" dirty="0">
+                <a:solidFill>
+                  <a:schemeClr val="bg1"/>
+                </a:solidFill>
+                <a:effectLst/>
+                <a:latin typeface="Calibri Light" panose="020F0302020204030204" pitchFamily="34" charset="0"/>
+                <a:ea typeface="Calibri Light" panose="020F0302020204030204" pitchFamily="34" charset="0"/>
+                <a:cs typeface="Calibri Light" panose="020F0302020204030204" pitchFamily="34" charset="0"/>
+              </a:rPr>
+              <a:t>It is estimated that between 65% and 85% of seafood consumed in the U.S. is imported (</a:t>
+            </a:r>
+            <a:r>
+              <a:rPr lang="en-US" sz="1800" strike="noStrike" dirty="0" err="1">
+                <a:solidFill>
+                  <a:schemeClr val="bg1"/>
+                </a:solidFill>
+                <a:effectLst/>
+                <a:latin typeface="Calibri Light" panose="020F0302020204030204" pitchFamily="34" charset="0"/>
+                <a:ea typeface="Calibri Light" panose="020F0302020204030204" pitchFamily="34" charset="0"/>
+                <a:cs typeface="Calibri Light" panose="020F0302020204030204" pitchFamily="34" charset="0"/>
+              </a:rPr>
+              <a:t>Gephart</a:t>
+            </a:r>
+            <a:r>
+              <a:rPr lang="en-US" sz="1800" strike="noStrike" dirty="0">
+                <a:solidFill>
+                  <a:schemeClr val="bg1"/>
+                </a:solidFill>
+                <a:effectLst/>
+                <a:latin typeface="Calibri Light" panose="020F0302020204030204" pitchFamily="34" charset="0"/>
+                <a:ea typeface="Calibri Light" panose="020F0302020204030204" pitchFamily="34" charset="0"/>
+                <a:cs typeface="Calibri Light" panose="020F0302020204030204" pitchFamily="34" charset="0"/>
+              </a:rPr>
+              <a:t> et al.2019; NOAA 2021).</a:t>
+            </a:r>
+            <a:br>
+              <a:rPr lang="en-US" sz="1800" strike="noStrike" dirty="0">
+                <a:solidFill>
+                  <a:schemeClr val="bg1"/>
+                </a:solidFill>
+                <a:effectLst/>
+                <a:latin typeface="Calibri Light" panose="020F0302020204030204" pitchFamily="34" charset="0"/>
+                <a:ea typeface="Calibri Light" panose="020F0302020204030204" pitchFamily="34" charset="0"/>
+                <a:cs typeface="Calibri Light" panose="020F0302020204030204" pitchFamily="34" charset="0"/>
+              </a:rPr>
+            </a:br>
+            <a:br>
+              <a:rPr lang="en-US" sz="1800" strike="noStrike" dirty="0">
+                <a:solidFill>
+                  <a:schemeClr val="bg1"/>
+                </a:solidFill>
+                <a:effectLst/>
+                <a:latin typeface="Calibri Light" panose="020F0302020204030204" pitchFamily="34" charset="0"/>
+                <a:ea typeface="Calibri Light" panose="020F0302020204030204" pitchFamily="34" charset="0"/>
+                <a:cs typeface="Calibri Light" panose="020F0302020204030204" pitchFamily="34" charset="0"/>
+              </a:rPr>
+            </a:br>
+            <a:r>
+              <a:rPr lang="en-US" sz="1800" dirty="0">
+                <a:solidFill>
+                  <a:schemeClr val="bg1"/>
+                </a:solidFill>
+                <a:effectLst/>
+                <a:latin typeface="Calibri Light" panose="020F0302020204030204" pitchFamily="34" charset="0"/>
+                <a:ea typeface="Calibri Light" panose="020F0302020204030204" pitchFamily="34" charset="0"/>
+                <a:cs typeface="Calibri Light" panose="020F0302020204030204" pitchFamily="34" charset="0"/>
+              </a:rPr>
+              <a:t>Depleting fishing stocks are the result of both </a:t>
+            </a:r>
+            <a:r>
+              <a:rPr lang="en-US" sz="1800" i="1" dirty="0">
+                <a:solidFill>
+                  <a:schemeClr val="bg1"/>
+                </a:solidFill>
+                <a:effectLst/>
+                <a:latin typeface="Calibri Light" panose="020F0302020204030204" pitchFamily="34" charset="0"/>
+                <a:ea typeface="Calibri Light" panose="020F0302020204030204" pitchFamily="34" charset="0"/>
+                <a:cs typeface="Calibri Light" panose="020F0302020204030204" pitchFamily="34" charset="0"/>
+              </a:rPr>
+              <a:t>overfishing</a:t>
+            </a:r>
+            <a:r>
+              <a:rPr lang="en-US" sz="1800" dirty="0">
+                <a:solidFill>
+                  <a:schemeClr val="bg1"/>
+                </a:solidFill>
+                <a:effectLst/>
+                <a:latin typeface="Calibri Light" panose="020F0302020204030204" pitchFamily="34" charset="0"/>
+                <a:ea typeface="Calibri Light" panose="020F0302020204030204" pitchFamily="34" charset="0"/>
+                <a:cs typeface="Calibri Light" panose="020F0302020204030204" pitchFamily="34" charset="0"/>
+              </a:rPr>
+              <a:t> and </a:t>
+            </a:r>
+            <a:r>
+              <a:rPr lang="en-US" sz="1800" i="1" dirty="0">
+                <a:solidFill>
+                  <a:schemeClr val="bg1"/>
+                </a:solidFill>
+                <a:effectLst/>
+                <a:latin typeface="Calibri Light" panose="020F0302020204030204" pitchFamily="34" charset="0"/>
+                <a:ea typeface="Calibri Light" panose="020F0302020204030204" pitchFamily="34" charset="0"/>
+                <a:cs typeface="Calibri Light" panose="020F0302020204030204" pitchFamily="34" charset="0"/>
+              </a:rPr>
+              <a:t>being overfished</a:t>
+            </a:r>
+            <a:r>
+              <a:rPr lang="en-US" sz="1800" dirty="0">
+                <a:solidFill>
+                  <a:schemeClr val="bg1"/>
+                </a:solidFill>
+                <a:effectLst/>
+                <a:latin typeface="Calibri Light" panose="020F0302020204030204" pitchFamily="34" charset="0"/>
+                <a:ea typeface="Calibri Light" panose="020F0302020204030204" pitchFamily="34" charset="0"/>
+                <a:cs typeface="Calibri Light" panose="020F0302020204030204" pitchFamily="34" charset="0"/>
+              </a:rPr>
+              <a:t>, which, according to the National Oceanic and Atmospheric Institute, </a:t>
+            </a:r>
+            <a:r>
+              <a:rPr lang="en-US" sz="1800" b="1" strike="noStrike" dirty="0">
+                <a:solidFill>
+                  <a:schemeClr val="bg1"/>
+                </a:solidFill>
+                <a:effectLst/>
+                <a:latin typeface="Calibri Light" panose="020F0302020204030204" pitchFamily="34" charset="0"/>
+                <a:ea typeface="Calibri Light" panose="020F0302020204030204" pitchFamily="34" charset="0"/>
+                <a:cs typeface="Calibri Light" panose="020F0302020204030204" pitchFamily="34" charset="0"/>
+                <a:hlinkClick r:id="rId2">
+                  <a:extLst>
+                    <a:ext uri="{A12FA001-AC4F-418D-AE19-62706E023703}">
+                      <ahyp:hlinkClr xmlns:ahyp="http://schemas.microsoft.com/office/drawing/2018/hyperlinkcolor" val="tx"/>
+                    </a:ext>
+                  </a:extLst>
+                </a:hlinkClick>
+              </a:rPr>
+              <a:t>are two separate problems.</a:t>
+            </a:r>
+            <a:br>
+              <a:rPr lang="en-US" sz="1800" strike="noStrike" dirty="0">
+                <a:solidFill>
+                  <a:schemeClr val="bg1"/>
+                </a:solidFill>
+                <a:effectLst/>
+                <a:latin typeface="Calibri Light" panose="020F0302020204030204" pitchFamily="34" charset="0"/>
+                <a:ea typeface="Calibri Light" panose="020F0302020204030204" pitchFamily="34" charset="0"/>
+                <a:cs typeface="Calibri Light" panose="020F0302020204030204" pitchFamily="34" charset="0"/>
+              </a:rPr>
+            </a:br>
+            <a:br>
+              <a:rPr lang="en-US" sz="1800" u="none" strike="noStrike" dirty="0">
+                <a:effectLst/>
+                <a:latin typeface="Arial" panose="020B0604020202020204" pitchFamily="34" charset="0"/>
+                <a:ea typeface="Arial" panose="020B0604020202020204" pitchFamily="34" charset="0"/>
+              </a:rPr>
+            </a:br>
+            <a:endParaRPr lang="en-US" sz="4000" kern="1200" dirty="0">
+              <a:solidFill>
+                <a:srgbClr val="FFFFFF"/>
+              </a:solidFill>
+              <a:latin typeface="+mj-lt"/>
+              <a:ea typeface="+mj-ea"/>
+              <a:cs typeface="+mj-cs"/>
+            </a:endParaRPr>
+          </a:p>
+        </p:txBody>
+      </p:sp>
+      <p:pic>
+        <p:nvPicPr>
+          <p:cNvPr id="10" name="slide10" descr="Other">
+            <a:extLst>
+              <a:ext uri="{FF2B5EF4-FFF2-40B4-BE49-F238E27FC236}">
+                <a16:creationId xmlns:a16="http://schemas.microsoft.com/office/drawing/2014/main" id="{02463AC2-1AFB-402C-A75A-486B4BB1D300}"/>
+              </a:ext>
+            </a:extLst>
+          </p:cNvPr>
+          <p:cNvPicPr>
+            <a:picLocks noGrp="1" noChangeAspect="1"/>
+          </p:cNvPicPr>
+          <p:nvPr>
+            <p:ph idx="1"/>
+          </p:nvPr>
+        </p:nvPicPr>
+        <p:blipFill>
+          <a:blip r:embed="rId3">
+            <a:extLst>
+              <a:ext uri="{28A0092B-C50C-407E-A947-70E740481C1C}">
+                <a14:useLocalDpi xmlns:a14="http://schemas.microsoft.com/office/drawing/2010/main" val="0"/>
+              </a:ext>
+            </a:extLst>
+          </a:blip>
+          <a:stretch>
+            <a:fillRect/>
+          </a:stretch>
+        </p:blipFill>
+        <p:spPr>
+          <a:xfrm>
+            <a:off x="6293800" y="467208"/>
+            <a:ext cx="3643003" cy="5923584"/>
+          </a:xfrm>
+          <a:prstGeom prst="rect">
+            <a:avLst/>
+          </a:prstGeom>
+        </p:spPr>
+      </p:pic>
     </p:spTree>
     <p:extLst>
       <p:ext uri="{BB962C8B-B14F-4D97-AF65-F5344CB8AC3E}">
